--- a/Status fo Statistics Curricula.pptx
+++ b/Status fo Statistics Curricula.pptx
@@ -5,18 +5,19 @@
     <p:sldMasterId id="2147483648" r:id="rId1"/>
   </p:sldMasterIdLst>
   <p:notesMasterIdLst>
-    <p:notesMasterId r:id="rId11"/>
+    <p:notesMasterId r:id="rId12"/>
   </p:notesMasterIdLst>
   <p:sldIdLst>
     <p:sldId id="256" r:id="rId2"/>
     <p:sldId id="257" r:id="rId3"/>
     <p:sldId id="258" r:id="rId4"/>
     <p:sldId id="259" r:id="rId5"/>
-    <p:sldId id="261" r:id="rId6"/>
-    <p:sldId id="262" r:id="rId7"/>
-    <p:sldId id="263" r:id="rId8"/>
-    <p:sldId id="264" r:id="rId9"/>
-    <p:sldId id="265" r:id="rId10"/>
+    <p:sldId id="266" r:id="rId6"/>
+    <p:sldId id="267" r:id="rId7"/>
+    <p:sldId id="262" r:id="rId8"/>
+    <p:sldId id="263" r:id="rId9"/>
+    <p:sldId id="264" r:id="rId10"/>
+    <p:sldId id="265" r:id="rId11"/>
   </p:sldIdLst>
   <p:sldSz cx="12192000" cy="6858000"/>
   <p:notesSz cx="6858000" cy="9144000"/>
@@ -115,6 +116,11 @@
       </a:defRPr>
     </a:lvl9pPr>
   </p:defaultTextStyle>
+  <p:extLst>
+    <p:ext uri="{EFAFB233-063F-42B5-8137-9DF3F51BA10A}">
+      <p15:sldGuideLst xmlns:p15="http://schemas.microsoft.com/office/powerpoint/2012/main"/>
+    </p:ext>
+  </p:extLst>
 </p:presentation>
 </file>
 
@@ -200,7 +206,7 @@
           <a:p>
             <a:fld id="{88759146-D9B4-4E36-9A74-666275327657}" type="datetimeFigureOut">
               <a:rPr lang="en-US" smtClean="0"/>
-              <a:t>6/1/2017</a:t>
+              <a:t>6/5/2017</a:t>
             </a:fld>
             <a:endParaRPr lang="en-US"/>
           </a:p>
@@ -755,7 +761,7 @@
           <a:p>
             <a:fld id="{6F49C482-87CA-4B33-8605-43E5589E6771}" type="datetimeFigureOut">
               <a:rPr lang="en-US" smtClean="0"/>
-              <a:t>6/1/2017</a:t>
+              <a:t>6/5/2017</a:t>
             </a:fld>
             <a:endParaRPr lang="en-US"/>
           </a:p>
@@ -925,7 +931,7 @@
           <a:p>
             <a:fld id="{6F49C482-87CA-4B33-8605-43E5589E6771}" type="datetimeFigureOut">
               <a:rPr lang="en-US" smtClean="0"/>
-              <a:t>6/1/2017</a:t>
+              <a:t>6/5/2017</a:t>
             </a:fld>
             <a:endParaRPr lang="en-US"/>
           </a:p>
@@ -1105,7 +1111,7 @@
           <a:p>
             <a:fld id="{6F49C482-87CA-4B33-8605-43E5589E6771}" type="datetimeFigureOut">
               <a:rPr lang="en-US" smtClean="0"/>
-              <a:t>6/1/2017</a:t>
+              <a:t>6/5/2017</a:t>
             </a:fld>
             <a:endParaRPr lang="en-US"/>
           </a:p>
@@ -1275,7 +1281,7 @@
           <a:p>
             <a:fld id="{6F49C482-87CA-4B33-8605-43E5589E6771}" type="datetimeFigureOut">
               <a:rPr lang="en-US" smtClean="0"/>
-              <a:t>6/1/2017</a:t>
+              <a:t>6/5/2017</a:t>
             </a:fld>
             <a:endParaRPr lang="en-US"/>
           </a:p>
@@ -1521,7 +1527,7 @@
           <a:p>
             <a:fld id="{6F49C482-87CA-4B33-8605-43E5589E6771}" type="datetimeFigureOut">
               <a:rPr lang="en-US" smtClean="0"/>
-              <a:t>6/1/2017</a:t>
+              <a:t>6/5/2017</a:t>
             </a:fld>
             <a:endParaRPr lang="en-US"/>
           </a:p>
@@ -1753,7 +1759,7 @@
           <a:p>
             <a:fld id="{6F49C482-87CA-4B33-8605-43E5589E6771}" type="datetimeFigureOut">
               <a:rPr lang="en-US" smtClean="0"/>
-              <a:t>6/1/2017</a:t>
+              <a:t>6/5/2017</a:t>
             </a:fld>
             <a:endParaRPr lang="en-US"/>
           </a:p>
@@ -2120,7 +2126,7 @@
           <a:p>
             <a:fld id="{6F49C482-87CA-4B33-8605-43E5589E6771}" type="datetimeFigureOut">
               <a:rPr lang="en-US" smtClean="0"/>
-              <a:t>6/1/2017</a:t>
+              <a:t>6/5/2017</a:t>
             </a:fld>
             <a:endParaRPr lang="en-US"/>
           </a:p>
@@ -2238,7 +2244,7 @@
           <a:p>
             <a:fld id="{6F49C482-87CA-4B33-8605-43E5589E6771}" type="datetimeFigureOut">
               <a:rPr lang="en-US" smtClean="0"/>
-              <a:t>6/1/2017</a:t>
+              <a:t>6/5/2017</a:t>
             </a:fld>
             <a:endParaRPr lang="en-US"/>
           </a:p>
@@ -2333,7 +2339,7 @@
           <a:p>
             <a:fld id="{6F49C482-87CA-4B33-8605-43E5589E6771}" type="datetimeFigureOut">
               <a:rPr lang="en-US" smtClean="0"/>
-              <a:t>6/1/2017</a:t>
+              <a:t>6/5/2017</a:t>
             </a:fld>
             <a:endParaRPr lang="en-US"/>
           </a:p>
@@ -2610,7 +2616,7 @@
           <a:p>
             <a:fld id="{6F49C482-87CA-4B33-8605-43E5589E6771}" type="datetimeFigureOut">
               <a:rPr lang="en-US" smtClean="0"/>
-              <a:t>6/1/2017</a:t>
+              <a:t>6/5/2017</a:t>
             </a:fld>
             <a:endParaRPr lang="en-US"/>
           </a:p>
@@ -2863,7 +2869,7 @@
           <a:p>
             <a:fld id="{6F49C482-87CA-4B33-8605-43E5589E6771}" type="datetimeFigureOut">
               <a:rPr lang="en-US" smtClean="0"/>
-              <a:t>6/1/2017</a:t>
+              <a:t>6/5/2017</a:t>
             </a:fld>
             <a:endParaRPr lang="en-US"/>
           </a:p>
@@ -3076,7 +3082,7 @@
           <a:p>
             <a:fld id="{6F49C482-87CA-4B33-8605-43E5589E6771}" type="datetimeFigureOut">
               <a:rPr lang="en-US" smtClean="0"/>
-              <a:t>6/1/2017</a:t>
+              <a:t>6/5/2017</a:t>
             </a:fld>
             <a:endParaRPr lang="en-US"/>
           </a:p>
@@ -3587,6 +3593,81 @@
 </p:sld>
 </file>
 
+<file path=ppt/slides/slide10.xml><?xml version="1.0" encoding="utf-8"?>
+<p:sld xmlns:a="http://schemas.openxmlformats.org/drawingml/2006/main" xmlns:r="http://schemas.openxmlformats.org/officeDocument/2006/relationships" xmlns:p="http://schemas.openxmlformats.org/presentationml/2006/main">
+  <p:cSld>
+    <p:spTree>
+      <p:nvGrpSpPr>
+        <p:cNvPr id="1" name=""/>
+        <p:cNvGrpSpPr/>
+        <p:nvPr/>
+      </p:nvGrpSpPr>
+      <p:grpSpPr>
+        <a:xfrm>
+          <a:off x="0" y="0"/>
+          <a:ext cx="0" cy="0"/>
+          <a:chOff x="0" y="0"/>
+          <a:chExt cx="0" cy="0"/>
+        </a:xfrm>
+      </p:grpSpPr>
+      <p:sp>
+        <p:nvSpPr>
+          <p:cNvPr id="2" name="Title 1"/>
+          <p:cNvSpPr>
+            <a:spLocks noGrp="1"/>
+          </p:cNvSpPr>
+          <p:nvPr>
+            <p:ph type="title"/>
+          </p:nvPr>
+        </p:nvSpPr>
+        <p:spPr/>
+        <p:txBody>
+          <a:bodyPr/>
+          <a:lstStyle/>
+          <a:p>
+            <a:endParaRPr lang="en-US"/>
+          </a:p>
+        </p:txBody>
+      </p:sp>
+      <p:sp>
+        <p:nvSpPr>
+          <p:cNvPr id="3" name="Content Placeholder 2"/>
+          <p:cNvSpPr>
+            <a:spLocks noGrp="1"/>
+          </p:cNvSpPr>
+          <p:nvPr>
+            <p:ph idx="1"/>
+          </p:nvPr>
+        </p:nvSpPr>
+        <p:spPr/>
+        <p:txBody>
+          <a:bodyPr/>
+          <a:lstStyle/>
+          <a:p>
+            <a:endParaRPr lang="en-US"/>
+          </a:p>
+        </p:txBody>
+      </p:sp>
+    </p:spTree>
+    <p:extLst>
+      <p:ext uri="{BB962C8B-B14F-4D97-AF65-F5344CB8AC3E}">
+        <p14:creationId xmlns:p14="http://schemas.microsoft.com/office/powerpoint/2010/main" val="3063715275"/>
+      </p:ext>
+    </p:extLst>
+  </p:cSld>
+  <p:clrMapOvr>
+    <a:masterClrMapping/>
+  </p:clrMapOvr>
+  <p:timing>
+    <p:tnLst>
+      <p:par>
+        <p:cTn id="1" dur="indefinite" restart="never" nodeType="tmRoot"/>
+      </p:par>
+    </p:tnLst>
+  </p:timing>
+</p:sld>
+</file>
+
 <file path=ppt/slides/slide2.xml><?xml version="1.0" encoding="utf-8"?>
 <p:sld xmlns:a="http://schemas.openxmlformats.org/drawingml/2006/main" xmlns:r="http://schemas.openxmlformats.org/officeDocument/2006/relationships" xmlns:p="http://schemas.openxmlformats.org/presentationml/2006/main">
   <p:cSld>
@@ -4171,15 +4252,7 @@
                   <a:srgbClr val="FF0000"/>
                 </a:solidFill>
               </a:rPr>
-              <a:t>(F/M =</a:t>
-            </a:r>
-            <a:r>
-              <a:rPr lang="en-US" b="1" dirty="0" smtClean="0">
-                <a:solidFill>
-                  <a:srgbClr val="FF0000"/>
-                </a:solidFill>
-              </a:rPr>
-              <a:t> 970/975)</a:t>
+              <a:t>(F/M = 970/975)</a:t>
             </a:r>
             <a:endParaRPr lang="en-US" b="1" dirty="0">
               <a:solidFill>
@@ -4271,33 +4344,17 @@
                   <a:srgbClr val="FF0000"/>
                 </a:solidFill>
               </a:rPr>
-              <a:t>ON has relatively more </a:t>
-            </a:r>
+              <a:t>ON has relatively more Stats </a:t>
+            </a:r>
+          </a:p>
+          <a:p>
             <a:r>
               <a:rPr lang="en-US" b="1" dirty="0" smtClean="0">
                 <a:solidFill>
                   <a:srgbClr val="FF0000"/>
                 </a:solidFill>
               </a:rPr>
-              <a:t>Stats </a:t>
-            </a:r>
-          </a:p>
-          <a:p>
-            <a:r>
-              <a:rPr lang="en-US" b="1" dirty="0" smtClean="0">
-                <a:solidFill>
-                  <a:srgbClr val="FF0000"/>
-                </a:solidFill>
-              </a:rPr>
-              <a:t>BSc’s; </a:t>
-            </a:r>
-            <a:r>
-              <a:rPr lang="en-US" b="1" dirty="0" smtClean="0">
-                <a:solidFill>
-                  <a:srgbClr val="FF0000"/>
-                </a:solidFill>
-              </a:rPr>
-              <a:t>Atlantic/QC less</a:t>
+              <a:t>BSc’s; Atlantic/QC less</a:t>
             </a:r>
           </a:p>
         </p:txBody>
@@ -4458,6 +4515,159 @@
       </p:grpSpPr>
       <p:sp>
         <p:nvSpPr>
+          <p:cNvPr id="2" name="Title 1"/>
+          <p:cNvSpPr>
+            <a:spLocks noGrp="1"/>
+          </p:cNvSpPr>
+          <p:nvPr>
+            <p:ph type="title"/>
+          </p:nvPr>
+        </p:nvSpPr>
+        <p:spPr/>
+        <p:txBody>
+          <a:bodyPr/>
+          <a:lstStyle/>
+          <a:p>
+            <a:r>
+              <a:rPr lang="en-US" dirty="0" smtClean="0"/>
+              <a:t>Target Population</a:t>
+            </a:r>
+            <a:endParaRPr lang="en-US" dirty="0"/>
+          </a:p>
+        </p:txBody>
+      </p:sp>
+      <p:sp>
+        <p:nvSpPr>
+          <p:cNvPr id="3" name="Content Placeholder 2"/>
+          <p:cNvSpPr>
+            <a:spLocks noGrp="1"/>
+          </p:cNvSpPr>
+          <p:nvPr>
+            <p:ph sz="half" idx="1"/>
+          </p:nvPr>
+        </p:nvSpPr>
+        <p:spPr/>
+        <p:txBody>
+          <a:bodyPr>
+            <a:normAutofit/>
+          </a:bodyPr>
+          <a:lstStyle/>
+          <a:p>
+            <a:r>
+              <a:rPr lang="en-US" dirty="0" smtClean="0"/>
+              <a:t>Only considered (pure) Statistics </a:t>
+            </a:r>
+            <a:r>
+              <a:rPr lang="en-US" dirty="0" err="1" smtClean="0"/>
+              <a:t>Honours</a:t>
+            </a:r>
+            <a:r>
+              <a:rPr lang="en-US" dirty="0" smtClean="0"/>
+              <a:t>/Specialist BSc programs </a:t>
+            </a:r>
+          </a:p>
+          <a:p>
+            <a:pPr lvl="1"/>
+            <a:r>
+              <a:rPr lang="en-US" dirty="0" smtClean="0"/>
+              <a:t>Excludes Minor, Major, 3-yr BA/BSc, </a:t>
+            </a:r>
+            <a:r>
+              <a:rPr lang="en-US" dirty="0" err="1" smtClean="0"/>
+              <a:t>etc</a:t>
+            </a:r>
+            <a:endParaRPr lang="en-US" dirty="0" smtClean="0"/>
+          </a:p>
+          <a:p>
+            <a:pPr lvl="1"/>
+            <a:r>
+              <a:rPr lang="en-US" dirty="0" smtClean="0"/>
+              <a:t>Excludes programs with not focused on Statistics (e.g. Probability &amp; Statistics, Mathematical Statistics, </a:t>
+            </a:r>
+            <a:r>
+              <a:rPr lang="en-US" dirty="0" err="1" smtClean="0"/>
+              <a:t>etc</a:t>
+            </a:r>
+            <a:r>
+              <a:rPr lang="en-US" dirty="0" smtClean="0"/>
+              <a:t>)</a:t>
+            </a:r>
+          </a:p>
+          <a:p>
+            <a:r>
+              <a:rPr lang="en-US" dirty="0"/>
+              <a:t>Analyzed programs from n=24 </a:t>
+            </a:r>
+            <a:r>
+              <a:rPr lang="en-US" dirty="0" smtClean="0"/>
+              <a:t>Universities</a:t>
+            </a:r>
+            <a:endParaRPr lang="en-US" dirty="0"/>
+          </a:p>
+          <a:p>
+            <a:pPr lvl="1"/>
+            <a:endParaRPr lang="en-US" dirty="0" smtClean="0"/>
+          </a:p>
+        </p:txBody>
+      </p:sp>
+      <p:pic>
+        <p:nvPicPr>
+          <p:cNvPr id="14" name="Content Placeholder 13"/>
+          <p:cNvPicPr>
+            <a:picLocks noGrp="1" noChangeAspect="1"/>
+          </p:cNvPicPr>
+          <p:nvPr>
+            <p:ph sz="half" idx="2"/>
+          </p:nvPr>
+        </p:nvPicPr>
+        <p:blipFill>
+          <a:blip r:embed="rId2"/>
+          <a:stretch>
+            <a:fillRect/>
+          </a:stretch>
+        </p:blipFill>
+        <p:spPr>
+          <a:xfrm>
+            <a:off x="6172200" y="2179421"/>
+            <a:ext cx="5181600" cy="3643745"/>
+          </a:xfrm>
+          <a:prstGeom prst="rect">
+            <a:avLst/>
+          </a:prstGeom>
+        </p:spPr>
+      </p:pic>
+    </p:spTree>
+    <p:extLst>
+      <p:ext uri="{BB962C8B-B14F-4D97-AF65-F5344CB8AC3E}">
+        <p14:creationId xmlns:p14="http://schemas.microsoft.com/office/powerpoint/2010/main" val="2162657546"/>
+      </p:ext>
+    </p:extLst>
+  </p:cSld>
+  <p:clrMapOvr>
+    <a:masterClrMapping/>
+  </p:clrMapOvr>
+</p:sld>
+</file>
+
+<file path=ppt/slides/slide6.xml><?xml version="1.0" encoding="utf-8"?>
+<p:sld xmlns:a="http://schemas.openxmlformats.org/drawingml/2006/main" xmlns:r="http://schemas.openxmlformats.org/officeDocument/2006/relationships" xmlns:p="http://schemas.openxmlformats.org/presentationml/2006/main">
+  <p:cSld>
+    <p:spTree>
+      <p:nvGrpSpPr>
+        <p:cNvPr id="1" name=""/>
+        <p:cNvGrpSpPr/>
+        <p:nvPr/>
+      </p:nvGrpSpPr>
+      <p:grpSpPr>
+        <a:xfrm>
+          <a:off x="0" y="0"/>
+          <a:ext cx="0" cy="0"/>
+          <a:chOff x="0" y="0"/>
+          <a:chExt cx="0" cy="0"/>
+        </a:xfrm>
+      </p:grpSpPr>
+      <p:sp>
+        <p:nvSpPr>
           <p:cNvPr id="5" name="Title 4"/>
           <p:cNvSpPr>
             <a:spLocks noGrp="1"/>
@@ -4487,11 +4697,7 @@
           </p:cNvGraphicFramePr>
           <p:nvPr>
             <p:ph idx="1"/>
-            <p:extLst>
-              <p:ext uri="{D42A27DB-BD31-4B8C-83A1-F6EECF244321}">
-                <p14:modId xmlns:p14="http://schemas.microsoft.com/office/powerpoint/2010/main" val="2814581050"/>
-              </p:ext>
-            </p:extLst>
+            <p:extLst/>
           </p:nvPr>
         </p:nvGraphicFramePr>
         <p:xfrm>
@@ -5067,7 +5273,7 @@
                     <a:p>
                       <a:pPr rtl="0" fontAlgn="b"/>
                       <a:r>
-                        <a:rPr lang="en-US" sz="1050">
+                        <a:rPr lang="en-US" sz="1050" dirty="0">
                           <a:solidFill>
                             <a:srgbClr val="000000"/>
                           </a:solidFill>
@@ -5124,7 +5330,7 @@
                     <a:p>
                       <a:pPr rtl="0" fontAlgn="b"/>
                       <a:r>
-                        <a:rPr lang="en-US" sz="1050">
+                        <a:rPr lang="en-US" sz="1050" dirty="0">
                           <a:solidFill>
                             <a:srgbClr val="000000"/>
                           </a:solidFill>
@@ -5245,7 +5451,7 @@
                     <a:p>
                       <a:pPr rtl="0" fontAlgn="b"/>
                       <a:r>
-                        <a:rPr lang="en-US" sz="1050">
+                        <a:rPr lang="en-US" sz="1050" dirty="0">
                           <a:solidFill>
                             <a:srgbClr val="000000"/>
                           </a:solidFill>
@@ -5302,14 +5508,54 @@
                     <a:p>
                       <a:pPr rtl="0" fontAlgn="b"/>
                       <a:r>
-                        <a:rPr lang="en-CA" sz="1050">
+                        <a:rPr lang="en-CA" sz="1050" dirty="0">
                           <a:solidFill>
                             <a:srgbClr val="000000"/>
                           </a:solidFill>
                           <a:effectLst/>
                           <a:latin typeface="Calibri" panose="020F0502020204030204" pitchFamily="34" charset="0"/>
                         </a:rPr>
-                        <a:t>This can be tricky, as universities can have different conventions. To keep the variable numeric, use 1 for 2-semester courses (i.e. like UofT's Y courses), .5 for 1-semester courses (UofT's H-courses, should be most common option), and other fractions where applicable (e.g. a half-semester course would have .25 credits)</a:t>
+                        <a:t>This can be tricky, as universities can have different conventions. To keep the variable numeric, use 1 for 2-semester courses (i.e. like </a:t>
+                      </a:r>
+                      <a:r>
+                        <a:rPr lang="en-CA" sz="1050" dirty="0" err="1">
+                          <a:solidFill>
+                            <a:srgbClr val="000000"/>
+                          </a:solidFill>
+                          <a:effectLst/>
+                          <a:latin typeface="Calibri" panose="020F0502020204030204" pitchFamily="34" charset="0"/>
+                        </a:rPr>
+                        <a:t>UofT's</a:t>
+                      </a:r>
+                      <a:r>
+                        <a:rPr lang="en-CA" sz="1050" dirty="0">
+                          <a:solidFill>
+                            <a:srgbClr val="000000"/>
+                          </a:solidFill>
+                          <a:effectLst/>
+                          <a:latin typeface="Calibri" panose="020F0502020204030204" pitchFamily="34" charset="0"/>
+                        </a:rPr>
+                        <a:t> Y courses), .5 for 1-semester courses (</a:t>
+                      </a:r>
+                      <a:r>
+                        <a:rPr lang="en-CA" sz="1050" dirty="0" err="1">
+                          <a:solidFill>
+                            <a:srgbClr val="000000"/>
+                          </a:solidFill>
+                          <a:effectLst/>
+                          <a:latin typeface="Calibri" panose="020F0502020204030204" pitchFamily="34" charset="0"/>
+                        </a:rPr>
+                        <a:t>UofT's</a:t>
+                      </a:r>
+                      <a:r>
+                        <a:rPr lang="en-CA" sz="1050" dirty="0">
+                          <a:solidFill>
+                            <a:srgbClr val="000000"/>
+                          </a:solidFill>
+                          <a:effectLst/>
+                          <a:latin typeface="Calibri" panose="020F0502020204030204" pitchFamily="34" charset="0"/>
+                        </a:rPr>
+                        <a:t> H-courses, should be most common option), and other fractions where applicable (e.g. a half-semester course would have .25 credits)</a:t>
                       </a:r>
                     </a:p>
                   </a:txBody>
@@ -5359,7 +5605,7 @@
                     <a:p>
                       <a:pPr rtl="0" fontAlgn="b"/>
                       <a:r>
-                        <a:rPr lang="en-US" sz="1050">
+                        <a:rPr lang="en-US" sz="1050" dirty="0">
                           <a:solidFill>
                             <a:srgbClr val="000000"/>
                           </a:solidFill>
@@ -5480,7 +5726,7 @@
                     <a:p>
                       <a:pPr rtl="0" fontAlgn="b"/>
                       <a:r>
-                        <a:rPr lang="en-US" sz="1050">
+                        <a:rPr lang="en-US" sz="1050" dirty="0">
                           <a:solidFill>
                             <a:srgbClr val="000000"/>
                           </a:solidFill>
@@ -7008,93 +7254,7 @@
     </p:spTree>
     <p:extLst>
       <p:ext uri="{BB962C8B-B14F-4D97-AF65-F5344CB8AC3E}">
-        <p14:creationId xmlns:p14="http://schemas.microsoft.com/office/powerpoint/2010/main" val="2581703376"/>
-      </p:ext>
-    </p:extLst>
-  </p:cSld>
-  <p:clrMapOvr>
-    <a:masterClrMapping/>
-  </p:clrMapOvr>
-  <p:timing>
-    <p:tnLst>
-      <p:par>
-        <p:cTn id="1" dur="indefinite" restart="never" nodeType="tmRoot"/>
-      </p:par>
-    </p:tnLst>
-  </p:timing>
-</p:sld>
-</file>
-
-<file path=ppt/slides/slide6.xml><?xml version="1.0" encoding="utf-8"?>
-<p:sld xmlns:a="http://schemas.openxmlformats.org/drawingml/2006/main" xmlns:r="http://schemas.openxmlformats.org/officeDocument/2006/relationships" xmlns:p="http://schemas.openxmlformats.org/presentationml/2006/main">
-  <p:cSld>
-    <p:spTree>
-      <p:nvGrpSpPr>
-        <p:cNvPr id="1" name=""/>
-        <p:cNvGrpSpPr/>
-        <p:nvPr/>
-      </p:nvGrpSpPr>
-      <p:grpSpPr>
-        <a:xfrm>
-          <a:off x="0" y="0"/>
-          <a:ext cx="0" cy="0"/>
-          <a:chOff x="0" y="0"/>
-          <a:chExt cx="0" cy="0"/>
-        </a:xfrm>
-      </p:grpSpPr>
-      <p:sp>
-        <p:nvSpPr>
-          <p:cNvPr id="5" name="Title 4"/>
-          <p:cNvSpPr>
-            <a:spLocks noGrp="1"/>
-          </p:cNvSpPr>
-          <p:nvPr>
-            <p:ph type="title"/>
-          </p:nvPr>
-        </p:nvSpPr>
-        <p:spPr/>
-        <p:txBody>
-          <a:bodyPr/>
-          <a:lstStyle/>
-          <a:p>
-            <a:r>
-              <a:rPr lang="en-US" dirty="0" smtClean="0"/>
-              <a:t>Credits per Program</a:t>
-            </a:r>
-            <a:endParaRPr lang="en-US" dirty="0"/>
-          </a:p>
-        </p:txBody>
-      </p:sp>
-      <p:pic>
-        <p:nvPicPr>
-          <p:cNvPr id="7" name="Content Placeholder 5"/>
-          <p:cNvPicPr>
-            <a:picLocks noGrp="1" noChangeAspect="1"/>
-          </p:cNvPicPr>
-          <p:nvPr>
-            <p:ph idx="1"/>
-          </p:nvPr>
-        </p:nvPicPr>
-        <p:blipFill>
-          <a:blip r:embed="rId2"/>
-          <a:stretch>
-            <a:fillRect/>
-          </a:stretch>
-        </p:blipFill>
-        <p:spPr>
-          <a:xfrm>
-            <a:off x="3002083" y="1825625"/>
-            <a:ext cx="6187833" cy="4351338"/>
-          </a:xfrm>
-          <a:prstGeom prst="rect">
-            <a:avLst/>
-          </a:prstGeom>
-        </p:spPr>
-      </p:pic>
-    </p:spTree>
-    <p:extLst>
-      <p:ext uri="{BB962C8B-B14F-4D97-AF65-F5344CB8AC3E}">
-        <p14:creationId xmlns:p14="http://schemas.microsoft.com/office/powerpoint/2010/main" val="755700261"/>
+        <p14:creationId xmlns:p14="http://schemas.microsoft.com/office/powerpoint/2010/main" val="1197843771"/>
       </p:ext>
     </p:extLst>
   </p:cSld>
@@ -7130,7 +7290,7 @@
       </p:grpSpPr>
       <p:sp>
         <p:nvSpPr>
-          <p:cNvPr id="2" name="Title 1"/>
+          <p:cNvPr id="5" name="Title 4"/>
           <p:cNvSpPr>
             <a:spLocks noGrp="1"/>
           </p:cNvSpPr>
@@ -7145,7 +7305,175 @@
           <a:p>
             <a:r>
               <a:rPr lang="en-US" dirty="0" smtClean="0"/>
-              <a:t>Breakdown of Credits per Discipline</a:t>
+              <a:t>Number of Courses</a:t>
+            </a:r>
+            <a:endParaRPr lang="en-US" dirty="0"/>
+          </a:p>
+        </p:txBody>
+      </p:sp>
+      <p:sp>
+        <p:nvSpPr>
+          <p:cNvPr id="4" name="Content Placeholder 3"/>
+          <p:cNvSpPr>
+            <a:spLocks noGrp="1"/>
+          </p:cNvSpPr>
+          <p:nvPr>
+            <p:ph sz="half" idx="1"/>
+          </p:nvPr>
+        </p:nvSpPr>
+        <p:spPr/>
+        <p:txBody>
+          <a:bodyPr/>
+          <a:lstStyle/>
+          <a:p>
+            <a:r>
+              <a:rPr lang="en-US" dirty="0" smtClean="0"/>
+              <a:t>25 course requirements on average, with most programs between 24-26 </a:t>
+            </a:r>
+          </a:p>
+          <a:p>
+            <a:pPr lvl="1"/>
+            <a:r>
+              <a:rPr lang="en-US" dirty="0" smtClean="0"/>
+              <a:t>12 </a:t>
+            </a:r>
+            <a:r>
+              <a:rPr lang="en-US" dirty="0"/>
+              <a:t>-</a:t>
+            </a:r>
+            <a:r>
+              <a:rPr lang="en-US" dirty="0" smtClean="0"/>
+              <a:t> 13 Full-Course Equivalents</a:t>
+            </a:r>
+          </a:p>
+          <a:p>
+            <a:pPr lvl="1"/>
+            <a:r>
+              <a:rPr lang="en-US" dirty="0" smtClean="0"/>
+              <a:t>72 - 78 Credit Hours</a:t>
+            </a:r>
+          </a:p>
+          <a:p>
+            <a:pPr lvl="1"/>
+            <a:endParaRPr lang="en-US" dirty="0" smtClean="0"/>
+          </a:p>
+          <a:p>
+            <a:r>
+              <a:rPr lang="en-US" dirty="0" smtClean="0"/>
+              <a:t>70% of course requirements are specified (</a:t>
+            </a:r>
+            <a:r>
+              <a:rPr lang="en-US" dirty="0"/>
+              <a:t>c</a:t>
+            </a:r>
+            <a:r>
+              <a:rPr lang="en-US" dirty="0" smtClean="0"/>
+              <a:t>ore)</a:t>
+            </a:r>
+          </a:p>
+          <a:p>
+            <a:pPr lvl="1"/>
+            <a:r>
+              <a:rPr lang="en-US" dirty="0" smtClean="0"/>
+              <a:t>Most ranging between  60% - 80%</a:t>
+            </a:r>
+            <a:endParaRPr lang="en-US" dirty="0"/>
+          </a:p>
+        </p:txBody>
+      </p:sp>
+      <p:pic>
+        <p:nvPicPr>
+          <p:cNvPr id="8" name="Content Placeholder 7"/>
+          <p:cNvPicPr>
+            <a:picLocks noGrp="1" noChangeAspect="1"/>
+          </p:cNvPicPr>
+          <p:nvPr>
+            <p:ph sz="half" idx="2"/>
+          </p:nvPr>
+        </p:nvPicPr>
+        <p:blipFill>
+          <a:blip r:embed="rId2"/>
+          <a:stretch>
+            <a:fillRect/>
+          </a:stretch>
+        </p:blipFill>
+        <p:spPr>
+          <a:xfrm>
+            <a:off x="6172200" y="2179421"/>
+            <a:ext cx="5181600" cy="3643745"/>
+          </a:xfrm>
+          <a:prstGeom prst="rect">
+            <a:avLst/>
+          </a:prstGeom>
+        </p:spPr>
+      </p:pic>
+    </p:spTree>
+    <p:extLst>
+      <p:ext uri="{BB962C8B-B14F-4D97-AF65-F5344CB8AC3E}">
+        <p14:creationId xmlns:p14="http://schemas.microsoft.com/office/powerpoint/2010/main" val="755700261"/>
+      </p:ext>
+    </p:extLst>
+  </p:cSld>
+  <p:clrMapOvr>
+    <a:masterClrMapping/>
+  </p:clrMapOvr>
+  <p:timing>
+    <p:tnLst>
+      <p:par>
+        <p:cTn id="1" dur="indefinite" restart="never" nodeType="tmRoot"/>
+      </p:par>
+    </p:tnLst>
+  </p:timing>
+</p:sld>
+</file>
+
+<file path=ppt/slides/slide8.xml><?xml version="1.0" encoding="utf-8"?>
+<p:sld xmlns:a="http://schemas.openxmlformats.org/drawingml/2006/main" xmlns:r="http://schemas.openxmlformats.org/officeDocument/2006/relationships" xmlns:p="http://schemas.openxmlformats.org/presentationml/2006/main">
+  <p:cSld>
+    <p:spTree>
+      <p:nvGrpSpPr>
+        <p:cNvPr id="1" name=""/>
+        <p:cNvGrpSpPr/>
+        <p:nvPr/>
+      </p:nvGrpSpPr>
+      <p:grpSpPr>
+        <a:xfrm>
+          <a:off x="0" y="0"/>
+          <a:ext cx="0" cy="0"/>
+          <a:chOff x="0" y="0"/>
+          <a:chExt cx="0" cy="0"/>
+        </a:xfrm>
+      </p:grpSpPr>
+      <p:sp>
+        <p:nvSpPr>
+          <p:cNvPr id="2" name="Title 1"/>
+          <p:cNvSpPr>
+            <a:spLocks noGrp="1"/>
+          </p:cNvSpPr>
+          <p:nvPr>
+            <p:ph type="title"/>
+          </p:nvPr>
+        </p:nvSpPr>
+        <p:spPr/>
+        <p:txBody>
+          <a:bodyPr/>
+          <a:lstStyle/>
+          <a:p>
+            <a:r>
+              <a:rPr lang="en-US" dirty="0" smtClean="0"/>
+              <a:t>Breakdown </a:t>
+            </a:r>
+            <a:r>
+              <a:rPr lang="en-US" smtClean="0"/>
+              <a:t>of </a:t>
+            </a:r>
+            <a:r>
+              <a:rPr lang="en-US" smtClean="0"/>
+              <a:t>Courses </a:t>
+            </a:r>
+            <a:r>
+              <a:rPr lang="en-US" dirty="0" smtClean="0"/>
+              <a:t>per Discipline</a:t>
             </a:r>
             <a:endParaRPr lang="en-US" dirty="0"/>
           </a:p>
@@ -7337,7 +7665,7 @@
 </p:sld>
 </file>
 
-<file path=ppt/slides/slide8.xml><?xml version="1.0" encoding="utf-8"?>
+<file path=ppt/slides/slide9.xml><?xml version="1.0" encoding="utf-8"?>
 <p:sld xmlns:a="http://schemas.openxmlformats.org/drawingml/2006/main" xmlns:r="http://schemas.openxmlformats.org/officeDocument/2006/relationships" xmlns:p="http://schemas.openxmlformats.org/presentationml/2006/main">
   <p:cSld>
     <p:spTree>
@@ -7531,81 +7859,6 @@
     <p:bldLst>
       <p:bldP spid="5" grpId="0" animBg="1"/>
     </p:bldLst>
-  </p:timing>
-</p:sld>
-</file>
-
-<file path=ppt/slides/slide9.xml><?xml version="1.0" encoding="utf-8"?>
-<p:sld xmlns:a="http://schemas.openxmlformats.org/drawingml/2006/main" xmlns:r="http://schemas.openxmlformats.org/officeDocument/2006/relationships" xmlns:p="http://schemas.openxmlformats.org/presentationml/2006/main">
-  <p:cSld>
-    <p:spTree>
-      <p:nvGrpSpPr>
-        <p:cNvPr id="1" name=""/>
-        <p:cNvGrpSpPr/>
-        <p:nvPr/>
-      </p:nvGrpSpPr>
-      <p:grpSpPr>
-        <a:xfrm>
-          <a:off x="0" y="0"/>
-          <a:ext cx="0" cy="0"/>
-          <a:chOff x="0" y="0"/>
-          <a:chExt cx="0" cy="0"/>
-        </a:xfrm>
-      </p:grpSpPr>
-      <p:sp>
-        <p:nvSpPr>
-          <p:cNvPr id="2" name="Title 1"/>
-          <p:cNvSpPr>
-            <a:spLocks noGrp="1"/>
-          </p:cNvSpPr>
-          <p:nvPr>
-            <p:ph type="title"/>
-          </p:nvPr>
-        </p:nvSpPr>
-        <p:spPr/>
-        <p:txBody>
-          <a:bodyPr/>
-          <a:lstStyle/>
-          <a:p>
-            <a:endParaRPr lang="en-US"/>
-          </a:p>
-        </p:txBody>
-      </p:sp>
-      <p:sp>
-        <p:nvSpPr>
-          <p:cNvPr id="3" name="Content Placeholder 2"/>
-          <p:cNvSpPr>
-            <a:spLocks noGrp="1"/>
-          </p:cNvSpPr>
-          <p:nvPr>
-            <p:ph idx="1"/>
-          </p:nvPr>
-        </p:nvSpPr>
-        <p:spPr/>
-        <p:txBody>
-          <a:bodyPr/>
-          <a:lstStyle/>
-          <a:p>
-            <a:endParaRPr lang="en-US"/>
-          </a:p>
-        </p:txBody>
-      </p:sp>
-    </p:spTree>
-    <p:extLst>
-      <p:ext uri="{BB962C8B-B14F-4D97-AF65-F5344CB8AC3E}">
-        <p14:creationId xmlns:p14="http://schemas.microsoft.com/office/powerpoint/2010/main" val="3063715275"/>
-      </p:ext>
-    </p:extLst>
-  </p:cSld>
-  <p:clrMapOvr>
-    <a:masterClrMapping/>
-  </p:clrMapOvr>
-  <p:timing>
-    <p:tnLst>
-      <p:par>
-        <p:cTn id="1" dur="indefinite" restart="never" nodeType="tmRoot"/>
-      </p:par>
-    </p:tnLst>
   </p:timing>
 </p:sld>
 </file>

--- a/Status fo Statistics Curricula.pptx
+++ b/Status fo Statistics Curricula.pptx
@@ -118,7 +118,7 @@
   </p:defaultTextStyle>
   <p:extLst>
     <p:ext uri="{EFAFB233-063F-42B5-8137-9DF3F51BA10A}">
-      <p15:sldGuideLst xmlns:p15="http://schemas.microsoft.com/office/powerpoint/2012/main"/>
+      <p15:sldGuideLst xmlns="" xmlns:p15="http://schemas.microsoft.com/office/powerpoint/2012/main"/>
     </p:ext>
   </p:extLst>
 </p:presentation>
@@ -206,6 +206,7 @@
           <a:p>
             <a:fld id="{88759146-D9B4-4E36-9A74-666275327657}" type="datetimeFigureOut">
               <a:rPr lang="en-US" smtClean="0"/>
+              <a:pPr/>
               <a:t>6/5/2017</a:t>
             </a:fld>
             <a:endParaRPr lang="en-US"/>
@@ -365,6 +366,7 @@
           <a:p>
             <a:fld id="{A811298F-4B16-4BCE-AC99-0BF2D5880BAA}" type="slidenum">
               <a:rPr lang="en-US" smtClean="0"/>
+              <a:pPr/>
               <a:t>‹#›</a:t>
             </a:fld>
             <a:endParaRPr lang="en-US"/>
@@ -374,7 +376,7 @@
     </p:spTree>
     <p:extLst>
       <p:ext uri="{BB962C8B-B14F-4D97-AF65-F5344CB8AC3E}">
-        <p14:creationId xmlns:p14="http://schemas.microsoft.com/office/powerpoint/2010/main" val="2305668930"/>
+        <p14:creationId xmlns="" xmlns:p14="http://schemas.microsoft.com/office/powerpoint/2010/main" val="2305668930"/>
       </p:ext>
     </p:extLst>
   </p:cSld>
@@ -611,6 +613,7 @@
           <a:p>
             <a:fld id="{A811298F-4B16-4BCE-AC99-0BF2D5880BAA}" type="slidenum">
               <a:rPr lang="en-US" smtClean="0"/>
+              <a:pPr/>
               <a:t>3</a:t>
             </a:fld>
             <a:endParaRPr lang="en-US"/>
@@ -620,7 +623,7 @@
     </p:spTree>
     <p:extLst>
       <p:ext uri="{BB962C8B-B14F-4D97-AF65-F5344CB8AC3E}">
-        <p14:creationId xmlns:p14="http://schemas.microsoft.com/office/powerpoint/2010/main" val="980804576"/>
+        <p14:creationId xmlns="" xmlns:p14="http://schemas.microsoft.com/office/powerpoint/2010/main" val="980804576"/>
       </p:ext>
     </p:extLst>
   </p:cSld>
@@ -761,6 +764,7 @@
           <a:p>
             <a:fld id="{6F49C482-87CA-4B33-8605-43E5589E6771}" type="datetimeFigureOut">
               <a:rPr lang="en-US" smtClean="0"/>
+              <a:pPr/>
               <a:t>6/5/2017</a:t>
             </a:fld>
             <a:endParaRPr lang="en-US"/>
@@ -803,6 +807,7 @@
           <a:p>
             <a:fld id="{7B7F2E7A-5F9E-45A2-8FDC-6B4C63A1A328}" type="slidenum">
               <a:rPr lang="en-US" smtClean="0"/>
+              <a:pPr/>
               <a:t>‹#›</a:t>
             </a:fld>
             <a:endParaRPr lang="en-US"/>
@@ -812,7 +817,7 @@
     </p:spTree>
     <p:extLst>
       <p:ext uri="{BB962C8B-B14F-4D97-AF65-F5344CB8AC3E}">
-        <p14:creationId xmlns:p14="http://schemas.microsoft.com/office/powerpoint/2010/main" val="3506553982"/>
+        <p14:creationId xmlns="" xmlns:p14="http://schemas.microsoft.com/office/powerpoint/2010/main" val="3506553982"/>
       </p:ext>
     </p:extLst>
   </p:cSld>
@@ -931,6 +936,7 @@
           <a:p>
             <a:fld id="{6F49C482-87CA-4B33-8605-43E5589E6771}" type="datetimeFigureOut">
               <a:rPr lang="en-US" smtClean="0"/>
+              <a:pPr/>
               <a:t>6/5/2017</a:t>
             </a:fld>
             <a:endParaRPr lang="en-US"/>
@@ -973,6 +979,7 @@
           <a:p>
             <a:fld id="{7B7F2E7A-5F9E-45A2-8FDC-6B4C63A1A328}" type="slidenum">
               <a:rPr lang="en-US" smtClean="0"/>
+              <a:pPr/>
               <a:t>‹#›</a:t>
             </a:fld>
             <a:endParaRPr lang="en-US"/>
@@ -982,7 +989,7 @@
     </p:spTree>
     <p:extLst>
       <p:ext uri="{BB962C8B-B14F-4D97-AF65-F5344CB8AC3E}">
-        <p14:creationId xmlns:p14="http://schemas.microsoft.com/office/powerpoint/2010/main" val="1101089403"/>
+        <p14:creationId xmlns="" xmlns:p14="http://schemas.microsoft.com/office/powerpoint/2010/main" val="1101089403"/>
       </p:ext>
     </p:extLst>
   </p:cSld>
@@ -1111,6 +1118,7 @@
           <a:p>
             <a:fld id="{6F49C482-87CA-4B33-8605-43E5589E6771}" type="datetimeFigureOut">
               <a:rPr lang="en-US" smtClean="0"/>
+              <a:pPr/>
               <a:t>6/5/2017</a:t>
             </a:fld>
             <a:endParaRPr lang="en-US"/>
@@ -1153,6 +1161,7 @@
           <a:p>
             <a:fld id="{7B7F2E7A-5F9E-45A2-8FDC-6B4C63A1A328}" type="slidenum">
               <a:rPr lang="en-US" smtClean="0"/>
+              <a:pPr/>
               <a:t>‹#›</a:t>
             </a:fld>
             <a:endParaRPr lang="en-US"/>
@@ -1162,7 +1171,7 @@
     </p:spTree>
     <p:extLst>
       <p:ext uri="{BB962C8B-B14F-4D97-AF65-F5344CB8AC3E}">
-        <p14:creationId xmlns:p14="http://schemas.microsoft.com/office/powerpoint/2010/main" val="2001993173"/>
+        <p14:creationId xmlns="" xmlns:p14="http://schemas.microsoft.com/office/powerpoint/2010/main" val="2001993173"/>
       </p:ext>
     </p:extLst>
   </p:cSld>
@@ -1281,6 +1290,7 @@
           <a:p>
             <a:fld id="{6F49C482-87CA-4B33-8605-43E5589E6771}" type="datetimeFigureOut">
               <a:rPr lang="en-US" smtClean="0"/>
+              <a:pPr/>
               <a:t>6/5/2017</a:t>
             </a:fld>
             <a:endParaRPr lang="en-US"/>
@@ -1323,6 +1333,7 @@
           <a:p>
             <a:fld id="{7B7F2E7A-5F9E-45A2-8FDC-6B4C63A1A328}" type="slidenum">
               <a:rPr lang="en-US" smtClean="0"/>
+              <a:pPr/>
               <a:t>‹#›</a:t>
             </a:fld>
             <a:endParaRPr lang="en-US"/>
@@ -1332,7 +1343,7 @@
     </p:spTree>
     <p:extLst>
       <p:ext uri="{BB962C8B-B14F-4D97-AF65-F5344CB8AC3E}">
-        <p14:creationId xmlns:p14="http://schemas.microsoft.com/office/powerpoint/2010/main" val="410919990"/>
+        <p14:creationId xmlns="" xmlns:p14="http://schemas.microsoft.com/office/powerpoint/2010/main" val="410919990"/>
       </p:ext>
     </p:extLst>
   </p:cSld>
@@ -1527,6 +1538,7 @@
           <a:p>
             <a:fld id="{6F49C482-87CA-4B33-8605-43E5589E6771}" type="datetimeFigureOut">
               <a:rPr lang="en-US" smtClean="0"/>
+              <a:pPr/>
               <a:t>6/5/2017</a:t>
             </a:fld>
             <a:endParaRPr lang="en-US"/>
@@ -1569,6 +1581,7 @@
           <a:p>
             <a:fld id="{7B7F2E7A-5F9E-45A2-8FDC-6B4C63A1A328}" type="slidenum">
               <a:rPr lang="en-US" smtClean="0"/>
+              <a:pPr/>
               <a:t>‹#›</a:t>
             </a:fld>
             <a:endParaRPr lang="en-US"/>
@@ -1578,7 +1591,7 @@
     </p:spTree>
     <p:extLst>
       <p:ext uri="{BB962C8B-B14F-4D97-AF65-F5344CB8AC3E}">
-        <p14:creationId xmlns:p14="http://schemas.microsoft.com/office/powerpoint/2010/main" val="3965314995"/>
+        <p14:creationId xmlns="" xmlns:p14="http://schemas.microsoft.com/office/powerpoint/2010/main" val="3965314995"/>
       </p:ext>
     </p:extLst>
   </p:cSld>
@@ -1759,6 +1772,7 @@
           <a:p>
             <a:fld id="{6F49C482-87CA-4B33-8605-43E5589E6771}" type="datetimeFigureOut">
               <a:rPr lang="en-US" smtClean="0"/>
+              <a:pPr/>
               <a:t>6/5/2017</a:t>
             </a:fld>
             <a:endParaRPr lang="en-US"/>
@@ -1801,6 +1815,7 @@
           <a:p>
             <a:fld id="{7B7F2E7A-5F9E-45A2-8FDC-6B4C63A1A328}" type="slidenum">
               <a:rPr lang="en-US" smtClean="0"/>
+              <a:pPr/>
               <a:t>‹#›</a:t>
             </a:fld>
             <a:endParaRPr lang="en-US"/>
@@ -1810,7 +1825,7 @@
     </p:spTree>
     <p:extLst>
       <p:ext uri="{BB962C8B-B14F-4D97-AF65-F5344CB8AC3E}">
-        <p14:creationId xmlns:p14="http://schemas.microsoft.com/office/powerpoint/2010/main" val="2793446600"/>
+        <p14:creationId xmlns="" xmlns:p14="http://schemas.microsoft.com/office/powerpoint/2010/main" val="2793446600"/>
       </p:ext>
     </p:extLst>
   </p:cSld>
@@ -2126,6 +2141,7 @@
           <a:p>
             <a:fld id="{6F49C482-87CA-4B33-8605-43E5589E6771}" type="datetimeFigureOut">
               <a:rPr lang="en-US" smtClean="0"/>
+              <a:pPr/>
               <a:t>6/5/2017</a:t>
             </a:fld>
             <a:endParaRPr lang="en-US"/>
@@ -2168,6 +2184,7 @@
           <a:p>
             <a:fld id="{7B7F2E7A-5F9E-45A2-8FDC-6B4C63A1A328}" type="slidenum">
               <a:rPr lang="en-US" smtClean="0"/>
+              <a:pPr/>
               <a:t>‹#›</a:t>
             </a:fld>
             <a:endParaRPr lang="en-US"/>
@@ -2177,7 +2194,7 @@
     </p:spTree>
     <p:extLst>
       <p:ext uri="{BB962C8B-B14F-4D97-AF65-F5344CB8AC3E}">
-        <p14:creationId xmlns:p14="http://schemas.microsoft.com/office/powerpoint/2010/main" val="4044548070"/>
+        <p14:creationId xmlns="" xmlns:p14="http://schemas.microsoft.com/office/powerpoint/2010/main" val="4044548070"/>
       </p:ext>
     </p:extLst>
   </p:cSld>
@@ -2244,6 +2261,7 @@
           <a:p>
             <a:fld id="{6F49C482-87CA-4B33-8605-43E5589E6771}" type="datetimeFigureOut">
               <a:rPr lang="en-US" smtClean="0"/>
+              <a:pPr/>
               <a:t>6/5/2017</a:t>
             </a:fld>
             <a:endParaRPr lang="en-US"/>
@@ -2286,6 +2304,7 @@
           <a:p>
             <a:fld id="{7B7F2E7A-5F9E-45A2-8FDC-6B4C63A1A328}" type="slidenum">
               <a:rPr lang="en-US" smtClean="0"/>
+              <a:pPr/>
               <a:t>‹#›</a:t>
             </a:fld>
             <a:endParaRPr lang="en-US"/>
@@ -2295,7 +2314,7 @@
     </p:spTree>
     <p:extLst>
       <p:ext uri="{BB962C8B-B14F-4D97-AF65-F5344CB8AC3E}">
-        <p14:creationId xmlns:p14="http://schemas.microsoft.com/office/powerpoint/2010/main" val="1523835739"/>
+        <p14:creationId xmlns="" xmlns:p14="http://schemas.microsoft.com/office/powerpoint/2010/main" val="1523835739"/>
       </p:ext>
     </p:extLst>
   </p:cSld>
@@ -2339,6 +2358,7 @@
           <a:p>
             <a:fld id="{6F49C482-87CA-4B33-8605-43E5589E6771}" type="datetimeFigureOut">
               <a:rPr lang="en-US" smtClean="0"/>
+              <a:pPr/>
               <a:t>6/5/2017</a:t>
             </a:fld>
             <a:endParaRPr lang="en-US"/>
@@ -2381,6 +2401,7 @@
           <a:p>
             <a:fld id="{7B7F2E7A-5F9E-45A2-8FDC-6B4C63A1A328}" type="slidenum">
               <a:rPr lang="en-US" smtClean="0"/>
+              <a:pPr/>
               <a:t>‹#›</a:t>
             </a:fld>
             <a:endParaRPr lang="en-US"/>
@@ -2390,7 +2411,7 @@
     </p:spTree>
     <p:extLst>
       <p:ext uri="{BB962C8B-B14F-4D97-AF65-F5344CB8AC3E}">
-        <p14:creationId xmlns:p14="http://schemas.microsoft.com/office/powerpoint/2010/main" val="1874289421"/>
+        <p14:creationId xmlns="" xmlns:p14="http://schemas.microsoft.com/office/powerpoint/2010/main" val="1874289421"/>
       </p:ext>
     </p:extLst>
   </p:cSld>
@@ -2616,6 +2637,7 @@
           <a:p>
             <a:fld id="{6F49C482-87CA-4B33-8605-43E5589E6771}" type="datetimeFigureOut">
               <a:rPr lang="en-US" smtClean="0"/>
+              <a:pPr/>
               <a:t>6/5/2017</a:t>
             </a:fld>
             <a:endParaRPr lang="en-US"/>
@@ -2658,6 +2680,7 @@
           <a:p>
             <a:fld id="{7B7F2E7A-5F9E-45A2-8FDC-6B4C63A1A328}" type="slidenum">
               <a:rPr lang="en-US" smtClean="0"/>
+              <a:pPr/>
               <a:t>‹#›</a:t>
             </a:fld>
             <a:endParaRPr lang="en-US"/>
@@ -2667,7 +2690,7 @@
     </p:spTree>
     <p:extLst>
       <p:ext uri="{BB962C8B-B14F-4D97-AF65-F5344CB8AC3E}">
-        <p14:creationId xmlns:p14="http://schemas.microsoft.com/office/powerpoint/2010/main" val="3891137599"/>
+        <p14:creationId xmlns="" xmlns:p14="http://schemas.microsoft.com/office/powerpoint/2010/main" val="3891137599"/>
       </p:ext>
     </p:extLst>
   </p:cSld>
@@ -2869,6 +2892,7 @@
           <a:p>
             <a:fld id="{6F49C482-87CA-4B33-8605-43E5589E6771}" type="datetimeFigureOut">
               <a:rPr lang="en-US" smtClean="0"/>
+              <a:pPr/>
               <a:t>6/5/2017</a:t>
             </a:fld>
             <a:endParaRPr lang="en-US"/>
@@ -2911,6 +2935,7 @@
           <a:p>
             <a:fld id="{7B7F2E7A-5F9E-45A2-8FDC-6B4C63A1A328}" type="slidenum">
               <a:rPr lang="en-US" smtClean="0"/>
+              <a:pPr/>
               <a:t>‹#›</a:t>
             </a:fld>
             <a:endParaRPr lang="en-US"/>
@@ -2920,7 +2945,7 @@
     </p:spTree>
     <p:extLst>
       <p:ext uri="{BB962C8B-B14F-4D97-AF65-F5344CB8AC3E}">
-        <p14:creationId xmlns:p14="http://schemas.microsoft.com/office/powerpoint/2010/main" val="459217906"/>
+        <p14:creationId xmlns="" xmlns:p14="http://schemas.microsoft.com/office/powerpoint/2010/main" val="459217906"/>
       </p:ext>
     </p:extLst>
   </p:cSld>
@@ -3082,6 +3107,7 @@
           <a:p>
             <a:fld id="{6F49C482-87CA-4B33-8605-43E5589E6771}" type="datetimeFigureOut">
               <a:rPr lang="en-US" smtClean="0"/>
+              <a:pPr/>
               <a:t>6/5/2017</a:t>
             </a:fld>
             <a:endParaRPr lang="en-US"/>
@@ -3160,6 +3186,7 @@
           <a:p>
             <a:fld id="{7B7F2E7A-5F9E-45A2-8FDC-6B4C63A1A328}" type="slidenum">
               <a:rPr lang="en-US" smtClean="0"/>
+              <a:pPr/>
               <a:t>‹#›</a:t>
             </a:fld>
             <a:endParaRPr lang="en-US"/>
@@ -3169,7 +3196,7 @@
     </p:spTree>
     <p:extLst>
       <p:ext uri="{BB962C8B-B14F-4D97-AF65-F5344CB8AC3E}">
-        <p14:creationId xmlns:p14="http://schemas.microsoft.com/office/powerpoint/2010/main" val="3664280150"/>
+        <p14:creationId xmlns="" xmlns:p14="http://schemas.microsoft.com/office/powerpoint/2010/main" val="3664280150"/>
       </p:ext>
     </p:extLst>
   </p:cSld>
@@ -3576,7 +3603,7 @@
     </p:spTree>
     <p:extLst>
       <p:ext uri="{BB962C8B-B14F-4D97-AF65-F5344CB8AC3E}">
-        <p14:creationId xmlns:p14="http://schemas.microsoft.com/office/powerpoint/2010/main" val="2903718237"/>
+        <p14:creationId xmlns="" xmlns:p14="http://schemas.microsoft.com/office/powerpoint/2010/main" val="2903718237"/>
       </p:ext>
     </p:extLst>
   </p:cSld>
@@ -3651,7 +3678,7 @@
     </p:spTree>
     <p:extLst>
       <p:ext uri="{BB962C8B-B14F-4D97-AF65-F5344CB8AC3E}">
-        <p14:creationId xmlns:p14="http://schemas.microsoft.com/office/powerpoint/2010/main" val="3063715275"/>
+        <p14:creationId xmlns="" xmlns:p14="http://schemas.microsoft.com/office/powerpoint/2010/main" val="3063715275"/>
       </p:ext>
     </p:extLst>
   </p:cSld>
@@ -3831,7 +3858,7 @@
     </p:spTree>
     <p:extLst>
       <p:ext uri="{BB962C8B-B14F-4D97-AF65-F5344CB8AC3E}">
-        <p14:creationId xmlns:p14="http://schemas.microsoft.com/office/powerpoint/2010/main" val="1296102110"/>
+        <p14:creationId xmlns="" xmlns:p14="http://schemas.microsoft.com/office/powerpoint/2010/main" val="1296102110"/>
       </p:ext>
     </p:extLst>
   </p:cSld>
@@ -3994,7 +4021,7 @@
           </p:nvPr>
         </p:nvPicPr>
         <p:blipFill>
-          <a:blip r:embed="rId3"/>
+          <a:blip r:embed="rId3" cstate="print"/>
           <a:stretch>
             <a:fillRect/>
           </a:stretch>
@@ -4020,7 +4047,7 @@
           </p:nvPr>
         </p:nvPicPr>
         <p:blipFill>
-          <a:blip r:embed="rId4"/>
+          <a:blip r:embed="rId4" cstate="print"/>
           <a:stretch>
             <a:fillRect/>
           </a:stretch>
@@ -4038,7 +4065,7 @@
     </p:spTree>
     <p:extLst>
       <p:ext uri="{BB962C8B-B14F-4D97-AF65-F5344CB8AC3E}">
-        <p14:creationId xmlns:p14="http://schemas.microsoft.com/office/powerpoint/2010/main" val="2048612592"/>
+        <p14:creationId xmlns="" xmlns:p14="http://schemas.microsoft.com/office/powerpoint/2010/main" val="2048612592"/>
       </p:ext>
     </p:extLst>
   </p:cSld>
@@ -4273,7 +4300,7 @@
           </p:nvPr>
         </p:nvPicPr>
         <p:blipFill>
-          <a:blip r:embed="rId2"/>
+          <a:blip r:embed="rId2" cstate="print"/>
           <a:stretch>
             <a:fillRect/>
           </a:stretch>
@@ -4299,7 +4326,7 @@
           </p:nvPr>
         </p:nvPicPr>
         <p:blipFill>
-          <a:blip r:embed="rId3"/>
+          <a:blip r:embed="rId3" cstate="print"/>
           <a:stretch>
             <a:fillRect/>
           </a:stretch>
@@ -4362,7 +4389,7 @@
     </p:spTree>
     <p:extLst>
       <p:ext uri="{BB962C8B-B14F-4D97-AF65-F5344CB8AC3E}">
-        <p14:creationId xmlns:p14="http://schemas.microsoft.com/office/powerpoint/2010/main" val="3025915657"/>
+        <p14:creationId xmlns="" xmlns:p14="http://schemas.microsoft.com/office/powerpoint/2010/main" val="3025915657"/>
       </p:ext>
     </p:extLst>
   </p:cSld>
@@ -4621,7 +4648,7 @@
           </p:nvPr>
         </p:nvPicPr>
         <p:blipFill>
-          <a:blip r:embed="rId2"/>
+          <a:blip r:embed="rId2" cstate="print"/>
           <a:stretch>
             <a:fillRect/>
           </a:stretch>
@@ -4639,7 +4666,7 @@
     </p:spTree>
     <p:extLst>
       <p:ext uri="{BB962C8B-B14F-4D97-AF65-F5344CB8AC3E}">
-        <p14:creationId xmlns:p14="http://schemas.microsoft.com/office/powerpoint/2010/main" val="2162657546"/>
+        <p14:creationId xmlns="" xmlns:p14="http://schemas.microsoft.com/office/powerpoint/2010/main" val="2162657546"/>
       </p:ext>
     </p:extLst>
   </p:cSld>
@@ -4712,28 +4739,28 @@
                 <a:gridCol w="824360">
                   <a:extLst>
                     <a:ext uri="{9D8B030D-6E8A-4147-A177-3AD203B41FA5}">
-                      <a16:colId xmlns:a16="http://schemas.microsoft.com/office/drawing/2014/main" val="423700588"/>
+                      <a16:colId xmlns="" xmlns:a16="http://schemas.microsoft.com/office/drawing/2014/main" val="423700588"/>
                     </a:ext>
                   </a:extLst>
                 </a:gridCol>
                 <a:gridCol w="3778324">
                   <a:extLst>
                     <a:ext uri="{9D8B030D-6E8A-4147-A177-3AD203B41FA5}">
-                      <a16:colId xmlns:a16="http://schemas.microsoft.com/office/drawing/2014/main" val="2707363238"/>
+                      <a16:colId xmlns="" xmlns:a16="http://schemas.microsoft.com/office/drawing/2014/main" val="2707363238"/>
                     </a:ext>
                   </a:extLst>
                 </a:gridCol>
                 <a:gridCol w="824360">
                   <a:extLst>
                     <a:ext uri="{9D8B030D-6E8A-4147-A177-3AD203B41FA5}">
-                      <a16:colId xmlns:a16="http://schemas.microsoft.com/office/drawing/2014/main" val="982001458"/>
+                      <a16:colId xmlns="" xmlns:a16="http://schemas.microsoft.com/office/drawing/2014/main" val="982001458"/>
                     </a:ext>
                   </a:extLst>
                 </a:gridCol>
                 <a:gridCol w="3764582">
                   <a:extLst>
                     <a:ext uri="{9D8B030D-6E8A-4147-A177-3AD203B41FA5}">
-                      <a16:colId xmlns:a16="http://schemas.microsoft.com/office/drawing/2014/main" val="461491352"/>
+                      <a16:colId xmlns="" xmlns:a16="http://schemas.microsoft.com/office/drawing/2014/main" val="461491352"/>
                     </a:ext>
                   </a:extLst>
                 </a:gridCol>
@@ -4969,7 +4996,7 @@
                 </a:tc>
                 <a:extLst>
                   <a:ext uri="{0D108BD9-81ED-4DB2-BD59-A6C34878D82A}">
-                    <a16:rowId xmlns:a16="http://schemas.microsoft.com/office/drawing/2014/main" val="3429039050"/>
+                    <a16:rowId xmlns="" xmlns:a16="http://schemas.microsoft.com/office/drawing/2014/main" val="3429039050"/>
                   </a:ext>
                 </a:extLst>
               </a:tr>
@@ -5204,7 +5231,7 @@
                 </a:tc>
                 <a:extLst>
                   <a:ext uri="{0D108BD9-81ED-4DB2-BD59-A6C34878D82A}">
-                    <a16:rowId xmlns:a16="http://schemas.microsoft.com/office/drawing/2014/main" val="3126219050"/>
+                    <a16:rowId xmlns="" xmlns:a16="http://schemas.microsoft.com/office/drawing/2014/main" val="3126219050"/>
                   </a:ext>
                 </a:extLst>
               </a:tr>
@@ -5439,7 +5466,7 @@
                 </a:tc>
                 <a:extLst>
                   <a:ext uri="{0D108BD9-81ED-4DB2-BD59-A6C34878D82A}">
-                    <a16:rowId xmlns:a16="http://schemas.microsoft.com/office/drawing/2014/main" val="3220350950"/>
+                    <a16:rowId xmlns="" xmlns:a16="http://schemas.microsoft.com/office/drawing/2014/main" val="3220350950"/>
                   </a:ext>
                 </a:extLst>
               </a:tr>
@@ -5714,7 +5741,7 @@
                 </a:tc>
                 <a:extLst>
                   <a:ext uri="{0D108BD9-81ED-4DB2-BD59-A6C34878D82A}">
-                    <a16:rowId xmlns:a16="http://schemas.microsoft.com/office/drawing/2014/main" val="2554912251"/>
+                    <a16:rowId xmlns="" xmlns:a16="http://schemas.microsoft.com/office/drawing/2014/main" val="2554912251"/>
                   </a:ext>
                 </a:extLst>
               </a:tr>
@@ -5949,7 +5976,7 @@
                 </a:tc>
                 <a:extLst>
                   <a:ext uri="{0D108BD9-81ED-4DB2-BD59-A6C34878D82A}">
-                    <a16:rowId xmlns:a16="http://schemas.microsoft.com/office/drawing/2014/main" val="2115713028"/>
+                    <a16:rowId xmlns="" xmlns:a16="http://schemas.microsoft.com/office/drawing/2014/main" val="2115713028"/>
                   </a:ext>
                 </a:extLst>
               </a:tr>
@@ -6177,7 +6204,7 @@
                 </a:tc>
                 <a:extLst>
                   <a:ext uri="{0D108BD9-81ED-4DB2-BD59-A6C34878D82A}">
-                    <a16:rowId xmlns:a16="http://schemas.microsoft.com/office/drawing/2014/main" val="1384297608"/>
+                    <a16:rowId xmlns="" xmlns:a16="http://schemas.microsoft.com/office/drawing/2014/main" val="1384297608"/>
                   </a:ext>
                 </a:extLst>
               </a:tr>
@@ -6412,7 +6439,7 @@
                 </a:tc>
                 <a:extLst>
                   <a:ext uri="{0D108BD9-81ED-4DB2-BD59-A6C34878D82A}">
-                    <a16:rowId xmlns:a16="http://schemas.microsoft.com/office/drawing/2014/main" val="2679721146"/>
+                    <a16:rowId xmlns="" xmlns:a16="http://schemas.microsoft.com/office/drawing/2014/main" val="2679721146"/>
                   </a:ext>
                 </a:extLst>
               </a:tr>
@@ -6647,7 +6674,7 @@
                 </a:tc>
                 <a:extLst>
                   <a:ext uri="{0D108BD9-81ED-4DB2-BD59-A6C34878D82A}">
-                    <a16:rowId xmlns:a16="http://schemas.microsoft.com/office/drawing/2014/main" val="3174434460"/>
+                    <a16:rowId xmlns="" xmlns:a16="http://schemas.microsoft.com/office/drawing/2014/main" val="3174434460"/>
                   </a:ext>
                 </a:extLst>
               </a:tr>
@@ -7015,7 +7042,7 @@
                 </a:tc>
                 <a:extLst>
                   <a:ext uri="{0D108BD9-81ED-4DB2-BD59-A6C34878D82A}">
-                    <a16:rowId xmlns:a16="http://schemas.microsoft.com/office/drawing/2014/main" val="1586616150"/>
+                    <a16:rowId xmlns="" xmlns:a16="http://schemas.microsoft.com/office/drawing/2014/main" val="1586616150"/>
                   </a:ext>
                 </a:extLst>
               </a:tr>
@@ -7243,7 +7270,7 @@
                 </a:tc>
                 <a:extLst>
                   <a:ext uri="{0D108BD9-81ED-4DB2-BD59-A6C34878D82A}">
-                    <a16:rowId xmlns:a16="http://schemas.microsoft.com/office/drawing/2014/main" val="2694979696"/>
+                    <a16:rowId xmlns="" xmlns:a16="http://schemas.microsoft.com/office/drawing/2014/main" val="2694979696"/>
                   </a:ext>
                 </a:extLst>
               </a:tr>
@@ -7254,7 +7281,7 @@
     </p:spTree>
     <p:extLst>
       <p:ext uri="{BB962C8B-B14F-4D97-AF65-F5344CB8AC3E}">
-        <p14:creationId xmlns:p14="http://schemas.microsoft.com/office/powerpoint/2010/main" val="1197843771"/>
+        <p14:creationId xmlns="" xmlns:p14="http://schemas.microsoft.com/office/powerpoint/2010/main" val="1197843771"/>
       </p:ext>
     </p:extLst>
   </p:cSld>
@@ -7392,7 +7419,7 @@
           </p:nvPr>
         </p:nvPicPr>
         <p:blipFill>
-          <a:blip r:embed="rId2"/>
+          <a:blip r:embed="rId2" cstate="print"/>
           <a:stretch>
             <a:fillRect/>
           </a:stretch>
@@ -7410,7 +7437,7 @@
     </p:spTree>
     <p:extLst>
       <p:ext uri="{BB962C8B-B14F-4D97-AF65-F5344CB8AC3E}">
-        <p14:creationId xmlns:p14="http://schemas.microsoft.com/office/powerpoint/2010/main" val="755700261"/>
+        <p14:creationId xmlns="" xmlns:p14="http://schemas.microsoft.com/office/powerpoint/2010/main" val="755700261"/>
       </p:ext>
     </p:extLst>
   </p:cSld>
@@ -7465,11 +7492,7 @@
             </a:r>
             <a:r>
               <a:rPr lang="en-US" smtClean="0"/>
-              <a:t>of </a:t>
-            </a:r>
-            <a:r>
-              <a:rPr lang="en-US" smtClean="0"/>
-              <a:t>Courses </a:t>
+              <a:t>of Courses </a:t>
             </a:r>
             <a:r>
               <a:rPr lang="en-US" dirty="0" smtClean="0"/>
@@ -7490,7 +7513,7 @@
           </p:nvPr>
         </p:nvPicPr>
         <p:blipFill>
-          <a:blip r:embed="rId2"/>
+          <a:blip r:embed="rId2" cstate="print"/>
           <a:stretch>
             <a:fillRect/>
           </a:stretch>
@@ -7514,7 +7537,7 @@
           <p:nvPr/>
         </p:nvPicPr>
         <p:blipFill>
-          <a:blip r:embed="rId3"/>
+          <a:blip r:embed="rId3" cstate="print"/>
           <a:stretch>
             <a:fillRect/>
           </a:stretch>
@@ -7577,7 +7600,7 @@
     </p:spTree>
     <p:extLst>
       <p:ext uri="{BB962C8B-B14F-4D97-AF65-F5344CB8AC3E}">
-        <p14:creationId xmlns:p14="http://schemas.microsoft.com/office/powerpoint/2010/main" val="2040311413"/>
+        <p14:creationId xmlns="" xmlns:p14="http://schemas.microsoft.com/office/powerpoint/2010/main" val="2040311413"/>
       </p:ext>
     </p:extLst>
   </p:cSld>
@@ -7712,7 +7735,7 @@
           </p:nvPr>
         </p:nvPicPr>
         <p:blipFill>
-          <a:blip r:embed="rId2"/>
+          <a:blip r:embed="rId2" cstate="print"/>
           <a:stretch>
             <a:fillRect/>
           </a:stretch>
@@ -7775,7 +7798,7 @@
     </p:spTree>
     <p:extLst>
       <p:ext uri="{BB962C8B-B14F-4D97-AF65-F5344CB8AC3E}">
-        <p14:creationId xmlns:p14="http://schemas.microsoft.com/office/powerpoint/2010/main" val="3457145499"/>
+        <p14:creationId xmlns="" xmlns:p14="http://schemas.microsoft.com/office/powerpoint/2010/main" val="3457145499"/>
       </p:ext>
     </p:extLst>
   </p:cSld>
@@ -7906,7 +7929,7 @@
     </a:clrScheme>
     <a:fontScheme name="Office">
       <a:majorFont>
-        <a:latin typeface="Calibri Light" panose="020F0302020204030204"/>
+        <a:latin typeface="Calibri Light"/>
         <a:ea typeface=""/>
         <a:cs typeface=""/>
         <a:font script="Jpan" typeface="游ゴシック Light"/>
@@ -7941,7 +7964,7 @@
         <a:font script="Geor" typeface="Sylfaen"/>
       </a:majorFont>
       <a:minorFont>
-        <a:latin typeface="Calibri" panose="020F0502020204030204"/>
+        <a:latin typeface="Calibri"/>
         <a:ea typeface=""/>
         <a:cs typeface=""/>
         <a:font script="Jpan" typeface="游ゴシック"/>
@@ -8118,7 +8141,7 @@
   <a:extraClrSchemeLst/>
   <a:extLst>
     <a:ext uri="{05A4C25C-085E-4340-85A3-A5531E510DB2}">
-      <thm15:themeFamily xmlns:thm15="http://schemas.microsoft.com/office/thememl/2012/main" name="Office Theme" id="{62F939B6-93AF-4DB8-9C6B-D6C7DFDC589F}" vid="{4A3C46E8-61CC-4603-A589-7422A47A8E4A}"/>
+      <thm15:themeFamily xmlns="" xmlns:thm15="http://schemas.microsoft.com/office/thememl/2012/main" name="Office Theme" id="{62F939B6-93AF-4DB8-9C6B-D6C7DFDC589F}" vid="{4A3C46E8-61CC-4603-A589-7422A47A8E4A}"/>
     </a:ext>
   </a:extLst>
 </a:theme>
@@ -8167,7 +8190,7 @@
     </a:clrScheme>
     <a:fontScheme name="Office">
       <a:majorFont>
-        <a:latin typeface="Calibri Light" panose="020F0302020204030204"/>
+        <a:latin typeface="Calibri Light"/>
         <a:ea typeface=""/>
         <a:cs typeface=""/>
         <a:font script="Jpan" typeface="游ゴシック Light"/>
@@ -8202,7 +8225,7 @@
         <a:font script="Geor" typeface="Sylfaen"/>
       </a:majorFont>
       <a:minorFont>
-        <a:latin typeface="Calibri" panose="020F0502020204030204"/>
+        <a:latin typeface="Calibri"/>
         <a:ea typeface=""/>
         <a:cs typeface=""/>
         <a:font script="Jpan" typeface="游ゴシック"/>
@@ -8379,7 +8402,7 @@
   <a:extraClrSchemeLst/>
   <a:extLst>
     <a:ext uri="{05A4C25C-085E-4340-85A3-A5531E510DB2}">
-      <thm15:themeFamily xmlns:thm15="http://schemas.microsoft.com/office/thememl/2012/main" name="Office Theme" id="{62F939B6-93AF-4DB8-9C6B-D6C7DFDC589F}" vid="{4A3C46E8-61CC-4603-A589-7422A47A8E4A}"/>
+      <thm15:themeFamily xmlns="" xmlns:thm15="http://schemas.microsoft.com/office/thememl/2012/main" name="Office Theme" id="{62F939B6-93AF-4DB8-9C6B-D6C7DFDC589F}" vid="{4A3C46E8-61CC-4603-A589-7422A47A8E4A}"/>
     </a:ext>
   </a:extLst>
 </a:theme>

--- a/Status fo Statistics Curricula.pptx
+++ b/Status fo Statistics Curricula.pptx
@@ -5,22 +5,23 @@
     <p:sldMasterId id="2147483648" r:id="rId1"/>
   </p:sldMasterIdLst>
   <p:notesMasterIdLst>
-    <p:notesMasterId r:id="rId12"/>
+    <p:notesMasterId r:id="rId13"/>
   </p:notesMasterIdLst>
   <p:sldIdLst>
     <p:sldId id="256" r:id="rId2"/>
     <p:sldId id="257" r:id="rId3"/>
     <p:sldId id="258" r:id="rId4"/>
-    <p:sldId id="259" r:id="rId5"/>
-    <p:sldId id="266" r:id="rId6"/>
-    <p:sldId id="267" r:id="rId7"/>
-    <p:sldId id="262" r:id="rId8"/>
-    <p:sldId id="263" r:id="rId9"/>
-    <p:sldId id="264" r:id="rId10"/>
-    <p:sldId id="265" r:id="rId11"/>
+    <p:sldId id="268" r:id="rId5"/>
+    <p:sldId id="259" r:id="rId6"/>
+    <p:sldId id="266" r:id="rId7"/>
+    <p:sldId id="267" r:id="rId8"/>
+    <p:sldId id="262" r:id="rId9"/>
+    <p:sldId id="263" r:id="rId10"/>
+    <p:sldId id="264" r:id="rId11"/>
+    <p:sldId id="269" r:id="rId12"/>
   </p:sldIdLst>
   <p:sldSz cx="12192000" cy="6858000"/>
-  <p:notesSz cx="6858000" cy="9144000"/>
+  <p:notesSz cx="7023100" cy="9309100"/>
   <p:defaultTextStyle>
     <a:defPPr>
       <a:defRPr lang="en-US"/>
@@ -118,7 +119,18 @@
   </p:defaultTextStyle>
   <p:extLst>
     <p:ext uri="{EFAFB233-063F-42B5-8137-9DF3F51BA10A}">
-      <p15:sldGuideLst xmlns="" xmlns:p15="http://schemas.microsoft.com/office/powerpoint/2012/main"/>
+      <p15:sldGuideLst xmlns:p15="http://schemas.microsoft.com/office/powerpoint/2012/main">
+        <p15:guide id="1" orient="horz" pos="2160">
+          <p15:clr>
+            <a:srgbClr val="A4A3A4"/>
+          </p15:clr>
+        </p15:guide>
+        <p15:guide id="2" pos="3840">
+          <p15:clr>
+            <a:srgbClr val="A4A3A4"/>
+          </p15:clr>
+        </p15:guide>
+      </p15:sldGuideLst>
     </p:ext>
   </p:extLst>
 </p:presentation>
@@ -159,14 +171,14 @@
         <p:spPr>
           <a:xfrm>
             <a:off x="0" y="0"/>
-            <a:ext cx="2971800" cy="458788"/>
+            <a:ext cx="3043343" cy="467072"/>
           </a:xfrm>
           <a:prstGeom prst="rect">
             <a:avLst/>
           </a:prstGeom>
         </p:spPr>
         <p:txBody>
-          <a:bodyPr vert="horz" lIns="91440" tIns="45720" rIns="91440" bIns="45720" rtlCol="0"/>
+          <a:bodyPr vert="horz" lIns="93324" tIns="46662" rIns="93324" bIns="46662" rtlCol="0"/>
           <a:lstStyle>
             <a:lvl1pPr algn="l">
               <a:defRPr sz="1200"/>
@@ -189,15 +201,15 @@
         </p:nvSpPr>
         <p:spPr>
           <a:xfrm>
-            <a:off x="3884613" y="0"/>
-            <a:ext cx="2971800" cy="458788"/>
+            <a:off x="3978132" y="0"/>
+            <a:ext cx="3043343" cy="467072"/>
           </a:xfrm>
           <a:prstGeom prst="rect">
             <a:avLst/>
           </a:prstGeom>
         </p:spPr>
         <p:txBody>
-          <a:bodyPr vert="horz" lIns="91440" tIns="45720" rIns="91440" bIns="45720" rtlCol="0"/>
+          <a:bodyPr vert="horz" lIns="93324" tIns="46662" rIns="93324" bIns="46662" rtlCol="0"/>
           <a:lstStyle>
             <a:lvl1pPr algn="r">
               <a:defRPr sz="1200"/>
@@ -207,7 +219,7 @@
             <a:fld id="{88759146-D9B4-4E36-9A74-666275327657}" type="datetimeFigureOut">
               <a:rPr lang="en-US" smtClean="0"/>
               <a:pPr/>
-              <a:t>6/5/2017</a:t>
+              <a:t>6/6/2017</a:t>
             </a:fld>
             <a:endParaRPr lang="en-US"/>
           </a:p>
@@ -225,8 +237,8 @@
         </p:nvSpPr>
         <p:spPr>
           <a:xfrm>
-            <a:off x="685800" y="1143000"/>
-            <a:ext cx="5486400" cy="3086100"/>
+            <a:off x="719138" y="1163638"/>
+            <a:ext cx="5584825" cy="3141662"/>
           </a:xfrm>
           <a:prstGeom prst="rect">
             <a:avLst/>
@@ -239,7 +251,7 @@
           </a:ln>
         </p:spPr>
         <p:txBody>
-          <a:bodyPr vert="horz" lIns="91440" tIns="45720" rIns="91440" bIns="45720" rtlCol="0" anchor="ctr"/>
+          <a:bodyPr vert="horz" lIns="93324" tIns="46662" rIns="93324" bIns="46662" rtlCol="0" anchor="ctr"/>
           <a:lstStyle/>
           <a:p>
             <a:endParaRPr lang="en-US"/>
@@ -258,15 +270,15 @@
         </p:nvSpPr>
         <p:spPr>
           <a:xfrm>
-            <a:off x="685800" y="4400550"/>
-            <a:ext cx="5486400" cy="3600450"/>
+            <a:off x="702310" y="4480004"/>
+            <a:ext cx="5618480" cy="3665458"/>
           </a:xfrm>
           <a:prstGeom prst="rect">
             <a:avLst/>
           </a:prstGeom>
         </p:spPr>
         <p:txBody>
-          <a:bodyPr vert="horz" lIns="91440" tIns="45720" rIns="91440" bIns="45720" rtlCol="0"/>
+          <a:bodyPr vert="horz" lIns="93324" tIns="46662" rIns="93324" bIns="46662" rtlCol="0"/>
           <a:lstStyle/>
           <a:p>
             <a:pPr lvl="0"/>
@@ -318,15 +330,15 @@
         </p:nvSpPr>
         <p:spPr>
           <a:xfrm>
-            <a:off x="0" y="8685213"/>
-            <a:ext cx="2971800" cy="458787"/>
+            <a:off x="0" y="8842030"/>
+            <a:ext cx="3043343" cy="467071"/>
           </a:xfrm>
           <a:prstGeom prst="rect">
             <a:avLst/>
           </a:prstGeom>
         </p:spPr>
         <p:txBody>
-          <a:bodyPr vert="horz" lIns="91440" tIns="45720" rIns="91440" bIns="45720" rtlCol="0" anchor="b"/>
+          <a:bodyPr vert="horz" lIns="93324" tIns="46662" rIns="93324" bIns="46662" rtlCol="0" anchor="b"/>
           <a:lstStyle>
             <a:lvl1pPr algn="l">
               <a:defRPr sz="1200"/>
@@ -349,15 +361,15 @@
         </p:nvSpPr>
         <p:spPr>
           <a:xfrm>
-            <a:off x="3884613" y="8685213"/>
-            <a:ext cx="2971800" cy="458787"/>
+            <a:off x="3978132" y="8842030"/>
+            <a:ext cx="3043343" cy="467071"/>
           </a:xfrm>
           <a:prstGeom prst="rect">
             <a:avLst/>
           </a:prstGeom>
         </p:spPr>
         <p:txBody>
-          <a:bodyPr vert="horz" lIns="91440" tIns="45720" rIns="91440" bIns="45720" rtlCol="0" anchor="b"/>
+          <a:bodyPr vert="horz" lIns="93324" tIns="46662" rIns="93324" bIns="46662" rtlCol="0" anchor="b"/>
           <a:lstStyle>
             <a:lvl1pPr algn="r">
               <a:defRPr sz="1200"/>
@@ -376,7 +388,7 @@
     </p:spTree>
     <p:extLst>
       <p:ext uri="{BB962C8B-B14F-4D97-AF65-F5344CB8AC3E}">
-        <p14:creationId xmlns="" xmlns:p14="http://schemas.microsoft.com/office/powerpoint/2010/main" val="2305668930"/>
+        <p14:creationId xmlns:p14="http://schemas.microsoft.com/office/powerpoint/2010/main" val="2305668930"/>
       </p:ext>
     </p:extLst>
   </p:cSld>
@@ -540,7 +552,7 @@
             </a:r>
           </a:p>
           <a:p>
-            <a:pPr marL="171450" indent="-171450">
+            <a:pPr marL="174982" indent="-174982">
               <a:buFont typeface="Arial" panose="020B0604020202020204" pitchFamily="34" charset="0"/>
               <a:buChar char="•"/>
             </a:pPr>
@@ -549,28 +561,8 @@
               <a:t>twice as many BSc grads per capita in Canada ( </a:t>
             </a:r>
             <a:r>
-              <a:rPr lang="en-US" sz="1200" kern="1200" dirty="0" smtClean="0">
-                <a:solidFill>
-                  <a:schemeClr val="tx1"/>
-                </a:solidFill>
-                <a:effectLst/>
-                <a:latin typeface="+mn-lt"/>
-                <a:ea typeface="+mn-ea"/>
-                <a:cs typeface="+mn-cs"/>
-              </a:rPr>
-              <a:t>(375/36)/(1700/321) ~</a:t>
-            </a:r>
-            <a:r>
-              <a:rPr lang="en-US" sz="1200" kern="1200" baseline="0" dirty="0" smtClean="0">
-                <a:solidFill>
-                  <a:schemeClr val="tx1"/>
-                </a:solidFill>
-                <a:effectLst/>
-                <a:latin typeface="+mn-lt"/>
-                <a:ea typeface="+mn-ea"/>
-                <a:cs typeface="+mn-cs"/>
-              </a:rPr>
-              <a:t> 2</a:t>
+              <a:rPr lang="en-US" dirty="0"/>
+              <a:t>(375/36)/(1700/321) ~ 2</a:t>
             </a:r>
             <a:r>
               <a:rPr lang="en-US" baseline="0" dirty="0" smtClean="0"/>
@@ -578,7 +570,7 @@
             </a:r>
           </a:p>
           <a:p>
-            <a:pPr marL="171450" indent="-171450">
+            <a:pPr marL="174982" indent="-174982">
               <a:buFont typeface="Arial" panose="020B0604020202020204" pitchFamily="34" charset="0"/>
               <a:buChar char="•"/>
             </a:pPr>
@@ -623,7 +615,7 @@
     </p:spTree>
     <p:extLst>
       <p:ext uri="{BB962C8B-B14F-4D97-AF65-F5344CB8AC3E}">
-        <p14:creationId xmlns="" xmlns:p14="http://schemas.microsoft.com/office/powerpoint/2010/main" val="980804576"/>
+        <p14:creationId xmlns:p14="http://schemas.microsoft.com/office/powerpoint/2010/main" val="980804576"/>
       </p:ext>
     </p:extLst>
   </p:cSld>
@@ -765,7 +757,7 @@
             <a:fld id="{6F49C482-87CA-4B33-8605-43E5589E6771}" type="datetimeFigureOut">
               <a:rPr lang="en-US" smtClean="0"/>
               <a:pPr/>
-              <a:t>6/5/2017</a:t>
+              <a:t>6/6/2017</a:t>
             </a:fld>
             <a:endParaRPr lang="en-US"/>
           </a:p>
@@ -817,7 +809,7 @@
     </p:spTree>
     <p:extLst>
       <p:ext uri="{BB962C8B-B14F-4D97-AF65-F5344CB8AC3E}">
-        <p14:creationId xmlns="" xmlns:p14="http://schemas.microsoft.com/office/powerpoint/2010/main" val="3506553982"/>
+        <p14:creationId xmlns:p14="http://schemas.microsoft.com/office/powerpoint/2010/main" val="3506553982"/>
       </p:ext>
     </p:extLst>
   </p:cSld>
@@ -937,7 +929,7 @@
             <a:fld id="{6F49C482-87CA-4B33-8605-43E5589E6771}" type="datetimeFigureOut">
               <a:rPr lang="en-US" smtClean="0"/>
               <a:pPr/>
-              <a:t>6/5/2017</a:t>
+              <a:t>6/6/2017</a:t>
             </a:fld>
             <a:endParaRPr lang="en-US"/>
           </a:p>
@@ -989,7 +981,7 @@
     </p:spTree>
     <p:extLst>
       <p:ext uri="{BB962C8B-B14F-4D97-AF65-F5344CB8AC3E}">
-        <p14:creationId xmlns="" xmlns:p14="http://schemas.microsoft.com/office/powerpoint/2010/main" val="1101089403"/>
+        <p14:creationId xmlns:p14="http://schemas.microsoft.com/office/powerpoint/2010/main" val="1101089403"/>
       </p:ext>
     </p:extLst>
   </p:cSld>
@@ -1119,7 +1111,7 @@
             <a:fld id="{6F49C482-87CA-4B33-8605-43E5589E6771}" type="datetimeFigureOut">
               <a:rPr lang="en-US" smtClean="0"/>
               <a:pPr/>
-              <a:t>6/5/2017</a:t>
+              <a:t>6/6/2017</a:t>
             </a:fld>
             <a:endParaRPr lang="en-US"/>
           </a:p>
@@ -1171,7 +1163,7 @@
     </p:spTree>
     <p:extLst>
       <p:ext uri="{BB962C8B-B14F-4D97-AF65-F5344CB8AC3E}">
-        <p14:creationId xmlns="" xmlns:p14="http://schemas.microsoft.com/office/powerpoint/2010/main" val="2001993173"/>
+        <p14:creationId xmlns:p14="http://schemas.microsoft.com/office/powerpoint/2010/main" val="2001993173"/>
       </p:ext>
     </p:extLst>
   </p:cSld>
@@ -1291,7 +1283,7 @@
             <a:fld id="{6F49C482-87CA-4B33-8605-43E5589E6771}" type="datetimeFigureOut">
               <a:rPr lang="en-US" smtClean="0"/>
               <a:pPr/>
-              <a:t>6/5/2017</a:t>
+              <a:t>6/6/2017</a:t>
             </a:fld>
             <a:endParaRPr lang="en-US"/>
           </a:p>
@@ -1343,7 +1335,7 @@
     </p:spTree>
     <p:extLst>
       <p:ext uri="{BB962C8B-B14F-4D97-AF65-F5344CB8AC3E}">
-        <p14:creationId xmlns="" xmlns:p14="http://schemas.microsoft.com/office/powerpoint/2010/main" val="410919990"/>
+        <p14:creationId xmlns:p14="http://schemas.microsoft.com/office/powerpoint/2010/main" val="410919990"/>
       </p:ext>
     </p:extLst>
   </p:cSld>
@@ -1539,7 +1531,7 @@
             <a:fld id="{6F49C482-87CA-4B33-8605-43E5589E6771}" type="datetimeFigureOut">
               <a:rPr lang="en-US" smtClean="0"/>
               <a:pPr/>
-              <a:t>6/5/2017</a:t>
+              <a:t>6/6/2017</a:t>
             </a:fld>
             <a:endParaRPr lang="en-US"/>
           </a:p>
@@ -1591,7 +1583,7 @@
     </p:spTree>
     <p:extLst>
       <p:ext uri="{BB962C8B-B14F-4D97-AF65-F5344CB8AC3E}">
-        <p14:creationId xmlns="" xmlns:p14="http://schemas.microsoft.com/office/powerpoint/2010/main" val="3965314995"/>
+        <p14:creationId xmlns:p14="http://schemas.microsoft.com/office/powerpoint/2010/main" val="3965314995"/>
       </p:ext>
     </p:extLst>
   </p:cSld>
@@ -1773,7 +1765,7 @@
             <a:fld id="{6F49C482-87CA-4B33-8605-43E5589E6771}" type="datetimeFigureOut">
               <a:rPr lang="en-US" smtClean="0"/>
               <a:pPr/>
-              <a:t>6/5/2017</a:t>
+              <a:t>6/6/2017</a:t>
             </a:fld>
             <a:endParaRPr lang="en-US"/>
           </a:p>
@@ -1825,7 +1817,7 @@
     </p:spTree>
     <p:extLst>
       <p:ext uri="{BB962C8B-B14F-4D97-AF65-F5344CB8AC3E}">
-        <p14:creationId xmlns="" xmlns:p14="http://schemas.microsoft.com/office/powerpoint/2010/main" val="2793446600"/>
+        <p14:creationId xmlns:p14="http://schemas.microsoft.com/office/powerpoint/2010/main" val="2793446600"/>
       </p:ext>
     </p:extLst>
   </p:cSld>
@@ -2142,7 +2134,7 @@
             <a:fld id="{6F49C482-87CA-4B33-8605-43E5589E6771}" type="datetimeFigureOut">
               <a:rPr lang="en-US" smtClean="0"/>
               <a:pPr/>
-              <a:t>6/5/2017</a:t>
+              <a:t>6/6/2017</a:t>
             </a:fld>
             <a:endParaRPr lang="en-US"/>
           </a:p>
@@ -2194,7 +2186,7 @@
     </p:spTree>
     <p:extLst>
       <p:ext uri="{BB962C8B-B14F-4D97-AF65-F5344CB8AC3E}">
-        <p14:creationId xmlns="" xmlns:p14="http://schemas.microsoft.com/office/powerpoint/2010/main" val="4044548070"/>
+        <p14:creationId xmlns:p14="http://schemas.microsoft.com/office/powerpoint/2010/main" val="4044548070"/>
       </p:ext>
     </p:extLst>
   </p:cSld>
@@ -2262,7 +2254,7 @@
             <a:fld id="{6F49C482-87CA-4B33-8605-43E5589E6771}" type="datetimeFigureOut">
               <a:rPr lang="en-US" smtClean="0"/>
               <a:pPr/>
-              <a:t>6/5/2017</a:t>
+              <a:t>6/6/2017</a:t>
             </a:fld>
             <a:endParaRPr lang="en-US"/>
           </a:p>
@@ -2314,7 +2306,7 @@
     </p:spTree>
     <p:extLst>
       <p:ext uri="{BB962C8B-B14F-4D97-AF65-F5344CB8AC3E}">
-        <p14:creationId xmlns="" xmlns:p14="http://schemas.microsoft.com/office/powerpoint/2010/main" val="1523835739"/>
+        <p14:creationId xmlns:p14="http://schemas.microsoft.com/office/powerpoint/2010/main" val="1523835739"/>
       </p:ext>
     </p:extLst>
   </p:cSld>
@@ -2359,7 +2351,7 @@
             <a:fld id="{6F49C482-87CA-4B33-8605-43E5589E6771}" type="datetimeFigureOut">
               <a:rPr lang="en-US" smtClean="0"/>
               <a:pPr/>
-              <a:t>6/5/2017</a:t>
+              <a:t>6/6/2017</a:t>
             </a:fld>
             <a:endParaRPr lang="en-US"/>
           </a:p>
@@ -2411,7 +2403,7 @@
     </p:spTree>
     <p:extLst>
       <p:ext uri="{BB962C8B-B14F-4D97-AF65-F5344CB8AC3E}">
-        <p14:creationId xmlns="" xmlns:p14="http://schemas.microsoft.com/office/powerpoint/2010/main" val="1874289421"/>
+        <p14:creationId xmlns:p14="http://schemas.microsoft.com/office/powerpoint/2010/main" val="1874289421"/>
       </p:ext>
     </p:extLst>
   </p:cSld>
@@ -2638,7 +2630,7 @@
             <a:fld id="{6F49C482-87CA-4B33-8605-43E5589E6771}" type="datetimeFigureOut">
               <a:rPr lang="en-US" smtClean="0"/>
               <a:pPr/>
-              <a:t>6/5/2017</a:t>
+              <a:t>6/6/2017</a:t>
             </a:fld>
             <a:endParaRPr lang="en-US"/>
           </a:p>
@@ -2690,7 +2682,7 @@
     </p:spTree>
     <p:extLst>
       <p:ext uri="{BB962C8B-B14F-4D97-AF65-F5344CB8AC3E}">
-        <p14:creationId xmlns="" xmlns:p14="http://schemas.microsoft.com/office/powerpoint/2010/main" val="3891137599"/>
+        <p14:creationId xmlns:p14="http://schemas.microsoft.com/office/powerpoint/2010/main" val="3891137599"/>
       </p:ext>
     </p:extLst>
   </p:cSld>
@@ -2893,7 +2885,7 @@
             <a:fld id="{6F49C482-87CA-4B33-8605-43E5589E6771}" type="datetimeFigureOut">
               <a:rPr lang="en-US" smtClean="0"/>
               <a:pPr/>
-              <a:t>6/5/2017</a:t>
+              <a:t>6/6/2017</a:t>
             </a:fld>
             <a:endParaRPr lang="en-US"/>
           </a:p>
@@ -2945,7 +2937,7 @@
     </p:spTree>
     <p:extLst>
       <p:ext uri="{BB962C8B-B14F-4D97-AF65-F5344CB8AC3E}">
-        <p14:creationId xmlns="" xmlns:p14="http://schemas.microsoft.com/office/powerpoint/2010/main" val="459217906"/>
+        <p14:creationId xmlns:p14="http://schemas.microsoft.com/office/powerpoint/2010/main" val="459217906"/>
       </p:ext>
     </p:extLst>
   </p:cSld>
@@ -3108,7 +3100,7 @@
             <a:fld id="{6F49C482-87CA-4B33-8605-43E5589E6771}" type="datetimeFigureOut">
               <a:rPr lang="en-US" smtClean="0"/>
               <a:pPr/>
-              <a:t>6/5/2017</a:t>
+              <a:t>6/6/2017</a:t>
             </a:fld>
             <a:endParaRPr lang="en-US"/>
           </a:p>
@@ -3196,7 +3188,7 @@
     </p:spTree>
     <p:extLst>
       <p:ext uri="{BB962C8B-B14F-4D97-AF65-F5344CB8AC3E}">
-        <p14:creationId xmlns="" xmlns:p14="http://schemas.microsoft.com/office/powerpoint/2010/main" val="3664280150"/>
+        <p14:creationId xmlns:p14="http://schemas.microsoft.com/office/powerpoint/2010/main" val="3664280150"/>
       </p:ext>
     </p:extLst>
   </p:cSld>
@@ -3556,8 +3548,13 @@
           <a:p>
             <a:r>
               <a:rPr lang="en-US" dirty="0" smtClean="0"/>
-              <a:t>(a graph novel)</a:t>
-            </a:r>
+              <a:t>(a </a:t>
+            </a:r>
+            <a:r>
+              <a:rPr lang="en-US" dirty="0" smtClean="0"/>
+              <a:t>graphical study)</a:t>
+            </a:r>
+            <a:endParaRPr lang="en-US" dirty="0" smtClean="0"/>
           </a:p>
           <a:p>
             <a:pPr algn="l"/>
@@ -3603,7 +3600,7 @@
     </p:spTree>
     <p:extLst>
       <p:ext uri="{BB962C8B-B14F-4D97-AF65-F5344CB8AC3E}">
-        <p14:creationId xmlns="" xmlns:p14="http://schemas.microsoft.com/office/powerpoint/2010/main" val="2903718237"/>
+        <p14:creationId xmlns:p14="http://schemas.microsoft.com/office/powerpoint/2010/main" val="2903718237"/>
       </p:ext>
     </p:extLst>
   </p:cSld>
@@ -3652,18 +3649,52 @@
           <a:bodyPr/>
           <a:lstStyle/>
           <a:p>
-            <a:endParaRPr lang="en-US"/>
-          </a:p>
-        </p:txBody>
-      </p:sp>
-      <p:sp>
-        <p:nvSpPr>
-          <p:cNvPr id="3" name="Content Placeholder 2"/>
+            <a:r>
+              <a:rPr lang="en-US" dirty="0"/>
+              <a:t>Breakdown of Courses per </a:t>
+            </a:r>
+            <a:r>
+              <a:rPr lang="en-US" dirty="0" smtClean="0"/>
+              <a:t>Learning Outcome</a:t>
+            </a:r>
+            <a:endParaRPr lang="en-US" dirty="0"/>
+          </a:p>
+        </p:txBody>
+      </p:sp>
+      <p:pic>
+        <p:nvPicPr>
+          <p:cNvPr id="8" name="Content Placeholder 7"/>
+          <p:cNvPicPr>
+            <a:picLocks noGrp="1" noChangeAspect="1"/>
+          </p:cNvPicPr>
+          <p:nvPr>
+            <p:ph sz="half" idx="1"/>
+          </p:nvPr>
+        </p:nvPicPr>
+        <p:blipFill>
+          <a:blip r:embed="rId2"/>
+          <a:stretch>
+            <a:fillRect/>
+          </a:stretch>
+        </p:blipFill>
+        <p:spPr>
+          <a:xfrm>
+            <a:off x="838200" y="2179421"/>
+            <a:ext cx="5181600" cy="3643745"/>
+          </a:xfrm>
+          <a:prstGeom prst="rect">
+            <a:avLst/>
+          </a:prstGeom>
+        </p:spPr>
+      </p:pic>
+      <p:sp>
+        <p:nvSpPr>
+          <p:cNvPr id="7" name="Content Placeholder 6"/>
           <p:cNvSpPr>
             <a:spLocks noGrp="1"/>
           </p:cNvSpPr>
           <p:nvPr>
-            <p:ph idx="1"/>
+            <p:ph sz="half" idx="2"/>
           </p:nvPr>
         </p:nvSpPr>
         <p:spPr/>
@@ -3678,7 +3709,138 @@
     </p:spTree>
     <p:extLst>
       <p:ext uri="{BB962C8B-B14F-4D97-AF65-F5344CB8AC3E}">
-        <p14:creationId xmlns="" xmlns:p14="http://schemas.microsoft.com/office/powerpoint/2010/main" val="3063715275"/>
+        <p14:creationId xmlns:p14="http://schemas.microsoft.com/office/powerpoint/2010/main" val="3457145499"/>
+      </p:ext>
+    </p:extLst>
+  </p:cSld>
+  <p:clrMapOvr>
+    <a:masterClrMapping/>
+  </p:clrMapOvr>
+  <p:timing>
+    <p:tnLst>
+      <p:par>
+        <p:cTn id="1" dur="indefinite" restart="never" nodeType="tmRoot"/>
+      </p:par>
+    </p:tnLst>
+  </p:timing>
+</p:sld>
+</file>
+
+<file path=ppt/slides/slide11.xml><?xml version="1.0" encoding="utf-8"?>
+<p:sld xmlns:a="http://schemas.openxmlformats.org/drawingml/2006/main" xmlns:r="http://schemas.openxmlformats.org/officeDocument/2006/relationships" xmlns:p="http://schemas.openxmlformats.org/presentationml/2006/main">
+  <p:cSld>
+    <p:spTree>
+      <p:nvGrpSpPr>
+        <p:cNvPr id="1" name=""/>
+        <p:cNvGrpSpPr/>
+        <p:nvPr/>
+      </p:nvGrpSpPr>
+      <p:grpSpPr>
+        <a:xfrm>
+          <a:off x="0" y="0"/>
+          <a:ext cx="0" cy="0"/>
+          <a:chOff x="0" y="0"/>
+          <a:chExt cx="0" cy="0"/>
+        </a:xfrm>
+      </p:grpSpPr>
+      <p:sp>
+        <p:nvSpPr>
+          <p:cNvPr id="2" name="Title 1"/>
+          <p:cNvSpPr>
+            <a:spLocks noGrp="1"/>
+          </p:cNvSpPr>
+          <p:nvPr>
+            <p:ph type="title"/>
+          </p:nvPr>
+        </p:nvSpPr>
+        <p:spPr/>
+        <p:txBody>
+          <a:bodyPr/>
+          <a:lstStyle/>
+          <a:p>
+            <a:r>
+              <a:rPr lang="en-US" dirty="0" smtClean="0"/>
+              <a:t>Conclusions</a:t>
+            </a:r>
+            <a:endParaRPr lang="en-US" dirty="0"/>
+          </a:p>
+        </p:txBody>
+      </p:sp>
+      <p:sp>
+        <p:nvSpPr>
+          <p:cNvPr id="5" name="Content Placeholder 4"/>
+          <p:cNvSpPr>
+            <a:spLocks noGrp="1"/>
+          </p:cNvSpPr>
+          <p:nvPr>
+            <p:ph idx="1"/>
+          </p:nvPr>
+        </p:nvSpPr>
+        <p:spPr/>
+        <p:txBody>
+          <a:bodyPr/>
+          <a:lstStyle/>
+          <a:p>
+            <a:r>
+              <a:rPr lang="en-US" dirty="0" smtClean="0"/>
+              <a:t>Train Stats Hons/Spec BSc’s primarily for the workplace (rather than for graduate study)</a:t>
+            </a:r>
+          </a:p>
+          <a:p>
+            <a:pPr lvl="2"/>
+            <a:endParaRPr lang="en-US" dirty="0" smtClean="0"/>
+          </a:p>
+          <a:p>
+            <a:r>
+              <a:rPr lang="en-US" dirty="0" smtClean="0"/>
+              <a:t>Offer more Stat courses (at expense of Math courses)</a:t>
+            </a:r>
+          </a:p>
+          <a:p>
+            <a:pPr lvl="2"/>
+            <a:endParaRPr lang="en-US" dirty="0" smtClean="0"/>
+          </a:p>
+          <a:p>
+            <a:r>
+              <a:rPr lang="en-US" dirty="0" smtClean="0"/>
+              <a:t>Offer Stat courses early on (especially 1</a:t>
+            </a:r>
+            <a:r>
+              <a:rPr lang="en-US" baseline="30000" dirty="0" smtClean="0"/>
+              <a:t>st</a:t>
+            </a:r>
+            <a:r>
+              <a:rPr lang="en-US" dirty="0" smtClean="0"/>
+              <a:t> year)</a:t>
+            </a:r>
+          </a:p>
+          <a:p>
+            <a:pPr lvl="2"/>
+            <a:endParaRPr lang="en-US" dirty="0" smtClean="0"/>
+          </a:p>
+          <a:p>
+            <a:r>
+              <a:rPr lang="en-US" dirty="0" smtClean="0"/>
+              <a:t>Focus </a:t>
+            </a:r>
+            <a:r>
+              <a:rPr lang="en-US" dirty="0"/>
+              <a:t>(new or </a:t>
+            </a:r>
+            <a:r>
+              <a:rPr lang="en-US" dirty="0" smtClean="0"/>
+              <a:t>existing) courses on Statistical Practice</a:t>
+            </a:r>
+          </a:p>
+          <a:p>
+            <a:endParaRPr lang="en-US" dirty="0" smtClean="0"/>
+          </a:p>
+        </p:txBody>
+      </p:sp>
+    </p:spTree>
+    <p:extLst>
+      <p:ext uri="{BB962C8B-B14F-4D97-AF65-F5344CB8AC3E}">
+        <p14:creationId xmlns:p14="http://schemas.microsoft.com/office/powerpoint/2010/main" val="1706665789"/>
       </p:ext>
     </p:extLst>
   </p:cSld>
@@ -3830,7 +3992,11 @@
           <a:p>
             <a:r>
               <a:rPr lang="en-US" dirty="0" smtClean="0"/>
-              <a:t>Data &amp; code available through GitHub</a:t>
+              <a:t>All data </a:t>
+            </a:r>
+            <a:r>
+              <a:rPr lang="en-US" dirty="0" smtClean="0"/>
+              <a:t>&amp; code available through GitHub</a:t>
             </a:r>
           </a:p>
           <a:p>
@@ -3858,7 +4024,7 @@
     </p:spTree>
     <p:extLst>
       <p:ext uri="{BB962C8B-B14F-4D97-AF65-F5344CB8AC3E}">
-        <p14:creationId xmlns="" xmlns:p14="http://schemas.microsoft.com/office/powerpoint/2010/main" val="1296102110"/>
+        <p14:creationId xmlns:p14="http://schemas.microsoft.com/office/powerpoint/2010/main" val="1296102110"/>
       </p:ext>
     </p:extLst>
   </p:cSld>
@@ -3967,14 +4133,14 @@
       </p:sp>
       <p:sp>
         <p:nvSpPr>
-          <p:cNvPr id="41" name="TextBox 40"/>
+          <p:cNvPr id="13" name="TextBox 12"/>
           <p:cNvSpPr txBox="1"/>
           <p:nvPr/>
         </p:nvSpPr>
         <p:spPr>
           <a:xfrm>
-            <a:off x="7456401" y="1446229"/>
-            <a:ext cx="2144883" cy="646331"/>
+            <a:off x="6981383" y="1446229"/>
+            <a:ext cx="1880643" cy="646331"/>
           </a:xfrm>
           <a:prstGeom prst="rect">
             <a:avLst/>
@@ -3995,7 +4161,7 @@
                   <a:srgbClr val="FF0000"/>
                 </a:solidFill>
               </a:rPr>
-              <a:t>&gt;2 times more BSc </a:t>
+              <a:t>Majority of BSc in</a:t>
             </a:r>
           </a:p>
           <a:p>
@@ -4005,23 +4171,54 @@
                   <a:srgbClr val="FF0000"/>
                 </a:solidFill>
               </a:rPr>
-              <a:t>than MSc/PhD grads</a:t>
-            </a:r>
+              <a:t>General Statistics</a:t>
+            </a:r>
+            <a:endParaRPr lang="en-US" b="1" dirty="0">
+              <a:solidFill>
+                <a:srgbClr val="FF0000"/>
+              </a:solidFill>
+            </a:endParaRPr>
           </a:p>
         </p:txBody>
       </p:sp>
       <p:pic>
         <p:nvPicPr>
-          <p:cNvPr id="47" name="Content Placeholder 46"/>
+          <p:cNvPr id="14" name="Content Placeholder 13"/>
           <p:cNvPicPr>
             <a:picLocks noGrp="1" noChangeAspect="1"/>
           </p:cNvPicPr>
           <p:nvPr>
-            <p:ph sz="half" idx="1"/>
+            <p:ph sz="half" idx="2"/>
           </p:nvPr>
         </p:nvPicPr>
         <p:blipFill>
-          <a:blip r:embed="rId3" cstate="print"/>
+          <a:blip r:embed="rId3"/>
+          <a:stretch>
+            <a:fillRect/>
+          </a:stretch>
+        </p:blipFill>
+        <p:spPr>
+          <a:xfrm>
+            <a:off x="6172200" y="2179421"/>
+            <a:ext cx="5181600" cy="3643745"/>
+          </a:xfrm>
+          <a:prstGeom prst="rect">
+            <a:avLst/>
+          </a:prstGeom>
+        </p:spPr>
+      </p:pic>
+      <p:pic>
+        <p:nvPicPr>
+          <p:cNvPr id="16" name="Content Placeholder 15"/>
+          <p:cNvPicPr>
+            <a:picLocks noGrp="1" noChangeAspect="1"/>
+          </p:cNvPicPr>
+          <p:nvPr>
+            <p:ph sz="half" idx="1"/>
+          </p:nvPr>
+        </p:nvPicPr>
+        <p:blipFill>
+          <a:blip r:embed="rId4"/>
           <a:stretch>
             <a:fillRect/>
           </a:stretch>
@@ -4036,36 +4233,10 @@
           </a:prstGeom>
         </p:spPr>
       </p:pic>
-      <p:pic>
-        <p:nvPicPr>
-          <p:cNvPr id="49" name="Content Placeholder 48"/>
-          <p:cNvPicPr>
-            <a:picLocks noGrp="1" noChangeAspect="1"/>
-          </p:cNvPicPr>
-          <p:nvPr>
-            <p:ph sz="half" idx="2"/>
-          </p:nvPr>
-        </p:nvPicPr>
-        <p:blipFill>
-          <a:blip r:embed="rId4" cstate="print"/>
-          <a:stretch>
-            <a:fillRect/>
-          </a:stretch>
-        </p:blipFill>
-        <p:spPr>
-          <a:xfrm>
-            <a:off x="6172200" y="2179421"/>
-            <a:ext cx="5181600" cy="3643745"/>
-          </a:xfrm>
-          <a:prstGeom prst="rect">
-            <a:avLst/>
-          </a:prstGeom>
-        </p:spPr>
-      </p:pic>
     </p:spTree>
     <p:extLst>
       <p:ext uri="{BB962C8B-B14F-4D97-AF65-F5344CB8AC3E}">
-        <p14:creationId xmlns="" xmlns:p14="http://schemas.microsoft.com/office/powerpoint/2010/main" val="2048612592"/>
+        <p14:creationId xmlns:p14="http://schemas.microsoft.com/office/powerpoint/2010/main" val="2048612592"/>
       </p:ext>
     </p:extLst>
   </p:cSld>
@@ -4151,7 +4322,7 @@
                                           </p:stCondLst>
                                         </p:cTn>
                                         <p:tgtEl>
-                                          <p:spTgt spid="41"/>
+                                          <p:spTgt spid="13"/>
                                         </p:tgtEl>
                                         <p:attrNameLst>
                                           <p:attrName>style.visibility</p:attrName>
@@ -4193,7 +4364,7 @@
     </p:tnLst>
     <p:bldLst>
       <p:bldP spid="40" grpId="0" animBg="1"/>
-      <p:bldP spid="41" grpId="0" animBg="1"/>
+      <p:bldP spid="13" grpId="0" animBg="1"/>
     </p:bldLst>
   </p:timing>
 </p:sld>
@@ -4216,6 +4387,32 @@
           <a:chExt cx="0" cy="0"/>
         </a:xfrm>
       </p:grpSpPr>
+      <p:pic>
+        <p:nvPicPr>
+          <p:cNvPr id="25" name="Content Placeholder 24"/>
+          <p:cNvPicPr>
+            <a:picLocks noGrp="1" noChangeAspect="1"/>
+          </p:cNvPicPr>
+          <p:nvPr>
+            <p:ph sz="half" idx="1"/>
+          </p:nvPr>
+        </p:nvPicPr>
+        <p:blipFill>
+          <a:blip r:embed="rId2"/>
+          <a:stretch>
+            <a:fillRect/>
+          </a:stretch>
+        </p:blipFill>
+        <p:spPr>
+          <a:xfrm>
+            <a:off x="838200" y="2179421"/>
+            <a:ext cx="5181600" cy="3643745"/>
+          </a:xfrm>
+          <a:prstGeom prst="rect">
+            <a:avLst/>
+          </a:prstGeom>
+        </p:spPr>
+      </p:pic>
       <p:sp>
         <p:nvSpPr>
           <p:cNvPr id="2" name="Title 1"/>
@@ -4232,8 +4429,503 @@
           <a:lstStyle/>
           <a:p>
             <a:r>
+              <a:rPr lang="en-US" dirty="0"/>
+              <a:t>Stats Programs Vital Statistics </a:t>
+            </a:r>
+          </a:p>
+        </p:txBody>
+      </p:sp>
+      <p:pic>
+        <p:nvPicPr>
+          <p:cNvPr id="9" name="Content Placeholder 5"/>
+          <p:cNvPicPr>
+            <a:picLocks noGrp="1" noChangeAspect="1"/>
+          </p:cNvPicPr>
+          <p:nvPr>
+            <p:ph sz="half" idx="2"/>
+          </p:nvPr>
+        </p:nvPicPr>
+        <p:blipFill>
+          <a:blip r:embed="rId3"/>
+          <a:stretch>
+            <a:fillRect/>
+          </a:stretch>
+        </p:blipFill>
+        <p:spPr>
+          <a:xfrm>
+            <a:off x="7052293" y="1825625"/>
+            <a:ext cx="3421414" cy="4351338"/>
+          </a:xfrm>
+          <a:prstGeom prst="rect">
+            <a:avLst/>
+          </a:prstGeom>
+        </p:spPr>
+      </p:pic>
+      <p:sp>
+        <p:nvSpPr>
+          <p:cNvPr id="12" name="TextBox 11"/>
+          <p:cNvSpPr txBox="1"/>
+          <p:nvPr/>
+        </p:nvSpPr>
+        <p:spPr>
+          <a:xfrm>
+            <a:off x="2025757" y="1434991"/>
+            <a:ext cx="2160913" cy="646331"/>
+          </a:xfrm>
+          <a:prstGeom prst="rect">
+            <a:avLst/>
+          </a:prstGeom>
+          <a:solidFill>
+            <a:srgbClr val="FFFF00"/>
+          </a:solidFill>
+        </p:spPr>
+        <p:txBody>
+          <a:bodyPr wrap="none" rtlCol="0">
+            <a:spAutoFit/>
+          </a:bodyPr>
+          <a:lstStyle/>
+          <a:p>
+            <a:r>
+              <a:rPr lang="en-US" b="1" dirty="0" smtClean="0">
+                <a:solidFill>
+                  <a:srgbClr val="FF0000"/>
+                </a:solidFill>
+              </a:rPr>
+              <a:t>&gt;2 times more BSc </a:t>
+            </a:r>
+          </a:p>
+          <a:p>
+            <a:r>
+              <a:rPr lang="en-US" b="1" dirty="0" smtClean="0">
+                <a:solidFill>
+                  <a:srgbClr val="FF0000"/>
+                </a:solidFill>
+              </a:rPr>
+              <a:t>than </a:t>
+            </a:r>
+            <a:r>
+              <a:rPr lang="en-US" b="1" dirty="0" err="1" smtClean="0">
+                <a:solidFill>
+                  <a:srgbClr val="FF0000"/>
+                </a:solidFill>
+              </a:rPr>
+              <a:t>MSc+PhD</a:t>
+            </a:r>
+            <a:r>
+              <a:rPr lang="en-US" b="1" dirty="0" smtClean="0">
+                <a:solidFill>
+                  <a:srgbClr val="FF0000"/>
+                </a:solidFill>
+              </a:rPr>
+              <a:t> </a:t>
+            </a:r>
+            <a:r>
+              <a:rPr lang="en-US" b="1" dirty="0" smtClean="0">
+                <a:solidFill>
+                  <a:srgbClr val="FF0000"/>
+                </a:solidFill>
+              </a:rPr>
+              <a:t>grads</a:t>
+            </a:r>
+          </a:p>
+        </p:txBody>
+      </p:sp>
+      <p:sp>
+        <p:nvSpPr>
+          <p:cNvPr id="13" name="TextBox 12"/>
+          <p:cNvSpPr txBox="1"/>
+          <p:nvPr/>
+        </p:nvSpPr>
+        <p:spPr>
+          <a:xfrm>
+            <a:off x="7726142" y="1186148"/>
+            <a:ext cx="1950214" cy="646331"/>
+          </a:xfrm>
+          <a:prstGeom prst="rect">
+            <a:avLst/>
+          </a:prstGeom>
+          <a:solidFill>
+            <a:srgbClr val="FFFF00"/>
+          </a:solidFill>
+        </p:spPr>
+        <p:txBody>
+          <a:bodyPr wrap="none" rtlCol="0">
+            <a:spAutoFit/>
+          </a:bodyPr>
+          <a:lstStyle/>
+          <a:p>
+            <a:r>
+              <a:rPr lang="en-US" b="1" dirty="0" smtClean="0">
+                <a:solidFill>
+                  <a:srgbClr val="FF0000"/>
+                </a:solidFill>
+              </a:rPr>
+              <a:t>Different from US </a:t>
+            </a:r>
+          </a:p>
+          <a:p>
+            <a:r>
+              <a:rPr lang="en-US" b="1" dirty="0" smtClean="0">
+                <a:solidFill>
+                  <a:srgbClr val="FF0000"/>
+                </a:solidFill>
+              </a:rPr>
+              <a:t>(where </a:t>
+            </a:r>
+            <a:r>
+              <a:rPr lang="en-US" b="1" dirty="0" smtClean="0">
+                <a:solidFill>
+                  <a:srgbClr val="FF0000"/>
+                </a:solidFill>
+              </a:rPr>
+              <a:t>MSc </a:t>
+            </a:r>
+            <a:r>
+              <a:rPr lang="en-US" b="1" dirty="0" smtClean="0">
+                <a:solidFill>
+                  <a:srgbClr val="FF0000"/>
+                </a:solidFill>
+              </a:rPr>
+              <a:t>&gt;</a:t>
+            </a:r>
+            <a:r>
+              <a:rPr lang="en-US" b="1" dirty="0" smtClean="0">
+                <a:solidFill>
+                  <a:srgbClr val="FF0000"/>
+                </a:solidFill>
+              </a:rPr>
+              <a:t> BSc)</a:t>
+            </a:r>
+            <a:endParaRPr lang="en-US" b="1" dirty="0" smtClean="0">
+              <a:solidFill>
+                <a:srgbClr val="FF0000"/>
+              </a:solidFill>
+            </a:endParaRPr>
+          </a:p>
+        </p:txBody>
+      </p:sp>
+      <p:sp>
+        <p:nvSpPr>
+          <p:cNvPr id="18" name="TextBox 17"/>
+          <p:cNvSpPr txBox="1"/>
+          <p:nvPr/>
+        </p:nvSpPr>
+        <p:spPr>
+          <a:xfrm>
+            <a:off x="7270863" y="6047343"/>
+            <a:ext cx="3356816" cy="461665"/>
+          </a:xfrm>
+          <a:prstGeom prst="rect">
+            <a:avLst/>
+          </a:prstGeom>
+          <a:noFill/>
+        </p:spPr>
+        <p:txBody>
+          <a:bodyPr wrap="none" rtlCol="0">
+            <a:spAutoFit/>
+          </a:bodyPr>
+          <a:lstStyle/>
+          <a:p>
+            <a:pPr algn="ctr"/>
+            <a:r>
+              <a:rPr lang="en-US" sz="1200" dirty="0" smtClean="0"/>
+              <a:t>(reproduced from </a:t>
+            </a:r>
+            <a:r>
+              <a:rPr lang="en-CA" sz="1200" dirty="0"/>
+              <a:t>2014 </a:t>
+            </a:r>
+            <a:r>
+              <a:rPr lang="en-US" sz="1200" dirty="0" smtClean="0"/>
+              <a:t>ASA</a:t>
+            </a:r>
+            <a:r>
+              <a:rPr lang="en-CA" sz="1200" dirty="0" smtClean="0"/>
+              <a:t> C</a:t>
+            </a:r>
+            <a:r>
+              <a:rPr lang="en-CA" sz="1200" i="1" dirty="0" smtClean="0"/>
+              <a:t>urriculum Guidelines </a:t>
+            </a:r>
+          </a:p>
+          <a:p>
+            <a:pPr algn="ctr"/>
+            <a:r>
+              <a:rPr lang="en-CA" sz="1200" i="1" dirty="0" smtClean="0"/>
+              <a:t>for undergraduate </a:t>
+            </a:r>
+            <a:r>
+              <a:rPr lang="en-CA" sz="1200" i="1" dirty="0"/>
+              <a:t>programs in statistical </a:t>
+            </a:r>
+            <a:r>
+              <a:rPr lang="en-CA" sz="1200" i="1" dirty="0" smtClean="0"/>
+              <a:t>Science</a:t>
+            </a:r>
+            <a:r>
+              <a:rPr lang="en-US" sz="1200" dirty="0" smtClean="0"/>
+              <a:t>)</a:t>
+            </a:r>
+            <a:endParaRPr lang="en-US" sz="1200" dirty="0"/>
+          </a:p>
+        </p:txBody>
+      </p:sp>
+      <p:sp>
+        <p:nvSpPr>
+          <p:cNvPr id="22" name="TextBox 21"/>
+          <p:cNvSpPr txBox="1"/>
+          <p:nvPr/>
+        </p:nvSpPr>
+        <p:spPr>
+          <a:xfrm>
+            <a:off x="1516931" y="2570055"/>
+            <a:ext cx="1017651" cy="369332"/>
+          </a:xfrm>
+          <a:prstGeom prst="rect">
+            <a:avLst/>
+          </a:prstGeom>
+          <a:noFill/>
+        </p:spPr>
+        <p:txBody>
+          <a:bodyPr wrap="none" rtlCol="0">
+            <a:spAutoFit/>
+          </a:bodyPr>
+          <a:lstStyle/>
+          <a:p>
+            <a:r>
+              <a:rPr lang="en-US" b="1" dirty="0" smtClean="0">
+                <a:solidFill>
+                  <a:srgbClr val="FF0000"/>
+                </a:solidFill>
+              </a:rPr>
+              <a:t>CANADA</a:t>
+            </a:r>
+            <a:endParaRPr lang="en-US" b="1" dirty="0">
+              <a:solidFill>
+                <a:srgbClr val="FF0000"/>
+              </a:solidFill>
+            </a:endParaRPr>
+          </a:p>
+        </p:txBody>
+      </p:sp>
+      <p:sp>
+        <p:nvSpPr>
+          <p:cNvPr id="23" name="TextBox 22"/>
+          <p:cNvSpPr txBox="1"/>
+          <p:nvPr/>
+        </p:nvSpPr>
+        <p:spPr>
+          <a:xfrm>
+            <a:off x="7745349" y="2570055"/>
+            <a:ext cx="580993" cy="369332"/>
+          </a:xfrm>
+          <a:prstGeom prst="rect">
+            <a:avLst/>
+          </a:prstGeom>
+          <a:noFill/>
+        </p:spPr>
+        <p:txBody>
+          <a:bodyPr wrap="none" rtlCol="0">
+            <a:spAutoFit/>
+          </a:bodyPr>
+          <a:lstStyle/>
+          <a:p>
+            <a:r>
+              <a:rPr lang="en-US" b="1" dirty="0" smtClean="0">
+                <a:solidFill>
+                  <a:srgbClr val="FF0000"/>
+                </a:solidFill>
+              </a:rPr>
+              <a:t>USA</a:t>
+            </a:r>
+            <a:endParaRPr lang="en-US" b="1" dirty="0">
+              <a:solidFill>
+                <a:srgbClr val="FF0000"/>
+              </a:solidFill>
+            </a:endParaRPr>
+          </a:p>
+        </p:txBody>
+      </p:sp>
+    </p:spTree>
+    <p:extLst>
+      <p:ext uri="{BB962C8B-B14F-4D97-AF65-F5344CB8AC3E}">
+        <p14:creationId xmlns:p14="http://schemas.microsoft.com/office/powerpoint/2010/main" val="2541900192"/>
+      </p:ext>
+    </p:extLst>
+  </p:cSld>
+  <p:clrMapOvr>
+    <a:masterClrMapping/>
+  </p:clrMapOvr>
+  <p:timing>
+    <p:tnLst>
+      <p:par>
+        <p:cTn id="1" dur="indefinite" restart="never" nodeType="tmRoot">
+          <p:childTnLst>
+            <p:seq concurrent="1" nextAc="seek">
+              <p:cTn id="2" dur="indefinite" nodeType="mainSeq">
+                <p:childTnLst>
+                  <p:par>
+                    <p:cTn id="3" fill="hold">
+                      <p:stCondLst>
+                        <p:cond delay="indefinite"/>
+                      </p:stCondLst>
+                      <p:childTnLst>
+                        <p:par>
+                          <p:cTn id="4" fill="hold">
+                            <p:stCondLst>
+                              <p:cond delay="0"/>
+                            </p:stCondLst>
+                            <p:childTnLst>
+                              <p:par>
+                                <p:cTn id="5" presetID="1" presetClass="entr" presetSubtype="0" fill="hold" grpId="0" nodeType="clickEffect">
+                                  <p:stCondLst>
+                                    <p:cond delay="0"/>
+                                  </p:stCondLst>
+                                  <p:childTnLst>
+                                    <p:set>
+                                      <p:cBhvr>
+                                        <p:cTn id="6" dur="1" fill="hold">
+                                          <p:stCondLst>
+                                            <p:cond delay="0"/>
+                                          </p:stCondLst>
+                                        </p:cTn>
+                                        <p:tgtEl>
+                                          <p:spTgt spid="12"/>
+                                        </p:tgtEl>
+                                        <p:attrNameLst>
+                                          <p:attrName>style.visibility</p:attrName>
+                                        </p:attrNameLst>
+                                      </p:cBhvr>
+                                      <p:to>
+                                        <p:strVal val="visible"/>
+                                      </p:to>
+                                    </p:set>
+                                  </p:childTnLst>
+                                </p:cTn>
+                              </p:par>
+                            </p:childTnLst>
+                          </p:cTn>
+                        </p:par>
+                      </p:childTnLst>
+                    </p:cTn>
+                  </p:par>
+                  <p:par>
+                    <p:cTn id="7" fill="hold">
+                      <p:stCondLst>
+                        <p:cond delay="indefinite"/>
+                      </p:stCondLst>
+                      <p:childTnLst>
+                        <p:par>
+                          <p:cTn id="8" fill="hold">
+                            <p:stCondLst>
+                              <p:cond delay="0"/>
+                            </p:stCondLst>
+                            <p:childTnLst>
+                              <p:par>
+                                <p:cTn id="9" presetID="1" presetClass="entr" presetSubtype="0" fill="hold" grpId="0" nodeType="clickEffect">
+                                  <p:stCondLst>
+                                    <p:cond delay="0"/>
+                                  </p:stCondLst>
+                                  <p:childTnLst>
+                                    <p:set>
+                                      <p:cBhvr>
+                                        <p:cTn id="10" dur="1" fill="hold">
+                                          <p:stCondLst>
+                                            <p:cond delay="0"/>
+                                          </p:stCondLst>
+                                        </p:cTn>
+                                        <p:tgtEl>
+                                          <p:spTgt spid="13"/>
+                                        </p:tgtEl>
+                                        <p:attrNameLst>
+                                          <p:attrName>style.visibility</p:attrName>
+                                        </p:attrNameLst>
+                                      </p:cBhvr>
+                                      <p:to>
+                                        <p:strVal val="visible"/>
+                                      </p:to>
+                                    </p:set>
+                                  </p:childTnLst>
+                                </p:cTn>
+                              </p:par>
+                            </p:childTnLst>
+                          </p:cTn>
+                        </p:par>
+                      </p:childTnLst>
+                    </p:cTn>
+                  </p:par>
+                </p:childTnLst>
+              </p:cTn>
+              <p:prevCondLst>
+                <p:cond evt="onPrev" delay="0">
+                  <p:tgtEl>
+                    <p:sldTgt/>
+                  </p:tgtEl>
+                </p:cond>
+              </p:prevCondLst>
+              <p:nextCondLst>
+                <p:cond evt="onNext" delay="0">
+                  <p:tgtEl>
+                    <p:sldTgt/>
+                  </p:tgtEl>
+                </p:cond>
+              </p:nextCondLst>
+            </p:seq>
+          </p:childTnLst>
+        </p:cTn>
+      </p:par>
+    </p:tnLst>
+    <p:bldLst>
+      <p:bldP spid="12" grpId="0" animBg="1"/>
+      <p:bldP spid="13" grpId="0" animBg="1"/>
+    </p:bldLst>
+  </p:timing>
+</p:sld>
+</file>
+
+<file path=ppt/slides/slide5.xml><?xml version="1.0" encoding="utf-8"?>
+<p:sld xmlns:a="http://schemas.openxmlformats.org/drawingml/2006/main" xmlns:r="http://schemas.openxmlformats.org/officeDocument/2006/relationships" xmlns:p="http://schemas.openxmlformats.org/presentationml/2006/main">
+  <p:cSld>
+    <p:spTree>
+      <p:nvGrpSpPr>
+        <p:cNvPr id="1" name=""/>
+        <p:cNvGrpSpPr/>
+        <p:nvPr/>
+      </p:nvGrpSpPr>
+      <p:grpSpPr>
+        <a:xfrm>
+          <a:off x="0" y="0"/>
+          <a:ext cx="0" cy="0"/>
+          <a:chOff x="0" y="0"/>
+          <a:chExt cx="0" cy="0"/>
+        </a:xfrm>
+      </p:grpSpPr>
+      <p:sp>
+        <p:nvSpPr>
+          <p:cNvPr id="2" name="Title 1"/>
+          <p:cNvSpPr>
+            <a:spLocks noGrp="1"/>
+          </p:cNvSpPr>
+          <p:nvPr>
+            <p:ph type="title"/>
+          </p:nvPr>
+        </p:nvSpPr>
+        <p:spPr/>
+        <p:txBody>
+          <a:bodyPr/>
+          <a:lstStyle/>
+          <a:p>
+            <a:r>
               <a:rPr lang="en-US" dirty="0" smtClean="0"/>
-              <a:t>Stats BSc Enrolments Breakdown</a:t>
+              <a:t>Stats BSc </a:t>
+            </a:r>
+            <a:r>
+              <a:rPr lang="en-US" dirty="0" smtClean="0"/>
+              <a:t>Enrolment </a:t>
+            </a:r>
+            <a:r>
+              <a:rPr lang="en-US" dirty="0" smtClean="0"/>
+              <a:t>Breakdown</a:t>
             </a:r>
             <a:endParaRPr lang="en-US" dirty="0"/>
           </a:p>
@@ -4289,18 +4981,102 @@
           </a:p>
         </p:txBody>
       </p:sp>
+      <p:sp>
+        <p:nvSpPr>
+          <p:cNvPr id="29" name="TextBox 28"/>
+          <p:cNvSpPr txBox="1"/>
+          <p:nvPr/>
+        </p:nvSpPr>
+        <p:spPr>
+          <a:xfrm>
+            <a:off x="7123026" y="1446229"/>
+            <a:ext cx="3484224" cy="646331"/>
+          </a:xfrm>
+          <a:prstGeom prst="rect">
+            <a:avLst/>
+          </a:prstGeom>
+          <a:solidFill>
+            <a:srgbClr val="FFFF00"/>
+          </a:solidFill>
+        </p:spPr>
+        <p:txBody>
+          <a:bodyPr wrap="none" rtlCol="0">
+            <a:spAutoFit/>
+          </a:bodyPr>
+          <a:lstStyle/>
+          <a:p>
+            <a:r>
+              <a:rPr lang="en-US" b="1" dirty="0" smtClean="0">
+                <a:solidFill>
+                  <a:srgbClr val="FF0000"/>
+                </a:solidFill>
+              </a:rPr>
+              <a:t>ON has relatively more </a:t>
+            </a:r>
+            <a:r>
+              <a:rPr lang="en-US" b="1" dirty="0" smtClean="0">
+                <a:solidFill>
+                  <a:srgbClr val="FF0000"/>
+                </a:solidFill>
+              </a:rPr>
+              <a:t>Stats BSc’s;</a:t>
+            </a:r>
+          </a:p>
+          <a:p>
+            <a:r>
+              <a:rPr lang="en-US" b="1" dirty="0" smtClean="0">
+                <a:solidFill>
+                  <a:srgbClr val="FF0000"/>
+                </a:solidFill>
+              </a:rPr>
+              <a:t>Atlantic/QC/Prairies have less</a:t>
+            </a:r>
+            <a:endParaRPr lang="en-US" b="1" dirty="0" smtClean="0">
+              <a:solidFill>
+                <a:srgbClr val="FF0000"/>
+              </a:solidFill>
+            </a:endParaRPr>
+          </a:p>
+        </p:txBody>
+      </p:sp>
       <p:pic>
         <p:nvPicPr>
-          <p:cNvPr id="24" name="Content Placeholder 23"/>
+          <p:cNvPr id="4" name="Content Placeholder 3"/>
           <p:cNvPicPr>
             <a:picLocks noGrp="1" noChangeAspect="1"/>
           </p:cNvPicPr>
           <p:nvPr>
-            <p:ph sz="half" idx="2"/>
+            <p:ph sz="half" idx="1"/>
           </p:nvPr>
         </p:nvPicPr>
         <p:blipFill>
-          <a:blip r:embed="rId2" cstate="print"/>
+          <a:blip r:embed="rId2"/>
+          <a:stretch>
+            <a:fillRect/>
+          </a:stretch>
+        </p:blipFill>
+        <p:spPr>
+          <a:xfrm>
+            <a:off x="838200" y="2179421"/>
+            <a:ext cx="5181600" cy="3643745"/>
+          </a:xfrm>
+          <a:prstGeom prst="rect">
+            <a:avLst/>
+          </a:prstGeom>
+        </p:spPr>
+      </p:pic>
+      <p:pic>
+        <p:nvPicPr>
+          <p:cNvPr id="6" name="Content Placeholder 5"/>
+          <p:cNvPicPr>
+            <a:picLocks noGrp="1" noChangeAspect="1"/>
+          </p:cNvPicPr>
+          <p:nvPr>
+            <p:ph sz="half" idx="2"/>
+          </p:nvPr>
+        </p:nvPicPr>
+        <p:blipFill>
+          <a:blip r:embed="rId3"/>
           <a:stretch>
             <a:fillRect/>
           </a:stretch>
@@ -4315,49 +5091,59 @@
           </a:prstGeom>
         </p:spPr>
       </p:pic>
-      <p:pic>
-        <p:nvPicPr>
-          <p:cNvPr id="26" name="Content Placeholder 25"/>
-          <p:cNvPicPr>
-            <a:picLocks noGrp="1" noChangeAspect="1"/>
-          </p:cNvPicPr>
-          <p:nvPr>
-            <p:ph sz="half" idx="1"/>
-          </p:nvPr>
-        </p:nvPicPr>
-        <p:blipFill>
-          <a:blip r:embed="rId3" cstate="print"/>
-          <a:stretch>
-            <a:fillRect/>
-          </a:stretch>
-        </p:blipFill>
+      <p:sp>
+        <p:nvSpPr>
+          <p:cNvPr id="13" name="TextBox 12"/>
+          <p:cNvSpPr txBox="1"/>
+          <p:nvPr/>
+        </p:nvSpPr>
         <p:spPr>
           <a:xfrm>
-            <a:off x="838200" y="2179421"/>
-            <a:ext cx="5181600" cy="3643745"/>
+            <a:off x="1516930" y="2570054"/>
+            <a:ext cx="1371235" cy="461665"/>
           </a:xfrm>
           <a:prstGeom prst="rect">
             <a:avLst/>
           </a:prstGeom>
+          <a:noFill/>
         </p:spPr>
-      </p:pic>
-      <p:sp>
-        <p:nvSpPr>
-          <p:cNvPr id="29" name="TextBox 28"/>
+        <p:txBody>
+          <a:bodyPr wrap="square" rtlCol="0">
+            <a:spAutoFit/>
+          </a:bodyPr>
+          <a:lstStyle/>
+          <a:p>
+            <a:r>
+              <a:rPr lang="en-US" sz="2400" b="1" i="1" u="sng" dirty="0" smtClean="0">
+                <a:solidFill>
+                  <a:srgbClr val="FF0000"/>
+                </a:solidFill>
+              </a:rPr>
+              <a:t>Stats BSc</a:t>
+            </a:r>
+            <a:endParaRPr lang="en-US" sz="2400" b="1" dirty="0">
+              <a:solidFill>
+                <a:srgbClr val="FF0000"/>
+              </a:solidFill>
+            </a:endParaRPr>
+          </a:p>
+        </p:txBody>
+      </p:sp>
+      <p:sp>
+        <p:nvSpPr>
+          <p:cNvPr id="14" name="TextBox 13"/>
           <p:cNvSpPr txBox="1"/>
           <p:nvPr/>
         </p:nvSpPr>
         <p:spPr>
           <a:xfrm>
-            <a:off x="7123026" y="1446229"/>
-            <a:ext cx="2947345" cy="646331"/>
+            <a:off x="6916928" y="2587126"/>
+            <a:ext cx="1032655" cy="461665"/>
           </a:xfrm>
           <a:prstGeom prst="rect">
             <a:avLst/>
           </a:prstGeom>
-          <a:solidFill>
-            <a:srgbClr val="FFFF00"/>
-          </a:solidFill>
+          <a:noFill/>
         </p:spPr>
         <p:txBody>
           <a:bodyPr wrap="none" rtlCol="0">
@@ -4366,30 +5152,25 @@
           <a:lstStyle/>
           <a:p>
             <a:r>
-              <a:rPr lang="en-US" b="1" dirty="0" smtClean="0">
+              <a:rPr lang="en-US" sz="2400" b="1" i="1" u="sng" dirty="0" smtClean="0">
                 <a:solidFill>
                   <a:srgbClr val="FF0000"/>
                 </a:solidFill>
               </a:rPr>
-              <a:t>ON has relatively more Stats </a:t>
-            </a:r>
-          </a:p>
-          <a:p>
-            <a:r>
-              <a:rPr lang="en-US" b="1" dirty="0" smtClean="0">
-                <a:solidFill>
-                  <a:srgbClr val="FF0000"/>
-                </a:solidFill>
-              </a:rPr>
-              <a:t>BSc’s; Atlantic/QC less</a:t>
-            </a:r>
+              <a:t>All BSc</a:t>
+            </a:r>
+            <a:endParaRPr lang="en-US" sz="2400" b="1" dirty="0">
+              <a:solidFill>
+                <a:srgbClr val="FF0000"/>
+              </a:solidFill>
+            </a:endParaRPr>
           </a:p>
         </p:txBody>
       </p:sp>
     </p:spTree>
     <p:extLst>
       <p:ext uri="{BB962C8B-B14F-4D97-AF65-F5344CB8AC3E}">
-        <p14:creationId xmlns="" xmlns:p14="http://schemas.microsoft.com/office/powerpoint/2010/main" val="3025915657"/>
+        <p14:creationId xmlns:p14="http://schemas.microsoft.com/office/powerpoint/2010/main" val="3025915657"/>
       </p:ext>
     </p:extLst>
   </p:cSld>
@@ -4523,7 +5304,7 @@
 </p:sld>
 </file>
 
-<file path=ppt/slides/slide5.xml><?xml version="1.0" encoding="utf-8"?>
+<file path=ppt/slides/slide6.xml><?xml version="1.0" encoding="utf-8"?>
 <p:sld xmlns:a="http://schemas.openxmlformats.org/drawingml/2006/main" xmlns:r="http://schemas.openxmlformats.org/officeDocument/2006/relationships" xmlns:p="http://schemas.openxmlformats.org/presentationml/2006/main">
   <p:cSld>
     <p:spTree>
@@ -4557,7 +5338,15 @@
           <a:p>
             <a:r>
               <a:rPr lang="en-US" dirty="0" smtClean="0"/>
-              <a:t>Target Population</a:t>
+              <a:t>Stats Curricula - </a:t>
+            </a:r>
+            <a:r>
+              <a:rPr lang="en-US" dirty="0" smtClean="0"/>
+              <a:t>Target </a:t>
+            </a:r>
+            <a:r>
+              <a:rPr lang="en-US" dirty="0" smtClean="0"/>
+              <a:t>Population</a:t>
             </a:r>
             <a:endParaRPr lang="en-US" dirty="0"/>
           </a:p>
@@ -4639,7 +5428,7 @@
       </p:sp>
       <p:pic>
         <p:nvPicPr>
-          <p:cNvPr id="14" name="Content Placeholder 13"/>
+          <p:cNvPr id="9" name="Content Placeholder 8"/>
           <p:cNvPicPr>
             <a:picLocks noGrp="1" noChangeAspect="1"/>
           </p:cNvPicPr>
@@ -4648,7 +5437,7 @@
           </p:nvPr>
         </p:nvPicPr>
         <p:blipFill>
-          <a:blip r:embed="rId2" cstate="print"/>
+          <a:blip r:embed="rId2"/>
           <a:stretch>
             <a:fillRect/>
           </a:stretch>
@@ -4666,17 +5455,24 @@
     </p:spTree>
     <p:extLst>
       <p:ext uri="{BB962C8B-B14F-4D97-AF65-F5344CB8AC3E}">
-        <p14:creationId xmlns="" xmlns:p14="http://schemas.microsoft.com/office/powerpoint/2010/main" val="2162657546"/>
+        <p14:creationId xmlns:p14="http://schemas.microsoft.com/office/powerpoint/2010/main" val="2162657546"/>
       </p:ext>
     </p:extLst>
   </p:cSld>
   <p:clrMapOvr>
     <a:masterClrMapping/>
   </p:clrMapOvr>
+  <p:timing>
+    <p:tnLst>
+      <p:par>
+        <p:cTn id="1" dur="indefinite" restart="never" nodeType="tmRoot"/>
+      </p:par>
+    </p:tnLst>
+  </p:timing>
 </p:sld>
 </file>
 
-<file path=ppt/slides/slide6.xml><?xml version="1.0" encoding="utf-8"?>
+<file path=ppt/slides/slide7.xml><?xml version="1.0" encoding="utf-8"?>
 <p:sld xmlns:a="http://schemas.openxmlformats.org/drawingml/2006/main" xmlns:r="http://schemas.openxmlformats.org/officeDocument/2006/relationships" xmlns:p="http://schemas.openxmlformats.org/presentationml/2006/main">
   <p:cSld>
     <p:spTree>
@@ -4739,28 +5535,28 @@
                 <a:gridCol w="824360">
                   <a:extLst>
                     <a:ext uri="{9D8B030D-6E8A-4147-A177-3AD203B41FA5}">
-                      <a16:colId xmlns="" xmlns:a16="http://schemas.microsoft.com/office/drawing/2014/main" val="423700588"/>
+                      <a16:colId xmlns:a16="http://schemas.microsoft.com/office/drawing/2014/main" val="423700588"/>
                     </a:ext>
                   </a:extLst>
                 </a:gridCol>
                 <a:gridCol w="3778324">
                   <a:extLst>
                     <a:ext uri="{9D8B030D-6E8A-4147-A177-3AD203B41FA5}">
-                      <a16:colId xmlns="" xmlns:a16="http://schemas.microsoft.com/office/drawing/2014/main" val="2707363238"/>
+                      <a16:colId xmlns:a16="http://schemas.microsoft.com/office/drawing/2014/main" val="2707363238"/>
                     </a:ext>
                   </a:extLst>
                 </a:gridCol>
                 <a:gridCol w="824360">
                   <a:extLst>
                     <a:ext uri="{9D8B030D-6E8A-4147-A177-3AD203B41FA5}">
-                      <a16:colId xmlns="" xmlns:a16="http://schemas.microsoft.com/office/drawing/2014/main" val="982001458"/>
+                      <a16:colId xmlns:a16="http://schemas.microsoft.com/office/drawing/2014/main" val="982001458"/>
                     </a:ext>
                   </a:extLst>
                 </a:gridCol>
                 <a:gridCol w="3764582">
                   <a:extLst>
                     <a:ext uri="{9D8B030D-6E8A-4147-A177-3AD203B41FA5}">
-                      <a16:colId xmlns="" xmlns:a16="http://schemas.microsoft.com/office/drawing/2014/main" val="461491352"/>
+                      <a16:colId xmlns:a16="http://schemas.microsoft.com/office/drawing/2014/main" val="461491352"/>
                     </a:ext>
                   </a:extLst>
                 </a:gridCol>
@@ -4996,7 +5792,7 @@
                 </a:tc>
                 <a:extLst>
                   <a:ext uri="{0D108BD9-81ED-4DB2-BD59-A6C34878D82A}">
-                    <a16:rowId xmlns="" xmlns:a16="http://schemas.microsoft.com/office/drawing/2014/main" val="3429039050"/>
+                    <a16:rowId xmlns:a16="http://schemas.microsoft.com/office/drawing/2014/main" val="3429039050"/>
                   </a:ext>
                 </a:extLst>
               </a:tr>
@@ -5231,7 +6027,7 @@
                 </a:tc>
                 <a:extLst>
                   <a:ext uri="{0D108BD9-81ED-4DB2-BD59-A6C34878D82A}">
-                    <a16:rowId xmlns="" xmlns:a16="http://schemas.microsoft.com/office/drawing/2014/main" val="3126219050"/>
+                    <a16:rowId xmlns:a16="http://schemas.microsoft.com/office/drawing/2014/main" val="3126219050"/>
                   </a:ext>
                 </a:extLst>
               </a:tr>
@@ -5466,7 +6262,7 @@
                 </a:tc>
                 <a:extLst>
                   <a:ext uri="{0D108BD9-81ED-4DB2-BD59-A6C34878D82A}">
-                    <a16:rowId xmlns="" xmlns:a16="http://schemas.microsoft.com/office/drawing/2014/main" val="3220350950"/>
+                    <a16:rowId xmlns:a16="http://schemas.microsoft.com/office/drawing/2014/main" val="3220350950"/>
                   </a:ext>
                 </a:extLst>
               </a:tr>
@@ -5741,7 +6537,7 @@
                 </a:tc>
                 <a:extLst>
                   <a:ext uri="{0D108BD9-81ED-4DB2-BD59-A6C34878D82A}">
-                    <a16:rowId xmlns="" xmlns:a16="http://schemas.microsoft.com/office/drawing/2014/main" val="2554912251"/>
+                    <a16:rowId xmlns:a16="http://schemas.microsoft.com/office/drawing/2014/main" val="2554912251"/>
                   </a:ext>
                 </a:extLst>
               </a:tr>
@@ -5976,7 +6772,7 @@
                 </a:tc>
                 <a:extLst>
                   <a:ext uri="{0D108BD9-81ED-4DB2-BD59-A6C34878D82A}">
-                    <a16:rowId xmlns="" xmlns:a16="http://schemas.microsoft.com/office/drawing/2014/main" val="2115713028"/>
+                    <a16:rowId xmlns:a16="http://schemas.microsoft.com/office/drawing/2014/main" val="2115713028"/>
                   </a:ext>
                 </a:extLst>
               </a:tr>
@@ -6204,7 +7000,7 @@
                 </a:tc>
                 <a:extLst>
                   <a:ext uri="{0D108BD9-81ED-4DB2-BD59-A6C34878D82A}">
-                    <a16:rowId xmlns="" xmlns:a16="http://schemas.microsoft.com/office/drawing/2014/main" val="1384297608"/>
+                    <a16:rowId xmlns:a16="http://schemas.microsoft.com/office/drawing/2014/main" val="1384297608"/>
                   </a:ext>
                 </a:extLst>
               </a:tr>
@@ -6387,7 +7183,7 @@
                     <a:p>
                       <a:pPr rtl="0" fontAlgn="b"/>
                       <a:r>
-                        <a:rPr lang="en-CA" sz="1050">
+                        <a:rPr lang="en-CA" sz="1050" dirty="0">
                           <a:solidFill>
                             <a:srgbClr val="000000"/>
                           </a:solidFill>
@@ -6439,7 +7235,7 @@
                 </a:tc>
                 <a:extLst>
                   <a:ext uri="{0D108BD9-81ED-4DB2-BD59-A6C34878D82A}">
-                    <a16:rowId xmlns="" xmlns:a16="http://schemas.microsoft.com/office/drawing/2014/main" val="2679721146"/>
+                    <a16:rowId xmlns:a16="http://schemas.microsoft.com/office/drawing/2014/main" val="2679721146"/>
                   </a:ext>
                 </a:extLst>
               </a:tr>
@@ -6674,7 +7470,7 @@
                 </a:tc>
                 <a:extLst>
                   <a:ext uri="{0D108BD9-81ED-4DB2-BD59-A6C34878D82A}">
-                    <a16:rowId xmlns="" xmlns:a16="http://schemas.microsoft.com/office/drawing/2014/main" val="3174434460"/>
+                    <a16:rowId xmlns:a16="http://schemas.microsoft.com/office/drawing/2014/main" val="3174434460"/>
                   </a:ext>
                 </a:extLst>
               </a:tr>
@@ -7042,7 +7838,7 @@
                 </a:tc>
                 <a:extLst>
                   <a:ext uri="{0D108BD9-81ED-4DB2-BD59-A6C34878D82A}">
-                    <a16:rowId xmlns="" xmlns:a16="http://schemas.microsoft.com/office/drawing/2014/main" val="1586616150"/>
+                    <a16:rowId xmlns:a16="http://schemas.microsoft.com/office/drawing/2014/main" val="1586616150"/>
                   </a:ext>
                 </a:extLst>
               </a:tr>
@@ -7270,7 +8066,7 @@
                 </a:tc>
                 <a:extLst>
                   <a:ext uri="{0D108BD9-81ED-4DB2-BD59-A6C34878D82A}">
-                    <a16:rowId xmlns="" xmlns:a16="http://schemas.microsoft.com/office/drawing/2014/main" val="2694979696"/>
+                    <a16:rowId xmlns:a16="http://schemas.microsoft.com/office/drawing/2014/main" val="2694979696"/>
                   </a:ext>
                 </a:extLst>
               </a:tr>
@@ -7281,163 +8077,7 @@
     </p:spTree>
     <p:extLst>
       <p:ext uri="{BB962C8B-B14F-4D97-AF65-F5344CB8AC3E}">
-        <p14:creationId xmlns="" xmlns:p14="http://schemas.microsoft.com/office/powerpoint/2010/main" val="1197843771"/>
-      </p:ext>
-    </p:extLst>
-  </p:cSld>
-  <p:clrMapOvr>
-    <a:masterClrMapping/>
-  </p:clrMapOvr>
-  <p:timing>
-    <p:tnLst>
-      <p:par>
-        <p:cTn id="1" dur="indefinite" restart="never" nodeType="tmRoot"/>
-      </p:par>
-    </p:tnLst>
-  </p:timing>
-</p:sld>
-</file>
-
-<file path=ppt/slides/slide7.xml><?xml version="1.0" encoding="utf-8"?>
-<p:sld xmlns:a="http://schemas.openxmlformats.org/drawingml/2006/main" xmlns:r="http://schemas.openxmlformats.org/officeDocument/2006/relationships" xmlns:p="http://schemas.openxmlformats.org/presentationml/2006/main">
-  <p:cSld>
-    <p:spTree>
-      <p:nvGrpSpPr>
-        <p:cNvPr id="1" name=""/>
-        <p:cNvGrpSpPr/>
-        <p:nvPr/>
-      </p:nvGrpSpPr>
-      <p:grpSpPr>
-        <a:xfrm>
-          <a:off x="0" y="0"/>
-          <a:ext cx="0" cy="0"/>
-          <a:chOff x="0" y="0"/>
-          <a:chExt cx="0" cy="0"/>
-        </a:xfrm>
-      </p:grpSpPr>
-      <p:sp>
-        <p:nvSpPr>
-          <p:cNvPr id="5" name="Title 4"/>
-          <p:cNvSpPr>
-            <a:spLocks noGrp="1"/>
-          </p:cNvSpPr>
-          <p:nvPr>
-            <p:ph type="title"/>
-          </p:nvPr>
-        </p:nvSpPr>
-        <p:spPr/>
-        <p:txBody>
-          <a:bodyPr/>
-          <a:lstStyle/>
-          <a:p>
-            <a:r>
-              <a:rPr lang="en-US" dirty="0" smtClean="0"/>
-              <a:t>Number of Courses</a:t>
-            </a:r>
-            <a:endParaRPr lang="en-US" dirty="0"/>
-          </a:p>
-        </p:txBody>
-      </p:sp>
-      <p:sp>
-        <p:nvSpPr>
-          <p:cNvPr id="4" name="Content Placeholder 3"/>
-          <p:cNvSpPr>
-            <a:spLocks noGrp="1"/>
-          </p:cNvSpPr>
-          <p:nvPr>
-            <p:ph sz="half" idx="1"/>
-          </p:nvPr>
-        </p:nvSpPr>
-        <p:spPr/>
-        <p:txBody>
-          <a:bodyPr/>
-          <a:lstStyle/>
-          <a:p>
-            <a:r>
-              <a:rPr lang="en-US" dirty="0" smtClean="0"/>
-              <a:t>25 course requirements on average, with most programs between 24-26 </a:t>
-            </a:r>
-          </a:p>
-          <a:p>
-            <a:pPr lvl="1"/>
-            <a:r>
-              <a:rPr lang="en-US" dirty="0" smtClean="0"/>
-              <a:t>12 </a:t>
-            </a:r>
-            <a:r>
-              <a:rPr lang="en-US" dirty="0"/>
-              <a:t>-</a:t>
-            </a:r>
-            <a:r>
-              <a:rPr lang="en-US" dirty="0" smtClean="0"/>
-              <a:t> 13 Full-Course Equivalents</a:t>
-            </a:r>
-          </a:p>
-          <a:p>
-            <a:pPr lvl="1"/>
-            <a:r>
-              <a:rPr lang="en-US" dirty="0" smtClean="0"/>
-              <a:t>72 - 78 Credit Hours</a:t>
-            </a:r>
-          </a:p>
-          <a:p>
-            <a:pPr lvl="1"/>
-            <a:endParaRPr lang="en-US" dirty="0" smtClean="0"/>
-          </a:p>
-          <a:p>
-            <a:r>
-              <a:rPr lang="en-US" dirty="0" smtClean="0"/>
-              <a:t>70% of course requirements are specified (</a:t>
-            </a:r>
-            <a:r>
-              <a:rPr lang="en-US" dirty="0"/>
-              <a:t>c</a:t>
-            </a:r>
-            <a:r>
-              <a:rPr lang="en-US" dirty="0" smtClean="0"/>
-              <a:t>ore)</a:t>
-            </a:r>
-          </a:p>
-          <a:p>
-            <a:pPr lvl="1"/>
-            <a:r>
-              <a:rPr lang="en-US" dirty="0" smtClean="0"/>
-              <a:t>Most ranging between  60% - 80%</a:t>
-            </a:r>
-            <a:endParaRPr lang="en-US" dirty="0"/>
-          </a:p>
-        </p:txBody>
-      </p:sp>
-      <p:pic>
-        <p:nvPicPr>
-          <p:cNvPr id="8" name="Content Placeholder 7"/>
-          <p:cNvPicPr>
-            <a:picLocks noGrp="1" noChangeAspect="1"/>
-          </p:cNvPicPr>
-          <p:nvPr>
-            <p:ph sz="half" idx="2"/>
-          </p:nvPr>
-        </p:nvPicPr>
-        <p:blipFill>
-          <a:blip r:embed="rId2" cstate="print"/>
-          <a:stretch>
-            <a:fillRect/>
-          </a:stretch>
-        </p:blipFill>
-        <p:spPr>
-          <a:xfrm>
-            <a:off x="6172200" y="2179421"/>
-            <a:ext cx="5181600" cy="3643745"/>
-          </a:xfrm>
-          <a:prstGeom prst="rect">
-            <a:avLst/>
-          </a:prstGeom>
-        </p:spPr>
-      </p:pic>
-    </p:spTree>
-    <p:extLst>
-      <p:ext uri="{BB962C8B-B14F-4D97-AF65-F5344CB8AC3E}">
-        <p14:creationId xmlns="" xmlns:p14="http://schemas.microsoft.com/office/powerpoint/2010/main" val="755700261"/>
+        <p14:creationId xmlns:p14="http://schemas.microsoft.com/office/powerpoint/2010/main" val="1197843771"/>
       </p:ext>
     </p:extLst>
   </p:cSld>
@@ -7473,7 +8113,7 @@
       </p:grpSpPr>
       <p:sp>
         <p:nvSpPr>
-          <p:cNvPr id="2" name="Title 1"/>
+          <p:cNvPr id="5" name="Title 4"/>
           <p:cNvSpPr>
             <a:spLocks noGrp="1"/>
           </p:cNvSpPr>
@@ -7488,15 +8128,115 @@
           <a:p>
             <a:r>
               <a:rPr lang="en-US" dirty="0" smtClean="0"/>
-              <a:t>Breakdown </a:t>
-            </a:r>
-            <a:r>
-              <a:rPr lang="en-US" smtClean="0"/>
-              <a:t>of Courses </a:t>
+              <a:t>Number of Courses</a:t>
+            </a:r>
+            <a:endParaRPr lang="en-US" dirty="0"/>
+          </a:p>
+        </p:txBody>
+      </p:sp>
+      <p:sp>
+        <p:nvSpPr>
+          <p:cNvPr id="4" name="Content Placeholder 3"/>
+          <p:cNvSpPr>
+            <a:spLocks noGrp="1"/>
+          </p:cNvSpPr>
+          <p:nvPr>
+            <p:ph sz="half" idx="1"/>
+          </p:nvPr>
+        </p:nvSpPr>
+        <p:spPr/>
+        <p:txBody>
+          <a:bodyPr/>
+          <a:lstStyle/>
+          <a:p>
+            <a:endParaRPr lang="en-US" b="1" dirty="0" smtClean="0"/>
+          </a:p>
+          <a:p>
+            <a:r>
+              <a:rPr lang="en-US" b="1" dirty="0" smtClean="0"/>
+              <a:t>25 semester courses </a:t>
             </a:r>
             <a:r>
               <a:rPr lang="en-US" dirty="0" smtClean="0"/>
-              <a:t>per Discipline</a:t>
+              <a:t>required </a:t>
+            </a:r>
+            <a:r>
+              <a:rPr lang="en-US" dirty="0" smtClean="0"/>
+              <a:t>on </a:t>
+            </a:r>
+            <a:r>
+              <a:rPr lang="en-US" dirty="0" smtClean="0"/>
+              <a:t>average; with most </a:t>
+            </a:r>
+            <a:r>
+              <a:rPr lang="en-US" dirty="0" smtClean="0"/>
+              <a:t>programs between 24-26 </a:t>
+            </a:r>
+            <a:r>
+              <a:rPr lang="en-US" dirty="0" smtClean="0"/>
+              <a:t>(i.e.                     12 </a:t>
+            </a:r>
+            <a:r>
+              <a:rPr lang="en-US" dirty="0"/>
+              <a:t>-</a:t>
+            </a:r>
+            <a:r>
+              <a:rPr lang="en-US" dirty="0" smtClean="0"/>
+              <a:t> 13 </a:t>
+            </a:r>
+            <a:r>
+              <a:rPr lang="en-US" dirty="0" smtClean="0"/>
+              <a:t>full-year equivalents, or 72 </a:t>
+            </a:r>
+            <a:r>
+              <a:rPr lang="en-US" dirty="0" smtClean="0"/>
+              <a:t>- 78 </a:t>
+            </a:r>
+            <a:r>
+              <a:rPr lang="en-US" dirty="0"/>
+              <a:t>c</a:t>
+            </a:r>
+            <a:r>
+              <a:rPr lang="en-US" dirty="0" smtClean="0"/>
+              <a:t>redit hours)</a:t>
+            </a:r>
+            <a:endParaRPr lang="en-US" dirty="0" smtClean="0"/>
+          </a:p>
+          <a:p>
+            <a:pPr lvl="1"/>
+            <a:endParaRPr lang="en-US" dirty="0" smtClean="0"/>
+          </a:p>
+          <a:p>
+            <a:r>
+              <a:rPr lang="en-US" b="1" dirty="0" smtClean="0"/>
+              <a:t>70% of </a:t>
+            </a:r>
+            <a:r>
+              <a:rPr lang="en-US" b="1" dirty="0" smtClean="0"/>
+              <a:t>courses specified</a:t>
+            </a:r>
+            <a:r>
+              <a:rPr lang="en-US" dirty="0" smtClean="0"/>
+              <a:t> </a:t>
+            </a:r>
+            <a:r>
+              <a:rPr lang="en-US" dirty="0" smtClean="0"/>
+              <a:t>(</a:t>
+            </a:r>
+            <a:r>
+              <a:rPr lang="en-US" dirty="0"/>
+              <a:t>c</a:t>
+            </a:r>
+            <a:r>
+              <a:rPr lang="en-US" dirty="0" smtClean="0"/>
+              <a:t>ore)</a:t>
+            </a:r>
+          </a:p>
+          <a:p>
+            <a:pPr lvl="1"/>
+            <a:r>
+              <a:rPr lang="en-US" dirty="0" smtClean="0"/>
+              <a:t>Most ranging between  60% - 80%</a:t>
             </a:r>
             <a:endParaRPr lang="en-US" dirty="0"/>
           </a:p>
@@ -7504,48 +8244,87 @@
       </p:sp>
       <p:pic>
         <p:nvPicPr>
-          <p:cNvPr id="4" name="Content Placeholder 3"/>
+          <p:cNvPr id="7" name="Content Placeholder 6"/>
           <p:cNvPicPr>
             <a:picLocks noGrp="1" noChangeAspect="1"/>
           </p:cNvPicPr>
           <p:nvPr>
-            <p:ph idx="1"/>
+            <p:ph sz="half" idx="2"/>
           </p:nvPr>
         </p:nvPicPr>
         <p:blipFill>
-          <a:blip r:embed="rId2" cstate="print"/>
+          <a:blip r:embed="rId2"/>
           <a:stretch>
             <a:fillRect/>
           </a:stretch>
         </p:blipFill>
         <p:spPr>
           <a:xfrm>
-            <a:off x="3002083" y="1825625"/>
-            <a:ext cx="6187833" cy="4351338"/>
+            <a:off x="6172200" y="2179421"/>
+            <a:ext cx="5181600" cy="3643745"/>
           </a:xfrm>
           <a:prstGeom prst="rect">
             <a:avLst/>
           </a:prstGeom>
         </p:spPr>
       </p:pic>
+    </p:spTree>
+    <p:extLst>
+      <p:ext uri="{BB962C8B-B14F-4D97-AF65-F5344CB8AC3E}">
+        <p14:creationId xmlns:p14="http://schemas.microsoft.com/office/powerpoint/2010/main" val="755700261"/>
+      </p:ext>
+    </p:extLst>
+  </p:cSld>
+  <p:clrMapOvr>
+    <a:masterClrMapping/>
+  </p:clrMapOvr>
+  <p:timing>
+    <p:tnLst>
+      <p:par>
+        <p:cTn id="1" dur="indefinite" restart="never" nodeType="tmRoot"/>
+      </p:par>
+    </p:tnLst>
+  </p:timing>
+</p:sld>
+</file>
+
+<file path=ppt/slides/slide9.xml><?xml version="1.0" encoding="utf-8"?>
+<p:sld xmlns:a="http://schemas.openxmlformats.org/drawingml/2006/main" xmlns:r="http://schemas.openxmlformats.org/officeDocument/2006/relationships" xmlns:p="http://schemas.openxmlformats.org/presentationml/2006/main">
+  <p:cSld>
+    <p:spTree>
+      <p:nvGrpSpPr>
+        <p:cNvPr id="1" name=""/>
+        <p:cNvGrpSpPr/>
+        <p:nvPr/>
+      </p:nvGrpSpPr>
+      <p:grpSpPr>
+        <a:xfrm>
+          <a:off x="0" y="0"/>
+          <a:ext cx="0" cy="0"/>
+          <a:chOff x="0" y="0"/>
+          <a:chExt cx="0" cy="0"/>
+        </a:xfrm>
+      </p:grpSpPr>
       <p:pic>
         <p:nvPicPr>
-          <p:cNvPr id="5" name="Picture 4"/>
+          <p:cNvPr id="24" name="Content Placeholder 23"/>
           <p:cNvPicPr>
-            <a:picLocks noChangeAspect="1"/>
+            <a:picLocks noGrp="1" noChangeAspect="1"/>
           </p:cNvPicPr>
-          <p:nvPr/>
+          <p:nvPr>
+            <p:ph sz="half" idx="2"/>
+          </p:nvPr>
         </p:nvPicPr>
         <p:blipFill>
-          <a:blip r:embed="rId3" cstate="print"/>
+          <a:blip r:embed="rId2"/>
           <a:stretch>
             <a:fillRect/>
           </a:stretch>
         </p:blipFill>
         <p:spPr>
           <a:xfrm>
-            <a:off x="1535891" y="1496532"/>
-            <a:ext cx="7123809" cy="5009524"/>
+            <a:off x="6172200" y="2179421"/>
+            <a:ext cx="5181600" cy="3643745"/>
           </a:xfrm>
           <a:prstGeom prst="rect">
             <a:avLst/>
@@ -7554,13 +8333,36 @@
       </p:pic>
       <p:sp>
         <p:nvSpPr>
+          <p:cNvPr id="2" name="Title 1"/>
+          <p:cNvSpPr>
+            <a:spLocks noGrp="1"/>
+          </p:cNvSpPr>
+          <p:nvPr>
+            <p:ph type="title"/>
+          </p:nvPr>
+        </p:nvSpPr>
+        <p:spPr/>
+        <p:txBody>
+          <a:bodyPr/>
+          <a:lstStyle/>
+          <a:p>
+            <a:r>
+              <a:rPr lang="en-US" dirty="0" smtClean="0"/>
+              <a:t>Breakdown of Courses per Discipline</a:t>
+            </a:r>
+            <a:endParaRPr lang="en-US" dirty="0"/>
+          </a:p>
+        </p:txBody>
+      </p:sp>
+      <p:sp>
+        <p:nvSpPr>
           <p:cNvPr id="6" name="TextBox 5"/>
           <p:cNvSpPr txBox="1"/>
           <p:nvPr/>
         </p:nvSpPr>
         <p:spPr>
           <a:xfrm>
-            <a:off x="8659700" y="2351105"/>
+            <a:off x="1895106" y="1533090"/>
             <a:ext cx="2515817" cy="646331"/>
           </a:xfrm>
           <a:prstGeom prst="rect">
@@ -7597,10 +8399,156 @@
           </a:p>
         </p:txBody>
       </p:sp>
+      <p:sp>
+        <p:nvSpPr>
+          <p:cNvPr id="14" name="TextBox 13"/>
+          <p:cNvSpPr txBox="1"/>
+          <p:nvPr/>
+        </p:nvSpPr>
+        <p:spPr>
+          <a:xfrm>
+            <a:off x="7219274" y="1533089"/>
+            <a:ext cx="2545569" cy="646331"/>
+          </a:xfrm>
+          <a:prstGeom prst="rect">
+            <a:avLst/>
+          </a:prstGeom>
+          <a:solidFill>
+            <a:srgbClr val="FFFF00"/>
+          </a:solidFill>
+        </p:spPr>
+        <p:txBody>
+          <a:bodyPr wrap="none" rtlCol="0">
+            <a:spAutoFit/>
+          </a:bodyPr>
+          <a:lstStyle/>
+          <a:p>
+            <a:r>
+              <a:rPr lang="en-US" b="1" dirty="0" smtClean="0">
+                <a:solidFill>
+                  <a:srgbClr val="FF0000"/>
+                </a:solidFill>
+              </a:rPr>
+              <a:t>Too </a:t>
+            </a:r>
+            <a:r>
+              <a:rPr lang="en-US" b="1" dirty="0" smtClean="0">
+                <a:solidFill>
+                  <a:srgbClr val="FF0000"/>
+                </a:solidFill>
+              </a:rPr>
+              <a:t>little STATS courses </a:t>
+            </a:r>
+          </a:p>
+          <a:p>
+            <a:r>
+              <a:rPr lang="en-US" b="1" dirty="0" smtClean="0">
+                <a:solidFill>
+                  <a:srgbClr val="FF0000"/>
+                </a:solidFill>
+              </a:rPr>
+              <a:t>in 1</a:t>
+            </a:r>
+            <a:r>
+              <a:rPr lang="en-US" b="1" baseline="30000" dirty="0" smtClean="0">
+                <a:solidFill>
+                  <a:srgbClr val="FF0000"/>
+                </a:solidFill>
+              </a:rPr>
+              <a:t>st</a:t>
+            </a:r>
+            <a:r>
+              <a:rPr lang="en-US" b="1" dirty="0">
+                <a:solidFill>
+                  <a:srgbClr val="FF0000"/>
+                </a:solidFill>
+              </a:rPr>
+              <a:t> Year (mostly none) </a:t>
+            </a:r>
+            <a:endParaRPr lang="en-US" b="1" dirty="0" smtClean="0">
+              <a:solidFill>
+                <a:srgbClr val="FF0000"/>
+              </a:solidFill>
+            </a:endParaRPr>
+          </a:p>
+        </p:txBody>
+      </p:sp>
+      <p:sp>
+        <p:nvSpPr>
+          <p:cNvPr id="16" name="Oval 15"/>
+          <p:cNvSpPr/>
+          <p:nvPr/>
+        </p:nvSpPr>
+        <p:spPr>
+          <a:xfrm>
+            <a:off x="6289288" y="4583151"/>
+            <a:ext cx="847492" cy="742260"/>
+          </a:xfrm>
+          <a:prstGeom prst="ellipse">
+            <a:avLst/>
+          </a:prstGeom>
+          <a:noFill/>
+          <a:ln w="38100">
+            <a:solidFill>
+              <a:srgbClr val="FF0000"/>
+            </a:solidFill>
+          </a:ln>
+        </p:spPr>
+        <p:style>
+          <a:lnRef idx="2">
+            <a:schemeClr val="accent1">
+              <a:shade val="50000"/>
+            </a:schemeClr>
+          </a:lnRef>
+          <a:fillRef idx="1">
+            <a:schemeClr val="accent1"/>
+          </a:fillRef>
+          <a:effectRef idx="0">
+            <a:schemeClr val="accent1"/>
+          </a:effectRef>
+          <a:fontRef idx="minor">
+            <a:schemeClr val="lt1"/>
+          </a:fontRef>
+        </p:style>
+        <p:txBody>
+          <a:bodyPr rtlCol="0" anchor="ctr"/>
+          <a:lstStyle/>
+          <a:p>
+            <a:pPr algn="ctr"/>
+            <a:endParaRPr lang="en-US"/>
+          </a:p>
+        </p:txBody>
+      </p:sp>
+      <p:pic>
+        <p:nvPicPr>
+          <p:cNvPr id="20" name="Content Placeholder 19"/>
+          <p:cNvPicPr>
+            <a:picLocks noGrp="1" noChangeAspect="1"/>
+          </p:cNvPicPr>
+          <p:nvPr>
+            <p:ph sz="half" idx="1"/>
+          </p:nvPr>
+        </p:nvPicPr>
+        <p:blipFill>
+          <a:blip r:embed="rId3"/>
+          <a:stretch>
+            <a:fillRect/>
+          </a:stretch>
+        </p:blipFill>
+        <p:spPr>
+          <a:xfrm>
+            <a:off x="838200" y="2179421"/>
+            <a:ext cx="5181600" cy="3643745"/>
+          </a:xfrm>
+          <a:prstGeom prst="rect">
+            <a:avLst/>
+          </a:prstGeom>
+        </p:spPr>
+      </p:pic>
     </p:spTree>
     <p:extLst>
       <p:ext uri="{BB962C8B-B14F-4D97-AF65-F5344CB8AC3E}">
-        <p14:creationId xmlns="" xmlns:p14="http://schemas.microsoft.com/office/powerpoint/2010/main" val="2040311413"/>
+        <p14:creationId xmlns:p14="http://schemas.microsoft.com/office/powerpoint/2010/main" val="2040311413"/>
       </p:ext>
     </p:extLst>
   </p:cSld>
@@ -7660,186 +8608,60 @@
                       </p:childTnLst>
                     </p:cTn>
                   </p:par>
-                </p:childTnLst>
-              </p:cTn>
-              <p:prevCondLst>
-                <p:cond evt="onPrev" delay="0">
-                  <p:tgtEl>
-                    <p:sldTgt/>
-                  </p:tgtEl>
-                </p:cond>
-              </p:prevCondLst>
-              <p:nextCondLst>
-                <p:cond evt="onNext" delay="0">
-                  <p:tgtEl>
-                    <p:sldTgt/>
-                  </p:tgtEl>
-                </p:cond>
-              </p:nextCondLst>
-            </p:seq>
-          </p:childTnLst>
-        </p:cTn>
-      </p:par>
-    </p:tnLst>
-    <p:bldLst>
-      <p:bldP spid="6" grpId="0" animBg="1"/>
-    </p:bldLst>
-  </p:timing>
-</p:sld>
-</file>
-
-<file path=ppt/slides/slide9.xml><?xml version="1.0" encoding="utf-8"?>
-<p:sld xmlns:a="http://schemas.openxmlformats.org/drawingml/2006/main" xmlns:r="http://schemas.openxmlformats.org/officeDocument/2006/relationships" xmlns:p="http://schemas.openxmlformats.org/presentationml/2006/main">
-  <p:cSld>
-    <p:spTree>
-      <p:nvGrpSpPr>
-        <p:cNvPr id="1" name=""/>
-        <p:cNvGrpSpPr/>
-        <p:nvPr/>
-      </p:nvGrpSpPr>
-      <p:grpSpPr>
-        <a:xfrm>
-          <a:off x="0" y="0"/>
-          <a:ext cx="0" cy="0"/>
-          <a:chOff x="0" y="0"/>
-          <a:chExt cx="0" cy="0"/>
-        </a:xfrm>
-      </p:grpSpPr>
-      <p:sp>
-        <p:nvSpPr>
-          <p:cNvPr id="2" name="Title 1"/>
-          <p:cNvSpPr>
-            <a:spLocks noGrp="1"/>
-          </p:cNvSpPr>
-          <p:nvPr>
-            <p:ph type="title"/>
-          </p:nvPr>
-        </p:nvSpPr>
-        <p:spPr/>
-        <p:txBody>
-          <a:bodyPr/>
-          <a:lstStyle/>
-          <a:p>
-            <a:endParaRPr lang="en-US"/>
-          </a:p>
-        </p:txBody>
-      </p:sp>
-      <p:pic>
-        <p:nvPicPr>
-          <p:cNvPr id="4" name="Content Placeholder 3"/>
-          <p:cNvPicPr>
-            <a:picLocks noGrp="1" noChangeAspect="1"/>
-          </p:cNvPicPr>
-          <p:nvPr>
-            <p:ph idx="1"/>
-          </p:nvPr>
-        </p:nvPicPr>
-        <p:blipFill>
-          <a:blip r:embed="rId2" cstate="print"/>
-          <a:stretch>
-            <a:fillRect/>
-          </a:stretch>
-        </p:blipFill>
-        <p:spPr>
-          <a:xfrm>
-            <a:off x="3002083" y="1825625"/>
-            <a:ext cx="6187833" cy="4351338"/>
-          </a:xfrm>
-          <a:prstGeom prst="rect">
-            <a:avLst/>
-          </a:prstGeom>
-        </p:spPr>
-      </p:pic>
-      <p:sp>
-        <p:nvSpPr>
-          <p:cNvPr id="5" name="TextBox 4"/>
-          <p:cNvSpPr txBox="1"/>
-          <p:nvPr/>
-        </p:nvSpPr>
-        <p:spPr>
-          <a:xfrm>
-            <a:off x="8221550" y="2027255"/>
-            <a:ext cx="3673954" cy="646331"/>
-          </a:xfrm>
-          <a:prstGeom prst="rect">
-            <a:avLst/>
-          </a:prstGeom>
-          <a:solidFill>
-            <a:srgbClr val="FFFF00"/>
-          </a:solidFill>
-        </p:spPr>
-        <p:txBody>
-          <a:bodyPr wrap="none" rtlCol="0">
-            <a:spAutoFit/>
-          </a:bodyPr>
-          <a:lstStyle/>
-          <a:p>
-            <a:r>
-              <a:rPr lang="en-US" b="1" dirty="0" smtClean="0">
-                <a:solidFill>
-                  <a:srgbClr val="FF0000"/>
-                </a:solidFill>
-              </a:rPr>
-              <a:t>More Statistical theory than practice</a:t>
-            </a:r>
-          </a:p>
-          <a:p>
-            <a:r>
-              <a:rPr lang="en-US" b="1" dirty="0" smtClean="0">
-                <a:solidFill>
-                  <a:srgbClr val="FF0000"/>
-                </a:solidFill>
-              </a:rPr>
-              <a:t>Too much MATH</a:t>
-            </a:r>
-          </a:p>
-        </p:txBody>
-      </p:sp>
-    </p:spTree>
-    <p:extLst>
-      <p:ext uri="{BB962C8B-B14F-4D97-AF65-F5344CB8AC3E}">
-        <p14:creationId xmlns="" xmlns:p14="http://schemas.microsoft.com/office/powerpoint/2010/main" val="3457145499"/>
-      </p:ext>
-    </p:extLst>
-  </p:cSld>
-  <p:clrMapOvr>
-    <a:masterClrMapping/>
-  </p:clrMapOvr>
-  <p:timing>
-    <p:tnLst>
-      <p:par>
-        <p:cTn id="1" dur="indefinite" restart="never" nodeType="tmRoot">
-          <p:childTnLst>
-            <p:seq concurrent="1" nextAc="seek">
-              <p:cTn id="2" dur="indefinite" nodeType="mainSeq">
-                <p:childTnLst>
                   <p:par>
-                    <p:cTn id="3" fill="hold">
+                    <p:cTn id="7" fill="hold">
                       <p:stCondLst>
                         <p:cond delay="indefinite"/>
                       </p:stCondLst>
                       <p:childTnLst>
                         <p:par>
-                          <p:cTn id="4" fill="hold">
+                          <p:cTn id="8" fill="hold">
                             <p:stCondLst>
                               <p:cond delay="0"/>
                             </p:stCondLst>
                             <p:childTnLst>
                               <p:par>
-                                <p:cTn id="5" presetID="1" presetClass="entr" presetSubtype="0" fill="hold" grpId="0" nodeType="clickEffect">
+                                <p:cTn id="9" presetID="1" presetClass="entr" presetSubtype="0" fill="hold" grpId="0" nodeType="clickEffect">
                                   <p:stCondLst>
                                     <p:cond delay="0"/>
                                   </p:stCondLst>
                                   <p:childTnLst>
                                     <p:set>
                                       <p:cBhvr>
-                                        <p:cTn id="6" dur="1" fill="hold">
+                                        <p:cTn id="10" dur="1" fill="hold">
                                           <p:stCondLst>
                                             <p:cond delay="0"/>
                                           </p:stCondLst>
                                         </p:cTn>
                                         <p:tgtEl>
-                                          <p:spTgt spid="5"/>
+                                          <p:spTgt spid="14"/>
+                                        </p:tgtEl>
+                                        <p:attrNameLst>
+                                          <p:attrName>style.visibility</p:attrName>
+                                        </p:attrNameLst>
+                                      </p:cBhvr>
+                                      <p:to>
+                                        <p:strVal val="visible"/>
+                                      </p:to>
+                                    </p:set>
+                                  </p:childTnLst>
+                                </p:cTn>
+                              </p:par>
+                              <p:par>
+                                <p:cTn id="11" presetID="1" presetClass="entr" presetSubtype="0" fill="hold" grpId="0" nodeType="withEffect">
+                                  <p:stCondLst>
+                                    <p:cond delay="0"/>
+                                  </p:stCondLst>
+                                  <p:childTnLst>
+                                    <p:set>
+                                      <p:cBhvr>
+                                        <p:cTn id="12" dur="1" fill="hold">
+                                          <p:stCondLst>
+                                            <p:cond delay="0"/>
+                                          </p:stCondLst>
+                                        </p:cTn>
+                                        <p:tgtEl>
+                                          <p:spTgt spid="16"/>
                                         </p:tgtEl>
                                         <p:attrNameLst>
                                           <p:attrName>style.visibility</p:attrName>
@@ -7880,7 +8702,9 @@
       </p:par>
     </p:tnLst>
     <p:bldLst>
-      <p:bldP spid="5" grpId="0" animBg="1"/>
+      <p:bldP spid="6" grpId="0" animBg="1"/>
+      <p:bldP spid="14" grpId="0" animBg="1"/>
+      <p:bldP spid="16" grpId="0" animBg="1"/>
     </p:bldLst>
   </p:timing>
 </p:sld>
@@ -8141,7 +8965,7 @@
   <a:extraClrSchemeLst/>
   <a:extLst>
     <a:ext uri="{05A4C25C-085E-4340-85A3-A5531E510DB2}">
-      <thm15:themeFamily xmlns="" xmlns:thm15="http://schemas.microsoft.com/office/thememl/2012/main" name="Office Theme" id="{62F939B6-93AF-4DB8-9C6B-D6C7DFDC589F}" vid="{4A3C46E8-61CC-4603-A589-7422A47A8E4A}"/>
+      <thm15:themeFamily xmlns:thm15="http://schemas.microsoft.com/office/thememl/2012/main" name="Office Theme" id="{62F939B6-93AF-4DB8-9C6B-D6C7DFDC589F}" vid="{4A3C46E8-61CC-4603-A589-7422A47A8E4A}"/>
     </a:ext>
   </a:extLst>
 </a:theme>
@@ -8402,7 +9226,7 @@
   <a:extraClrSchemeLst/>
   <a:extLst>
     <a:ext uri="{05A4C25C-085E-4340-85A3-A5531E510DB2}">
-      <thm15:themeFamily xmlns="" xmlns:thm15="http://schemas.microsoft.com/office/thememl/2012/main" name="Office Theme" id="{62F939B6-93AF-4DB8-9C6B-D6C7DFDC589F}" vid="{4A3C46E8-61CC-4603-A589-7422A47A8E4A}"/>
+      <thm15:themeFamily xmlns:thm15="http://schemas.microsoft.com/office/thememl/2012/main" name="Office Theme" id="{62F939B6-93AF-4DB8-9C6B-D6C7DFDC589F}" vid="{4A3C46E8-61CC-4603-A589-7422A47A8E4A}"/>
     </a:ext>
   </a:extLst>
 </a:theme>

--- a/Status fo Statistics Curricula.pptx
+++ b/Status fo Statistics Curricula.pptx
@@ -5,7 +5,7 @@
     <p:sldMasterId id="2147483648" r:id="rId1"/>
   </p:sldMasterIdLst>
   <p:notesMasterIdLst>
-    <p:notesMasterId r:id="rId13"/>
+    <p:notesMasterId r:id="rId14"/>
   </p:notesMasterIdLst>
   <p:sldIdLst>
     <p:sldId id="256" r:id="rId2"/>
@@ -19,6 +19,7 @@
     <p:sldId id="263" r:id="rId10"/>
     <p:sldId id="264" r:id="rId11"/>
     <p:sldId id="269" r:id="rId12"/>
+    <p:sldId id="270" r:id="rId13"/>
   </p:sldIdLst>
   <p:sldSz cx="12192000" cy="6858000"/>
   <p:notesSz cx="7023100" cy="9309100"/>
@@ -219,7 +220,7 @@
             <a:fld id="{88759146-D9B4-4E36-9A74-666275327657}" type="datetimeFigureOut">
               <a:rPr lang="en-US" smtClean="0"/>
               <a:pPr/>
-              <a:t>6/6/2017</a:t>
+              <a:t>6/7/2017</a:t>
             </a:fld>
             <a:endParaRPr lang="en-US"/>
           </a:p>
@@ -757,7 +758,7 @@
             <a:fld id="{6F49C482-87CA-4B33-8605-43E5589E6771}" type="datetimeFigureOut">
               <a:rPr lang="en-US" smtClean="0"/>
               <a:pPr/>
-              <a:t>6/6/2017</a:t>
+              <a:t>6/7/2017</a:t>
             </a:fld>
             <a:endParaRPr lang="en-US"/>
           </a:p>
@@ -929,7 +930,7 @@
             <a:fld id="{6F49C482-87CA-4B33-8605-43E5589E6771}" type="datetimeFigureOut">
               <a:rPr lang="en-US" smtClean="0"/>
               <a:pPr/>
-              <a:t>6/6/2017</a:t>
+              <a:t>6/7/2017</a:t>
             </a:fld>
             <a:endParaRPr lang="en-US"/>
           </a:p>
@@ -1111,7 +1112,7 @@
             <a:fld id="{6F49C482-87CA-4B33-8605-43E5589E6771}" type="datetimeFigureOut">
               <a:rPr lang="en-US" smtClean="0"/>
               <a:pPr/>
-              <a:t>6/6/2017</a:t>
+              <a:t>6/7/2017</a:t>
             </a:fld>
             <a:endParaRPr lang="en-US"/>
           </a:p>
@@ -1283,7 +1284,7 @@
             <a:fld id="{6F49C482-87CA-4B33-8605-43E5589E6771}" type="datetimeFigureOut">
               <a:rPr lang="en-US" smtClean="0"/>
               <a:pPr/>
-              <a:t>6/6/2017</a:t>
+              <a:t>6/7/2017</a:t>
             </a:fld>
             <a:endParaRPr lang="en-US"/>
           </a:p>
@@ -1531,7 +1532,7 @@
             <a:fld id="{6F49C482-87CA-4B33-8605-43E5589E6771}" type="datetimeFigureOut">
               <a:rPr lang="en-US" smtClean="0"/>
               <a:pPr/>
-              <a:t>6/6/2017</a:t>
+              <a:t>6/7/2017</a:t>
             </a:fld>
             <a:endParaRPr lang="en-US"/>
           </a:p>
@@ -1765,7 +1766,7 @@
             <a:fld id="{6F49C482-87CA-4B33-8605-43E5589E6771}" type="datetimeFigureOut">
               <a:rPr lang="en-US" smtClean="0"/>
               <a:pPr/>
-              <a:t>6/6/2017</a:t>
+              <a:t>6/7/2017</a:t>
             </a:fld>
             <a:endParaRPr lang="en-US"/>
           </a:p>
@@ -2134,7 +2135,7 @@
             <a:fld id="{6F49C482-87CA-4B33-8605-43E5589E6771}" type="datetimeFigureOut">
               <a:rPr lang="en-US" smtClean="0"/>
               <a:pPr/>
-              <a:t>6/6/2017</a:t>
+              <a:t>6/7/2017</a:t>
             </a:fld>
             <a:endParaRPr lang="en-US"/>
           </a:p>
@@ -2254,7 +2255,7 @@
             <a:fld id="{6F49C482-87CA-4B33-8605-43E5589E6771}" type="datetimeFigureOut">
               <a:rPr lang="en-US" smtClean="0"/>
               <a:pPr/>
-              <a:t>6/6/2017</a:t>
+              <a:t>6/7/2017</a:t>
             </a:fld>
             <a:endParaRPr lang="en-US"/>
           </a:p>
@@ -2351,7 +2352,7 @@
             <a:fld id="{6F49C482-87CA-4B33-8605-43E5589E6771}" type="datetimeFigureOut">
               <a:rPr lang="en-US" smtClean="0"/>
               <a:pPr/>
-              <a:t>6/6/2017</a:t>
+              <a:t>6/7/2017</a:t>
             </a:fld>
             <a:endParaRPr lang="en-US"/>
           </a:p>
@@ -2630,7 +2631,7 @@
             <a:fld id="{6F49C482-87CA-4B33-8605-43E5589E6771}" type="datetimeFigureOut">
               <a:rPr lang="en-US" smtClean="0"/>
               <a:pPr/>
-              <a:t>6/6/2017</a:t>
+              <a:t>6/7/2017</a:t>
             </a:fld>
             <a:endParaRPr lang="en-US"/>
           </a:p>
@@ -2885,7 +2886,7 @@
             <a:fld id="{6F49C482-87CA-4B33-8605-43E5589E6771}" type="datetimeFigureOut">
               <a:rPr lang="en-US" smtClean="0"/>
               <a:pPr/>
-              <a:t>6/6/2017</a:t>
+              <a:t>6/7/2017</a:t>
             </a:fld>
             <a:endParaRPr lang="en-US"/>
           </a:p>
@@ -3100,7 +3101,7 @@
             <a:fld id="{6F49C482-87CA-4B33-8605-43E5589E6771}" type="datetimeFigureOut">
               <a:rPr lang="en-US" smtClean="0"/>
               <a:pPr/>
-              <a:t>6/6/2017</a:t>
+              <a:t>6/7/2017</a:t>
             </a:fld>
             <a:endParaRPr lang="en-US"/>
           </a:p>
@@ -3634,6 +3635,32 @@
           <a:chExt cx="0" cy="0"/>
         </a:xfrm>
       </p:grpSpPr>
+      <p:pic>
+        <p:nvPicPr>
+          <p:cNvPr id="22" name="Content Placeholder 21"/>
+          <p:cNvPicPr>
+            <a:picLocks noGrp="1" noChangeAspect="1"/>
+          </p:cNvPicPr>
+          <p:nvPr>
+            <p:ph sz="half" idx="2"/>
+          </p:nvPr>
+        </p:nvPicPr>
+        <p:blipFill>
+          <a:blip r:embed="rId2"/>
+          <a:stretch>
+            <a:fillRect/>
+          </a:stretch>
+        </p:blipFill>
+        <p:spPr>
+          <a:xfrm>
+            <a:off x="6172200" y="2179421"/>
+            <a:ext cx="5181600" cy="3643745"/>
+          </a:xfrm>
+          <a:prstGeom prst="rect">
+            <a:avLst/>
+          </a:prstGeom>
+        </p:spPr>
+      </p:pic>
       <p:sp>
         <p:nvSpPr>
           <p:cNvPr id="2" name="Title 1"/>
@@ -3655,7 +3682,7 @@
             </a:r>
             <a:r>
               <a:rPr lang="en-US" dirty="0" smtClean="0"/>
-              <a:t>Learning Outcome</a:t>
+              <a:t>Topic Category</a:t>
             </a:r>
             <a:endParaRPr lang="en-US" dirty="0"/>
           </a:p>
@@ -3663,7 +3690,7 @@
       </p:sp>
       <p:pic>
         <p:nvPicPr>
-          <p:cNvPr id="8" name="Content Placeholder 7"/>
+          <p:cNvPr id="12" name="Content Placeholder 11"/>
           <p:cNvPicPr>
             <a:picLocks noGrp="1" noChangeAspect="1"/>
           </p:cNvPicPr>
@@ -3672,7 +3699,7 @@
           </p:nvPr>
         </p:nvPicPr>
         <p:blipFill>
-          <a:blip r:embed="rId2"/>
+          <a:blip r:embed="rId3"/>
           <a:stretch>
             <a:fillRect/>
           </a:stretch>
@@ -3689,20 +3716,121 @@
       </p:pic>
       <p:sp>
         <p:nvSpPr>
-          <p:cNvPr id="7" name="Content Placeholder 6"/>
-          <p:cNvSpPr>
-            <a:spLocks noGrp="1"/>
-          </p:cNvSpPr>
-          <p:nvPr>
-            <p:ph sz="half" idx="2"/>
-          </p:nvPr>
-        </p:nvSpPr>
-        <p:spPr/>
-        <p:txBody>
-          <a:bodyPr/>
+          <p:cNvPr id="18" name="TextBox 17"/>
+          <p:cNvSpPr txBox="1"/>
+          <p:nvPr/>
+        </p:nvSpPr>
+        <p:spPr>
+          <a:xfrm>
+            <a:off x="1986484" y="1434991"/>
+            <a:ext cx="2239459" cy="646331"/>
+          </a:xfrm>
+          <a:prstGeom prst="rect">
+            <a:avLst/>
+          </a:prstGeom>
+          <a:solidFill>
+            <a:srgbClr val="FFFF00"/>
+          </a:solidFill>
+        </p:spPr>
+        <p:txBody>
+          <a:bodyPr wrap="none" rtlCol="0">
+            <a:spAutoFit/>
+          </a:bodyPr>
           <a:lstStyle/>
           <a:p>
-            <a:endParaRPr lang="en-US"/>
+            <a:pPr algn="ctr"/>
+            <a:r>
+              <a:rPr lang="en-US" b="1" dirty="0">
+                <a:solidFill>
+                  <a:srgbClr val="FF0000"/>
+                </a:solidFill>
+              </a:rPr>
+              <a:t>Practice </a:t>
+            </a:r>
+            <a:r>
+              <a:rPr lang="en-US" b="1" dirty="0" smtClean="0">
+                <a:solidFill>
+                  <a:srgbClr val="FF0000"/>
+                </a:solidFill>
+              </a:rPr>
+              <a:t>is </a:t>
+            </a:r>
+            <a:r>
+              <a:rPr lang="en-US" b="1" dirty="0">
+                <a:solidFill>
+                  <a:srgbClr val="FF0000"/>
+                </a:solidFill>
+              </a:rPr>
+              <a:t>least </a:t>
+            </a:r>
+          </a:p>
+          <a:p>
+            <a:pPr algn="ctr"/>
+            <a:r>
+              <a:rPr lang="en-US" b="1" dirty="0">
+                <a:solidFill>
+                  <a:srgbClr val="FF0000"/>
+                </a:solidFill>
+              </a:rPr>
+              <a:t>developed Stats topic</a:t>
+            </a:r>
+          </a:p>
+        </p:txBody>
+      </p:sp>
+      <p:sp>
+        <p:nvSpPr>
+          <p:cNvPr id="19" name="TextBox 18"/>
+          <p:cNvSpPr txBox="1"/>
+          <p:nvPr/>
+        </p:nvSpPr>
+        <p:spPr>
+          <a:xfrm>
+            <a:off x="6666464" y="1573490"/>
+            <a:ext cx="2968954" cy="369332"/>
+          </a:xfrm>
+          <a:prstGeom prst="rect">
+            <a:avLst/>
+          </a:prstGeom>
+          <a:solidFill>
+            <a:srgbClr val="FFFF00"/>
+          </a:solidFill>
+        </p:spPr>
+        <p:txBody>
+          <a:bodyPr wrap="none" rtlCol="0">
+            <a:spAutoFit/>
+          </a:bodyPr>
+          <a:lstStyle/>
+          <a:p>
+            <a:pPr algn="ctr"/>
+            <a:r>
+              <a:rPr lang="en-US" b="1" dirty="0" smtClean="0">
+                <a:solidFill>
+                  <a:srgbClr val="FF0000"/>
+                </a:solidFill>
+              </a:rPr>
+              <a:t>Math/</a:t>
+            </a:r>
+            <a:r>
+              <a:rPr lang="en-US" b="1" dirty="0" err="1" smtClean="0">
+                <a:solidFill>
+                  <a:srgbClr val="FF0000"/>
+                </a:solidFill>
+              </a:rPr>
+              <a:t>Prob</a:t>
+            </a:r>
+            <a:r>
+              <a:rPr lang="en-US" b="1" dirty="0" smtClean="0">
+                <a:solidFill>
+                  <a:srgbClr val="FF0000"/>
+                </a:solidFill>
+              </a:rPr>
+              <a:t>-heavy curriculum</a:t>
+            </a:r>
+            <a:endParaRPr lang="en-US" b="1" dirty="0">
+              <a:solidFill>
+                <a:srgbClr val="FF0000"/>
+              </a:solidFill>
+            </a:endParaRPr>
           </a:p>
         </p:txBody>
       </p:sp>
@@ -3719,9 +3847,126 @@
   <p:timing>
     <p:tnLst>
       <p:par>
-        <p:cTn id="1" dur="indefinite" restart="never" nodeType="tmRoot"/>
+        <p:cTn id="1" dur="indefinite" restart="never" nodeType="tmRoot">
+          <p:childTnLst>
+            <p:seq concurrent="1" nextAc="seek">
+              <p:cTn id="2" dur="indefinite" nodeType="mainSeq">
+                <p:childTnLst>
+                  <p:par>
+                    <p:cTn id="3" fill="hold">
+                      <p:stCondLst>
+                        <p:cond delay="indefinite"/>
+                      </p:stCondLst>
+                      <p:childTnLst>
+                        <p:par>
+                          <p:cTn id="4" fill="hold">
+                            <p:stCondLst>
+                              <p:cond delay="0"/>
+                            </p:stCondLst>
+                            <p:childTnLst>
+                              <p:par>
+                                <p:cTn id="5" presetID="1" presetClass="entr" presetSubtype="0" fill="hold" grpId="0" nodeType="clickEffect">
+                                  <p:stCondLst>
+                                    <p:cond delay="0"/>
+                                  </p:stCondLst>
+                                  <p:childTnLst>
+                                    <p:set>
+                                      <p:cBhvr>
+                                        <p:cTn id="6" dur="1" fill="hold">
+                                          <p:stCondLst>
+                                            <p:cond delay="0"/>
+                                          </p:stCondLst>
+                                        </p:cTn>
+                                        <p:tgtEl>
+                                          <p:spTgt spid="18"/>
+                                        </p:tgtEl>
+                                        <p:attrNameLst>
+                                          <p:attrName>style.visibility</p:attrName>
+                                        </p:attrNameLst>
+                                      </p:cBhvr>
+                                      <p:to>
+                                        <p:strVal val="visible"/>
+                                      </p:to>
+                                    </p:set>
+                                  </p:childTnLst>
+                                </p:cTn>
+                              </p:par>
+                            </p:childTnLst>
+                          </p:cTn>
+                        </p:par>
+                      </p:childTnLst>
+                    </p:cTn>
+                  </p:par>
+                  <p:par>
+                    <p:cTn id="7" fill="hold">
+                      <p:stCondLst>
+                        <p:cond delay="indefinite"/>
+                      </p:stCondLst>
+                      <p:childTnLst>
+                        <p:par>
+                          <p:cTn id="8" fill="hold">
+                            <p:stCondLst>
+                              <p:cond delay="0"/>
+                            </p:stCondLst>
+                            <p:childTnLst>
+                              <p:par>
+                                <p:cTn id="9" presetID="1" presetClass="entr" presetSubtype="0" fill="hold" grpId="0" nodeType="clickEffect">
+                                  <p:stCondLst>
+                                    <p:cond delay="0"/>
+                                  </p:stCondLst>
+                                  <p:childTnLst>
+                                    <p:set>
+                                      <p:cBhvr>
+                                        <p:cTn id="10" dur="1" fill="hold">
+                                          <p:stCondLst>
+                                            <p:cond delay="0"/>
+                                          </p:stCondLst>
+                                        </p:cTn>
+                                        <p:tgtEl>
+                                          <p:spTgt spid="19"/>
+                                        </p:tgtEl>
+                                        <p:attrNameLst>
+                                          <p:attrName>style.visibility</p:attrName>
+                                        </p:attrNameLst>
+                                      </p:cBhvr>
+                                      <p:to>
+                                        <p:strVal val="visible"/>
+                                      </p:to>
+                                    </p:set>
+                                  </p:childTnLst>
+                                </p:cTn>
+                              </p:par>
+                            </p:childTnLst>
+                          </p:cTn>
+                        </p:par>
+                      </p:childTnLst>
+                    </p:cTn>
+                  </p:par>
+                </p:childTnLst>
+              </p:cTn>
+              <p:prevCondLst>
+                <p:cond evt="onPrev" delay="0">
+                  <p:tgtEl>
+                    <p:sldTgt/>
+                  </p:tgtEl>
+                </p:cond>
+              </p:prevCondLst>
+              <p:nextCondLst>
+                <p:cond evt="onNext" delay="0">
+                  <p:tgtEl>
+                    <p:sldTgt/>
+                  </p:tgtEl>
+                </p:cond>
+              </p:nextCondLst>
+            </p:seq>
+          </p:childTnLst>
+        </p:cTn>
       </p:par>
     </p:tnLst>
+    <p:bldLst>
+      <p:bldP spid="18" grpId="0" animBg="1"/>
+      <p:bldP spid="19" grpId="0" animBg="1"/>
+    </p:bldLst>
   </p:timing>
 </p:sld>
 </file>
@@ -3783,27 +4028,108 @@
           <a:p>
             <a:r>
               <a:rPr lang="en-US" dirty="0" smtClean="0"/>
-              <a:t>Train Stats Hons/Spec BSc’s primarily for the workplace (rather than for graduate study)</a:t>
-            </a:r>
+              <a:t>Train Stats Hons/Spec BSc’s primarily for the </a:t>
+            </a:r>
+            <a:r>
+              <a:rPr lang="en-US" dirty="0" smtClean="0"/>
+              <a:t>workplace (rather </a:t>
+            </a:r>
+            <a:r>
+              <a:rPr lang="en-US" dirty="0" smtClean="0"/>
+              <a:t>than for graduate study</a:t>
+            </a:r>
+            <a:r>
+              <a:rPr lang="en-US" dirty="0" smtClean="0"/>
+              <a:t>)</a:t>
+            </a:r>
+            <a:endParaRPr lang="en-US" dirty="0" smtClean="0"/>
           </a:p>
           <a:p>
             <a:pPr lvl="2"/>
             <a:endParaRPr lang="en-US" dirty="0" smtClean="0"/>
           </a:p>
           <a:p>
+            <a:pPr marL="514350" indent="-514350">
+              <a:buFont typeface="+mj-lt"/>
+              <a:buAutoNum type="arabicPeriod"/>
+            </a:pPr>
             <a:r>
               <a:rPr lang="en-US" dirty="0" smtClean="0"/>
-              <a:t>Offer more Stat courses (at expense of Math courses)</a:t>
-            </a:r>
-          </a:p>
-          <a:p>
-            <a:pPr lvl="2"/>
+              <a:t>Offer more </a:t>
+            </a:r>
+            <a:r>
+              <a:rPr lang="en-US" dirty="0" smtClean="0"/>
+              <a:t>Stats-specific courses </a:t>
+            </a:r>
+            <a:r>
+              <a:rPr lang="en-US" dirty="0" smtClean="0"/>
+              <a:t>(at expense of Math courses)</a:t>
+            </a:r>
+          </a:p>
+          <a:p>
+            <a:pPr marL="1371600" lvl="2" indent="-457200">
+              <a:buFont typeface="+mj-lt"/>
+              <a:buAutoNum type="arabicPeriod"/>
+            </a:pPr>
             <a:endParaRPr lang="en-US" dirty="0" smtClean="0"/>
           </a:p>
           <a:p>
+            <a:pPr marL="514350" indent="-514350">
+              <a:buFont typeface="+mj-lt"/>
+              <a:buAutoNum type="arabicPeriod"/>
+            </a:pPr>
             <a:r>
               <a:rPr lang="en-US" dirty="0" smtClean="0"/>
-              <a:t>Offer Stat courses early on (especially 1</a:t>
+              <a:t>Focus </a:t>
+            </a:r>
+            <a:r>
+              <a:rPr lang="en-US" dirty="0"/>
+              <a:t>courses (</a:t>
+            </a:r>
+            <a:r>
+              <a:rPr lang="en-US" dirty="0" smtClean="0"/>
+              <a:t>new </a:t>
+            </a:r>
+            <a:r>
+              <a:rPr lang="en-US" dirty="0"/>
+              <a:t>or </a:t>
+            </a:r>
+            <a:r>
+              <a:rPr lang="en-US" dirty="0" smtClean="0"/>
+              <a:t>existing) on </a:t>
+            </a:r>
+            <a:r>
+              <a:rPr lang="en-US" dirty="0" smtClean="0"/>
+              <a:t>Statistical </a:t>
+            </a:r>
+            <a:r>
+              <a:rPr lang="en-US" dirty="0" smtClean="0"/>
+              <a:t>Practice</a:t>
+            </a:r>
+          </a:p>
+          <a:p>
+            <a:pPr marL="971550" lvl="1" indent="-514350">
+              <a:buFont typeface="+mj-lt"/>
+              <a:buAutoNum type="arabicPeriod"/>
+            </a:pPr>
+            <a:endParaRPr lang="en-US" dirty="0"/>
+          </a:p>
+          <a:p>
+            <a:pPr marL="514350" indent="-514350">
+              <a:buFont typeface="+mj-lt"/>
+              <a:buAutoNum type="arabicPeriod"/>
+            </a:pPr>
+            <a:r>
+              <a:rPr lang="en-US" dirty="0" smtClean="0"/>
+              <a:t>Start with Stats </a:t>
+            </a:r>
+            <a:r>
+              <a:rPr lang="en-US" dirty="0"/>
+              <a:t>courses early on </a:t>
+            </a:r>
+            <a:r>
+              <a:rPr lang="en-US" dirty="0" smtClean="0"/>
+              <a:t>(1</a:t>
             </a:r>
             <a:r>
               <a:rPr lang="en-US" baseline="30000" dirty="0" smtClean="0"/>
@@ -3811,26 +4137,19 @@
             </a:r>
             <a:r>
               <a:rPr lang="en-US" dirty="0" smtClean="0"/>
-              <a:t> year)</a:t>
-            </a:r>
-          </a:p>
-          <a:p>
-            <a:pPr lvl="2"/>
+              <a:t> </a:t>
+            </a:r>
+            <a:r>
+              <a:rPr lang="en-US" dirty="0"/>
+              <a:t>year)</a:t>
+            </a:r>
+          </a:p>
+          <a:p>
+            <a:pPr marL="514350" indent="-514350">
+              <a:buFont typeface="+mj-lt"/>
+              <a:buAutoNum type="arabicPeriod"/>
+            </a:pPr>
             <a:endParaRPr lang="en-US" dirty="0" smtClean="0"/>
-          </a:p>
-          <a:p>
-            <a:r>
-              <a:rPr lang="en-US" dirty="0" smtClean="0"/>
-              <a:t>Focus </a:t>
-            </a:r>
-            <a:r>
-              <a:rPr lang="en-US" dirty="0"/>
-              <a:t>(new or </a:t>
-            </a:r>
-            <a:r>
-              <a:rPr lang="en-US" dirty="0" smtClean="0"/>
-              <a:t>existing) courses on Statistical Practice</a:t>
-            </a:r>
           </a:p>
           <a:p>
             <a:endParaRPr lang="en-US" dirty="0" smtClean="0"/>
@@ -3841,6 +4160,88 @@
     <p:extLst>
       <p:ext uri="{BB962C8B-B14F-4D97-AF65-F5344CB8AC3E}">
         <p14:creationId xmlns:p14="http://schemas.microsoft.com/office/powerpoint/2010/main" val="1706665789"/>
+      </p:ext>
+    </p:extLst>
+  </p:cSld>
+  <p:clrMapOvr>
+    <a:masterClrMapping/>
+  </p:clrMapOvr>
+  <p:timing>
+    <p:tnLst>
+      <p:par>
+        <p:cTn id="1" dur="indefinite" restart="never" nodeType="tmRoot"/>
+      </p:par>
+    </p:tnLst>
+  </p:timing>
+</p:sld>
+</file>
+
+<file path=ppt/slides/slide12.xml><?xml version="1.0" encoding="utf-8"?>
+<p:sld xmlns:a="http://schemas.openxmlformats.org/drawingml/2006/main" xmlns:r="http://schemas.openxmlformats.org/officeDocument/2006/relationships" xmlns:p="http://schemas.openxmlformats.org/presentationml/2006/main">
+  <p:cSld>
+    <p:spTree>
+      <p:nvGrpSpPr>
+        <p:cNvPr id="1" name=""/>
+        <p:cNvGrpSpPr/>
+        <p:nvPr/>
+      </p:nvGrpSpPr>
+      <p:grpSpPr>
+        <a:xfrm>
+          <a:off x="0" y="0"/>
+          <a:ext cx="0" cy="0"/>
+          <a:chOff x="0" y="0"/>
+          <a:chExt cx="0" cy="0"/>
+        </a:xfrm>
+      </p:grpSpPr>
+      <p:sp>
+        <p:nvSpPr>
+          <p:cNvPr id="2" name="Title 1"/>
+          <p:cNvSpPr>
+            <a:spLocks noGrp="1"/>
+          </p:cNvSpPr>
+          <p:nvPr>
+            <p:ph type="title"/>
+          </p:nvPr>
+        </p:nvSpPr>
+        <p:spPr/>
+        <p:txBody>
+          <a:bodyPr/>
+          <a:lstStyle/>
+          <a:p>
+            <a:endParaRPr lang="en-US"/>
+          </a:p>
+        </p:txBody>
+      </p:sp>
+      <p:pic>
+        <p:nvPicPr>
+          <p:cNvPr id="6" name="Content Placeholder 5"/>
+          <p:cNvPicPr>
+            <a:picLocks noGrp="1" noChangeAspect="1"/>
+          </p:cNvPicPr>
+          <p:nvPr>
+            <p:ph idx="1"/>
+          </p:nvPr>
+        </p:nvPicPr>
+        <p:blipFill>
+          <a:blip r:embed="rId2"/>
+          <a:stretch>
+            <a:fillRect/>
+          </a:stretch>
+        </p:blipFill>
+        <p:spPr>
+          <a:xfrm>
+            <a:off x="3007743" y="1825625"/>
+            <a:ext cx="6176514" cy="4351338"/>
+          </a:xfrm>
+          <a:prstGeom prst="rect">
+            <a:avLst/>
+          </a:prstGeom>
+        </p:spPr>
+      </p:pic>
+    </p:spTree>
+    <p:extLst>
+      <p:ext uri="{BB962C8B-B14F-4D97-AF65-F5344CB8AC3E}">
+        <p14:creationId xmlns:p14="http://schemas.microsoft.com/office/powerpoint/2010/main" val="661270633"/>
       </p:ext>
     </p:extLst>
   </p:cSld>
@@ -3992,11 +4393,7 @@
           <a:p>
             <a:r>
               <a:rPr lang="en-US" dirty="0" smtClean="0"/>
-              <a:t>All data </a:t>
-            </a:r>
-            <a:r>
-              <a:rPr lang="en-US" dirty="0" smtClean="0"/>
-              <a:t>&amp; code available through GitHub</a:t>
+              <a:t>All data &amp; code available through GitHub</a:t>
             </a:r>
           </a:p>
           <a:p>
@@ -4517,15 +4914,7 @@
                   <a:srgbClr val="FF0000"/>
                 </a:solidFill>
               </a:rPr>
-              <a:t> </a:t>
-            </a:r>
-            <a:r>
-              <a:rPr lang="en-US" b="1" dirty="0" smtClean="0">
-                <a:solidFill>
-                  <a:srgbClr val="FF0000"/>
-                </a:solidFill>
-              </a:rPr>
-              <a:t>grads</a:t>
+              <a:t> grads</a:t>
             </a:r>
           </a:p>
         </p:txBody>
@@ -4570,37 +4959,8 @@
                   <a:srgbClr val="FF0000"/>
                 </a:solidFill>
               </a:rPr>
-              <a:t>(where </a:t>
-            </a:r>
-            <a:r>
-              <a:rPr lang="en-US" b="1" dirty="0" smtClean="0">
-                <a:solidFill>
-                  <a:srgbClr val="FF0000"/>
-                </a:solidFill>
-              </a:rPr>
-              <a:t>MSc </a:t>
-            </a:r>
-            <a:r>
-              <a:rPr lang="en-US" b="1" dirty="0" smtClean="0">
-                <a:solidFill>
-                  <a:srgbClr val="FF0000"/>
-                </a:solidFill>
-              </a:rPr>
-              <a:t>&gt;</a:t>
-            </a:r>
-            <a:r>
-              <a:rPr lang="en-US" b="1" dirty="0" smtClean="0">
-                <a:solidFill>
-                  <a:srgbClr val="FF0000"/>
-                </a:solidFill>
-              </a:rPr>
-              <a:t> BSc)</a:t>
-            </a:r>
-            <a:endParaRPr lang="en-US" b="1" dirty="0" smtClean="0">
-              <a:solidFill>
-                <a:srgbClr val="FF0000"/>
-              </a:solidFill>
-            </a:endParaRPr>
+              <a:t>(where MSc &gt; BSc)</a:t>
+            </a:r>
           </a:p>
         </p:txBody>
       </p:sp>
@@ -4917,15 +5277,7 @@
           <a:p>
             <a:r>
               <a:rPr lang="en-US" dirty="0" smtClean="0"/>
-              <a:t>Stats BSc </a:t>
-            </a:r>
-            <a:r>
-              <a:rPr lang="en-US" dirty="0" smtClean="0"/>
-              <a:t>Enrolment </a:t>
-            </a:r>
-            <a:r>
-              <a:rPr lang="en-US" dirty="0" smtClean="0"/>
-              <a:t>Breakdown</a:t>
+              <a:t>Stats BSc Enrolment Breakdown</a:t>
             </a:r>
             <a:endParaRPr lang="en-US" dirty="0"/>
           </a:p>
@@ -5011,15 +5363,7 @@
                   <a:srgbClr val="FF0000"/>
                 </a:solidFill>
               </a:rPr>
-              <a:t>ON has relatively more </a:t>
-            </a:r>
-            <a:r>
-              <a:rPr lang="en-US" b="1" dirty="0" smtClean="0">
-                <a:solidFill>
-                  <a:srgbClr val="FF0000"/>
-                </a:solidFill>
-              </a:rPr>
-              <a:t>Stats BSc’s;</a:t>
+              <a:t>ON has relatively more Stats BSc’s;</a:t>
             </a:r>
           </a:p>
           <a:p>
@@ -5031,11 +5375,6 @@
               </a:rPr>
               <a:t>Atlantic/QC/Prairies have less</a:t>
             </a:r>
-            <a:endParaRPr lang="en-US" b="1" dirty="0" smtClean="0">
-              <a:solidFill>
-                <a:srgbClr val="FF0000"/>
-              </a:solidFill>
-            </a:endParaRPr>
           </a:p>
         </p:txBody>
       </p:sp>
@@ -5338,15 +5677,7 @@
           <a:p>
             <a:r>
               <a:rPr lang="en-US" dirty="0" smtClean="0"/>
-              <a:t>Stats Curricula - </a:t>
-            </a:r>
-            <a:r>
-              <a:rPr lang="en-US" dirty="0" smtClean="0"/>
-              <a:t>Target </a:t>
-            </a:r>
-            <a:r>
-              <a:rPr lang="en-US" dirty="0" smtClean="0"/>
-              <a:t>Population</a:t>
+              <a:t>Stats Curricula - Target Population</a:t>
             </a:r>
             <a:endParaRPr lang="en-US" dirty="0"/>
           </a:p>
@@ -5428,7 +5759,7 @@
       </p:sp>
       <p:pic>
         <p:nvPicPr>
-          <p:cNvPr id="9" name="Content Placeholder 8"/>
+          <p:cNvPr id="5" name="Content Placeholder 4"/>
           <p:cNvPicPr>
             <a:picLocks noGrp="1" noChangeAspect="1"/>
           </p:cNvPicPr>
@@ -7729,7 +8060,7 @@
                     <a:p>
                       <a:pPr rtl="0" fontAlgn="b"/>
                       <a:r>
-                        <a:rPr lang="en-US" sz="1050">
+                        <a:rPr lang="en-US" sz="1050" dirty="0">
                           <a:solidFill>
                             <a:srgbClr val="000000"/>
                           </a:solidFill>
@@ -7850,7 +8181,7 @@
                     <a:p>
                       <a:pPr rtl="0" fontAlgn="b"/>
                       <a:r>
-                        <a:rPr lang="en-US" sz="1050">
+                        <a:rPr lang="en-US" sz="1050" dirty="0">
                           <a:solidFill>
                             <a:srgbClr val="000000"/>
                           </a:solidFill>
@@ -7907,14 +8238,34 @@
                     <a:p>
                       <a:pPr rtl="0" fontAlgn="b"/>
                       <a:r>
-                        <a:rPr lang="en-CA" sz="1050">
+                        <a:rPr lang="en-CA" sz="1050" dirty="0">
                           <a:solidFill>
                             <a:srgbClr val="000000"/>
                           </a:solidFill>
                           <a:effectLst/>
                           <a:latin typeface="Calibri" panose="020F0502020204030204" pitchFamily="34" charset="0"/>
                         </a:rPr>
-                        <a:t>Use this field for for anything out of the ordinary that you want to point out</a:t>
+                        <a:t>Use this field for </a:t>
+                      </a:r>
+                      <a:r>
+                        <a:rPr lang="en-CA" sz="1050" dirty="0" err="1">
+                          <a:solidFill>
+                            <a:srgbClr val="000000"/>
+                          </a:solidFill>
+                          <a:effectLst/>
+                          <a:latin typeface="Calibri" panose="020F0502020204030204" pitchFamily="34" charset="0"/>
+                        </a:rPr>
+                        <a:t>for</a:t>
+                      </a:r>
+                      <a:r>
+                        <a:rPr lang="en-CA" sz="1050" dirty="0">
+                          <a:solidFill>
+                            <a:srgbClr val="000000"/>
+                          </a:solidFill>
+                          <a:effectLst/>
+                          <a:latin typeface="Calibri" panose="020F0502020204030204" pitchFamily="34" charset="0"/>
+                        </a:rPr>
+                        <a:t> anything out of the ordinary that you want to point out</a:t>
                       </a:r>
                     </a:p>
                   </a:txBody>
@@ -7964,7 +8315,7 @@
                     <a:p>
                       <a:pPr rtl="0" fontAlgn="b"/>
                       <a:r>
-                        <a:rPr lang="en-US" sz="1050">
+                        <a:rPr lang="en-US" sz="1050" dirty="0">
                           <a:solidFill>
                             <a:srgbClr val="000000"/>
                           </a:solidFill>
@@ -8158,23 +8509,7 @@
             </a:r>
             <a:r>
               <a:rPr lang="en-US" dirty="0" smtClean="0"/>
-              <a:t>required </a:t>
-            </a:r>
-            <a:r>
-              <a:rPr lang="en-US" dirty="0" smtClean="0"/>
-              <a:t>on </a:t>
-            </a:r>
-            <a:r>
-              <a:rPr lang="en-US" dirty="0" smtClean="0"/>
-              <a:t>average; with most </a:t>
-            </a:r>
-            <a:r>
-              <a:rPr lang="en-US" dirty="0" smtClean="0"/>
-              <a:t>programs between 24-26 </a:t>
-            </a:r>
-            <a:r>
-              <a:rPr lang="en-US" dirty="0" smtClean="0"/>
-              <a:t>(i.e.                     12 </a:t>
+              <a:t>required on average; with most programs between 24-26 (i.e.                     12 </a:t>
             </a:r>
             <a:r>
               <a:rPr lang="en-US" dirty="0"/>
@@ -8182,15 +8517,7 @@
             </a:r>
             <a:r>
               <a:rPr lang="en-US" dirty="0" smtClean="0"/>
-              <a:t> 13 </a:t>
-            </a:r>
-            <a:r>
-              <a:rPr lang="en-US" dirty="0" smtClean="0"/>
-              <a:t>full-year equivalents, or 72 </a:t>
-            </a:r>
-            <a:r>
-              <a:rPr lang="en-US" dirty="0" smtClean="0"/>
-              <a:t>- 78 </a:t>
+              <a:t> 13 full-year equivalents, or 72 - 78 </a:t>
             </a:r>
             <a:r>
               <a:rPr lang="en-US" dirty="0"/>
@@ -8200,7 +8527,6 @@
               <a:rPr lang="en-US" dirty="0" smtClean="0"/>
               <a:t>redit hours)</a:t>
             </a:r>
-            <a:endParaRPr lang="en-US" dirty="0" smtClean="0"/>
           </a:p>
           <a:p>
             <a:pPr lvl="1"/>
@@ -8209,19 +8535,11 @@
           <a:p>
             <a:r>
               <a:rPr lang="en-US" b="1" dirty="0" smtClean="0"/>
-              <a:t>70% of </a:t>
-            </a:r>
-            <a:r>
-              <a:rPr lang="en-US" b="1" dirty="0" smtClean="0"/>
-              <a:t>courses specified</a:t>
+              <a:t>70% of courses specified</a:t>
             </a:r>
             <a:r>
               <a:rPr lang="en-US" dirty="0" smtClean="0"/>
-              <a:t> </a:t>
-            </a:r>
-            <a:r>
-              <a:rPr lang="en-US" dirty="0" smtClean="0"/>
-              <a:t>(</a:t>
+              <a:t> (</a:t>
             </a:r>
             <a:r>
               <a:rPr lang="en-US" dirty="0"/>
@@ -8307,7 +8625,7 @@
       </p:grpSpPr>
       <p:pic>
         <p:nvPicPr>
-          <p:cNvPr id="24" name="Content Placeholder 23"/>
+          <p:cNvPr id="13" name="Content Placeholder 12"/>
           <p:cNvPicPr>
             <a:picLocks noGrp="1" noChangeAspect="1"/>
           </p:cNvPicPr>
@@ -8356,14 +8674,14 @@
       </p:sp>
       <p:sp>
         <p:nvSpPr>
-          <p:cNvPr id="6" name="TextBox 5"/>
+          <p:cNvPr id="14" name="TextBox 13"/>
           <p:cNvSpPr txBox="1"/>
           <p:nvPr/>
         </p:nvSpPr>
         <p:spPr>
           <a:xfrm>
-            <a:off x="1895106" y="1533090"/>
-            <a:ext cx="2515817" cy="646331"/>
+            <a:off x="7136780" y="1434990"/>
+            <a:ext cx="2317814" cy="646331"/>
           </a:xfrm>
           <a:prstGeom prst="rect">
             <a:avLst/>
@@ -8378,76 +8696,40 @@
           </a:bodyPr>
           <a:lstStyle/>
           <a:p>
+            <a:pPr algn="ctr"/>
             <a:r>
               <a:rPr lang="en-US" b="1" dirty="0" smtClean="0">
                 <a:solidFill>
                   <a:srgbClr val="FF0000"/>
                 </a:solidFill>
               </a:rPr>
-              <a:t>Too many MATH courses</a:t>
-            </a:r>
-          </a:p>
-          <a:p>
+              <a:t>few STAT </a:t>
+            </a:r>
             <a:r>
               <a:rPr lang="en-US" b="1" dirty="0" smtClean="0">
                 <a:solidFill>
                   <a:srgbClr val="FF0000"/>
                 </a:solidFill>
               </a:rPr>
-              <a:t>(exclude PT from STAT)</a:t>
-            </a:r>
-          </a:p>
-        </p:txBody>
-      </p:sp>
-      <p:sp>
-        <p:nvSpPr>
-          <p:cNvPr id="14" name="TextBox 13"/>
-          <p:cNvSpPr txBox="1"/>
-          <p:nvPr/>
-        </p:nvSpPr>
-        <p:spPr>
-          <a:xfrm>
-            <a:off x="7219274" y="1533089"/>
-            <a:ext cx="2545569" cy="646331"/>
-          </a:xfrm>
-          <a:prstGeom prst="rect">
-            <a:avLst/>
-          </a:prstGeom>
-          <a:solidFill>
-            <a:srgbClr val="FFFF00"/>
-          </a:solidFill>
-        </p:spPr>
-        <p:txBody>
-          <a:bodyPr wrap="none" rtlCol="0">
-            <a:spAutoFit/>
-          </a:bodyPr>
-          <a:lstStyle/>
-          <a:p>
+              <a:t>courses </a:t>
+            </a:r>
             <a:r>
               <a:rPr lang="en-US" b="1" dirty="0" smtClean="0">
                 <a:solidFill>
                   <a:srgbClr val="FF0000"/>
                 </a:solidFill>
               </a:rPr>
-              <a:t>Too </a:t>
-            </a:r>
+              <a:t>in </a:t>
+            </a:r>
+          </a:p>
+          <a:p>
             <a:r>
               <a:rPr lang="en-US" b="1" dirty="0" smtClean="0">
                 <a:solidFill>
                   <a:srgbClr val="FF0000"/>
                 </a:solidFill>
               </a:rPr>
-              <a:t>little STATS courses </a:t>
-            </a:r>
-          </a:p>
-          <a:p>
-            <a:r>
-              <a:rPr lang="en-US" b="1" dirty="0" smtClean="0">
-                <a:solidFill>
-                  <a:srgbClr val="FF0000"/>
-                </a:solidFill>
-              </a:rPr>
-              <a:t>in 1</a:t>
+              <a:t>1</a:t>
             </a:r>
             <a:r>
               <a:rPr lang="en-US" b="1" baseline="30000" dirty="0" smtClean="0">
@@ -8458,12 +8740,36 @@
               <a:t>st</a:t>
             </a:r>
             <a:r>
+              <a:rPr lang="en-US" b="1" dirty="0" smtClean="0">
+                <a:solidFill>
+                  <a:srgbClr val="FF0000"/>
+                </a:solidFill>
+              </a:rPr>
+              <a:t> </a:t>
+            </a:r>
+            <a:r>
+              <a:rPr lang="en-US" b="1" dirty="0" smtClean="0">
+                <a:solidFill>
+                  <a:srgbClr val="FF0000"/>
+                </a:solidFill>
+              </a:rPr>
+              <a:t>y</a:t>
+            </a:r>
+            <a:r>
+              <a:rPr lang="en-US" b="1" dirty="0" smtClean="0">
+                <a:solidFill>
+                  <a:srgbClr val="FF0000"/>
+                </a:solidFill>
+              </a:rPr>
+              <a:t>ear </a:t>
+            </a:r>
+            <a:r>
               <a:rPr lang="en-US" b="1" dirty="0">
                 <a:solidFill>
                   <a:srgbClr val="FF0000"/>
                 </a:solidFill>
               </a:rPr>
-              <a:t> Year (mostly none) </a:t>
+              <a:t>(mostly none) </a:t>
             </a:r>
             <a:endParaRPr lang="en-US" b="1" dirty="0" smtClean="0">
               <a:solidFill>
@@ -8473,55 +8779,9 @@
           </a:p>
         </p:txBody>
       </p:sp>
-      <p:sp>
-        <p:nvSpPr>
-          <p:cNvPr id="16" name="Oval 15"/>
-          <p:cNvSpPr/>
-          <p:nvPr/>
-        </p:nvSpPr>
-        <p:spPr>
-          <a:xfrm>
-            <a:off x="6289288" y="4583151"/>
-            <a:ext cx="847492" cy="742260"/>
-          </a:xfrm>
-          <a:prstGeom prst="ellipse">
-            <a:avLst/>
-          </a:prstGeom>
-          <a:noFill/>
-          <a:ln w="38100">
-            <a:solidFill>
-              <a:srgbClr val="FF0000"/>
-            </a:solidFill>
-          </a:ln>
-        </p:spPr>
-        <p:style>
-          <a:lnRef idx="2">
-            <a:schemeClr val="accent1">
-              <a:shade val="50000"/>
-            </a:schemeClr>
-          </a:lnRef>
-          <a:fillRef idx="1">
-            <a:schemeClr val="accent1"/>
-          </a:fillRef>
-          <a:effectRef idx="0">
-            <a:schemeClr val="accent1"/>
-          </a:effectRef>
-          <a:fontRef idx="minor">
-            <a:schemeClr val="lt1"/>
-          </a:fontRef>
-        </p:style>
-        <p:txBody>
-          <a:bodyPr rtlCol="0" anchor="ctr"/>
-          <a:lstStyle/>
-          <a:p>
-            <a:pPr algn="ctr"/>
-            <a:endParaRPr lang="en-US"/>
-          </a:p>
-        </p:txBody>
-      </p:sp>
       <p:pic>
         <p:nvPicPr>
-          <p:cNvPr id="20" name="Content Placeholder 19"/>
+          <p:cNvPr id="9" name="Content Placeholder 8"/>
           <p:cNvPicPr>
             <a:picLocks noGrp="1" noChangeAspect="1"/>
           </p:cNvPicPr>
@@ -8545,6 +8805,74 @@
           </a:prstGeom>
         </p:spPr>
       </p:pic>
+      <p:sp>
+        <p:nvSpPr>
+          <p:cNvPr id="19" name="TextBox 18"/>
+          <p:cNvSpPr txBox="1"/>
+          <p:nvPr/>
+        </p:nvSpPr>
+        <p:spPr>
+          <a:xfrm>
+            <a:off x="1556813" y="1434990"/>
+            <a:ext cx="2947410" cy="646331"/>
+          </a:xfrm>
+          <a:prstGeom prst="rect">
+            <a:avLst/>
+          </a:prstGeom>
+          <a:solidFill>
+            <a:srgbClr val="FFFF00"/>
+          </a:solidFill>
+        </p:spPr>
+        <p:txBody>
+          <a:bodyPr wrap="none" rtlCol="0">
+            <a:spAutoFit/>
+          </a:bodyPr>
+          <a:lstStyle/>
+          <a:p>
+            <a:pPr algn="ctr"/>
+            <a:r>
+              <a:rPr lang="en-US" b="1" dirty="0" smtClean="0">
+                <a:solidFill>
+                  <a:srgbClr val="FF0000"/>
+                </a:solidFill>
+              </a:rPr>
+              <a:t>52% STAT </a:t>
+            </a:r>
+            <a:r>
+              <a:rPr lang="en-US" b="1" dirty="0">
+                <a:solidFill>
+                  <a:srgbClr val="FF0000"/>
+                </a:solidFill>
+              </a:rPr>
+              <a:t>courses on </a:t>
+            </a:r>
+            <a:r>
+              <a:rPr lang="en-US" b="1" dirty="0" smtClean="0">
+                <a:solidFill>
+                  <a:srgbClr val="FF0000"/>
+                </a:solidFill>
+              </a:rPr>
+              <a:t>average</a:t>
+            </a:r>
+          </a:p>
+          <a:p>
+            <a:pPr algn="ctr"/>
+            <a:r>
+              <a:rPr lang="en-US" b="1" dirty="0" smtClean="0">
+                <a:solidFill>
+                  <a:srgbClr val="FF0000"/>
+                </a:solidFill>
+              </a:rPr>
+              <a:t>(and 38% MATH courses)</a:t>
+            </a:r>
+            <a:endParaRPr lang="en-US" b="1" dirty="0" smtClean="0">
+              <a:solidFill>
+                <a:srgbClr val="FF0000"/>
+              </a:solidFill>
+            </a:endParaRPr>
+          </a:p>
+        </p:txBody>
+      </p:sp>
     </p:spTree>
     <p:extLst>
       <p:ext uri="{BB962C8B-B14F-4D97-AF65-F5344CB8AC3E}">
@@ -8589,7 +8917,7 @@
                                           </p:stCondLst>
                                         </p:cTn>
                                         <p:tgtEl>
-                                          <p:spTgt spid="6"/>
+                                          <p:spTgt spid="14"/>
                                         </p:tgtEl>
                                         <p:attrNameLst>
                                           <p:attrName>style.visibility</p:attrName>
@@ -8634,34 +8962,7 @@
                                           </p:stCondLst>
                                         </p:cTn>
                                         <p:tgtEl>
-                                          <p:spTgt spid="14"/>
-                                        </p:tgtEl>
-                                        <p:attrNameLst>
-                                          <p:attrName>style.visibility</p:attrName>
-                                        </p:attrNameLst>
-                                      </p:cBhvr>
-                                      <p:to>
-                                        <p:strVal val="visible"/>
-                                      </p:to>
-                                    </p:set>
-                                  </p:childTnLst>
-                                </p:cTn>
-                              </p:par>
-                              <p:par>
-                                <p:cTn id="11" presetID="1" presetClass="entr" presetSubtype="0" fill="hold" grpId="0" nodeType="withEffect">
-                                  <p:stCondLst>
-                                    <p:cond delay="0"/>
-                                  </p:stCondLst>
-                                  <p:childTnLst>
-                                    <p:set>
-                                      <p:cBhvr>
-                                        <p:cTn id="12" dur="1" fill="hold">
-                                          <p:stCondLst>
-                                            <p:cond delay="0"/>
-                                          </p:stCondLst>
-                                        </p:cTn>
-                                        <p:tgtEl>
-                                          <p:spTgt spid="16"/>
+                                          <p:spTgt spid="19"/>
                                         </p:tgtEl>
                                         <p:attrNameLst>
                                           <p:attrName>style.visibility</p:attrName>
@@ -8702,9 +9003,8 @@
       </p:par>
     </p:tnLst>
     <p:bldLst>
-      <p:bldP spid="6" grpId="0" animBg="1"/>
       <p:bldP spid="14" grpId="0" animBg="1"/>
-      <p:bldP spid="16" grpId="0" animBg="1"/>
+      <p:bldP spid="19" grpId="0" animBg="1"/>
     </p:bldLst>
   </p:timing>
 </p:sld>

--- a/Status fo Statistics Curricula.pptx
+++ b/Status fo Statistics Curricula.pptx
@@ -15,11 +15,11 @@
     <p:sldId id="259" r:id="rId6"/>
     <p:sldId id="266" r:id="rId7"/>
     <p:sldId id="267" r:id="rId8"/>
-    <p:sldId id="262" r:id="rId9"/>
-    <p:sldId id="263" r:id="rId10"/>
-    <p:sldId id="264" r:id="rId11"/>
-    <p:sldId id="269" r:id="rId12"/>
-    <p:sldId id="270" r:id="rId13"/>
+    <p:sldId id="271" r:id="rId9"/>
+    <p:sldId id="262" r:id="rId10"/>
+    <p:sldId id="263" r:id="rId11"/>
+    <p:sldId id="264" r:id="rId12"/>
+    <p:sldId id="269" r:id="rId13"/>
   </p:sldIdLst>
   <p:sldSz cx="12192000" cy="6858000"/>
   <p:notesSz cx="7023100" cy="9309100"/>
@@ -220,7 +220,7 @@
             <a:fld id="{88759146-D9B4-4E36-9A74-666275327657}" type="datetimeFigureOut">
               <a:rPr lang="en-US" smtClean="0"/>
               <a:pPr/>
-              <a:t>6/7/2017</a:t>
+              <a:t>6/8/2017</a:t>
             </a:fld>
             <a:endParaRPr lang="en-US"/>
           </a:p>
@@ -758,7 +758,7 @@
             <a:fld id="{6F49C482-87CA-4B33-8605-43E5589E6771}" type="datetimeFigureOut">
               <a:rPr lang="en-US" smtClean="0"/>
               <a:pPr/>
-              <a:t>6/7/2017</a:t>
+              <a:t>6/8/2017</a:t>
             </a:fld>
             <a:endParaRPr lang="en-US"/>
           </a:p>
@@ -930,7 +930,7 @@
             <a:fld id="{6F49C482-87CA-4B33-8605-43E5589E6771}" type="datetimeFigureOut">
               <a:rPr lang="en-US" smtClean="0"/>
               <a:pPr/>
-              <a:t>6/7/2017</a:t>
+              <a:t>6/8/2017</a:t>
             </a:fld>
             <a:endParaRPr lang="en-US"/>
           </a:p>
@@ -1112,7 +1112,7 @@
             <a:fld id="{6F49C482-87CA-4B33-8605-43E5589E6771}" type="datetimeFigureOut">
               <a:rPr lang="en-US" smtClean="0"/>
               <a:pPr/>
-              <a:t>6/7/2017</a:t>
+              <a:t>6/8/2017</a:t>
             </a:fld>
             <a:endParaRPr lang="en-US"/>
           </a:p>
@@ -1284,7 +1284,7 @@
             <a:fld id="{6F49C482-87CA-4B33-8605-43E5589E6771}" type="datetimeFigureOut">
               <a:rPr lang="en-US" smtClean="0"/>
               <a:pPr/>
-              <a:t>6/7/2017</a:t>
+              <a:t>6/8/2017</a:t>
             </a:fld>
             <a:endParaRPr lang="en-US"/>
           </a:p>
@@ -1532,7 +1532,7 @@
             <a:fld id="{6F49C482-87CA-4B33-8605-43E5589E6771}" type="datetimeFigureOut">
               <a:rPr lang="en-US" smtClean="0"/>
               <a:pPr/>
-              <a:t>6/7/2017</a:t>
+              <a:t>6/8/2017</a:t>
             </a:fld>
             <a:endParaRPr lang="en-US"/>
           </a:p>
@@ -1766,7 +1766,7 @@
             <a:fld id="{6F49C482-87CA-4B33-8605-43E5589E6771}" type="datetimeFigureOut">
               <a:rPr lang="en-US" smtClean="0"/>
               <a:pPr/>
-              <a:t>6/7/2017</a:t>
+              <a:t>6/8/2017</a:t>
             </a:fld>
             <a:endParaRPr lang="en-US"/>
           </a:p>
@@ -2135,7 +2135,7 @@
             <a:fld id="{6F49C482-87CA-4B33-8605-43E5589E6771}" type="datetimeFigureOut">
               <a:rPr lang="en-US" smtClean="0"/>
               <a:pPr/>
-              <a:t>6/7/2017</a:t>
+              <a:t>6/8/2017</a:t>
             </a:fld>
             <a:endParaRPr lang="en-US"/>
           </a:p>
@@ -2255,7 +2255,7 @@
             <a:fld id="{6F49C482-87CA-4B33-8605-43E5589E6771}" type="datetimeFigureOut">
               <a:rPr lang="en-US" smtClean="0"/>
               <a:pPr/>
-              <a:t>6/7/2017</a:t>
+              <a:t>6/8/2017</a:t>
             </a:fld>
             <a:endParaRPr lang="en-US"/>
           </a:p>
@@ -2352,7 +2352,7 @@
             <a:fld id="{6F49C482-87CA-4B33-8605-43E5589E6771}" type="datetimeFigureOut">
               <a:rPr lang="en-US" smtClean="0"/>
               <a:pPr/>
-              <a:t>6/7/2017</a:t>
+              <a:t>6/8/2017</a:t>
             </a:fld>
             <a:endParaRPr lang="en-US"/>
           </a:p>
@@ -2631,7 +2631,7 @@
             <a:fld id="{6F49C482-87CA-4B33-8605-43E5589E6771}" type="datetimeFigureOut">
               <a:rPr lang="en-US" smtClean="0"/>
               <a:pPr/>
-              <a:t>6/7/2017</a:t>
+              <a:t>6/8/2017</a:t>
             </a:fld>
             <a:endParaRPr lang="en-US"/>
           </a:p>
@@ -2886,7 +2886,7 @@
             <a:fld id="{6F49C482-87CA-4B33-8605-43E5589E6771}" type="datetimeFigureOut">
               <a:rPr lang="en-US" smtClean="0"/>
               <a:pPr/>
-              <a:t>6/7/2017</a:t>
+              <a:t>6/8/2017</a:t>
             </a:fld>
             <a:endParaRPr lang="en-US"/>
           </a:p>
@@ -3101,7 +3101,7 @@
             <a:fld id="{6F49C482-87CA-4B33-8605-43E5589E6771}" type="datetimeFigureOut">
               <a:rPr lang="en-US" smtClean="0"/>
               <a:pPr/>
-              <a:t>6/7/2017</a:t>
+              <a:t>6/8/2017</a:t>
             </a:fld>
             <a:endParaRPr lang="en-US"/>
           </a:p>
@@ -3549,13 +3549,8 @@
           <a:p>
             <a:r>
               <a:rPr lang="en-US" dirty="0" smtClean="0"/>
-              <a:t>(a </a:t>
-            </a:r>
-            <a:r>
-              <a:rPr lang="en-US" dirty="0" smtClean="0"/>
-              <a:t>graphical study)</a:t>
-            </a:r>
-            <a:endParaRPr lang="en-US" dirty="0" smtClean="0"/>
+              <a:t>(a graphical study)</a:t>
+            </a:r>
           </a:p>
           <a:p>
             <a:pPr algn="l"/>
@@ -3619,6 +3614,373 @@
 </file>
 
 <file path=ppt/slides/slide10.xml><?xml version="1.0" encoding="utf-8"?>
+<p:sld xmlns:a="http://schemas.openxmlformats.org/drawingml/2006/main" xmlns:r="http://schemas.openxmlformats.org/officeDocument/2006/relationships" xmlns:p="http://schemas.openxmlformats.org/presentationml/2006/main">
+  <p:cSld>
+    <p:spTree>
+      <p:nvGrpSpPr>
+        <p:cNvPr id="1" name=""/>
+        <p:cNvGrpSpPr/>
+        <p:nvPr/>
+      </p:nvGrpSpPr>
+      <p:grpSpPr>
+        <a:xfrm>
+          <a:off x="0" y="0"/>
+          <a:ext cx="0" cy="0"/>
+          <a:chOff x="0" y="0"/>
+          <a:chExt cx="0" cy="0"/>
+        </a:xfrm>
+      </p:grpSpPr>
+      <p:pic>
+        <p:nvPicPr>
+          <p:cNvPr id="13" name="Content Placeholder 12"/>
+          <p:cNvPicPr>
+            <a:picLocks noGrp="1" noChangeAspect="1"/>
+          </p:cNvPicPr>
+          <p:nvPr>
+            <p:ph sz="half" idx="2"/>
+          </p:nvPr>
+        </p:nvPicPr>
+        <p:blipFill>
+          <a:blip r:embed="rId2"/>
+          <a:stretch>
+            <a:fillRect/>
+          </a:stretch>
+        </p:blipFill>
+        <p:spPr>
+          <a:xfrm>
+            <a:off x="6172200" y="2179421"/>
+            <a:ext cx="5181600" cy="3643745"/>
+          </a:xfrm>
+          <a:prstGeom prst="rect">
+            <a:avLst/>
+          </a:prstGeom>
+        </p:spPr>
+      </p:pic>
+      <p:sp>
+        <p:nvSpPr>
+          <p:cNvPr id="2" name="Title 1"/>
+          <p:cNvSpPr>
+            <a:spLocks noGrp="1"/>
+          </p:cNvSpPr>
+          <p:nvPr>
+            <p:ph type="title"/>
+          </p:nvPr>
+        </p:nvSpPr>
+        <p:spPr/>
+        <p:txBody>
+          <a:bodyPr/>
+          <a:lstStyle/>
+          <a:p>
+            <a:r>
+              <a:rPr lang="en-US" dirty="0" smtClean="0"/>
+              <a:t>Breakdown of Courses per Discipline</a:t>
+            </a:r>
+            <a:endParaRPr lang="en-US" dirty="0"/>
+          </a:p>
+        </p:txBody>
+      </p:sp>
+      <p:sp>
+        <p:nvSpPr>
+          <p:cNvPr id="14" name="TextBox 13"/>
+          <p:cNvSpPr txBox="1"/>
+          <p:nvPr/>
+        </p:nvSpPr>
+        <p:spPr>
+          <a:xfrm>
+            <a:off x="7136780" y="1434990"/>
+            <a:ext cx="2317814" cy="646331"/>
+          </a:xfrm>
+          <a:prstGeom prst="rect">
+            <a:avLst/>
+          </a:prstGeom>
+          <a:solidFill>
+            <a:srgbClr val="FFFF00"/>
+          </a:solidFill>
+        </p:spPr>
+        <p:txBody>
+          <a:bodyPr wrap="none" rtlCol="0">
+            <a:spAutoFit/>
+          </a:bodyPr>
+          <a:lstStyle/>
+          <a:p>
+            <a:pPr algn="ctr"/>
+            <a:r>
+              <a:rPr lang="en-US" b="1" dirty="0" smtClean="0">
+                <a:solidFill>
+                  <a:srgbClr val="FF0000"/>
+                </a:solidFill>
+              </a:rPr>
+              <a:t>few STAT courses in </a:t>
+            </a:r>
+          </a:p>
+          <a:p>
+            <a:r>
+              <a:rPr lang="en-US" b="1" dirty="0" smtClean="0">
+                <a:solidFill>
+                  <a:srgbClr val="FF0000"/>
+                </a:solidFill>
+              </a:rPr>
+              <a:t>1</a:t>
+            </a:r>
+            <a:r>
+              <a:rPr lang="en-US" b="1" baseline="30000" dirty="0" smtClean="0">
+                <a:solidFill>
+                  <a:srgbClr val="FF0000"/>
+                </a:solidFill>
+              </a:rPr>
+              <a:t>st</a:t>
+            </a:r>
+            <a:r>
+              <a:rPr lang="en-US" b="1" dirty="0" smtClean="0">
+                <a:solidFill>
+                  <a:srgbClr val="FF0000"/>
+                </a:solidFill>
+              </a:rPr>
+              <a:t> year </a:t>
+            </a:r>
+            <a:r>
+              <a:rPr lang="en-US" b="1" dirty="0">
+                <a:solidFill>
+                  <a:srgbClr val="FF0000"/>
+                </a:solidFill>
+              </a:rPr>
+              <a:t>(mostly none) </a:t>
+            </a:r>
+            <a:endParaRPr lang="en-US" b="1" dirty="0" smtClean="0">
+              <a:solidFill>
+                <a:srgbClr val="FF0000"/>
+              </a:solidFill>
+            </a:endParaRPr>
+          </a:p>
+        </p:txBody>
+      </p:sp>
+      <p:pic>
+        <p:nvPicPr>
+          <p:cNvPr id="9" name="Content Placeholder 8"/>
+          <p:cNvPicPr>
+            <a:picLocks noGrp="1" noChangeAspect="1"/>
+          </p:cNvPicPr>
+          <p:nvPr>
+            <p:ph sz="half" idx="1"/>
+          </p:nvPr>
+        </p:nvPicPr>
+        <p:blipFill>
+          <a:blip r:embed="rId3"/>
+          <a:stretch>
+            <a:fillRect/>
+          </a:stretch>
+        </p:blipFill>
+        <p:spPr>
+          <a:xfrm>
+            <a:off x="838200" y="2179421"/>
+            <a:ext cx="5181600" cy="3643745"/>
+          </a:xfrm>
+          <a:prstGeom prst="rect">
+            <a:avLst/>
+          </a:prstGeom>
+        </p:spPr>
+      </p:pic>
+      <p:sp>
+        <p:nvSpPr>
+          <p:cNvPr id="19" name="TextBox 18"/>
+          <p:cNvSpPr txBox="1"/>
+          <p:nvPr/>
+        </p:nvSpPr>
+        <p:spPr>
+          <a:xfrm>
+            <a:off x="1556813" y="1434990"/>
+            <a:ext cx="2947410" cy="646331"/>
+          </a:xfrm>
+          <a:prstGeom prst="rect">
+            <a:avLst/>
+          </a:prstGeom>
+          <a:solidFill>
+            <a:srgbClr val="FFFF00"/>
+          </a:solidFill>
+        </p:spPr>
+        <p:txBody>
+          <a:bodyPr wrap="none" rtlCol="0">
+            <a:spAutoFit/>
+          </a:bodyPr>
+          <a:lstStyle/>
+          <a:p>
+            <a:pPr algn="ctr"/>
+            <a:r>
+              <a:rPr lang="en-US" b="1" dirty="0" smtClean="0">
+                <a:solidFill>
+                  <a:srgbClr val="FF0000"/>
+                </a:solidFill>
+              </a:rPr>
+              <a:t>52% STAT </a:t>
+            </a:r>
+            <a:r>
+              <a:rPr lang="en-US" b="1" dirty="0">
+                <a:solidFill>
+                  <a:srgbClr val="FF0000"/>
+                </a:solidFill>
+              </a:rPr>
+              <a:t>courses on </a:t>
+            </a:r>
+            <a:r>
+              <a:rPr lang="en-US" b="1" dirty="0" smtClean="0">
+                <a:solidFill>
+                  <a:srgbClr val="FF0000"/>
+                </a:solidFill>
+              </a:rPr>
+              <a:t>average</a:t>
+            </a:r>
+          </a:p>
+          <a:p>
+            <a:pPr algn="ctr"/>
+            <a:r>
+              <a:rPr lang="en-US" b="1" dirty="0" smtClean="0">
+                <a:solidFill>
+                  <a:srgbClr val="FF0000"/>
+                </a:solidFill>
+              </a:rPr>
+              <a:t>(and 38% MATH courses)</a:t>
+            </a:r>
+          </a:p>
+        </p:txBody>
+      </p:sp>
+    </p:spTree>
+    <p:extLst>
+      <p:ext uri="{BB962C8B-B14F-4D97-AF65-F5344CB8AC3E}">
+        <p14:creationId xmlns:p14="http://schemas.microsoft.com/office/powerpoint/2010/main" val="2040311413"/>
+      </p:ext>
+    </p:extLst>
+  </p:cSld>
+  <p:clrMapOvr>
+    <a:masterClrMapping/>
+  </p:clrMapOvr>
+  <p:timing>
+    <p:tnLst>
+      <p:par>
+        <p:cTn id="1" dur="indefinite" restart="never" nodeType="tmRoot">
+          <p:childTnLst>
+            <p:seq concurrent="1" nextAc="seek">
+              <p:cTn id="2" dur="indefinite" nodeType="mainSeq">
+                <p:childTnLst>
+                  <p:par>
+                    <p:cTn id="3" fill="hold">
+                      <p:stCondLst>
+                        <p:cond delay="indefinite"/>
+                      </p:stCondLst>
+                      <p:childTnLst>
+                        <p:par>
+                          <p:cTn id="4" fill="hold">
+                            <p:stCondLst>
+                              <p:cond delay="0"/>
+                            </p:stCondLst>
+                            <p:childTnLst>
+                              <p:par>
+                                <p:cTn id="5" presetID="1" presetClass="entr" presetSubtype="0" fill="hold" grpId="0" nodeType="clickEffect">
+                                  <p:stCondLst>
+                                    <p:cond delay="0"/>
+                                  </p:stCondLst>
+                                  <p:childTnLst>
+                                    <p:set>
+                                      <p:cBhvr>
+                                        <p:cTn id="6" dur="1" fill="hold">
+                                          <p:stCondLst>
+                                            <p:cond delay="0"/>
+                                          </p:stCondLst>
+                                        </p:cTn>
+                                        <p:tgtEl>
+                                          <p:spTgt spid="14"/>
+                                        </p:tgtEl>
+                                        <p:attrNameLst>
+                                          <p:attrName>style.visibility</p:attrName>
+                                        </p:attrNameLst>
+                                      </p:cBhvr>
+                                      <p:to>
+                                        <p:strVal val="visible"/>
+                                      </p:to>
+                                    </p:set>
+                                  </p:childTnLst>
+                                </p:cTn>
+                              </p:par>
+                            </p:childTnLst>
+                          </p:cTn>
+                        </p:par>
+                      </p:childTnLst>
+                    </p:cTn>
+                  </p:par>
+                  <p:par>
+                    <p:cTn id="7" fill="hold">
+                      <p:stCondLst>
+                        <p:cond delay="indefinite"/>
+                      </p:stCondLst>
+                      <p:childTnLst>
+                        <p:par>
+                          <p:cTn id="8" fill="hold">
+                            <p:stCondLst>
+                              <p:cond delay="0"/>
+                            </p:stCondLst>
+                            <p:childTnLst>
+                              <p:par>
+                                <p:cTn id="9" presetID="1" presetClass="entr" presetSubtype="0" fill="hold" grpId="0" nodeType="clickEffect">
+                                  <p:stCondLst>
+                                    <p:cond delay="0"/>
+                                  </p:stCondLst>
+                                  <p:childTnLst>
+                                    <p:set>
+                                      <p:cBhvr>
+                                        <p:cTn id="10" dur="1" fill="hold">
+                                          <p:stCondLst>
+                                            <p:cond delay="0"/>
+                                          </p:stCondLst>
+                                        </p:cTn>
+                                        <p:tgtEl>
+                                          <p:spTgt spid="19"/>
+                                        </p:tgtEl>
+                                        <p:attrNameLst>
+                                          <p:attrName>style.visibility</p:attrName>
+                                        </p:attrNameLst>
+                                      </p:cBhvr>
+                                      <p:to>
+                                        <p:strVal val="visible"/>
+                                      </p:to>
+                                    </p:set>
+                                  </p:childTnLst>
+                                </p:cTn>
+                              </p:par>
+                            </p:childTnLst>
+                          </p:cTn>
+                        </p:par>
+                      </p:childTnLst>
+                    </p:cTn>
+                  </p:par>
+                </p:childTnLst>
+              </p:cTn>
+              <p:prevCondLst>
+                <p:cond evt="onPrev" delay="0">
+                  <p:tgtEl>
+                    <p:sldTgt/>
+                  </p:tgtEl>
+                </p:cond>
+              </p:prevCondLst>
+              <p:nextCondLst>
+                <p:cond evt="onNext" delay="0">
+                  <p:tgtEl>
+                    <p:sldTgt/>
+                  </p:tgtEl>
+                </p:cond>
+              </p:nextCondLst>
+            </p:seq>
+          </p:childTnLst>
+        </p:cTn>
+      </p:par>
+    </p:tnLst>
+    <p:bldLst>
+      <p:bldP spid="14" grpId="0" animBg="1"/>
+      <p:bldP spid="19" grpId="0" animBg="1"/>
+    </p:bldLst>
+  </p:timing>
+</p:sld>
+</file>
+
+<file path=ppt/slides/slide11.xml><?xml version="1.0" encoding="utf-8"?>
 <p:sld xmlns:a="http://schemas.openxmlformats.org/drawingml/2006/main" xmlns:r="http://schemas.openxmlformats.org/officeDocument/2006/relationships" xmlns:p="http://schemas.openxmlformats.org/presentationml/2006/main">
   <p:cSld>
     <p:spTree>
@@ -3971,211 +4333,6 @@
 </p:sld>
 </file>
 
-<file path=ppt/slides/slide11.xml><?xml version="1.0" encoding="utf-8"?>
-<p:sld xmlns:a="http://schemas.openxmlformats.org/drawingml/2006/main" xmlns:r="http://schemas.openxmlformats.org/officeDocument/2006/relationships" xmlns:p="http://schemas.openxmlformats.org/presentationml/2006/main">
-  <p:cSld>
-    <p:spTree>
-      <p:nvGrpSpPr>
-        <p:cNvPr id="1" name=""/>
-        <p:cNvGrpSpPr/>
-        <p:nvPr/>
-      </p:nvGrpSpPr>
-      <p:grpSpPr>
-        <a:xfrm>
-          <a:off x="0" y="0"/>
-          <a:ext cx="0" cy="0"/>
-          <a:chOff x="0" y="0"/>
-          <a:chExt cx="0" cy="0"/>
-        </a:xfrm>
-      </p:grpSpPr>
-      <p:sp>
-        <p:nvSpPr>
-          <p:cNvPr id="2" name="Title 1"/>
-          <p:cNvSpPr>
-            <a:spLocks noGrp="1"/>
-          </p:cNvSpPr>
-          <p:nvPr>
-            <p:ph type="title"/>
-          </p:nvPr>
-        </p:nvSpPr>
-        <p:spPr/>
-        <p:txBody>
-          <a:bodyPr/>
-          <a:lstStyle/>
-          <a:p>
-            <a:r>
-              <a:rPr lang="en-US" dirty="0" smtClean="0"/>
-              <a:t>Conclusions</a:t>
-            </a:r>
-            <a:endParaRPr lang="en-US" dirty="0"/>
-          </a:p>
-        </p:txBody>
-      </p:sp>
-      <p:sp>
-        <p:nvSpPr>
-          <p:cNvPr id="5" name="Content Placeholder 4"/>
-          <p:cNvSpPr>
-            <a:spLocks noGrp="1"/>
-          </p:cNvSpPr>
-          <p:nvPr>
-            <p:ph idx="1"/>
-          </p:nvPr>
-        </p:nvSpPr>
-        <p:spPr/>
-        <p:txBody>
-          <a:bodyPr/>
-          <a:lstStyle/>
-          <a:p>
-            <a:r>
-              <a:rPr lang="en-US" dirty="0" smtClean="0"/>
-              <a:t>Train Stats Hons/Spec BSc’s primarily for the </a:t>
-            </a:r>
-            <a:r>
-              <a:rPr lang="en-US" dirty="0" smtClean="0"/>
-              <a:t>workplace (rather </a:t>
-            </a:r>
-            <a:r>
-              <a:rPr lang="en-US" dirty="0" smtClean="0"/>
-              <a:t>than for graduate study</a:t>
-            </a:r>
-            <a:r>
-              <a:rPr lang="en-US" dirty="0" smtClean="0"/>
-              <a:t>)</a:t>
-            </a:r>
-            <a:endParaRPr lang="en-US" dirty="0" smtClean="0"/>
-          </a:p>
-          <a:p>
-            <a:pPr lvl="2"/>
-            <a:endParaRPr lang="en-US" dirty="0" smtClean="0"/>
-          </a:p>
-          <a:p>
-            <a:pPr marL="514350" indent="-514350">
-              <a:buFont typeface="+mj-lt"/>
-              <a:buAutoNum type="arabicPeriod"/>
-            </a:pPr>
-            <a:r>
-              <a:rPr lang="en-US" dirty="0" smtClean="0"/>
-              <a:t>Offer more </a:t>
-            </a:r>
-            <a:r>
-              <a:rPr lang="en-US" dirty="0" smtClean="0"/>
-              <a:t>Stats-specific courses </a:t>
-            </a:r>
-            <a:r>
-              <a:rPr lang="en-US" dirty="0" smtClean="0"/>
-              <a:t>(at expense of Math courses)</a:t>
-            </a:r>
-          </a:p>
-          <a:p>
-            <a:pPr marL="1371600" lvl="2" indent="-457200">
-              <a:buFont typeface="+mj-lt"/>
-              <a:buAutoNum type="arabicPeriod"/>
-            </a:pPr>
-            <a:endParaRPr lang="en-US" dirty="0" smtClean="0"/>
-          </a:p>
-          <a:p>
-            <a:pPr marL="514350" indent="-514350">
-              <a:buFont typeface="+mj-lt"/>
-              <a:buAutoNum type="arabicPeriod"/>
-            </a:pPr>
-            <a:r>
-              <a:rPr lang="en-US" dirty="0" smtClean="0"/>
-              <a:t>Focus </a:t>
-            </a:r>
-            <a:r>
-              <a:rPr lang="en-US" dirty="0"/>
-              <a:t>courses (</a:t>
-            </a:r>
-            <a:r>
-              <a:rPr lang="en-US" dirty="0" smtClean="0"/>
-              <a:t>new </a:t>
-            </a:r>
-            <a:r>
-              <a:rPr lang="en-US" dirty="0"/>
-              <a:t>or </a:t>
-            </a:r>
-            <a:r>
-              <a:rPr lang="en-US" dirty="0" smtClean="0"/>
-              <a:t>existing) on </a:t>
-            </a:r>
-            <a:r>
-              <a:rPr lang="en-US" dirty="0" smtClean="0"/>
-              <a:t>Statistical </a:t>
-            </a:r>
-            <a:r>
-              <a:rPr lang="en-US" dirty="0" smtClean="0"/>
-              <a:t>Practice</a:t>
-            </a:r>
-          </a:p>
-          <a:p>
-            <a:pPr marL="971550" lvl="1" indent="-514350">
-              <a:buFont typeface="+mj-lt"/>
-              <a:buAutoNum type="arabicPeriod"/>
-            </a:pPr>
-            <a:endParaRPr lang="en-US" dirty="0"/>
-          </a:p>
-          <a:p>
-            <a:pPr marL="514350" indent="-514350">
-              <a:buFont typeface="+mj-lt"/>
-              <a:buAutoNum type="arabicPeriod"/>
-            </a:pPr>
-            <a:r>
-              <a:rPr lang="en-US" dirty="0" smtClean="0"/>
-              <a:t>Start with Stats </a:t>
-            </a:r>
-            <a:r>
-              <a:rPr lang="en-US" dirty="0"/>
-              <a:t>courses early on </a:t>
-            </a:r>
-            <a:r>
-              <a:rPr lang="en-US" dirty="0" smtClean="0"/>
-              <a:t>(1</a:t>
-            </a:r>
-            <a:r>
-              <a:rPr lang="en-US" baseline="30000" dirty="0" smtClean="0"/>
-              <a:t>st</a:t>
-            </a:r>
-            <a:r>
-              <a:rPr lang="en-US" dirty="0" smtClean="0"/>
-              <a:t> </a:t>
-            </a:r>
-            <a:r>
-              <a:rPr lang="en-US" dirty="0"/>
-              <a:t>year)</a:t>
-            </a:r>
-          </a:p>
-          <a:p>
-            <a:pPr marL="514350" indent="-514350">
-              <a:buFont typeface="+mj-lt"/>
-              <a:buAutoNum type="arabicPeriod"/>
-            </a:pPr>
-            <a:endParaRPr lang="en-US" dirty="0" smtClean="0"/>
-          </a:p>
-          <a:p>
-            <a:endParaRPr lang="en-US" dirty="0" smtClean="0"/>
-          </a:p>
-        </p:txBody>
-      </p:sp>
-    </p:spTree>
-    <p:extLst>
-      <p:ext uri="{BB962C8B-B14F-4D97-AF65-F5344CB8AC3E}">
-        <p14:creationId xmlns:p14="http://schemas.microsoft.com/office/powerpoint/2010/main" val="1706665789"/>
-      </p:ext>
-    </p:extLst>
-  </p:cSld>
-  <p:clrMapOvr>
-    <a:masterClrMapping/>
-  </p:clrMapOvr>
-  <p:timing>
-    <p:tnLst>
-      <p:par>
-        <p:cTn id="1" dur="indefinite" restart="never" nodeType="tmRoot"/>
-      </p:par>
-    </p:tnLst>
-  </p:timing>
-</p:sld>
-</file>
-
 <file path=ppt/slides/slide12.xml><?xml version="1.0" encoding="utf-8"?>
 <p:sld xmlns:a="http://schemas.openxmlformats.org/drawingml/2006/main" xmlns:r="http://schemas.openxmlformats.org/officeDocument/2006/relationships" xmlns:p="http://schemas.openxmlformats.org/presentationml/2006/main">
   <p:cSld>
@@ -4203,45 +4360,152 @@
             <p:ph type="title"/>
           </p:nvPr>
         </p:nvSpPr>
-        <p:spPr/>
-        <p:txBody>
-          <a:bodyPr/>
-          <a:lstStyle/>
-          <a:p>
-            <a:endParaRPr lang="en-US"/>
-          </a:p>
-        </p:txBody>
-      </p:sp>
-      <p:pic>
-        <p:nvPicPr>
-          <p:cNvPr id="6" name="Content Placeholder 5"/>
-          <p:cNvPicPr>
-            <a:picLocks noGrp="1" noChangeAspect="1"/>
-          </p:cNvPicPr>
-          <p:nvPr>
-            <p:ph idx="1"/>
-          </p:nvPr>
-        </p:nvPicPr>
-        <p:blipFill>
-          <a:blip r:embed="rId2"/>
-          <a:stretch>
-            <a:fillRect/>
-          </a:stretch>
-        </p:blipFill>
         <p:spPr>
           <a:xfrm>
-            <a:off x="3007743" y="1825625"/>
-            <a:ext cx="6176514" cy="4351338"/>
+            <a:off x="838200" y="610932"/>
+            <a:ext cx="10515600" cy="1325563"/>
           </a:xfrm>
-          <a:prstGeom prst="rect">
-            <a:avLst/>
-          </a:prstGeom>
         </p:spPr>
-      </p:pic>
+        <p:txBody>
+          <a:bodyPr/>
+          <a:lstStyle/>
+          <a:p>
+            <a:r>
+              <a:rPr lang="en-US" dirty="0" smtClean="0"/>
+              <a:t>Conclusion</a:t>
+            </a:r>
+            <a:endParaRPr lang="en-US" dirty="0"/>
+          </a:p>
+        </p:txBody>
+      </p:sp>
+      <p:sp>
+        <p:nvSpPr>
+          <p:cNvPr id="5" name="Content Placeholder 4"/>
+          <p:cNvSpPr>
+            <a:spLocks noGrp="1"/>
+          </p:cNvSpPr>
+          <p:nvPr>
+            <p:ph idx="1"/>
+          </p:nvPr>
+        </p:nvSpPr>
+        <p:spPr/>
+        <p:txBody>
+          <a:bodyPr/>
+          <a:lstStyle/>
+          <a:p>
+            <a:r>
+              <a:rPr lang="en-US" dirty="0" smtClean="0"/>
+              <a:t>Train Stats Hons/Spec BSc’s primarily for the workplace (rather than </a:t>
+            </a:r>
+            <a:r>
+              <a:rPr lang="en-US" dirty="0" smtClean="0"/>
+              <a:t>graduate </a:t>
+            </a:r>
+            <a:r>
+              <a:rPr lang="en-US" dirty="0" smtClean="0"/>
+              <a:t>study)</a:t>
+            </a:r>
+          </a:p>
+          <a:p>
+            <a:pPr lvl="2"/>
+            <a:endParaRPr lang="en-US" dirty="0" smtClean="0"/>
+          </a:p>
+          <a:p>
+            <a:pPr marL="514350" indent="-514350">
+              <a:buFont typeface="+mj-lt"/>
+              <a:buAutoNum type="arabicPeriod"/>
+            </a:pPr>
+            <a:r>
+              <a:rPr lang="en-US" dirty="0" smtClean="0"/>
+              <a:t>Offer more Stats-specific courses (at expense of Math courses)</a:t>
+            </a:r>
+          </a:p>
+          <a:p>
+            <a:pPr marL="1371600" lvl="2" indent="-457200">
+              <a:buFont typeface="+mj-lt"/>
+              <a:buAutoNum type="arabicPeriod"/>
+            </a:pPr>
+            <a:endParaRPr lang="en-US" dirty="0" smtClean="0"/>
+          </a:p>
+          <a:p>
+            <a:pPr marL="514350" indent="-514350">
+              <a:buFont typeface="+mj-lt"/>
+              <a:buAutoNum type="arabicPeriod"/>
+            </a:pPr>
+            <a:r>
+              <a:rPr lang="en-US" dirty="0" smtClean="0"/>
+              <a:t>Focus </a:t>
+            </a:r>
+            <a:r>
+              <a:rPr lang="en-US" dirty="0"/>
+              <a:t>courses (</a:t>
+            </a:r>
+            <a:r>
+              <a:rPr lang="en-US" dirty="0" smtClean="0"/>
+              <a:t>new </a:t>
+            </a:r>
+            <a:r>
+              <a:rPr lang="en-US" dirty="0"/>
+              <a:t>or </a:t>
+            </a:r>
+            <a:r>
+              <a:rPr lang="en-US" dirty="0" smtClean="0"/>
+              <a:t>existing) on Statistical Practice</a:t>
+            </a:r>
+          </a:p>
+          <a:p>
+            <a:pPr marL="971550" lvl="1" indent="-514350">
+              <a:buFont typeface="+mj-lt"/>
+              <a:buAutoNum type="arabicPeriod"/>
+            </a:pPr>
+            <a:endParaRPr lang="en-US" dirty="0"/>
+          </a:p>
+          <a:p>
+            <a:pPr marL="514350" indent="-514350">
+              <a:buFont typeface="+mj-lt"/>
+              <a:buAutoNum type="arabicPeriod"/>
+            </a:pPr>
+            <a:r>
+              <a:rPr lang="en-US" dirty="0" smtClean="0"/>
+              <a:t>Start with Stats </a:t>
+            </a:r>
+            <a:r>
+              <a:rPr lang="en-US" dirty="0"/>
+              <a:t>courses early on </a:t>
+            </a:r>
+            <a:r>
+              <a:rPr lang="en-US" dirty="0" smtClean="0"/>
+              <a:t>(1</a:t>
+            </a:r>
+            <a:r>
+              <a:rPr lang="en-US" baseline="30000" dirty="0" smtClean="0"/>
+              <a:t>st</a:t>
+            </a:r>
+            <a:r>
+              <a:rPr lang="en-US" dirty="0" smtClean="0"/>
+              <a:t> </a:t>
+            </a:r>
+            <a:r>
+              <a:rPr lang="en-US" dirty="0"/>
+              <a:t>year)</a:t>
+            </a:r>
+          </a:p>
+          <a:p>
+            <a:pPr marL="514350" indent="-514350">
+              <a:buFont typeface="+mj-lt"/>
+              <a:buAutoNum type="arabicPeriod"/>
+            </a:pPr>
+            <a:endParaRPr lang="en-US" dirty="0" smtClean="0"/>
+          </a:p>
+          <a:p>
+            <a:endParaRPr lang="en-US" dirty="0" smtClean="0"/>
+          </a:p>
+        </p:txBody>
+      </p:sp>
     </p:spTree>
     <p:extLst>
       <p:ext uri="{BB962C8B-B14F-4D97-AF65-F5344CB8AC3E}">
-        <p14:creationId xmlns:p14="http://schemas.microsoft.com/office/powerpoint/2010/main" val="661270633"/>
+        <p14:creationId xmlns:p14="http://schemas.microsoft.com/office/powerpoint/2010/main" val="1706665789"/>
       </p:ext>
     </p:extLst>
   </p:cSld>
@@ -5702,16 +5966,25 @@
           <a:p>
             <a:r>
               <a:rPr lang="en-US" dirty="0" smtClean="0"/>
-              <a:t>Only considered (pure) Statistics </a:t>
-            </a:r>
-            <a:r>
-              <a:rPr lang="en-US" dirty="0" err="1" smtClean="0"/>
+              <a:t>Consider only (pure)</a:t>
+            </a:r>
+            <a:r>
+              <a:rPr lang="en-US" i="1" dirty="0" smtClean="0"/>
+              <a:t> </a:t>
+            </a:r>
+            <a:r>
+              <a:rPr lang="en-US" i="1" dirty="0" smtClean="0"/>
+              <a:t>Statistics </a:t>
+            </a:r>
+            <a:r>
+              <a:rPr lang="en-US" i="1" dirty="0" err="1" smtClean="0"/>
               <a:t>Honours</a:t>
             </a:r>
             <a:r>
-              <a:rPr lang="en-US" dirty="0" smtClean="0"/>
-              <a:t>/Specialist BSc programs </a:t>
-            </a:r>
+              <a:rPr lang="en-US" i="1" dirty="0" smtClean="0"/>
+              <a:t>/Specialist programs </a:t>
+            </a:r>
+            <a:endParaRPr lang="en-US" i="1" dirty="0" smtClean="0"/>
           </a:p>
           <a:p>
             <a:pPr lvl="1"/>
@@ -5729,16 +6002,37 @@
             <a:pPr lvl="1"/>
             <a:r>
               <a:rPr lang="en-US" dirty="0" smtClean="0"/>
-              <a:t>Excludes programs with not focused on Statistics (e.g. Probability &amp; Statistics, Mathematical Statistics, </a:t>
-            </a:r>
-            <a:r>
-              <a:rPr lang="en-US" dirty="0" err="1" smtClean="0"/>
-              <a:t>etc</a:t>
+              <a:t>Excludes programs </a:t>
             </a:r>
             <a:r>
               <a:rPr lang="en-US" dirty="0" smtClean="0"/>
-              <a:t>)</a:t>
-            </a:r>
+              <a:t>not </a:t>
+            </a:r>
+            <a:r>
+              <a:rPr lang="en-US" dirty="0" smtClean="0"/>
+              <a:t>focused </a:t>
+            </a:r>
+            <a:r>
+              <a:rPr lang="en-US" dirty="0" smtClean="0"/>
+              <a:t>purely on </a:t>
+            </a:r>
+            <a:r>
+              <a:rPr lang="en-US" dirty="0" smtClean="0"/>
+              <a:t>Statistics (e.g. Probability &amp; </a:t>
+            </a:r>
+            <a:r>
+              <a:rPr lang="en-US" dirty="0" smtClean="0"/>
+              <a:t>Statistics, or  </a:t>
+            </a:r>
+            <a:r>
+              <a:rPr lang="en-US" dirty="0" smtClean="0"/>
+              <a:t>Mathematical </a:t>
+            </a:r>
+            <a:r>
+              <a:rPr lang="en-US" dirty="0" smtClean="0"/>
+              <a:t>Statistics)</a:t>
+            </a:r>
+            <a:endParaRPr lang="en-US" dirty="0" smtClean="0"/>
           </a:p>
           <a:p>
             <a:r>
@@ -5837,7 +6131,183 @@
           <a:p>
             <a:r>
               <a:rPr lang="en-US" dirty="0" smtClean="0"/>
-              <a:t>Curriculum Data</a:t>
+              <a:t>Curriculum </a:t>
+            </a:r>
+            <a:r>
+              <a:rPr lang="en-US" dirty="0" smtClean="0"/>
+              <a:t>Data Description</a:t>
+            </a:r>
+            <a:endParaRPr lang="en-US" dirty="0"/>
+          </a:p>
+        </p:txBody>
+      </p:sp>
+      <p:sp>
+        <p:nvSpPr>
+          <p:cNvPr id="6" name="Content Placeholder 1"/>
+          <p:cNvSpPr>
+            <a:spLocks noGrp="1"/>
+          </p:cNvSpPr>
+          <p:nvPr>
+            <p:ph idx="1"/>
+          </p:nvPr>
+        </p:nvSpPr>
+        <p:spPr>
+          <a:xfrm>
+            <a:off x="838200" y="1825625"/>
+            <a:ext cx="10515600" cy="4351338"/>
+          </a:xfrm>
+        </p:spPr>
+        <p:txBody>
+          <a:bodyPr/>
+          <a:lstStyle/>
+          <a:p>
+            <a:r>
+              <a:rPr lang="en-US" dirty="0" smtClean="0"/>
+              <a:t>For each course requirement, create the variables:</a:t>
+            </a:r>
+          </a:p>
+          <a:p>
+            <a:pPr lvl="1"/>
+            <a:r>
+              <a:rPr lang="en-US" b="1" dirty="0" smtClean="0"/>
+              <a:t>Code</a:t>
+            </a:r>
+            <a:r>
+              <a:rPr lang="en-US" dirty="0" smtClean="0"/>
+              <a:t>, </a:t>
+            </a:r>
+            <a:r>
+              <a:rPr lang="en-US" b="1" dirty="0" smtClean="0"/>
+              <a:t>Title</a:t>
+            </a:r>
+            <a:r>
+              <a:rPr lang="en-US" dirty="0" smtClean="0"/>
+              <a:t> &amp; </a:t>
+            </a:r>
+            <a:r>
+              <a:rPr lang="en-US" b="1" dirty="0" smtClean="0"/>
+              <a:t>Description</a:t>
+            </a:r>
+            <a:r>
+              <a:rPr lang="en-US" dirty="0" smtClean="0"/>
+              <a:t>: copied from calendar</a:t>
+            </a:r>
+          </a:p>
+          <a:p>
+            <a:pPr lvl="1"/>
+            <a:r>
+              <a:rPr lang="en-US" b="1" dirty="0" smtClean="0"/>
+              <a:t>Credits:</a:t>
+            </a:r>
+            <a:r>
+              <a:rPr lang="en-US" dirty="0" smtClean="0"/>
+              <a:t> in full-course equivalents; i.e. 1-semester course = 0.5 credits</a:t>
+            </a:r>
+          </a:p>
+          <a:p>
+            <a:pPr lvl="1"/>
+            <a:r>
+              <a:rPr lang="en-US" b="1" dirty="0" smtClean="0"/>
+              <a:t>Discipline</a:t>
+            </a:r>
+            <a:r>
+              <a:rPr lang="en-US" dirty="0" smtClean="0"/>
+              <a:t>: department/discipline offering course </a:t>
+            </a:r>
+          </a:p>
+          <a:p>
+            <a:pPr lvl="2"/>
+            <a:r>
+              <a:rPr lang="en-US" dirty="0" smtClean="0"/>
+              <a:t>One of: </a:t>
+            </a:r>
+            <a:r>
+              <a:rPr lang="en-US" i="1" dirty="0" smtClean="0"/>
+              <a:t>COMP</a:t>
+            </a:r>
+            <a:r>
+              <a:rPr lang="en-US" dirty="0" smtClean="0"/>
+              <a:t>, </a:t>
+            </a:r>
+            <a:r>
+              <a:rPr lang="en-US" i="1" dirty="0" smtClean="0"/>
+              <a:t>MATH</a:t>
+            </a:r>
+            <a:r>
+              <a:rPr lang="en-US" dirty="0" smtClean="0"/>
+              <a:t>, STAT, or </a:t>
+            </a:r>
+            <a:r>
+              <a:rPr lang="en-US" i="1" dirty="0" smtClean="0"/>
+              <a:t>OTHR</a:t>
+            </a:r>
+          </a:p>
+          <a:p>
+            <a:pPr lvl="1"/>
+            <a:r>
+              <a:rPr lang="en-US" b="1" dirty="0" smtClean="0"/>
+              <a:t>Level</a:t>
+            </a:r>
+            <a:r>
+              <a:rPr lang="en-US" dirty="0" smtClean="0"/>
+              <a:t>: “year” in which course is offered (max value=4)</a:t>
+            </a:r>
+          </a:p>
+          <a:p>
+            <a:pPr lvl="1"/>
+            <a:r>
+              <a:rPr lang="en-US" b="1" dirty="0" smtClean="0"/>
+              <a:t>Type</a:t>
+            </a:r>
+            <a:r>
+              <a:rPr lang="en-US" dirty="0" smtClean="0"/>
+              <a:t>: </a:t>
+            </a:r>
+            <a:r>
+              <a:rPr lang="en-US" i="1" dirty="0" smtClean="0"/>
+              <a:t>Core</a:t>
+            </a:r>
+            <a:r>
+              <a:rPr lang="en-US" dirty="0" smtClean="0"/>
+              <a:t> or </a:t>
+            </a:r>
+            <a:r>
+              <a:rPr lang="en-US" i="1" dirty="0" smtClean="0"/>
+              <a:t>Elective</a:t>
+            </a:r>
+            <a:r>
+              <a:rPr lang="en-US" dirty="0" smtClean="0"/>
+              <a:t> requirement</a:t>
+            </a:r>
+          </a:p>
+          <a:p>
+            <a:pPr lvl="1"/>
+            <a:r>
+              <a:rPr lang="en-US" b="1" dirty="0" smtClean="0"/>
+              <a:t>Topic Category</a:t>
+            </a:r>
+            <a:r>
+              <a:rPr lang="en-US" dirty="0" smtClean="0"/>
+              <a:t>: Multi-valued variable; </a:t>
+            </a:r>
+            <a:r>
+              <a:rPr lang="en-US" dirty="0"/>
+              <a:t>(subjective) </a:t>
+            </a:r>
+            <a:r>
+              <a:rPr lang="en-US" dirty="0" smtClean="0"/>
+              <a:t>grouping of covered topics</a:t>
+            </a:r>
+          </a:p>
+          <a:p>
+            <a:pPr lvl="2"/>
+            <a:r>
+              <a:rPr lang="en-US" i="1" dirty="0" smtClean="0"/>
+              <a:t>One or more</a:t>
+            </a:r>
+            <a:r>
+              <a:rPr lang="en-US" dirty="0" smtClean="0"/>
+              <a:t> of:</a:t>
             </a:r>
             <a:endParaRPr lang="en-US" dirty="0"/>
           </a:p>
@@ -5845,2579 +6315,411 @@
       </p:sp>
       <p:graphicFrame>
         <p:nvGraphicFramePr>
-          <p:cNvPr id="10" name="Content Placeholder 9"/>
+          <p:cNvPr id="9" name="Table 8"/>
           <p:cNvGraphicFramePr>
             <a:graphicFrameLocks noGrp="1"/>
           </p:cNvGraphicFramePr>
           <p:nvPr>
-            <p:ph idx="1"/>
-            <p:extLst/>
+            <p:extLst>
+              <p:ext uri="{D42A27DB-BD31-4B8C-83A1-F6EECF244321}">
+                <p14:modId xmlns:p14="http://schemas.microsoft.com/office/powerpoint/2010/main" val="2204232174"/>
+              </p:ext>
+            </p:extLst>
           </p:nvPr>
         </p:nvGraphicFramePr>
         <p:xfrm>
-          <a:off x="1009650" y="1690688"/>
-          <a:ext cx="9191626" cy="4498873"/>
+          <a:off x="2032000" y="5383407"/>
+          <a:ext cx="7594579" cy="741680"/>
         </p:xfrm>
         <a:graphic>
           <a:graphicData uri="http://schemas.openxmlformats.org/drawingml/2006/table">
             <a:tbl>
-              <a:tblPr/>
+              <a:tblPr firstRow="1" bandRow="1">
+                <a:tableStyleId>{5940675A-B579-460E-94D1-54222C63F5DA}</a:tableStyleId>
+              </a:tblPr>
               <a:tblGrid>
-                <a:gridCol w="824360">
+                <a:gridCol w="2032000">
                   <a:extLst>
                     <a:ext uri="{9D8B030D-6E8A-4147-A177-3AD203B41FA5}">
-                      <a16:colId xmlns:a16="http://schemas.microsoft.com/office/drawing/2014/main" val="423700588"/>
+                      <a16:colId xmlns:a16="http://schemas.microsoft.com/office/drawing/2014/main" val="3530674048"/>
                     </a:ext>
                   </a:extLst>
                 </a:gridCol>
-                <a:gridCol w="3778324">
+                <a:gridCol w="300397">
                   <a:extLst>
                     <a:ext uri="{9D8B030D-6E8A-4147-A177-3AD203B41FA5}">
-                      <a16:colId xmlns:a16="http://schemas.microsoft.com/office/drawing/2014/main" val="2707363238"/>
+                      <a16:colId xmlns:a16="http://schemas.microsoft.com/office/drawing/2014/main" val="1877920155"/>
                     </a:ext>
                   </a:extLst>
                 </a:gridCol>
-                <a:gridCol w="824360">
+                <a:gridCol w="1505461">
                   <a:extLst>
                     <a:ext uri="{9D8B030D-6E8A-4147-A177-3AD203B41FA5}">
-                      <a16:colId xmlns:a16="http://schemas.microsoft.com/office/drawing/2014/main" val="982001458"/>
+                      <a16:colId xmlns:a16="http://schemas.microsoft.com/office/drawing/2014/main" val="1056110217"/>
                     </a:ext>
                   </a:extLst>
                 </a:gridCol>
-                <a:gridCol w="3764582">
+                <a:gridCol w="1413888">
                   <a:extLst>
                     <a:ext uri="{9D8B030D-6E8A-4147-A177-3AD203B41FA5}">
-                      <a16:colId xmlns:a16="http://schemas.microsoft.com/office/drawing/2014/main" val="461491352"/>
+                      <a16:colId xmlns:a16="http://schemas.microsoft.com/office/drawing/2014/main" val="2851809115"/>
+                    </a:ext>
+                  </a:extLst>
+                </a:gridCol>
+                <a:gridCol w="677333">
+                  <a:extLst>
+                    <a:ext uri="{9D8B030D-6E8A-4147-A177-3AD203B41FA5}">
+                      <a16:colId xmlns:a16="http://schemas.microsoft.com/office/drawing/2014/main" val="3183329816"/>
+                    </a:ext>
+                  </a:extLst>
+                </a:gridCol>
+                <a:gridCol w="1665500">
+                  <a:extLst>
+                    <a:ext uri="{9D8B030D-6E8A-4147-A177-3AD203B41FA5}">
+                      <a16:colId xmlns:a16="http://schemas.microsoft.com/office/drawing/2014/main" val="417630375"/>
                     </a:ext>
                   </a:extLst>
                 </a:gridCol>
               </a:tblGrid>
-              <a:tr h="155482">
-                <a:tc>
+              <a:tr h="370840">
+                <a:tc gridSpan="2">
                   <a:txBody>
                     <a:bodyPr/>
                     <a:lstStyle/>
                     <a:p>
-                      <a:pPr rtl="0" fontAlgn="b"/>
                       <a:r>
-                        <a:rPr lang="en-US" sz="1050">
+                        <a:rPr lang="en-CA" sz="1800" i="1" dirty="0" smtClean="0">
                           <a:solidFill>
                             <a:srgbClr val="000000"/>
                           </a:solidFill>
                           <a:effectLst/>
                           <a:latin typeface="Calibri" panose="020F0502020204030204" pitchFamily="34" charset="0"/>
                         </a:rPr>
-                        <a:t>Variable</a:t>
+                        <a:t>Statistical Theory</a:t>
                       </a:r>
+                      <a:r>
+                        <a:rPr lang="en-CA" sz="1800" dirty="0" smtClean="0">
+                          <a:solidFill>
+                            <a:srgbClr val="000000"/>
+                          </a:solidFill>
+                          <a:effectLst/>
+                          <a:latin typeface="Calibri" panose="020F0502020204030204" pitchFamily="34" charset="0"/>
+                        </a:rPr>
+                        <a:t> (ST)</a:t>
+                      </a:r>
+                      <a:endParaRPr lang="en-US" dirty="0"/>
                     </a:p>
                   </a:txBody>
-                  <a:tcPr marL="8098" marR="8098" marT="0" marB="0" anchor="b">
-                    <a:lnL w="9525" cap="flat" cmpd="sng" algn="ctr">
-                      <a:solidFill>
-                        <a:srgbClr val="CCCCCC"/>
-                      </a:solidFill>
-                      <a:prstDash val="solid"/>
-                      <a:round/>
-                      <a:headEnd type="none" w="med" len="med"/>
-                      <a:tailEnd type="none" w="med" len="med"/>
-                    </a:lnL>
-                    <a:lnR w="9525" cap="flat" cmpd="sng" algn="ctr">
-                      <a:solidFill>
-                        <a:srgbClr val="CCCCCC"/>
-                      </a:solidFill>
-                      <a:prstDash val="solid"/>
-                      <a:round/>
-                      <a:headEnd type="none" w="med" len="med"/>
-                      <a:tailEnd type="none" w="med" len="med"/>
-                    </a:lnR>
-                    <a:lnT w="9525" cap="flat" cmpd="sng" algn="ctr">
-                      <a:solidFill>
-                        <a:srgbClr val="CCCCCC"/>
-                      </a:solidFill>
-                      <a:prstDash val="solid"/>
-                      <a:round/>
-                      <a:headEnd type="none" w="med" len="med"/>
-                      <a:tailEnd type="none" w="med" len="med"/>
-                    </a:lnT>
-                    <a:lnB w="9525" cap="flat" cmpd="sng" algn="ctr">
-                      <a:solidFill>
-                        <a:srgbClr val="CCCCCC"/>
-                      </a:solidFill>
-                      <a:prstDash val="solid"/>
-                      <a:round/>
-                      <a:headEnd type="none" w="med" len="med"/>
-                      <a:tailEnd type="none" w="med" len="med"/>
-                    </a:lnB>
-                  </a:tcPr>
+                  <a:tcPr/>
+                </a:tc>
+                <a:tc hMerge="1">
+                  <a:txBody>
+                    <a:bodyPr/>
+                    <a:lstStyle/>
+                    <a:p>
+                      <a:endParaRPr lang="en-US" dirty="0"/>
+                    </a:p>
+                  </a:txBody>
+                  <a:tcPr/>
+                </a:tc>
+                <a:tc gridSpan="2">
+                  <a:txBody>
+                    <a:bodyPr/>
+                    <a:lstStyle/>
+                    <a:p>
+                      <a:pPr marL="0" marR="0" lvl="0" indent="0" algn="l" defTabSz="914400" rtl="0" eaLnBrk="1" fontAlgn="auto" latinLnBrk="0" hangingPunct="1">
+                        <a:lnSpc>
+                          <a:spcPct val="100000"/>
+                        </a:lnSpc>
+                        <a:spcBef>
+                          <a:spcPts val="0"/>
+                        </a:spcBef>
+                        <a:spcAft>
+                          <a:spcPts val="0"/>
+                        </a:spcAft>
+                        <a:buClrTx/>
+                        <a:buSzTx/>
+                        <a:buFontTx/>
+                        <a:buNone/>
+                        <a:tabLst/>
+                        <a:defRPr/>
+                      </a:pPr>
+                      <a:r>
+                        <a:rPr lang="en-CA" sz="1800" i="1" dirty="0" smtClean="0">
+                          <a:solidFill>
+                            <a:srgbClr val="000000"/>
+                          </a:solidFill>
+                          <a:effectLst/>
+                          <a:latin typeface="Calibri" panose="020F0502020204030204" pitchFamily="34" charset="0"/>
+                        </a:rPr>
+                        <a:t>Statistical Methodology</a:t>
+                      </a:r>
+                      <a:r>
+                        <a:rPr lang="en-CA" sz="1800" dirty="0" smtClean="0">
+                          <a:solidFill>
+                            <a:srgbClr val="000000"/>
+                          </a:solidFill>
+                          <a:effectLst/>
+                          <a:latin typeface="Calibri" panose="020F0502020204030204" pitchFamily="34" charset="0"/>
+                        </a:rPr>
+                        <a:t> (SM)</a:t>
+                      </a:r>
+                      <a:endParaRPr lang="en-US" dirty="0"/>
+                    </a:p>
+                  </a:txBody>
+                  <a:tcPr/>
+                </a:tc>
+                <a:tc hMerge="1">
+                  <a:txBody>
+                    <a:bodyPr/>
+                    <a:lstStyle/>
+                    <a:p>
+                      <a:endParaRPr lang="en-US" dirty="0"/>
+                    </a:p>
+                  </a:txBody>
+                  <a:tcPr/>
+                </a:tc>
+                <a:tc gridSpan="2">
+                  <a:txBody>
+                    <a:bodyPr/>
+                    <a:lstStyle/>
+                    <a:p>
+                      <a:pPr marL="0" marR="0" lvl="0" indent="0" algn="l" defTabSz="914400" rtl="0" eaLnBrk="1" fontAlgn="auto" latinLnBrk="0" hangingPunct="1">
+                        <a:lnSpc>
+                          <a:spcPct val="100000"/>
+                        </a:lnSpc>
+                        <a:spcBef>
+                          <a:spcPts val="0"/>
+                        </a:spcBef>
+                        <a:spcAft>
+                          <a:spcPts val="0"/>
+                        </a:spcAft>
+                        <a:buClrTx/>
+                        <a:buSzTx/>
+                        <a:buFontTx/>
+                        <a:buNone/>
+                        <a:tabLst/>
+                        <a:defRPr/>
+                      </a:pPr>
+                      <a:r>
+                        <a:rPr lang="en-CA" sz="1800" i="1" dirty="0" smtClean="0">
+                          <a:solidFill>
+                            <a:srgbClr val="000000"/>
+                          </a:solidFill>
+                          <a:effectLst/>
+                          <a:latin typeface="Calibri" panose="020F0502020204030204" pitchFamily="34" charset="0"/>
+                        </a:rPr>
+                        <a:t>Statistical Practice</a:t>
+                      </a:r>
+                      <a:r>
+                        <a:rPr lang="en-CA" sz="1800" dirty="0" smtClean="0">
+                          <a:solidFill>
+                            <a:srgbClr val="000000"/>
+                          </a:solidFill>
+                          <a:effectLst/>
+                          <a:latin typeface="Calibri" panose="020F0502020204030204" pitchFamily="34" charset="0"/>
+                        </a:rPr>
+                        <a:t> (SP)</a:t>
+                      </a:r>
+                      <a:endParaRPr lang="en-US" dirty="0"/>
+                    </a:p>
+                  </a:txBody>
+                  <a:tcPr/>
+                </a:tc>
+                <a:tc hMerge="1">
+                  <a:txBody>
+                    <a:bodyPr/>
+                    <a:lstStyle/>
+                    <a:p>
+                      <a:endParaRPr lang="en-US" dirty="0"/>
+                    </a:p>
+                  </a:txBody>
+                  <a:tcPr/>
+                </a:tc>
+                <a:extLst>
+                  <a:ext uri="{0D108BD9-81ED-4DB2-BD59-A6C34878D82A}">
+                    <a16:rowId xmlns:a16="http://schemas.microsoft.com/office/drawing/2014/main" val="3659934499"/>
+                  </a:ext>
+                </a:extLst>
+              </a:tr>
+              <a:tr h="370840">
+                <a:tc>
+                  <a:txBody>
+                    <a:bodyPr/>
+                    <a:lstStyle/>
+                    <a:p>
+                      <a:pPr marL="0" marR="0" lvl="0" indent="0" algn="l" defTabSz="914400" rtl="0" eaLnBrk="1" fontAlgn="auto" latinLnBrk="0" hangingPunct="1">
+                        <a:lnSpc>
+                          <a:spcPct val="100000"/>
+                        </a:lnSpc>
+                        <a:spcBef>
+                          <a:spcPts val="0"/>
+                        </a:spcBef>
+                        <a:spcAft>
+                          <a:spcPts val="0"/>
+                        </a:spcAft>
+                        <a:buClrTx/>
+                        <a:buSzTx/>
+                        <a:buFontTx/>
+                        <a:buNone/>
+                        <a:tabLst/>
+                        <a:defRPr/>
+                      </a:pPr>
+                      <a:r>
+                        <a:rPr lang="en-CA" sz="1800" i="1" dirty="0" smtClean="0">
+                          <a:solidFill>
+                            <a:srgbClr val="000000"/>
+                          </a:solidFill>
+                          <a:effectLst/>
+                          <a:latin typeface="Calibri" panose="020F0502020204030204" pitchFamily="34" charset="0"/>
+                        </a:rPr>
+                        <a:t>Mathematics</a:t>
+                      </a:r>
+                      <a:r>
+                        <a:rPr lang="en-CA" sz="1800" dirty="0" smtClean="0">
+                          <a:solidFill>
+                            <a:srgbClr val="000000"/>
+                          </a:solidFill>
+                          <a:effectLst/>
+                          <a:latin typeface="Calibri" panose="020F0502020204030204" pitchFamily="34" charset="0"/>
+                        </a:rPr>
+                        <a:t> (MT)</a:t>
+                      </a:r>
+                      <a:endParaRPr lang="en-US" dirty="0"/>
+                    </a:p>
+                  </a:txBody>
+                  <a:tcPr/>
+                </a:tc>
+                <a:tc gridSpan="2">
+                  <a:txBody>
+                    <a:bodyPr/>
+                    <a:lstStyle/>
+                    <a:p>
+                      <a:r>
+                        <a:rPr lang="en-CA" sz="1800" i="1" dirty="0" smtClean="0">
+                          <a:solidFill>
+                            <a:srgbClr val="000000"/>
+                          </a:solidFill>
+                          <a:effectLst/>
+                          <a:latin typeface="Calibri" panose="020F0502020204030204" pitchFamily="34" charset="0"/>
+                        </a:rPr>
+                        <a:t>Probability</a:t>
+                      </a:r>
+                      <a:r>
+                        <a:rPr lang="en-CA" sz="1800" dirty="0" smtClean="0">
+                          <a:solidFill>
+                            <a:srgbClr val="000000"/>
+                          </a:solidFill>
+                          <a:effectLst/>
+                          <a:latin typeface="Calibri" panose="020F0502020204030204" pitchFamily="34" charset="0"/>
+                        </a:rPr>
+                        <a:t> (PT)</a:t>
+                      </a:r>
+                      <a:endParaRPr lang="en-US" dirty="0"/>
+                    </a:p>
+                  </a:txBody>
+                  <a:tcPr/>
+                </a:tc>
+                <a:tc hMerge="1">
+                  <a:txBody>
+                    <a:bodyPr/>
+                    <a:lstStyle/>
+                    <a:p>
+                      <a:endParaRPr lang="en-US"/>
+                    </a:p>
+                  </a:txBody>
+                  <a:tcPr/>
+                </a:tc>
+                <a:tc gridSpan="2">
+                  <a:txBody>
+                    <a:bodyPr/>
+                    <a:lstStyle/>
+                    <a:p>
+                      <a:r>
+                        <a:rPr lang="en-CA" sz="1800" i="1" dirty="0" smtClean="0">
+                          <a:solidFill>
+                            <a:srgbClr val="000000"/>
+                          </a:solidFill>
+                          <a:effectLst/>
+                          <a:latin typeface="Calibri" panose="020F0502020204030204" pitchFamily="34" charset="0"/>
+                        </a:rPr>
+                        <a:t>Computing</a:t>
+                      </a:r>
+                      <a:r>
+                        <a:rPr lang="en-CA" sz="1800" dirty="0" smtClean="0">
+                          <a:solidFill>
+                            <a:srgbClr val="000000"/>
+                          </a:solidFill>
+                          <a:effectLst/>
+                          <a:latin typeface="Calibri" panose="020F0502020204030204" pitchFamily="34" charset="0"/>
+                        </a:rPr>
+                        <a:t> (CS)</a:t>
+                      </a:r>
+                      <a:endParaRPr lang="en-US" dirty="0"/>
+                    </a:p>
+                  </a:txBody>
+                  <a:tcPr/>
+                </a:tc>
+                <a:tc hMerge="1">
+                  <a:txBody>
+                    <a:bodyPr/>
+                    <a:lstStyle/>
+                    <a:p>
+                      <a:endParaRPr lang="en-US"/>
+                    </a:p>
+                  </a:txBody>
+                  <a:tcPr/>
                 </a:tc>
                 <a:tc>
                   <a:txBody>
                     <a:bodyPr/>
                     <a:lstStyle/>
                     <a:p>
-                      <a:pPr rtl="0" fontAlgn="b"/>
+                      <a:pPr marL="0" marR="0" lvl="0" indent="0" algn="l" defTabSz="914400" rtl="0" eaLnBrk="1" fontAlgn="auto" latinLnBrk="0" hangingPunct="1">
+                        <a:lnSpc>
+                          <a:spcPct val="100000"/>
+                        </a:lnSpc>
+                        <a:spcBef>
+                          <a:spcPts val="0"/>
+                        </a:spcBef>
+                        <a:spcAft>
+                          <a:spcPts val="0"/>
+                        </a:spcAft>
+                        <a:buClrTx/>
+                        <a:buSzTx/>
+                        <a:buFontTx/>
+                        <a:buNone/>
+                        <a:tabLst/>
+                        <a:defRPr/>
+                      </a:pPr>
                       <a:r>
-                        <a:rPr lang="en-US" sz="1050">
+                        <a:rPr lang="en-CA" sz="1800" i="1" dirty="0" smtClean="0">
                           <a:solidFill>
                             <a:srgbClr val="000000"/>
                           </a:solidFill>
                           <a:effectLst/>
                           <a:latin typeface="Calibri" panose="020F0502020204030204" pitchFamily="34" charset="0"/>
                         </a:rPr>
-                        <a:t>Description </a:t>
+                        <a:t>Other</a:t>
                       </a:r>
-                    </a:p>
-                  </a:txBody>
-                  <a:tcPr marL="8098" marR="8098" marT="5399" marB="5399" anchor="b">
-                    <a:lnL w="9525" cap="flat" cmpd="sng" algn="ctr">
-                      <a:solidFill>
-                        <a:srgbClr val="CCCCCC"/>
-                      </a:solidFill>
-                      <a:prstDash val="solid"/>
-                      <a:round/>
-                      <a:headEnd type="none" w="med" len="med"/>
-                      <a:tailEnd type="none" w="med" len="med"/>
-                    </a:lnL>
-                    <a:lnR w="9525" cap="flat" cmpd="sng" algn="ctr">
-                      <a:solidFill>
-                        <a:srgbClr val="CCCCCC"/>
-                      </a:solidFill>
-                      <a:prstDash val="solid"/>
-                      <a:round/>
-                      <a:headEnd type="none" w="med" len="med"/>
-                      <a:tailEnd type="none" w="med" len="med"/>
-                    </a:lnR>
-                    <a:lnT w="9525" cap="flat" cmpd="sng" algn="ctr">
-                      <a:solidFill>
-                        <a:srgbClr val="CCCCCC"/>
-                      </a:solidFill>
-                      <a:prstDash val="solid"/>
-                      <a:round/>
-                      <a:headEnd type="none" w="med" len="med"/>
-                      <a:tailEnd type="none" w="med" len="med"/>
-                    </a:lnT>
-                    <a:lnB w="9525" cap="flat" cmpd="sng" algn="ctr">
-                      <a:solidFill>
-                        <a:srgbClr val="CCCCCC"/>
-                      </a:solidFill>
-                      <a:prstDash val="solid"/>
-                      <a:round/>
-                      <a:headEnd type="none" w="med" len="med"/>
-                      <a:tailEnd type="none" w="med" len="med"/>
-                    </a:lnB>
-                  </a:tcPr>
-                </a:tc>
-                <a:tc>
-                  <a:txBody>
-                    <a:bodyPr/>
-                    <a:lstStyle/>
-                    <a:p>
-                      <a:pPr rtl="0" fontAlgn="b"/>
                       <a:r>
-                        <a:rPr lang="en-US" sz="1050">
+                        <a:rPr lang="en-CA" sz="1800" dirty="0" smtClean="0">
                           <a:solidFill>
                             <a:srgbClr val="000000"/>
                           </a:solidFill>
                           <a:effectLst/>
                           <a:latin typeface="Calibri" panose="020F0502020204030204" pitchFamily="34" charset="0"/>
                         </a:rPr>
-                        <a:t>Format </a:t>
+                        <a:t> (OT)</a:t>
                       </a:r>
+                      <a:endParaRPr lang="en-US" dirty="0"/>
                     </a:p>
                   </a:txBody>
-                  <a:tcPr marL="8098" marR="8098" marT="0" marB="0" anchor="b">
-                    <a:lnL w="9525" cap="flat" cmpd="sng" algn="ctr">
-                      <a:solidFill>
-                        <a:srgbClr val="CCCCCC"/>
-                      </a:solidFill>
-                      <a:prstDash val="solid"/>
-                      <a:round/>
-                      <a:headEnd type="none" w="med" len="med"/>
-                      <a:tailEnd type="none" w="med" len="med"/>
-                    </a:lnL>
-                    <a:lnR w="9525" cap="flat" cmpd="sng" algn="ctr">
-                      <a:solidFill>
-                        <a:srgbClr val="CCCCCC"/>
-                      </a:solidFill>
-                      <a:prstDash val="solid"/>
-                      <a:round/>
-                      <a:headEnd type="none" w="med" len="med"/>
-                      <a:tailEnd type="none" w="med" len="med"/>
-                    </a:lnR>
-                    <a:lnT w="9525" cap="flat" cmpd="sng" algn="ctr">
-                      <a:solidFill>
-                        <a:srgbClr val="CCCCCC"/>
-                      </a:solidFill>
-                      <a:prstDash val="solid"/>
-                      <a:round/>
-                      <a:headEnd type="none" w="med" len="med"/>
-                      <a:tailEnd type="none" w="med" len="med"/>
-                    </a:lnT>
-                    <a:lnB w="9525" cap="flat" cmpd="sng" algn="ctr">
-                      <a:solidFill>
-                        <a:srgbClr val="CCCCCC"/>
-                      </a:solidFill>
-                      <a:prstDash val="solid"/>
-                      <a:round/>
-                      <a:headEnd type="none" w="med" len="med"/>
-                      <a:tailEnd type="none" w="med" len="med"/>
-                    </a:lnB>
-                  </a:tcPr>
-                </a:tc>
-                <a:tc>
-                  <a:txBody>
-                    <a:bodyPr/>
-                    <a:lstStyle/>
-                    <a:p>
-                      <a:pPr rtl="0" fontAlgn="b"/>
-                      <a:r>
-                        <a:rPr lang="en-US" sz="1050">
-                          <a:solidFill>
-                            <a:srgbClr val="000000"/>
-                          </a:solidFill>
-                          <a:effectLst/>
-                          <a:latin typeface="Calibri" panose="020F0502020204030204" pitchFamily="34" charset="0"/>
-                        </a:rPr>
-                        <a:t>Values </a:t>
-                      </a:r>
-                    </a:p>
-                  </a:txBody>
-                  <a:tcPr marL="8098" marR="8098" marT="0" marB="0" anchor="b">
-                    <a:lnL w="9525" cap="flat" cmpd="sng" algn="ctr">
-                      <a:solidFill>
-                        <a:srgbClr val="CCCCCC"/>
-                      </a:solidFill>
-                      <a:prstDash val="solid"/>
-                      <a:round/>
-                      <a:headEnd type="none" w="med" len="med"/>
-                      <a:tailEnd type="none" w="med" len="med"/>
-                    </a:lnL>
-                    <a:lnR w="9525" cap="flat" cmpd="sng" algn="ctr">
-                      <a:solidFill>
-                        <a:srgbClr val="CCCCCC"/>
-                      </a:solidFill>
-                      <a:prstDash val="solid"/>
-                      <a:round/>
-                      <a:headEnd type="none" w="med" len="med"/>
-                      <a:tailEnd type="none" w="med" len="med"/>
-                    </a:lnR>
-                    <a:lnT w="9525" cap="flat" cmpd="sng" algn="ctr">
-                      <a:solidFill>
-                        <a:srgbClr val="CCCCCC"/>
-                      </a:solidFill>
-                      <a:prstDash val="solid"/>
-                      <a:round/>
-                      <a:headEnd type="none" w="med" len="med"/>
-                      <a:tailEnd type="none" w="med" len="med"/>
-                    </a:lnT>
-                    <a:lnB w="9525" cap="flat" cmpd="sng" algn="ctr">
-                      <a:solidFill>
-                        <a:srgbClr val="CCCCCC"/>
-                      </a:solidFill>
-                      <a:prstDash val="solid"/>
-                      <a:round/>
-                      <a:headEnd type="none" w="med" len="med"/>
-                      <a:tailEnd type="none" w="med" len="med"/>
-                    </a:lnB>
-                  </a:tcPr>
+                  <a:tcPr/>
                 </a:tc>
                 <a:extLst>
                   <a:ext uri="{0D108BD9-81ED-4DB2-BD59-A6C34878D82A}">
-                    <a16:rowId xmlns:a16="http://schemas.microsoft.com/office/drawing/2014/main" val="3429039050"/>
-                  </a:ext>
-                </a:extLst>
-              </a:tr>
-              <a:tr h="88538">
-                <a:tc>
-                  <a:txBody>
-                    <a:bodyPr/>
-                    <a:lstStyle/>
-                    <a:p>
-                      <a:pPr rtl="0" fontAlgn="b"/>
-                      <a:r>
-                        <a:rPr lang="en-US" sz="1050">
-                          <a:solidFill>
-                            <a:srgbClr val="000000"/>
-                          </a:solidFill>
-                          <a:effectLst/>
-                          <a:latin typeface="Calibri" panose="020F0502020204030204" pitchFamily="34" charset="0"/>
-                        </a:rPr>
-                        <a:t>Code</a:t>
-                      </a:r>
-                    </a:p>
-                  </a:txBody>
-                  <a:tcPr marL="8098" marR="8098" marT="0" marB="0" anchor="b">
-                    <a:lnL w="9525" cap="flat" cmpd="sng" algn="ctr">
-                      <a:solidFill>
-                        <a:srgbClr val="CCCCCC"/>
-                      </a:solidFill>
-                      <a:prstDash val="solid"/>
-                      <a:round/>
-                      <a:headEnd type="none" w="med" len="med"/>
-                      <a:tailEnd type="none" w="med" len="med"/>
-                    </a:lnL>
-                    <a:lnR w="9525" cap="flat" cmpd="sng" algn="ctr">
-                      <a:solidFill>
-                        <a:srgbClr val="CCCCCC"/>
-                      </a:solidFill>
-                      <a:prstDash val="solid"/>
-                      <a:round/>
-                      <a:headEnd type="none" w="med" len="med"/>
-                      <a:tailEnd type="none" w="med" len="med"/>
-                    </a:lnR>
-                    <a:lnT w="9525" cap="flat" cmpd="sng" algn="ctr">
-                      <a:solidFill>
-                        <a:srgbClr val="CCCCCC"/>
-                      </a:solidFill>
-                      <a:prstDash val="solid"/>
-                      <a:round/>
-                      <a:headEnd type="none" w="med" len="med"/>
-                      <a:tailEnd type="none" w="med" len="med"/>
-                    </a:lnT>
-                    <a:lnB w="9525" cap="flat" cmpd="sng" algn="ctr">
-                      <a:solidFill>
-                        <a:srgbClr val="CCCCCC"/>
-                      </a:solidFill>
-                      <a:prstDash val="solid"/>
-                      <a:round/>
-                      <a:headEnd type="none" w="med" len="med"/>
-                      <a:tailEnd type="none" w="med" len="med"/>
-                    </a:lnB>
-                  </a:tcPr>
-                </a:tc>
-                <a:tc>
-                  <a:txBody>
-                    <a:bodyPr/>
-                    <a:lstStyle/>
-                    <a:p>
-                      <a:pPr rtl="0" fontAlgn="b"/>
-                      <a:r>
-                        <a:rPr lang="en-US" sz="1050">
-                          <a:solidFill>
-                            <a:srgbClr val="000000"/>
-                          </a:solidFill>
-                          <a:effectLst/>
-                          <a:latin typeface="Calibri" panose="020F0502020204030204" pitchFamily="34" charset="0"/>
-                        </a:rPr>
-                        <a:t>Course code </a:t>
-                      </a:r>
-                    </a:p>
-                  </a:txBody>
-                  <a:tcPr marL="8098" marR="8098" marT="5399" marB="5399" anchor="b">
-                    <a:lnL w="9525" cap="flat" cmpd="sng" algn="ctr">
-                      <a:solidFill>
-                        <a:srgbClr val="CCCCCC"/>
-                      </a:solidFill>
-                      <a:prstDash val="solid"/>
-                      <a:round/>
-                      <a:headEnd type="none" w="med" len="med"/>
-                      <a:tailEnd type="none" w="med" len="med"/>
-                    </a:lnL>
-                    <a:lnR w="9525" cap="flat" cmpd="sng" algn="ctr">
-                      <a:solidFill>
-                        <a:srgbClr val="CCCCCC"/>
-                      </a:solidFill>
-                      <a:prstDash val="solid"/>
-                      <a:round/>
-                      <a:headEnd type="none" w="med" len="med"/>
-                      <a:tailEnd type="none" w="med" len="med"/>
-                    </a:lnR>
-                    <a:lnT w="9525" cap="flat" cmpd="sng" algn="ctr">
-                      <a:solidFill>
-                        <a:srgbClr val="CCCCCC"/>
-                      </a:solidFill>
-                      <a:prstDash val="solid"/>
-                      <a:round/>
-                      <a:headEnd type="none" w="med" len="med"/>
-                      <a:tailEnd type="none" w="med" len="med"/>
-                    </a:lnT>
-                    <a:lnB w="9525" cap="flat" cmpd="sng" algn="ctr">
-                      <a:solidFill>
-                        <a:srgbClr val="CCCCCC"/>
-                      </a:solidFill>
-                      <a:prstDash val="solid"/>
-                      <a:round/>
-                      <a:headEnd type="none" w="med" len="med"/>
-                      <a:tailEnd type="none" w="med" len="med"/>
-                    </a:lnB>
-                  </a:tcPr>
-                </a:tc>
-                <a:tc>
-                  <a:txBody>
-                    <a:bodyPr/>
-                    <a:lstStyle/>
-                    <a:p>
-                      <a:pPr rtl="0" fontAlgn="b"/>
-                      <a:r>
-                        <a:rPr lang="en-US" sz="1050">
-                          <a:solidFill>
-                            <a:srgbClr val="000000"/>
-                          </a:solidFill>
-                          <a:effectLst/>
-                          <a:latin typeface="Calibri" panose="020F0502020204030204" pitchFamily="34" charset="0"/>
-                        </a:rPr>
-                        <a:t>TEXT</a:t>
-                      </a:r>
-                    </a:p>
-                  </a:txBody>
-                  <a:tcPr marL="8098" marR="8098" marT="0" marB="0" anchor="b">
-                    <a:lnL w="9525" cap="flat" cmpd="sng" algn="ctr">
-                      <a:solidFill>
-                        <a:srgbClr val="CCCCCC"/>
-                      </a:solidFill>
-                      <a:prstDash val="solid"/>
-                      <a:round/>
-                      <a:headEnd type="none" w="med" len="med"/>
-                      <a:tailEnd type="none" w="med" len="med"/>
-                    </a:lnL>
-                    <a:lnR w="9525" cap="flat" cmpd="sng" algn="ctr">
-                      <a:solidFill>
-                        <a:srgbClr val="CCCCCC"/>
-                      </a:solidFill>
-                      <a:prstDash val="solid"/>
-                      <a:round/>
-                      <a:headEnd type="none" w="med" len="med"/>
-                      <a:tailEnd type="none" w="med" len="med"/>
-                    </a:lnR>
-                    <a:lnT w="9525" cap="flat" cmpd="sng" algn="ctr">
-                      <a:solidFill>
-                        <a:srgbClr val="CCCCCC"/>
-                      </a:solidFill>
-                      <a:prstDash val="solid"/>
-                      <a:round/>
-                      <a:headEnd type="none" w="med" len="med"/>
-                      <a:tailEnd type="none" w="med" len="med"/>
-                    </a:lnT>
-                    <a:lnB w="9525" cap="flat" cmpd="sng" algn="ctr">
-                      <a:solidFill>
-                        <a:srgbClr val="CCCCCC"/>
-                      </a:solidFill>
-                      <a:prstDash val="solid"/>
-                      <a:round/>
-                      <a:headEnd type="none" w="med" len="med"/>
-                      <a:tailEnd type="none" w="med" len="med"/>
-                    </a:lnB>
-                  </a:tcPr>
-                </a:tc>
-                <a:tc>
-                  <a:txBody>
-                    <a:bodyPr/>
-                    <a:lstStyle/>
-                    <a:p>
-                      <a:pPr rtl="0" fontAlgn="b"/>
-                      <a:r>
-                        <a:rPr lang="en-US" sz="1050">
-                          <a:solidFill>
-                            <a:srgbClr val="000000"/>
-                          </a:solidFill>
-                          <a:effectLst/>
-                          <a:latin typeface="Calibri" panose="020F0502020204030204" pitchFamily="34" charset="0"/>
-                        </a:rPr>
-                        <a:t>e.g. STAB22H3</a:t>
-                      </a:r>
-                    </a:p>
-                  </a:txBody>
-                  <a:tcPr marL="8098" marR="8098" marT="0" marB="0" anchor="b">
-                    <a:lnL w="9525" cap="flat" cmpd="sng" algn="ctr">
-                      <a:solidFill>
-                        <a:srgbClr val="CCCCCC"/>
-                      </a:solidFill>
-                      <a:prstDash val="solid"/>
-                      <a:round/>
-                      <a:headEnd type="none" w="med" len="med"/>
-                      <a:tailEnd type="none" w="med" len="med"/>
-                    </a:lnL>
-                    <a:lnR w="9525" cap="flat" cmpd="sng" algn="ctr">
-                      <a:solidFill>
-                        <a:srgbClr val="CCCCCC"/>
-                      </a:solidFill>
-                      <a:prstDash val="solid"/>
-                      <a:round/>
-                      <a:headEnd type="none" w="med" len="med"/>
-                      <a:tailEnd type="none" w="med" len="med"/>
-                    </a:lnR>
-                    <a:lnT w="9525" cap="flat" cmpd="sng" algn="ctr">
-                      <a:solidFill>
-                        <a:srgbClr val="CCCCCC"/>
-                      </a:solidFill>
-                      <a:prstDash val="solid"/>
-                      <a:round/>
-                      <a:headEnd type="none" w="med" len="med"/>
-                      <a:tailEnd type="none" w="med" len="med"/>
-                    </a:lnT>
-                    <a:lnB w="9525" cap="flat" cmpd="sng" algn="ctr">
-                      <a:solidFill>
-                        <a:srgbClr val="CCCCCC"/>
-                      </a:solidFill>
-                      <a:prstDash val="solid"/>
-                      <a:round/>
-                      <a:headEnd type="none" w="med" len="med"/>
-                      <a:tailEnd type="none" w="med" len="med"/>
-                    </a:lnB>
-                  </a:tcPr>
-                </a:tc>
-                <a:extLst>
-                  <a:ext uri="{0D108BD9-81ED-4DB2-BD59-A6C34878D82A}">
-                    <a16:rowId xmlns:a16="http://schemas.microsoft.com/office/drawing/2014/main" val="3126219050"/>
-                  </a:ext>
-                </a:extLst>
-              </a:tr>
-              <a:tr h="88538">
-                <a:tc>
-                  <a:txBody>
-                    <a:bodyPr/>
-                    <a:lstStyle/>
-                    <a:p>
-                      <a:pPr rtl="0" fontAlgn="b"/>
-                      <a:r>
-                        <a:rPr lang="en-US" sz="1050">
-                          <a:solidFill>
-                            <a:srgbClr val="000000"/>
-                          </a:solidFill>
-                          <a:effectLst/>
-                          <a:latin typeface="Calibri" panose="020F0502020204030204" pitchFamily="34" charset="0"/>
-                        </a:rPr>
-                        <a:t>Title</a:t>
-                      </a:r>
-                    </a:p>
-                  </a:txBody>
-                  <a:tcPr marL="8098" marR="8098" marT="0" marB="0" anchor="b">
-                    <a:lnL w="9525" cap="flat" cmpd="sng" algn="ctr">
-                      <a:solidFill>
-                        <a:srgbClr val="CCCCCC"/>
-                      </a:solidFill>
-                      <a:prstDash val="solid"/>
-                      <a:round/>
-                      <a:headEnd type="none" w="med" len="med"/>
-                      <a:tailEnd type="none" w="med" len="med"/>
-                    </a:lnL>
-                    <a:lnR w="9525" cap="flat" cmpd="sng" algn="ctr">
-                      <a:solidFill>
-                        <a:srgbClr val="CCCCCC"/>
-                      </a:solidFill>
-                      <a:prstDash val="solid"/>
-                      <a:round/>
-                      <a:headEnd type="none" w="med" len="med"/>
-                      <a:tailEnd type="none" w="med" len="med"/>
-                    </a:lnR>
-                    <a:lnT w="9525" cap="flat" cmpd="sng" algn="ctr">
-                      <a:solidFill>
-                        <a:srgbClr val="CCCCCC"/>
-                      </a:solidFill>
-                      <a:prstDash val="solid"/>
-                      <a:round/>
-                      <a:headEnd type="none" w="med" len="med"/>
-                      <a:tailEnd type="none" w="med" len="med"/>
-                    </a:lnT>
-                    <a:lnB w="9525" cap="flat" cmpd="sng" algn="ctr">
-                      <a:solidFill>
-                        <a:srgbClr val="CCCCCC"/>
-                      </a:solidFill>
-                      <a:prstDash val="solid"/>
-                      <a:round/>
-                      <a:headEnd type="none" w="med" len="med"/>
-                      <a:tailEnd type="none" w="med" len="med"/>
-                    </a:lnB>
-                  </a:tcPr>
-                </a:tc>
-                <a:tc>
-                  <a:txBody>
-                    <a:bodyPr/>
-                    <a:lstStyle/>
-                    <a:p>
-                      <a:pPr rtl="0" fontAlgn="b"/>
-                      <a:r>
-                        <a:rPr lang="en-US" sz="1050" dirty="0">
-                          <a:solidFill>
-                            <a:srgbClr val="000000"/>
-                          </a:solidFill>
-                          <a:effectLst/>
-                          <a:latin typeface="Calibri" panose="020F0502020204030204" pitchFamily="34" charset="0"/>
-                        </a:rPr>
-                        <a:t>Course title </a:t>
-                      </a:r>
-                    </a:p>
-                  </a:txBody>
-                  <a:tcPr marL="8098" marR="8098" marT="5399" marB="5399" anchor="b">
-                    <a:lnL w="9525" cap="flat" cmpd="sng" algn="ctr">
-                      <a:solidFill>
-                        <a:srgbClr val="CCCCCC"/>
-                      </a:solidFill>
-                      <a:prstDash val="solid"/>
-                      <a:round/>
-                      <a:headEnd type="none" w="med" len="med"/>
-                      <a:tailEnd type="none" w="med" len="med"/>
-                    </a:lnL>
-                    <a:lnR w="9525" cap="flat" cmpd="sng" algn="ctr">
-                      <a:solidFill>
-                        <a:srgbClr val="CCCCCC"/>
-                      </a:solidFill>
-                      <a:prstDash val="solid"/>
-                      <a:round/>
-                      <a:headEnd type="none" w="med" len="med"/>
-                      <a:tailEnd type="none" w="med" len="med"/>
-                    </a:lnR>
-                    <a:lnT w="9525" cap="flat" cmpd="sng" algn="ctr">
-                      <a:solidFill>
-                        <a:srgbClr val="CCCCCC"/>
-                      </a:solidFill>
-                      <a:prstDash val="solid"/>
-                      <a:round/>
-                      <a:headEnd type="none" w="med" len="med"/>
-                      <a:tailEnd type="none" w="med" len="med"/>
-                    </a:lnT>
-                    <a:lnB w="9525" cap="flat" cmpd="sng" algn="ctr">
-                      <a:solidFill>
-                        <a:srgbClr val="CCCCCC"/>
-                      </a:solidFill>
-                      <a:prstDash val="solid"/>
-                      <a:round/>
-                      <a:headEnd type="none" w="med" len="med"/>
-                      <a:tailEnd type="none" w="med" len="med"/>
-                    </a:lnB>
-                  </a:tcPr>
-                </a:tc>
-                <a:tc>
-                  <a:txBody>
-                    <a:bodyPr/>
-                    <a:lstStyle/>
-                    <a:p>
-                      <a:pPr rtl="0" fontAlgn="b"/>
-                      <a:r>
-                        <a:rPr lang="en-US" sz="1050" dirty="0">
-                          <a:solidFill>
-                            <a:srgbClr val="000000"/>
-                          </a:solidFill>
-                          <a:effectLst/>
-                          <a:latin typeface="Calibri" panose="020F0502020204030204" pitchFamily="34" charset="0"/>
-                        </a:rPr>
-                        <a:t>TEXT</a:t>
-                      </a:r>
-                    </a:p>
-                  </a:txBody>
-                  <a:tcPr marL="8098" marR="8098" marT="0" marB="0" anchor="b">
-                    <a:lnL w="9525" cap="flat" cmpd="sng" algn="ctr">
-                      <a:solidFill>
-                        <a:srgbClr val="CCCCCC"/>
-                      </a:solidFill>
-                      <a:prstDash val="solid"/>
-                      <a:round/>
-                      <a:headEnd type="none" w="med" len="med"/>
-                      <a:tailEnd type="none" w="med" len="med"/>
-                    </a:lnL>
-                    <a:lnR w="9525" cap="flat" cmpd="sng" algn="ctr">
-                      <a:solidFill>
-                        <a:srgbClr val="CCCCCC"/>
-                      </a:solidFill>
-                      <a:prstDash val="solid"/>
-                      <a:round/>
-                      <a:headEnd type="none" w="med" len="med"/>
-                      <a:tailEnd type="none" w="med" len="med"/>
-                    </a:lnR>
-                    <a:lnT w="9525" cap="flat" cmpd="sng" algn="ctr">
-                      <a:solidFill>
-                        <a:srgbClr val="CCCCCC"/>
-                      </a:solidFill>
-                      <a:prstDash val="solid"/>
-                      <a:round/>
-                      <a:headEnd type="none" w="med" len="med"/>
-                      <a:tailEnd type="none" w="med" len="med"/>
-                    </a:lnT>
-                    <a:lnB w="9525" cap="flat" cmpd="sng" algn="ctr">
-                      <a:solidFill>
-                        <a:srgbClr val="CCCCCC"/>
-                      </a:solidFill>
-                      <a:prstDash val="solid"/>
-                      <a:round/>
-                      <a:headEnd type="none" w="med" len="med"/>
-                      <a:tailEnd type="none" w="med" len="med"/>
-                    </a:lnB>
-                  </a:tcPr>
-                </a:tc>
-                <a:tc>
-                  <a:txBody>
-                    <a:bodyPr/>
-                    <a:lstStyle/>
-                    <a:p>
-                      <a:pPr rtl="0" fontAlgn="b"/>
-                      <a:r>
-                        <a:rPr lang="en-US" sz="1050">
-                          <a:solidFill>
-                            <a:srgbClr val="000000"/>
-                          </a:solidFill>
-                          <a:effectLst/>
-                          <a:latin typeface="Calibri" panose="020F0502020204030204" pitchFamily="34" charset="0"/>
-                        </a:rPr>
-                        <a:t>e.g. Statistics I</a:t>
-                      </a:r>
-                    </a:p>
-                  </a:txBody>
-                  <a:tcPr marL="8098" marR="8098" marT="0" marB="0" anchor="b">
-                    <a:lnL w="9525" cap="flat" cmpd="sng" algn="ctr">
-                      <a:solidFill>
-                        <a:srgbClr val="CCCCCC"/>
-                      </a:solidFill>
-                      <a:prstDash val="solid"/>
-                      <a:round/>
-                      <a:headEnd type="none" w="med" len="med"/>
-                      <a:tailEnd type="none" w="med" len="med"/>
-                    </a:lnL>
-                    <a:lnR w="9525" cap="flat" cmpd="sng" algn="ctr">
-                      <a:solidFill>
-                        <a:srgbClr val="CCCCCC"/>
-                      </a:solidFill>
-                      <a:prstDash val="solid"/>
-                      <a:round/>
-                      <a:headEnd type="none" w="med" len="med"/>
-                      <a:tailEnd type="none" w="med" len="med"/>
-                    </a:lnR>
-                    <a:lnT w="9525" cap="flat" cmpd="sng" algn="ctr">
-                      <a:solidFill>
-                        <a:srgbClr val="CCCCCC"/>
-                      </a:solidFill>
-                      <a:prstDash val="solid"/>
-                      <a:round/>
-                      <a:headEnd type="none" w="med" len="med"/>
-                      <a:tailEnd type="none" w="med" len="med"/>
-                    </a:lnT>
-                    <a:lnB w="9525" cap="flat" cmpd="sng" algn="ctr">
-                      <a:solidFill>
-                        <a:srgbClr val="CCCCCC"/>
-                      </a:solidFill>
-                      <a:prstDash val="solid"/>
-                      <a:round/>
-                      <a:headEnd type="none" w="med" len="med"/>
-                      <a:tailEnd type="none" w="med" len="med"/>
-                    </a:lnB>
-                  </a:tcPr>
-                </a:tc>
-                <a:extLst>
-                  <a:ext uri="{0D108BD9-81ED-4DB2-BD59-A6C34878D82A}">
-                    <a16:rowId xmlns:a16="http://schemas.microsoft.com/office/drawing/2014/main" val="3220350950"/>
-                  </a:ext>
-                </a:extLst>
-              </a:tr>
-              <a:tr h="1099172">
-                <a:tc>
-                  <a:txBody>
-                    <a:bodyPr/>
-                    <a:lstStyle/>
-                    <a:p>
-                      <a:pPr rtl="0" fontAlgn="b"/>
-                      <a:r>
-                        <a:rPr lang="en-US" sz="1050" dirty="0">
-                          <a:solidFill>
-                            <a:srgbClr val="000000"/>
-                          </a:solidFill>
-                          <a:effectLst/>
-                          <a:latin typeface="Calibri" panose="020F0502020204030204" pitchFamily="34" charset="0"/>
-                        </a:rPr>
-                        <a:t>Credits</a:t>
-                      </a:r>
-                    </a:p>
-                  </a:txBody>
-                  <a:tcPr marL="8098" marR="8098" marT="0" marB="0" anchor="b">
-                    <a:lnL w="9525" cap="flat" cmpd="sng" algn="ctr">
-                      <a:solidFill>
-                        <a:srgbClr val="CCCCCC"/>
-                      </a:solidFill>
-                      <a:prstDash val="solid"/>
-                      <a:round/>
-                      <a:headEnd type="none" w="med" len="med"/>
-                      <a:tailEnd type="none" w="med" len="med"/>
-                    </a:lnL>
-                    <a:lnR w="9525" cap="flat" cmpd="sng" algn="ctr">
-                      <a:solidFill>
-                        <a:srgbClr val="CCCCCC"/>
-                      </a:solidFill>
-                      <a:prstDash val="solid"/>
-                      <a:round/>
-                      <a:headEnd type="none" w="med" len="med"/>
-                      <a:tailEnd type="none" w="med" len="med"/>
-                    </a:lnR>
-                    <a:lnT w="9525" cap="flat" cmpd="sng" algn="ctr">
-                      <a:solidFill>
-                        <a:srgbClr val="CCCCCC"/>
-                      </a:solidFill>
-                      <a:prstDash val="solid"/>
-                      <a:round/>
-                      <a:headEnd type="none" w="med" len="med"/>
-                      <a:tailEnd type="none" w="med" len="med"/>
-                    </a:lnT>
-                    <a:lnB w="9525" cap="flat" cmpd="sng" algn="ctr">
-                      <a:solidFill>
-                        <a:srgbClr val="CCCCCC"/>
-                      </a:solidFill>
-                      <a:prstDash val="solid"/>
-                      <a:round/>
-                      <a:headEnd type="none" w="med" len="med"/>
-                      <a:tailEnd type="none" w="med" len="med"/>
-                    </a:lnB>
-                  </a:tcPr>
-                </a:tc>
-                <a:tc>
-                  <a:txBody>
-                    <a:bodyPr/>
-                    <a:lstStyle/>
-                    <a:p>
-                      <a:pPr rtl="0" fontAlgn="b"/>
-                      <a:r>
-                        <a:rPr lang="en-CA" sz="1050" dirty="0">
-                          <a:solidFill>
-                            <a:srgbClr val="000000"/>
-                          </a:solidFill>
-                          <a:effectLst/>
-                          <a:latin typeface="Calibri" panose="020F0502020204030204" pitchFamily="34" charset="0"/>
-                        </a:rPr>
-                        <a:t>This can be tricky, as universities can have different conventions. To keep the variable numeric, use 1 for 2-semester courses (i.e. like </a:t>
-                      </a:r>
-                      <a:r>
-                        <a:rPr lang="en-CA" sz="1050" dirty="0" err="1">
-                          <a:solidFill>
-                            <a:srgbClr val="000000"/>
-                          </a:solidFill>
-                          <a:effectLst/>
-                          <a:latin typeface="Calibri" panose="020F0502020204030204" pitchFamily="34" charset="0"/>
-                        </a:rPr>
-                        <a:t>UofT's</a:t>
-                      </a:r>
-                      <a:r>
-                        <a:rPr lang="en-CA" sz="1050" dirty="0">
-                          <a:solidFill>
-                            <a:srgbClr val="000000"/>
-                          </a:solidFill>
-                          <a:effectLst/>
-                          <a:latin typeface="Calibri" panose="020F0502020204030204" pitchFamily="34" charset="0"/>
-                        </a:rPr>
-                        <a:t> Y courses), .5 for 1-semester courses (</a:t>
-                      </a:r>
-                      <a:r>
-                        <a:rPr lang="en-CA" sz="1050" dirty="0" err="1">
-                          <a:solidFill>
-                            <a:srgbClr val="000000"/>
-                          </a:solidFill>
-                          <a:effectLst/>
-                          <a:latin typeface="Calibri" panose="020F0502020204030204" pitchFamily="34" charset="0"/>
-                        </a:rPr>
-                        <a:t>UofT's</a:t>
-                      </a:r>
-                      <a:r>
-                        <a:rPr lang="en-CA" sz="1050" dirty="0">
-                          <a:solidFill>
-                            <a:srgbClr val="000000"/>
-                          </a:solidFill>
-                          <a:effectLst/>
-                          <a:latin typeface="Calibri" panose="020F0502020204030204" pitchFamily="34" charset="0"/>
-                        </a:rPr>
-                        <a:t> H-courses, should be most common option), and other fractions where applicable (e.g. a half-semester course would have .25 credits)</a:t>
-                      </a:r>
-                    </a:p>
-                  </a:txBody>
-                  <a:tcPr marL="8098" marR="8098" marT="5399" marB="5399" anchor="b">
-                    <a:lnL w="9525" cap="flat" cmpd="sng" algn="ctr">
-                      <a:solidFill>
-                        <a:srgbClr val="CCCCCC"/>
-                      </a:solidFill>
-                      <a:prstDash val="solid"/>
-                      <a:round/>
-                      <a:headEnd type="none" w="med" len="med"/>
-                      <a:tailEnd type="none" w="med" len="med"/>
-                    </a:lnL>
-                    <a:lnR w="9525" cap="flat" cmpd="sng" algn="ctr">
-                      <a:solidFill>
-                        <a:srgbClr val="CCCCCC"/>
-                      </a:solidFill>
-                      <a:prstDash val="solid"/>
-                      <a:round/>
-                      <a:headEnd type="none" w="med" len="med"/>
-                      <a:tailEnd type="none" w="med" len="med"/>
-                    </a:lnR>
-                    <a:lnT w="9525" cap="flat" cmpd="sng" algn="ctr">
-                      <a:solidFill>
-                        <a:srgbClr val="CCCCCC"/>
-                      </a:solidFill>
-                      <a:prstDash val="solid"/>
-                      <a:round/>
-                      <a:headEnd type="none" w="med" len="med"/>
-                      <a:tailEnd type="none" w="med" len="med"/>
-                    </a:lnT>
-                    <a:lnB w="9525" cap="flat" cmpd="sng" algn="ctr">
-                      <a:solidFill>
-                        <a:srgbClr val="CCCCCC"/>
-                      </a:solidFill>
-                      <a:prstDash val="solid"/>
-                      <a:round/>
-                      <a:headEnd type="none" w="med" len="med"/>
-                      <a:tailEnd type="none" w="med" len="med"/>
-                    </a:lnB>
-                  </a:tcPr>
-                </a:tc>
-                <a:tc>
-                  <a:txBody>
-                    <a:bodyPr/>
-                    <a:lstStyle/>
-                    <a:p>
-                      <a:pPr rtl="0" fontAlgn="b"/>
-                      <a:r>
-                        <a:rPr lang="en-US" sz="1050" dirty="0">
-                          <a:solidFill>
-                            <a:srgbClr val="000000"/>
-                          </a:solidFill>
-                          <a:effectLst/>
-                          <a:latin typeface="Calibri" panose="020F0502020204030204" pitchFamily="34" charset="0"/>
-                        </a:rPr>
-                        <a:t>NUMERIC</a:t>
-                      </a:r>
-                    </a:p>
-                  </a:txBody>
-                  <a:tcPr marL="8098" marR="8098" marT="0" marB="0" anchor="b">
-                    <a:lnL w="9525" cap="flat" cmpd="sng" algn="ctr">
-                      <a:solidFill>
-                        <a:srgbClr val="CCCCCC"/>
-                      </a:solidFill>
-                      <a:prstDash val="solid"/>
-                      <a:round/>
-                      <a:headEnd type="none" w="med" len="med"/>
-                      <a:tailEnd type="none" w="med" len="med"/>
-                    </a:lnL>
-                    <a:lnR w="9525" cap="flat" cmpd="sng" algn="ctr">
-                      <a:solidFill>
-                        <a:srgbClr val="CCCCCC"/>
-                      </a:solidFill>
-                      <a:prstDash val="solid"/>
-                      <a:round/>
-                      <a:headEnd type="none" w="med" len="med"/>
-                      <a:tailEnd type="none" w="med" len="med"/>
-                    </a:lnR>
-                    <a:lnT w="9525" cap="flat" cmpd="sng" algn="ctr">
-                      <a:solidFill>
-                        <a:srgbClr val="CCCCCC"/>
-                      </a:solidFill>
-                      <a:prstDash val="solid"/>
-                      <a:round/>
-                      <a:headEnd type="none" w="med" len="med"/>
-                      <a:tailEnd type="none" w="med" len="med"/>
-                    </a:lnT>
-                    <a:lnB w="9525" cap="flat" cmpd="sng" algn="ctr">
-                      <a:solidFill>
-                        <a:srgbClr val="CCCCCC"/>
-                      </a:solidFill>
-                      <a:prstDash val="solid"/>
-                      <a:round/>
-                      <a:headEnd type="none" w="med" len="med"/>
-                      <a:tailEnd type="none" w="med" len="med"/>
-                    </a:lnB>
-                  </a:tcPr>
-                </a:tc>
-                <a:tc>
-                  <a:txBody>
-                    <a:bodyPr/>
-                    <a:lstStyle/>
-                    <a:p>
-                      <a:pPr rtl="0" fontAlgn="b"/>
-                      <a:r>
-                        <a:rPr lang="en-US" sz="1050">
-                          <a:solidFill>
-                            <a:srgbClr val="000000"/>
-                          </a:solidFill>
-                          <a:effectLst/>
-                          <a:latin typeface="Calibri" panose="020F0502020204030204" pitchFamily="34" charset="0"/>
-                        </a:rPr>
-                        <a:t>e.g. 1.0</a:t>
-                      </a:r>
-                    </a:p>
-                  </a:txBody>
-                  <a:tcPr marL="8098" marR="8098" marT="0" marB="0" anchor="b">
-                    <a:lnL w="9525" cap="flat" cmpd="sng" algn="ctr">
-                      <a:solidFill>
-                        <a:srgbClr val="CCCCCC"/>
-                      </a:solidFill>
-                      <a:prstDash val="solid"/>
-                      <a:round/>
-                      <a:headEnd type="none" w="med" len="med"/>
-                      <a:tailEnd type="none" w="med" len="med"/>
-                    </a:lnL>
-                    <a:lnR w="9525" cap="flat" cmpd="sng" algn="ctr">
-                      <a:solidFill>
-                        <a:srgbClr val="CCCCCC"/>
-                      </a:solidFill>
-                      <a:prstDash val="solid"/>
-                      <a:round/>
-                      <a:headEnd type="none" w="med" len="med"/>
-                      <a:tailEnd type="none" w="med" len="med"/>
-                    </a:lnR>
-                    <a:lnT w="9525" cap="flat" cmpd="sng" algn="ctr">
-                      <a:solidFill>
-                        <a:srgbClr val="CCCCCC"/>
-                      </a:solidFill>
-                      <a:prstDash val="solid"/>
-                      <a:round/>
-                      <a:headEnd type="none" w="med" len="med"/>
-                      <a:tailEnd type="none" w="med" len="med"/>
-                    </a:lnT>
-                    <a:lnB w="9525" cap="flat" cmpd="sng" algn="ctr">
-                      <a:solidFill>
-                        <a:srgbClr val="CCCCCC"/>
-                      </a:solidFill>
-                      <a:prstDash val="solid"/>
-                      <a:round/>
-                      <a:headEnd type="none" w="med" len="med"/>
-                      <a:tailEnd type="none" w="med" len="med"/>
-                    </a:lnB>
-                  </a:tcPr>
-                </a:tc>
-                <a:extLst>
-                  <a:ext uri="{0D108BD9-81ED-4DB2-BD59-A6C34878D82A}">
-                    <a16:rowId xmlns:a16="http://schemas.microsoft.com/office/drawing/2014/main" val="2554912251"/>
-                  </a:ext>
-                </a:extLst>
-              </a:tr>
-              <a:tr h="233223">
-                <a:tc>
-                  <a:txBody>
-                    <a:bodyPr/>
-                    <a:lstStyle/>
-                    <a:p>
-                      <a:pPr rtl="0" fontAlgn="b"/>
-                      <a:r>
-                        <a:rPr lang="en-US" sz="1050" dirty="0">
-                          <a:solidFill>
-                            <a:srgbClr val="000000"/>
-                          </a:solidFill>
-                          <a:effectLst/>
-                          <a:latin typeface="Calibri" panose="020F0502020204030204" pitchFamily="34" charset="0"/>
-                        </a:rPr>
-                        <a:t>Description</a:t>
-                      </a:r>
-                    </a:p>
-                  </a:txBody>
-                  <a:tcPr marL="8098" marR="8098" marT="0" marB="0" anchor="b">
-                    <a:lnL w="9525" cap="flat" cmpd="sng" algn="ctr">
-                      <a:solidFill>
-                        <a:srgbClr val="CCCCCC"/>
-                      </a:solidFill>
-                      <a:prstDash val="solid"/>
-                      <a:round/>
-                      <a:headEnd type="none" w="med" len="med"/>
-                      <a:tailEnd type="none" w="med" len="med"/>
-                    </a:lnL>
-                    <a:lnR w="9525" cap="flat" cmpd="sng" algn="ctr">
-                      <a:solidFill>
-                        <a:srgbClr val="CCCCCC"/>
-                      </a:solidFill>
-                      <a:prstDash val="solid"/>
-                      <a:round/>
-                      <a:headEnd type="none" w="med" len="med"/>
-                      <a:tailEnd type="none" w="med" len="med"/>
-                    </a:lnR>
-                    <a:lnT w="9525" cap="flat" cmpd="sng" algn="ctr">
-                      <a:solidFill>
-                        <a:srgbClr val="CCCCCC"/>
-                      </a:solidFill>
-                      <a:prstDash val="solid"/>
-                      <a:round/>
-                      <a:headEnd type="none" w="med" len="med"/>
-                      <a:tailEnd type="none" w="med" len="med"/>
-                    </a:lnT>
-                    <a:lnB w="9525" cap="flat" cmpd="sng" algn="ctr">
-                      <a:solidFill>
-                        <a:srgbClr val="CCCCCC"/>
-                      </a:solidFill>
-                      <a:prstDash val="solid"/>
-                      <a:round/>
-                      <a:headEnd type="none" w="med" len="med"/>
-                      <a:tailEnd type="none" w="med" len="med"/>
-                    </a:lnB>
-                  </a:tcPr>
-                </a:tc>
-                <a:tc>
-                  <a:txBody>
-                    <a:bodyPr/>
-                    <a:lstStyle/>
-                    <a:p>
-                      <a:pPr rtl="0" fontAlgn="b"/>
-                      <a:r>
-                        <a:rPr lang="en-US" sz="1050">
-                          <a:solidFill>
-                            <a:srgbClr val="000000"/>
-                          </a:solidFill>
-                          <a:effectLst/>
-                          <a:latin typeface="Calibri" panose="020F0502020204030204" pitchFamily="34" charset="0"/>
-                        </a:rPr>
-                        <a:t>Course description</a:t>
-                      </a:r>
-                    </a:p>
-                  </a:txBody>
-                  <a:tcPr marL="8098" marR="8098" marT="5399" marB="5399" anchor="b">
-                    <a:lnL w="9525" cap="flat" cmpd="sng" algn="ctr">
-                      <a:solidFill>
-                        <a:srgbClr val="CCCCCC"/>
-                      </a:solidFill>
-                      <a:prstDash val="solid"/>
-                      <a:round/>
-                      <a:headEnd type="none" w="med" len="med"/>
-                      <a:tailEnd type="none" w="med" len="med"/>
-                    </a:lnL>
-                    <a:lnR w="9525" cap="flat" cmpd="sng" algn="ctr">
-                      <a:solidFill>
-                        <a:srgbClr val="CCCCCC"/>
-                      </a:solidFill>
-                      <a:prstDash val="solid"/>
-                      <a:round/>
-                      <a:headEnd type="none" w="med" len="med"/>
-                      <a:tailEnd type="none" w="med" len="med"/>
-                    </a:lnR>
-                    <a:lnT w="9525" cap="flat" cmpd="sng" algn="ctr">
-                      <a:solidFill>
-                        <a:srgbClr val="CCCCCC"/>
-                      </a:solidFill>
-                      <a:prstDash val="solid"/>
-                      <a:round/>
-                      <a:headEnd type="none" w="med" len="med"/>
-                      <a:tailEnd type="none" w="med" len="med"/>
-                    </a:lnT>
-                    <a:lnB w="9525" cap="flat" cmpd="sng" algn="ctr">
-                      <a:solidFill>
-                        <a:srgbClr val="CCCCCC"/>
-                      </a:solidFill>
-                      <a:prstDash val="solid"/>
-                      <a:round/>
-                      <a:headEnd type="none" w="med" len="med"/>
-                      <a:tailEnd type="none" w="med" len="med"/>
-                    </a:lnB>
-                  </a:tcPr>
-                </a:tc>
-                <a:tc>
-                  <a:txBody>
-                    <a:bodyPr/>
-                    <a:lstStyle/>
-                    <a:p>
-                      <a:pPr rtl="0" fontAlgn="b"/>
-                      <a:r>
-                        <a:rPr lang="en-US" sz="1050">
-                          <a:solidFill>
-                            <a:srgbClr val="000000"/>
-                          </a:solidFill>
-                          <a:effectLst/>
-                          <a:latin typeface="Calibri" panose="020F0502020204030204" pitchFamily="34" charset="0"/>
-                        </a:rPr>
-                        <a:t>TEXT</a:t>
-                      </a:r>
-                    </a:p>
-                  </a:txBody>
-                  <a:tcPr marL="8098" marR="8098" marT="0" marB="0" anchor="b">
-                    <a:lnL w="9525" cap="flat" cmpd="sng" algn="ctr">
-                      <a:solidFill>
-                        <a:srgbClr val="CCCCCC"/>
-                      </a:solidFill>
-                      <a:prstDash val="solid"/>
-                      <a:round/>
-                      <a:headEnd type="none" w="med" len="med"/>
-                      <a:tailEnd type="none" w="med" len="med"/>
-                    </a:lnL>
-                    <a:lnR w="9525" cap="flat" cmpd="sng" algn="ctr">
-                      <a:solidFill>
-                        <a:srgbClr val="CCCCCC"/>
-                      </a:solidFill>
-                      <a:prstDash val="solid"/>
-                      <a:round/>
-                      <a:headEnd type="none" w="med" len="med"/>
-                      <a:tailEnd type="none" w="med" len="med"/>
-                    </a:lnR>
-                    <a:lnT w="9525" cap="flat" cmpd="sng" algn="ctr">
-                      <a:solidFill>
-                        <a:srgbClr val="CCCCCC"/>
-                      </a:solidFill>
-                      <a:prstDash val="solid"/>
-                      <a:round/>
-                      <a:headEnd type="none" w="med" len="med"/>
-                      <a:tailEnd type="none" w="med" len="med"/>
-                    </a:lnT>
-                    <a:lnB w="9525" cap="flat" cmpd="sng" algn="ctr">
-                      <a:solidFill>
-                        <a:srgbClr val="CCCCCC"/>
-                      </a:solidFill>
-                      <a:prstDash val="solid"/>
-                      <a:round/>
-                      <a:headEnd type="none" w="med" len="med"/>
-                      <a:tailEnd type="none" w="med" len="med"/>
-                    </a:lnB>
-                  </a:tcPr>
-                </a:tc>
-                <a:tc>
-                  <a:txBody>
-                    <a:bodyPr/>
-                    <a:lstStyle/>
-                    <a:p>
-                      <a:pPr rtl="0" fontAlgn="b"/>
-                      <a:r>
-                        <a:rPr lang="en-US" sz="1050">
-                          <a:solidFill>
-                            <a:srgbClr val="000000"/>
-                          </a:solidFill>
-                          <a:effectLst/>
-                          <a:latin typeface="Calibri" panose="020F0502020204030204" pitchFamily="34" charset="0"/>
-                        </a:rPr>
-                        <a:t>Copy-paste from calendar , no pre-reqs or exclusions</a:t>
-                      </a:r>
-                    </a:p>
-                  </a:txBody>
-                  <a:tcPr marL="8098" marR="8098" marT="0" marB="0" anchor="b">
-                    <a:lnL w="9525" cap="flat" cmpd="sng" algn="ctr">
-                      <a:solidFill>
-                        <a:srgbClr val="CCCCCC"/>
-                      </a:solidFill>
-                      <a:prstDash val="solid"/>
-                      <a:round/>
-                      <a:headEnd type="none" w="med" len="med"/>
-                      <a:tailEnd type="none" w="med" len="med"/>
-                    </a:lnL>
-                    <a:lnR w="9525" cap="flat" cmpd="sng" algn="ctr">
-                      <a:solidFill>
-                        <a:srgbClr val="CCCCCC"/>
-                      </a:solidFill>
-                      <a:prstDash val="solid"/>
-                      <a:round/>
-                      <a:headEnd type="none" w="med" len="med"/>
-                      <a:tailEnd type="none" w="med" len="med"/>
-                    </a:lnR>
-                    <a:lnT w="9525" cap="flat" cmpd="sng" algn="ctr">
-                      <a:solidFill>
-                        <a:srgbClr val="CCCCCC"/>
-                      </a:solidFill>
-                      <a:prstDash val="solid"/>
-                      <a:round/>
-                      <a:headEnd type="none" w="med" len="med"/>
-                      <a:tailEnd type="none" w="med" len="med"/>
-                    </a:lnT>
-                    <a:lnB w="9525" cap="flat" cmpd="sng" algn="ctr">
-                      <a:solidFill>
-                        <a:srgbClr val="CCCCCC"/>
-                      </a:solidFill>
-                      <a:prstDash val="solid"/>
-                      <a:round/>
-                      <a:headEnd type="none" w="med" len="med"/>
-                      <a:tailEnd type="none" w="med" len="med"/>
-                    </a:lnB>
-                  </a:tcPr>
-                </a:tc>
-                <a:extLst>
-                  <a:ext uri="{0D108BD9-81ED-4DB2-BD59-A6C34878D82A}">
-                    <a16:rowId xmlns:a16="http://schemas.microsoft.com/office/drawing/2014/main" val="2115713028"/>
-                  </a:ext>
-                </a:extLst>
-              </a:tr>
-              <a:tr h="233223">
-                <a:tc>
-                  <a:txBody>
-                    <a:bodyPr/>
-                    <a:lstStyle/>
-                    <a:p>
-                      <a:pPr rtl="0" fontAlgn="b"/>
-                      <a:r>
-                        <a:rPr lang="en-US" sz="1050" dirty="0">
-                          <a:solidFill>
-                            <a:srgbClr val="000000"/>
-                          </a:solidFill>
-                          <a:effectLst/>
-                          <a:latin typeface="Calibri" panose="020F0502020204030204" pitchFamily="34" charset="0"/>
-                        </a:rPr>
-                        <a:t>Discipline</a:t>
-                      </a:r>
-                    </a:p>
-                  </a:txBody>
-                  <a:tcPr marL="8098" marR="8098" marT="0" marB="0" anchor="b">
-                    <a:lnL w="9525" cap="flat" cmpd="sng" algn="ctr">
-                      <a:solidFill>
-                        <a:srgbClr val="CCCCCC"/>
-                      </a:solidFill>
-                      <a:prstDash val="solid"/>
-                      <a:round/>
-                      <a:headEnd type="none" w="med" len="med"/>
-                      <a:tailEnd type="none" w="med" len="med"/>
-                    </a:lnL>
-                    <a:lnR w="9525" cap="flat" cmpd="sng" algn="ctr">
-                      <a:solidFill>
-                        <a:srgbClr val="CCCCCC"/>
-                      </a:solidFill>
-                      <a:prstDash val="solid"/>
-                      <a:round/>
-                      <a:headEnd type="none" w="med" len="med"/>
-                      <a:tailEnd type="none" w="med" len="med"/>
-                    </a:lnR>
-                    <a:lnT w="9525" cap="flat" cmpd="sng" algn="ctr">
-                      <a:solidFill>
-                        <a:srgbClr val="CCCCCC"/>
-                      </a:solidFill>
-                      <a:prstDash val="solid"/>
-                      <a:round/>
-                      <a:headEnd type="none" w="med" len="med"/>
-                      <a:tailEnd type="none" w="med" len="med"/>
-                    </a:lnT>
-                    <a:lnB w="9525" cap="flat" cmpd="sng" algn="ctr">
-                      <a:solidFill>
-                        <a:srgbClr val="CCCCCC"/>
-                      </a:solidFill>
-                      <a:prstDash val="solid"/>
-                      <a:round/>
-                      <a:headEnd type="none" w="med" len="med"/>
-                      <a:tailEnd type="none" w="med" len="med"/>
-                    </a:lnB>
-                  </a:tcPr>
-                </a:tc>
-                <a:tc>
-                  <a:txBody>
-                    <a:bodyPr/>
-                    <a:lstStyle/>
-                    <a:p>
-                      <a:pPr rtl="0" fontAlgn="b"/>
-                      <a:endParaRPr lang="en-US" sz="1050" dirty="0">
-                        <a:effectLst/>
-                      </a:endParaRPr>
-                    </a:p>
-                  </a:txBody>
-                  <a:tcPr marL="8098" marR="8098" marT="5399" marB="5399" anchor="b">
-                    <a:lnL w="9525" cap="flat" cmpd="sng" algn="ctr">
-                      <a:solidFill>
-                        <a:srgbClr val="CCCCCC"/>
-                      </a:solidFill>
-                      <a:prstDash val="solid"/>
-                      <a:round/>
-                      <a:headEnd type="none" w="med" len="med"/>
-                      <a:tailEnd type="none" w="med" len="med"/>
-                    </a:lnL>
-                    <a:lnR w="9525" cap="flat" cmpd="sng" algn="ctr">
-                      <a:solidFill>
-                        <a:srgbClr val="CCCCCC"/>
-                      </a:solidFill>
-                      <a:prstDash val="solid"/>
-                      <a:round/>
-                      <a:headEnd type="none" w="med" len="med"/>
-                      <a:tailEnd type="none" w="med" len="med"/>
-                    </a:lnR>
-                    <a:lnT w="9525" cap="flat" cmpd="sng" algn="ctr">
-                      <a:solidFill>
-                        <a:srgbClr val="CCCCCC"/>
-                      </a:solidFill>
-                      <a:prstDash val="solid"/>
-                      <a:round/>
-                      <a:headEnd type="none" w="med" len="med"/>
-                      <a:tailEnd type="none" w="med" len="med"/>
-                    </a:lnT>
-                    <a:lnB w="9525" cap="flat" cmpd="sng" algn="ctr">
-                      <a:solidFill>
-                        <a:srgbClr val="CCCCCC"/>
-                      </a:solidFill>
-                      <a:prstDash val="solid"/>
-                      <a:round/>
-                      <a:headEnd type="none" w="med" len="med"/>
-                      <a:tailEnd type="none" w="med" len="med"/>
-                    </a:lnB>
-                  </a:tcPr>
-                </a:tc>
-                <a:tc>
-                  <a:txBody>
-                    <a:bodyPr/>
-                    <a:lstStyle/>
-                    <a:p>
-                      <a:pPr rtl="0" fontAlgn="b"/>
-                      <a:r>
-                        <a:rPr lang="en-US" sz="1050">
-                          <a:solidFill>
-                            <a:srgbClr val="000000"/>
-                          </a:solidFill>
-                          <a:effectLst/>
-                          <a:latin typeface="Calibri" panose="020F0502020204030204" pitchFamily="34" charset="0"/>
-                        </a:rPr>
-                        <a:t>CATEGORICAL</a:t>
-                      </a:r>
-                    </a:p>
-                  </a:txBody>
-                  <a:tcPr marL="8098" marR="8098" marT="0" marB="0" anchor="b">
-                    <a:lnL w="9525" cap="flat" cmpd="sng" algn="ctr">
-                      <a:solidFill>
-                        <a:srgbClr val="CCCCCC"/>
-                      </a:solidFill>
-                      <a:prstDash val="solid"/>
-                      <a:round/>
-                      <a:headEnd type="none" w="med" len="med"/>
-                      <a:tailEnd type="none" w="med" len="med"/>
-                    </a:lnL>
-                    <a:lnR w="9525" cap="flat" cmpd="sng" algn="ctr">
-                      <a:solidFill>
-                        <a:srgbClr val="CCCCCC"/>
-                      </a:solidFill>
-                      <a:prstDash val="solid"/>
-                      <a:round/>
-                      <a:headEnd type="none" w="med" len="med"/>
-                      <a:tailEnd type="none" w="med" len="med"/>
-                    </a:lnR>
-                    <a:lnT w="9525" cap="flat" cmpd="sng" algn="ctr">
-                      <a:solidFill>
-                        <a:srgbClr val="CCCCCC"/>
-                      </a:solidFill>
-                      <a:prstDash val="solid"/>
-                      <a:round/>
-                      <a:headEnd type="none" w="med" len="med"/>
-                      <a:tailEnd type="none" w="med" len="med"/>
-                    </a:lnT>
-                    <a:lnB w="9525" cap="flat" cmpd="sng" algn="ctr">
-                      <a:solidFill>
-                        <a:srgbClr val="CCCCCC"/>
-                      </a:solidFill>
-                      <a:prstDash val="solid"/>
-                      <a:round/>
-                      <a:headEnd type="none" w="med" len="med"/>
-                      <a:tailEnd type="none" w="med" len="med"/>
-                    </a:lnB>
-                  </a:tcPr>
-                </a:tc>
-                <a:tc>
-                  <a:txBody>
-                    <a:bodyPr/>
-                    <a:lstStyle/>
-                    <a:p>
-                      <a:pPr rtl="0" fontAlgn="b"/>
-                      <a:r>
-                        <a:rPr lang="en-CA" sz="1050">
-                          <a:solidFill>
-                            <a:srgbClr val="000000"/>
-                          </a:solidFill>
-                          <a:effectLst/>
-                          <a:latin typeface="Calibri" panose="020F0502020204030204" pitchFamily="34" charset="0"/>
-                        </a:rPr>
-                        <a:t>One or more of: MATH, STAT, COMP, OTHR </a:t>
-                      </a:r>
-                    </a:p>
-                  </a:txBody>
-                  <a:tcPr marL="8098" marR="8098" marT="5399" marB="5399" anchor="b">
-                    <a:lnL w="9525" cap="flat" cmpd="sng" algn="ctr">
-                      <a:solidFill>
-                        <a:srgbClr val="CCCCCC"/>
-                      </a:solidFill>
-                      <a:prstDash val="solid"/>
-                      <a:round/>
-                      <a:headEnd type="none" w="med" len="med"/>
-                      <a:tailEnd type="none" w="med" len="med"/>
-                    </a:lnL>
-                    <a:lnR w="9525" cap="flat" cmpd="sng" algn="ctr">
-                      <a:solidFill>
-                        <a:srgbClr val="CCCCCC"/>
-                      </a:solidFill>
-                      <a:prstDash val="solid"/>
-                      <a:round/>
-                      <a:headEnd type="none" w="med" len="med"/>
-                      <a:tailEnd type="none" w="med" len="med"/>
-                    </a:lnR>
-                    <a:lnT w="9525" cap="flat" cmpd="sng" algn="ctr">
-                      <a:solidFill>
-                        <a:srgbClr val="CCCCCC"/>
-                      </a:solidFill>
-                      <a:prstDash val="solid"/>
-                      <a:round/>
-                      <a:headEnd type="none" w="med" len="med"/>
-                      <a:tailEnd type="none" w="med" len="med"/>
-                    </a:lnT>
-                    <a:lnB w="9525" cap="flat" cmpd="sng" algn="ctr">
-                      <a:solidFill>
-                        <a:srgbClr val="CCCCCC"/>
-                      </a:solidFill>
-                      <a:prstDash val="solid"/>
-                      <a:round/>
-                      <a:headEnd type="none" w="med" len="med"/>
-                      <a:tailEnd type="none" w="med" len="med"/>
-                    </a:lnB>
-                  </a:tcPr>
-                </a:tc>
-                <a:extLst>
-                  <a:ext uri="{0D108BD9-81ED-4DB2-BD59-A6C34878D82A}">
-                    <a16:rowId xmlns:a16="http://schemas.microsoft.com/office/drawing/2014/main" val="1384297608"/>
-                  </a:ext>
-                </a:extLst>
-              </a:tr>
-              <a:tr h="554985">
-                <a:tc>
-                  <a:txBody>
-                    <a:bodyPr/>
-                    <a:lstStyle/>
-                    <a:p>
-                      <a:pPr rtl="0" fontAlgn="b"/>
-                      <a:r>
-                        <a:rPr lang="en-US" sz="1050" dirty="0">
-                          <a:solidFill>
-                            <a:srgbClr val="000000"/>
-                          </a:solidFill>
-                          <a:effectLst/>
-                          <a:latin typeface="Calibri" panose="020F0502020204030204" pitchFamily="34" charset="0"/>
-                        </a:rPr>
-                        <a:t>Level</a:t>
-                      </a:r>
-                    </a:p>
-                  </a:txBody>
-                  <a:tcPr marL="8098" marR="8098" marT="0" marB="0" anchor="b">
-                    <a:lnL w="9525" cap="flat" cmpd="sng" algn="ctr">
-                      <a:solidFill>
-                        <a:srgbClr val="CCCCCC"/>
-                      </a:solidFill>
-                      <a:prstDash val="solid"/>
-                      <a:round/>
-                      <a:headEnd type="none" w="med" len="med"/>
-                      <a:tailEnd type="none" w="med" len="med"/>
-                    </a:lnL>
-                    <a:lnR w="9525" cap="flat" cmpd="sng" algn="ctr">
-                      <a:solidFill>
-                        <a:srgbClr val="CCCCCC"/>
-                      </a:solidFill>
-                      <a:prstDash val="solid"/>
-                      <a:round/>
-                      <a:headEnd type="none" w="med" len="med"/>
-                      <a:tailEnd type="none" w="med" len="med"/>
-                    </a:lnR>
-                    <a:lnT w="9525" cap="flat" cmpd="sng" algn="ctr">
-                      <a:solidFill>
-                        <a:srgbClr val="CCCCCC"/>
-                      </a:solidFill>
-                      <a:prstDash val="solid"/>
-                      <a:round/>
-                      <a:headEnd type="none" w="med" len="med"/>
-                      <a:tailEnd type="none" w="med" len="med"/>
-                    </a:lnT>
-                    <a:lnB w="9525" cap="flat" cmpd="sng" algn="ctr">
-                      <a:solidFill>
-                        <a:srgbClr val="CCCCCC"/>
-                      </a:solidFill>
-                      <a:prstDash val="solid"/>
-                      <a:round/>
-                      <a:headEnd type="none" w="med" len="med"/>
-                      <a:tailEnd type="none" w="med" len="med"/>
-                    </a:lnB>
-                  </a:tcPr>
-                </a:tc>
-                <a:tc>
-                  <a:txBody>
-                    <a:bodyPr/>
-                    <a:lstStyle/>
-                    <a:p>
-                      <a:pPr rtl="0" fontAlgn="b"/>
-                      <a:r>
-                        <a:rPr lang="en-CA" sz="1050" dirty="0">
-                          <a:solidFill>
-                            <a:srgbClr val="000000"/>
-                          </a:solidFill>
-                          <a:effectLst/>
-                          <a:latin typeface="Calibri" panose="020F0502020204030204" pitchFamily="34" charset="0"/>
-                        </a:rPr>
-                        <a:t>Effectively, the year the course is offered in. It is usually included in the course code ( I think UTSC is the only University in North America using A,B,C,D)</a:t>
-                      </a:r>
-                    </a:p>
-                  </a:txBody>
-                  <a:tcPr marL="8098" marR="8098" marT="5399" marB="5399" anchor="b">
-                    <a:lnL w="9525" cap="flat" cmpd="sng" algn="ctr">
-                      <a:solidFill>
-                        <a:srgbClr val="CCCCCC"/>
-                      </a:solidFill>
-                      <a:prstDash val="solid"/>
-                      <a:round/>
-                      <a:headEnd type="none" w="med" len="med"/>
-                      <a:tailEnd type="none" w="med" len="med"/>
-                    </a:lnL>
-                    <a:lnR w="9525" cap="flat" cmpd="sng" algn="ctr">
-                      <a:solidFill>
-                        <a:srgbClr val="CCCCCC"/>
-                      </a:solidFill>
-                      <a:prstDash val="solid"/>
-                      <a:round/>
-                      <a:headEnd type="none" w="med" len="med"/>
-                      <a:tailEnd type="none" w="med" len="med"/>
-                    </a:lnR>
-                    <a:lnT w="9525" cap="flat" cmpd="sng" algn="ctr">
-                      <a:solidFill>
-                        <a:srgbClr val="CCCCCC"/>
-                      </a:solidFill>
-                      <a:prstDash val="solid"/>
-                      <a:round/>
-                      <a:headEnd type="none" w="med" len="med"/>
-                      <a:tailEnd type="none" w="med" len="med"/>
-                    </a:lnT>
-                    <a:lnB w="9525" cap="flat" cmpd="sng" algn="ctr">
-                      <a:solidFill>
-                        <a:srgbClr val="CCCCCC"/>
-                      </a:solidFill>
-                      <a:prstDash val="solid"/>
-                      <a:round/>
-                      <a:headEnd type="none" w="med" len="med"/>
-                      <a:tailEnd type="none" w="med" len="med"/>
-                    </a:lnB>
-                  </a:tcPr>
-                </a:tc>
-                <a:tc>
-                  <a:txBody>
-                    <a:bodyPr/>
-                    <a:lstStyle/>
-                    <a:p>
-                      <a:pPr rtl="0" fontAlgn="b"/>
-                      <a:r>
-                        <a:rPr lang="en-US" sz="1050">
-                          <a:solidFill>
-                            <a:srgbClr val="000000"/>
-                          </a:solidFill>
-                          <a:effectLst/>
-                          <a:latin typeface="Calibri" panose="020F0502020204030204" pitchFamily="34" charset="0"/>
-                        </a:rPr>
-                        <a:t>CATEGORICAL</a:t>
-                      </a:r>
-                    </a:p>
-                  </a:txBody>
-                  <a:tcPr marL="8098" marR="8098" marT="0" marB="0" anchor="b">
-                    <a:lnL w="9525" cap="flat" cmpd="sng" algn="ctr">
-                      <a:solidFill>
-                        <a:srgbClr val="CCCCCC"/>
-                      </a:solidFill>
-                      <a:prstDash val="solid"/>
-                      <a:round/>
-                      <a:headEnd type="none" w="med" len="med"/>
-                      <a:tailEnd type="none" w="med" len="med"/>
-                    </a:lnL>
-                    <a:lnR w="9525" cap="flat" cmpd="sng" algn="ctr">
-                      <a:solidFill>
-                        <a:srgbClr val="CCCCCC"/>
-                      </a:solidFill>
-                      <a:prstDash val="solid"/>
-                      <a:round/>
-                      <a:headEnd type="none" w="med" len="med"/>
-                      <a:tailEnd type="none" w="med" len="med"/>
-                    </a:lnR>
-                    <a:lnT w="9525" cap="flat" cmpd="sng" algn="ctr">
-                      <a:solidFill>
-                        <a:srgbClr val="CCCCCC"/>
-                      </a:solidFill>
-                      <a:prstDash val="solid"/>
-                      <a:round/>
-                      <a:headEnd type="none" w="med" len="med"/>
-                      <a:tailEnd type="none" w="med" len="med"/>
-                    </a:lnT>
-                    <a:lnB w="9525" cap="flat" cmpd="sng" algn="ctr">
-                      <a:solidFill>
-                        <a:srgbClr val="CCCCCC"/>
-                      </a:solidFill>
-                      <a:prstDash val="solid"/>
-                      <a:round/>
-                      <a:headEnd type="none" w="med" len="med"/>
-                      <a:tailEnd type="none" w="med" len="med"/>
-                    </a:lnB>
-                  </a:tcPr>
-                </a:tc>
-                <a:tc>
-                  <a:txBody>
-                    <a:bodyPr/>
-                    <a:lstStyle/>
-                    <a:p>
-                      <a:pPr rtl="0" fontAlgn="b"/>
-                      <a:r>
-                        <a:rPr lang="en-CA" sz="1050" dirty="0">
-                          <a:solidFill>
-                            <a:srgbClr val="000000"/>
-                          </a:solidFill>
-                          <a:effectLst/>
-                          <a:latin typeface="Calibri" panose="020F0502020204030204" pitchFamily="34" charset="0"/>
-                        </a:rPr>
-                        <a:t>One or more of : 1, 2, 3, 4 </a:t>
-                      </a:r>
-                    </a:p>
-                  </a:txBody>
-                  <a:tcPr marL="8098" marR="8098" marT="0" marB="0" anchor="b">
-                    <a:lnL w="9525" cap="flat" cmpd="sng" algn="ctr">
-                      <a:solidFill>
-                        <a:srgbClr val="CCCCCC"/>
-                      </a:solidFill>
-                      <a:prstDash val="solid"/>
-                      <a:round/>
-                      <a:headEnd type="none" w="med" len="med"/>
-                      <a:tailEnd type="none" w="med" len="med"/>
-                    </a:lnL>
-                    <a:lnR w="9525" cap="flat" cmpd="sng" algn="ctr">
-                      <a:solidFill>
-                        <a:srgbClr val="CCCCCC"/>
-                      </a:solidFill>
-                      <a:prstDash val="solid"/>
-                      <a:round/>
-                      <a:headEnd type="none" w="med" len="med"/>
-                      <a:tailEnd type="none" w="med" len="med"/>
-                    </a:lnR>
-                    <a:lnT w="9525" cap="flat" cmpd="sng" algn="ctr">
-                      <a:solidFill>
-                        <a:srgbClr val="CCCCCC"/>
-                      </a:solidFill>
-                      <a:prstDash val="solid"/>
-                      <a:round/>
-                      <a:headEnd type="none" w="med" len="med"/>
-                      <a:tailEnd type="none" w="med" len="med"/>
-                    </a:lnT>
-                    <a:lnB w="9525" cap="flat" cmpd="sng" algn="ctr">
-                      <a:solidFill>
-                        <a:srgbClr val="CCCCCC"/>
-                      </a:solidFill>
-                      <a:prstDash val="solid"/>
-                      <a:round/>
-                      <a:headEnd type="none" w="med" len="med"/>
-                      <a:tailEnd type="none" w="med" len="med"/>
-                    </a:lnB>
-                  </a:tcPr>
-                </a:tc>
-                <a:extLst>
-                  <a:ext uri="{0D108BD9-81ED-4DB2-BD59-A6C34878D82A}">
-                    <a16:rowId xmlns:a16="http://schemas.microsoft.com/office/drawing/2014/main" val="2679721146"/>
-                  </a:ext>
-                </a:extLst>
-              </a:tr>
-              <a:tr h="244020">
-                <a:tc>
-                  <a:txBody>
-                    <a:bodyPr/>
-                    <a:lstStyle/>
-                    <a:p>
-                      <a:pPr rtl="0" fontAlgn="b"/>
-                      <a:r>
-                        <a:rPr lang="en-US" sz="1050">
-                          <a:solidFill>
-                            <a:srgbClr val="000000"/>
-                          </a:solidFill>
-                          <a:effectLst/>
-                          <a:latin typeface="Calibri" panose="020F0502020204030204" pitchFamily="34" charset="0"/>
-                        </a:rPr>
-                        <a:t>Type</a:t>
-                      </a:r>
-                    </a:p>
-                  </a:txBody>
-                  <a:tcPr marL="8098" marR="8098" marT="0" marB="0" anchor="b">
-                    <a:lnL w="9525" cap="flat" cmpd="sng" algn="ctr">
-                      <a:solidFill>
-                        <a:srgbClr val="CCCCCC"/>
-                      </a:solidFill>
-                      <a:prstDash val="solid"/>
-                      <a:round/>
-                      <a:headEnd type="none" w="med" len="med"/>
-                      <a:tailEnd type="none" w="med" len="med"/>
-                    </a:lnL>
-                    <a:lnR w="9525" cap="flat" cmpd="sng" algn="ctr">
-                      <a:solidFill>
-                        <a:srgbClr val="CCCCCC"/>
-                      </a:solidFill>
-                      <a:prstDash val="solid"/>
-                      <a:round/>
-                      <a:headEnd type="none" w="med" len="med"/>
-                      <a:tailEnd type="none" w="med" len="med"/>
-                    </a:lnR>
-                    <a:lnT w="9525" cap="flat" cmpd="sng" algn="ctr">
-                      <a:solidFill>
-                        <a:srgbClr val="CCCCCC"/>
-                      </a:solidFill>
-                      <a:prstDash val="solid"/>
-                      <a:round/>
-                      <a:headEnd type="none" w="med" len="med"/>
-                      <a:tailEnd type="none" w="med" len="med"/>
-                    </a:lnT>
-                    <a:lnB w="9525" cap="flat" cmpd="sng" algn="ctr">
-                      <a:solidFill>
-                        <a:srgbClr val="CCCCCC"/>
-                      </a:solidFill>
-                      <a:prstDash val="solid"/>
-                      <a:round/>
-                      <a:headEnd type="none" w="med" len="med"/>
-                      <a:tailEnd type="none" w="med" len="med"/>
-                    </a:lnB>
-                  </a:tcPr>
-                </a:tc>
-                <a:tc>
-                  <a:txBody>
-                    <a:bodyPr/>
-                    <a:lstStyle/>
-                    <a:p>
-                      <a:pPr rtl="0" fontAlgn="b"/>
-                      <a:r>
-                        <a:rPr lang="en-CA" sz="1050">
-                          <a:solidFill>
-                            <a:srgbClr val="000000"/>
-                          </a:solidFill>
-                          <a:effectLst/>
-                          <a:latin typeface="Calibri" panose="020F0502020204030204" pitchFamily="34" charset="0"/>
-                        </a:rPr>
-                        <a:t>Include electives as courses with partial info (i.e. field can be missing)</a:t>
-                      </a:r>
-                    </a:p>
-                  </a:txBody>
-                  <a:tcPr marL="8098" marR="8098" marT="5399" marB="5399" anchor="b">
-                    <a:lnL w="9525" cap="flat" cmpd="sng" algn="ctr">
-                      <a:solidFill>
-                        <a:srgbClr val="CCCCCC"/>
-                      </a:solidFill>
-                      <a:prstDash val="solid"/>
-                      <a:round/>
-                      <a:headEnd type="none" w="med" len="med"/>
-                      <a:tailEnd type="none" w="med" len="med"/>
-                    </a:lnL>
-                    <a:lnR w="9525" cap="flat" cmpd="sng" algn="ctr">
-                      <a:solidFill>
-                        <a:srgbClr val="CCCCCC"/>
-                      </a:solidFill>
-                      <a:prstDash val="solid"/>
-                      <a:round/>
-                      <a:headEnd type="none" w="med" len="med"/>
-                      <a:tailEnd type="none" w="med" len="med"/>
-                    </a:lnR>
-                    <a:lnT w="9525" cap="flat" cmpd="sng" algn="ctr">
-                      <a:solidFill>
-                        <a:srgbClr val="CCCCCC"/>
-                      </a:solidFill>
-                      <a:prstDash val="solid"/>
-                      <a:round/>
-                      <a:headEnd type="none" w="med" len="med"/>
-                      <a:tailEnd type="none" w="med" len="med"/>
-                    </a:lnT>
-                    <a:lnB w="9525" cap="flat" cmpd="sng" algn="ctr">
-                      <a:solidFill>
-                        <a:srgbClr val="CCCCCC"/>
-                      </a:solidFill>
-                      <a:prstDash val="solid"/>
-                      <a:round/>
-                      <a:headEnd type="none" w="med" len="med"/>
-                      <a:tailEnd type="none" w="med" len="med"/>
-                    </a:lnB>
-                  </a:tcPr>
-                </a:tc>
-                <a:tc>
-                  <a:txBody>
-                    <a:bodyPr/>
-                    <a:lstStyle/>
-                    <a:p>
-                      <a:pPr rtl="0" fontAlgn="b"/>
-                      <a:r>
-                        <a:rPr lang="en-US" sz="1050">
-                          <a:solidFill>
-                            <a:srgbClr val="000000"/>
-                          </a:solidFill>
-                          <a:effectLst/>
-                          <a:latin typeface="Calibri" panose="020F0502020204030204" pitchFamily="34" charset="0"/>
-                        </a:rPr>
-                        <a:t>CATEGORICAL</a:t>
-                      </a:r>
-                    </a:p>
-                  </a:txBody>
-                  <a:tcPr marL="8098" marR="8098" marT="0" marB="0" anchor="b">
-                    <a:lnL w="9525" cap="flat" cmpd="sng" algn="ctr">
-                      <a:solidFill>
-                        <a:srgbClr val="CCCCCC"/>
-                      </a:solidFill>
-                      <a:prstDash val="solid"/>
-                      <a:round/>
-                      <a:headEnd type="none" w="med" len="med"/>
-                      <a:tailEnd type="none" w="med" len="med"/>
-                    </a:lnL>
-                    <a:lnR w="9525" cap="flat" cmpd="sng" algn="ctr">
-                      <a:solidFill>
-                        <a:srgbClr val="CCCCCC"/>
-                      </a:solidFill>
-                      <a:prstDash val="solid"/>
-                      <a:round/>
-                      <a:headEnd type="none" w="med" len="med"/>
-                      <a:tailEnd type="none" w="med" len="med"/>
-                    </a:lnR>
-                    <a:lnT w="9525" cap="flat" cmpd="sng" algn="ctr">
-                      <a:solidFill>
-                        <a:srgbClr val="CCCCCC"/>
-                      </a:solidFill>
-                      <a:prstDash val="solid"/>
-                      <a:round/>
-                      <a:headEnd type="none" w="med" len="med"/>
-                      <a:tailEnd type="none" w="med" len="med"/>
-                    </a:lnT>
-                    <a:lnB w="9525" cap="flat" cmpd="sng" algn="ctr">
-                      <a:solidFill>
-                        <a:srgbClr val="CCCCCC"/>
-                      </a:solidFill>
-                      <a:prstDash val="solid"/>
-                      <a:round/>
-                      <a:headEnd type="none" w="med" len="med"/>
-                      <a:tailEnd type="none" w="med" len="med"/>
-                    </a:lnB>
-                  </a:tcPr>
-                </a:tc>
-                <a:tc>
-                  <a:txBody>
-                    <a:bodyPr/>
-                    <a:lstStyle/>
-                    <a:p>
-                      <a:pPr rtl="0" fontAlgn="b"/>
-                      <a:r>
-                        <a:rPr lang="en-CA" sz="1050">
-                          <a:solidFill>
-                            <a:srgbClr val="000000"/>
-                          </a:solidFill>
-                          <a:effectLst/>
-                          <a:latin typeface="Calibri" panose="020F0502020204030204" pitchFamily="34" charset="0"/>
-                        </a:rPr>
-                        <a:t>One of: R, E, FE</a:t>
-                      </a:r>
-                    </a:p>
-                  </a:txBody>
-                  <a:tcPr marL="8098" marR="8098" marT="0" marB="0" anchor="b">
-                    <a:lnL w="9525" cap="flat" cmpd="sng" algn="ctr">
-                      <a:solidFill>
-                        <a:srgbClr val="CCCCCC"/>
-                      </a:solidFill>
-                      <a:prstDash val="solid"/>
-                      <a:round/>
-                      <a:headEnd type="none" w="med" len="med"/>
-                      <a:tailEnd type="none" w="med" len="med"/>
-                    </a:lnL>
-                    <a:lnR w="9525" cap="flat" cmpd="sng" algn="ctr">
-                      <a:solidFill>
-                        <a:srgbClr val="CCCCCC"/>
-                      </a:solidFill>
-                      <a:prstDash val="solid"/>
-                      <a:round/>
-                      <a:headEnd type="none" w="med" len="med"/>
-                      <a:tailEnd type="none" w="med" len="med"/>
-                    </a:lnR>
-                    <a:lnT w="9525" cap="flat" cmpd="sng" algn="ctr">
-                      <a:solidFill>
-                        <a:srgbClr val="CCCCCC"/>
-                      </a:solidFill>
-                      <a:prstDash val="solid"/>
-                      <a:round/>
-                      <a:headEnd type="none" w="med" len="med"/>
-                      <a:tailEnd type="none" w="med" len="med"/>
-                    </a:lnT>
-                    <a:lnB w="9525" cap="flat" cmpd="sng" algn="ctr">
-                      <a:solidFill>
-                        <a:srgbClr val="CCCCCC"/>
-                      </a:solidFill>
-                      <a:prstDash val="solid"/>
-                      <a:round/>
-                      <a:headEnd type="none" w="med" len="med"/>
-                      <a:tailEnd type="none" w="med" len="med"/>
-                    </a:lnB>
-                  </a:tcPr>
-                </a:tc>
-                <a:extLst>
-                  <a:ext uri="{0D108BD9-81ED-4DB2-BD59-A6C34878D82A}">
-                    <a16:rowId xmlns:a16="http://schemas.microsoft.com/office/drawing/2014/main" val="3174434460"/>
-                  </a:ext>
-                </a:extLst>
-              </a:tr>
-              <a:tr h="865949">
-                <a:tc>
-                  <a:txBody>
-                    <a:bodyPr/>
-                    <a:lstStyle/>
-                    <a:p>
-                      <a:pPr rtl="0" fontAlgn="b"/>
-                      <a:r>
-                        <a:rPr lang="en-US" sz="1050">
-                          <a:solidFill>
-                            <a:srgbClr val="000000"/>
-                          </a:solidFill>
-                          <a:effectLst/>
-                          <a:latin typeface="Calibri" panose="020F0502020204030204" pitchFamily="34" charset="0"/>
-                        </a:rPr>
-                        <a:t>Category</a:t>
-                      </a:r>
-                    </a:p>
-                  </a:txBody>
-                  <a:tcPr marL="8098" marR="8098" marT="0" marB="0" anchor="b">
-                    <a:lnL w="9525" cap="flat" cmpd="sng" algn="ctr">
-                      <a:solidFill>
-                        <a:srgbClr val="CCCCCC"/>
-                      </a:solidFill>
-                      <a:prstDash val="solid"/>
-                      <a:round/>
-                      <a:headEnd type="none" w="med" len="med"/>
-                      <a:tailEnd type="none" w="med" len="med"/>
-                    </a:lnL>
-                    <a:lnR w="9525" cap="flat" cmpd="sng" algn="ctr">
-                      <a:solidFill>
-                        <a:srgbClr val="CCCCCC"/>
-                      </a:solidFill>
-                      <a:prstDash val="solid"/>
-                      <a:round/>
-                      <a:headEnd type="none" w="med" len="med"/>
-                      <a:tailEnd type="none" w="med" len="med"/>
-                    </a:lnR>
-                    <a:lnT w="9525" cap="flat" cmpd="sng" algn="ctr">
-                      <a:solidFill>
-                        <a:srgbClr val="CCCCCC"/>
-                      </a:solidFill>
-                      <a:prstDash val="solid"/>
-                      <a:round/>
-                      <a:headEnd type="none" w="med" len="med"/>
-                      <a:tailEnd type="none" w="med" len="med"/>
-                    </a:lnT>
-                    <a:lnB w="9525" cap="flat" cmpd="sng" algn="ctr">
-                      <a:solidFill>
-                        <a:srgbClr val="CCCCCC"/>
-                      </a:solidFill>
-                      <a:prstDash val="solid"/>
-                      <a:round/>
-                      <a:headEnd type="none" w="med" len="med"/>
-                      <a:tailEnd type="none" w="med" len="med"/>
-                    </a:lnB>
-                  </a:tcPr>
-                </a:tc>
-                <a:tc>
-                  <a:txBody>
-                    <a:bodyPr/>
-                    <a:lstStyle/>
-                    <a:p>
-                      <a:pPr rtl="0" fontAlgn="b"/>
-                      <a:r>
-                        <a:rPr lang="en-CA" sz="1050">
-                          <a:solidFill>
-                            <a:srgbClr val="000000"/>
-                          </a:solidFill>
-                          <a:effectLst/>
-                          <a:latin typeface="Calibri" panose="020F0502020204030204" pitchFamily="34" charset="0"/>
-                        </a:rPr>
-                        <a:t>One or more course types from:</a:t>
-                      </a:r>
-                      <a:br>
-                        <a:rPr lang="en-CA" sz="1050">
-                          <a:solidFill>
-                            <a:srgbClr val="000000"/>
-                          </a:solidFill>
-                          <a:effectLst/>
-                          <a:latin typeface="Calibri" panose="020F0502020204030204" pitchFamily="34" charset="0"/>
-                        </a:rPr>
-                      </a:br>
-                      <a:r>
-                        <a:rPr lang="en-CA" sz="1050">
-                          <a:solidFill>
-                            <a:srgbClr val="000000"/>
-                          </a:solidFill>
-                          <a:effectLst/>
-                          <a:latin typeface="Calibri" panose="020F0502020204030204" pitchFamily="34" charset="0"/>
-                        </a:rPr>
-                        <a:t>MT: Mathematics </a:t>
-                      </a:r>
-                      <a:br>
-                        <a:rPr lang="en-CA" sz="1050">
-                          <a:solidFill>
-                            <a:srgbClr val="000000"/>
-                          </a:solidFill>
-                          <a:effectLst/>
-                          <a:latin typeface="Calibri" panose="020F0502020204030204" pitchFamily="34" charset="0"/>
-                        </a:rPr>
-                      </a:br>
-                      <a:r>
-                        <a:rPr lang="en-CA" sz="1050">
-                          <a:solidFill>
-                            <a:srgbClr val="000000"/>
-                          </a:solidFill>
-                          <a:effectLst/>
-                          <a:latin typeface="Calibri" panose="020F0502020204030204" pitchFamily="34" charset="0"/>
-                        </a:rPr>
-                        <a:t>PT: Probability Theory (incl. Stochastic Processes)</a:t>
-                      </a:r>
-                      <a:br>
-                        <a:rPr lang="en-CA" sz="1050">
-                          <a:solidFill>
-                            <a:srgbClr val="000000"/>
-                          </a:solidFill>
-                          <a:effectLst/>
-                          <a:latin typeface="Calibri" panose="020F0502020204030204" pitchFamily="34" charset="0"/>
-                        </a:rPr>
-                      </a:br>
-                      <a:r>
-                        <a:rPr lang="en-CA" sz="1050">
-                          <a:solidFill>
-                            <a:srgbClr val="000000"/>
-                          </a:solidFill>
-                          <a:effectLst/>
-                          <a:latin typeface="Calibri" panose="020F0502020204030204" pitchFamily="34" charset="0"/>
-                        </a:rPr>
-                        <a:t>CS: Computing</a:t>
-                      </a:r>
-                      <a:br>
-                        <a:rPr lang="en-CA" sz="1050">
-                          <a:solidFill>
-                            <a:srgbClr val="000000"/>
-                          </a:solidFill>
-                          <a:effectLst/>
-                          <a:latin typeface="Calibri" panose="020F0502020204030204" pitchFamily="34" charset="0"/>
-                        </a:rPr>
-                      </a:br>
-                      <a:r>
-                        <a:rPr lang="en-CA" sz="1050">
-                          <a:solidFill>
-                            <a:srgbClr val="000000"/>
-                          </a:solidFill>
-                          <a:effectLst/>
-                          <a:latin typeface="Calibri" panose="020F0502020204030204" pitchFamily="34" charset="0"/>
-                        </a:rPr>
-                        <a:t>ST: Statistical Theory</a:t>
-                      </a:r>
-                      <a:br>
-                        <a:rPr lang="en-CA" sz="1050">
-                          <a:solidFill>
-                            <a:srgbClr val="000000"/>
-                          </a:solidFill>
-                          <a:effectLst/>
-                          <a:latin typeface="Calibri" panose="020F0502020204030204" pitchFamily="34" charset="0"/>
-                        </a:rPr>
-                      </a:br>
-                      <a:r>
-                        <a:rPr lang="en-CA" sz="1050">
-                          <a:solidFill>
-                            <a:srgbClr val="000000"/>
-                          </a:solidFill>
-                          <a:effectLst/>
-                          <a:latin typeface="Calibri" panose="020F0502020204030204" pitchFamily="34" charset="0"/>
-                        </a:rPr>
-                        <a:t>SM: Statistical Methodology</a:t>
-                      </a:r>
-                      <a:br>
-                        <a:rPr lang="en-CA" sz="1050">
-                          <a:solidFill>
-                            <a:srgbClr val="000000"/>
-                          </a:solidFill>
-                          <a:effectLst/>
-                          <a:latin typeface="Calibri" panose="020F0502020204030204" pitchFamily="34" charset="0"/>
-                        </a:rPr>
-                      </a:br>
-                      <a:r>
-                        <a:rPr lang="en-CA" sz="1050">
-                          <a:solidFill>
-                            <a:srgbClr val="000000"/>
-                          </a:solidFill>
-                          <a:effectLst/>
-                          <a:latin typeface="Calibri" panose="020F0502020204030204" pitchFamily="34" charset="0"/>
-                        </a:rPr>
-                        <a:t>SP: Statistical Practice </a:t>
-                      </a:r>
-                      <a:br>
-                        <a:rPr lang="en-CA" sz="1050">
-                          <a:solidFill>
-                            <a:srgbClr val="000000"/>
-                          </a:solidFill>
-                          <a:effectLst/>
-                          <a:latin typeface="Calibri" panose="020F0502020204030204" pitchFamily="34" charset="0"/>
-                        </a:rPr>
-                      </a:br>
-                      <a:r>
-                        <a:rPr lang="en-CA" sz="1050">
-                          <a:solidFill>
-                            <a:srgbClr val="000000"/>
-                          </a:solidFill>
-                          <a:effectLst/>
-                          <a:latin typeface="Calibri" panose="020F0502020204030204" pitchFamily="34" charset="0"/>
-                        </a:rPr>
-                        <a:t>OT: Other</a:t>
-                      </a:r>
-                    </a:p>
-                  </a:txBody>
-                  <a:tcPr marL="8098" marR="8098" marT="5399" marB="5399" anchor="b">
-                    <a:lnL w="9525" cap="flat" cmpd="sng" algn="ctr">
-                      <a:solidFill>
-                        <a:srgbClr val="CCCCCC"/>
-                      </a:solidFill>
-                      <a:prstDash val="solid"/>
-                      <a:round/>
-                      <a:headEnd type="none" w="med" len="med"/>
-                      <a:tailEnd type="none" w="med" len="med"/>
-                    </a:lnL>
-                    <a:lnR w="9525" cap="flat" cmpd="sng" algn="ctr">
-                      <a:solidFill>
-                        <a:srgbClr val="CCCCCC"/>
-                      </a:solidFill>
-                      <a:prstDash val="solid"/>
-                      <a:round/>
-                      <a:headEnd type="none" w="med" len="med"/>
-                      <a:tailEnd type="none" w="med" len="med"/>
-                    </a:lnR>
-                    <a:lnT w="9525" cap="flat" cmpd="sng" algn="ctr">
-                      <a:solidFill>
-                        <a:srgbClr val="CCCCCC"/>
-                      </a:solidFill>
-                      <a:prstDash val="solid"/>
-                      <a:round/>
-                      <a:headEnd type="none" w="med" len="med"/>
-                      <a:tailEnd type="none" w="med" len="med"/>
-                    </a:lnT>
-                    <a:lnB w="9525" cap="flat" cmpd="sng" algn="ctr">
-                      <a:solidFill>
-                        <a:srgbClr val="CCCCCC"/>
-                      </a:solidFill>
-                      <a:prstDash val="solid"/>
-                      <a:round/>
-                      <a:headEnd type="none" w="med" len="med"/>
-                      <a:tailEnd type="none" w="med" len="med"/>
-                    </a:lnB>
-                  </a:tcPr>
-                </a:tc>
-                <a:tc>
-                  <a:txBody>
-                    <a:bodyPr/>
-                    <a:lstStyle/>
-                    <a:p>
-                      <a:pPr rtl="0" fontAlgn="b"/>
-                      <a:r>
-                        <a:rPr lang="en-US" sz="1050" dirty="0">
-                          <a:solidFill>
-                            <a:srgbClr val="000000"/>
-                          </a:solidFill>
-                          <a:effectLst/>
-                          <a:latin typeface="Calibri" panose="020F0502020204030204" pitchFamily="34" charset="0"/>
-                        </a:rPr>
-                        <a:t>CATEGORICAL</a:t>
-                      </a:r>
-                    </a:p>
-                  </a:txBody>
-                  <a:tcPr marL="8098" marR="8098" marT="0" marB="0" anchor="b">
-                    <a:lnL w="9525" cap="flat" cmpd="sng" algn="ctr">
-                      <a:solidFill>
-                        <a:srgbClr val="CCCCCC"/>
-                      </a:solidFill>
-                      <a:prstDash val="solid"/>
-                      <a:round/>
-                      <a:headEnd type="none" w="med" len="med"/>
-                      <a:tailEnd type="none" w="med" len="med"/>
-                    </a:lnL>
-                    <a:lnR w="9525" cap="flat" cmpd="sng" algn="ctr">
-                      <a:solidFill>
-                        <a:srgbClr val="CCCCCC"/>
-                      </a:solidFill>
-                      <a:prstDash val="solid"/>
-                      <a:round/>
-                      <a:headEnd type="none" w="med" len="med"/>
-                      <a:tailEnd type="none" w="med" len="med"/>
-                    </a:lnR>
-                    <a:lnT w="9525" cap="flat" cmpd="sng" algn="ctr">
-                      <a:solidFill>
-                        <a:srgbClr val="CCCCCC"/>
-                      </a:solidFill>
-                      <a:prstDash val="solid"/>
-                      <a:round/>
-                      <a:headEnd type="none" w="med" len="med"/>
-                      <a:tailEnd type="none" w="med" len="med"/>
-                    </a:lnT>
-                    <a:lnB w="9525" cap="flat" cmpd="sng" algn="ctr">
-                      <a:solidFill>
-                        <a:srgbClr val="CCCCCC"/>
-                      </a:solidFill>
-                      <a:prstDash val="solid"/>
-                      <a:round/>
-                      <a:headEnd type="none" w="med" len="med"/>
-                      <a:tailEnd type="none" w="med" len="med"/>
-                    </a:lnB>
-                  </a:tcPr>
-                </a:tc>
-                <a:tc>
-                  <a:txBody>
-                    <a:bodyPr/>
-                    <a:lstStyle/>
-                    <a:p>
-                      <a:pPr rtl="0" fontAlgn="b"/>
-                      <a:r>
-                        <a:rPr lang="en-CA" sz="1050">
-                          <a:solidFill>
-                            <a:srgbClr val="000000"/>
-                          </a:solidFill>
-                          <a:effectLst/>
-                          <a:latin typeface="Calibri" panose="020F0502020204030204" pitchFamily="34" charset="0"/>
-                        </a:rPr>
-                        <a:t>One or more of: MT, PT, CS, ST, SM, SP, OT</a:t>
-                      </a:r>
-                    </a:p>
-                  </a:txBody>
-                  <a:tcPr marL="8098" marR="8098" marT="5399" marB="5399" anchor="b">
-                    <a:lnL w="9525" cap="flat" cmpd="sng" algn="ctr">
-                      <a:solidFill>
-                        <a:srgbClr val="CCCCCC"/>
-                      </a:solidFill>
-                      <a:prstDash val="solid"/>
-                      <a:round/>
-                      <a:headEnd type="none" w="med" len="med"/>
-                      <a:tailEnd type="none" w="med" len="med"/>
-                    </a:lnL>
-                    <a:lnR w="9525" cap="flat" cmpd="sng" algn="ctr">
-                      <a:solidFill>
-                        <a:srgbClr val="CCCCCC"/>
-                      </a:solidFill>
-                      <a:prstDash val="solid"/>
-                      <a:round/>
-                      <a:headEnd type="none" w="med" len="med"/>
-                      <a:tailEnd type="none" w="med" len="med"/>
-                    </a:lnR>
-                    <a:lnT w="9525" cap="flat" cmpd="sng" algn="ctr">
-                      <a:solidFill>
-                        <a:srgbClr val="CCCCCC"/>
-                      </a:solidFill>
-                      <a:prstDash val="solid"/>
-                      <a:round/>
-                      <a:headEnd type="none" w="med" len="med"/>
-                      <a:tailEnd type="none" w="med" len="med"/>
-                    </a:lnT>
-                    <a:lnB w="9525" cap="flat" cmpd="sng" algn="ctr">
-                      <a:solidFill>
-                        <a:srgbClr val="CCCCCC"/>
-                      </a:solidFill>
-                      <a:prstDash val="solid"/>
-                      <a:round/>
-                      <a:headEnd type="none" w="med" len="med"/>
-                      <a:tailEnd type="none" w="med" len="med"/>
-                    </a:lnB>
-                  </a:tcPr>
-                </a:tc>
-                <a:extLst>
-                  <a:ext uri="{0D108BD9-81ED-4DB2-BD59-A6C34878D82A}">
-                    <a16:rowId xmlns:a16="http://schemas.microsoft.com/office/drawing/2014/main" val="1586616150"/>
-                  </a:ext>
-                </a:extLst>
-              </a:tr>
-              <a:tr h="321761">
-                <a:tc>
-                  <a:txBody>
-                    <a:bodyPr/>
-                    <a:lstStyle/>
-                    <a:p>
-                      <a:pPr rtl="0" fontAlgn="b"/>
-                      <a:r>
-                        <a:rPr lang="en-US" sz="1050" dirty="0">
-                          <a:solidFill>
-                            <a:srgbClr val="000000"/>
-                          </a:solidFill>
-                          <a:effectLst/>
-                          <a:latin typeface="Calibri" panose="020F0502020204030204" pitchFamily="34" charset="0"/>
-                        </a:rPr>
-                        <a:t>Comments</a:t>
-                      </a:r>
-                    </a:p>
-                  </a:txBody>
-                  <a:tcPr marL="8098" marR="8098" marT="0" marB="0" anchor="b">
-                    <a:lnL w="9525" cap="flat" cmpd="sng" algn="ctr">
-                      <a:solidFill>
-                        <a:srgbClr val="CCCCCC"/>
-                      </a:solidFill>
-                      <a:prstDash val="solid"/>
-                      <a:round/>
-                      <a:headEnd type="none" w="med" len="med"/>
-                      <a:tailEnd type="none" w="med" len="med"/>
-                    </a:lnL>
-                    <a:lnR w="9525" cap="flat" cmpd="sng" algn="ctr">
-                      <a:solidFill>
-                        <a:srgbClr val="CCCCCC"/>
-                      </a:solidFill>
-                      <a:prstDash val="solid"/>
-                      <a:round/>
-                      <a:headEnd type="none" w="med" len="med"/>
-                      <a:tailEnd type="none" w="med" len="med"/>
-                    </a:lnR>
-                    <a:lnT w="9525" cap="flat" cmpd="sng" algn="ctr">
-                      <a:solidFill>
-                        <a:srgbClr val="CCCCCC"/>
-                      </a:solidFill>
-                      <a:prstDash val="solid"/>
-                      <a:round/>
-                      <a:headEnd type="none" w="med" len="med"/>
-                      <a:tailEnd type="none" w="med" len="med"/>
-                    </a:lnT>
-                    <a:lnB w="9525" cap="flat" cmpd="sng" algn="ctr">
-                      <a:solidFill>
-                        <a:srgbClr val="CCCCCC"/>
-                      </a:solidFill>
-                      <a:prstDash val="solid"/>
-                      <a:round/>
-                      <a:headEnd type="none" w="med" len="med"/>
-                      <a:tailEnd type="none" w="med" len="med"/>
-                    </a:lnB>
-                  </a:tcPr>
-                </a:tc>
-                <a:tc>
-                  <a:txBody>
-                    <a:bodyPr/>
-                    <a:lstStyle/>
-                    <a:p>
-                      <a:pPr rtl="0" fontAlgn="b"/>
-                      <a:r>
-                        <a:rPr lang="en-CA" sz="1050" dirty="0">
-                          <a:solidFill>
-                            <a:srgbClr val="000000"/>
-                          </a:solidFill>
-                          <a:effectLst/>
-                          <a:latin typeface="Calibri" panose="020F0502020204030204" pitchFamily="34" charset="0"/>
-                        </a:rPr>
-                        <a:t>Use this field for </a:t>
-                      </a:r>
-                      <a:r>
-                        <a:rPr lang="en-CA" sz="1050" dirty="0" err="1">
-                          <a:solidFill>
-                            <a:srgbClr val="000000"/>
-                          </a:solidFill>
-                          <a:effectLst/>
-                          <a:latin typeface="Calibri" panose="020F0502020204030204" pitchFamily="34" charset="0"/>
-                        </a:rPr>
-                        <a:t>for</a:t>
-                      </a:r>
-                      <a:r>
-                        <a:rPr lang="en-CA" sz="1050" dirty="0">
-                          <a:solidFill>
-                            <a:srgbClr val="000000"/>
-                          </a:solidFill>
-                          <a:effectLst/>
-                          <a:latin typeface="Calibri" panose="020F0502020204030204" pitchFamily="34" charset="0"/>
-                        </a:rPr>
-                        <a:t> anything out of the ordinary that you want to point out</a:t>
-                      </a:r>
-                    </a:p>
-                  </a:txBody>
-                  <a:tcPr marL="8098" marR="8098" marT="5399" marB="5399" anchor="b">
-                    <a:lnL w="9525" cap="flat" cmpd="sng" algn="ctr">
-                      <a:solidFill>
-                        <a:srgbClr val="CCCCCC"/>
-                      </a:solidFill>
-                      <a:prstDash val="solid"/>
-                      <a:round/>
-                      <a:headEnd type="none" w="med" len="med"/>
-                      <a:tailEnd type="none" w="med" len="med"/>
-                    </a:lnL>
-                    <a:lnR w="9525" cap="flat" cmpd="sng" algn="ctr">
-                      <a:solidFill>
-                        <a:srgbClr val="CCCCCC"/>
-                      </a:solidFill>
-                      <a:prstDash val="solid"/>
-                      <a:round/>
-                      <a:headEnd type="none" w="med" len="med"/>
-                      <a:tailEnd type="none" w="med" len="med"/>
-                    </a:lnR>
-                    <a:lnT w="9525" cap="flat" cmpd="sng" algn="ctr">
-                      <a:solidFill>
-                        <a:srgbClr val="CCCCCC"/>
-                      </a:solidFill>
-                      <a:prstDash val="solid"/>
-                      <a:round/>
-                      <a:headEnd type="none" w="med" len="med"/>
-                      <a:tailEnd type="none" w="med" len="med"/>
-                    </a:lnT>
-                    <a:lnB w="9525" cap="flat" cmpd="sng" algn="ctr">
-                      <a:solidFill>
-                        <a:srgbClr val="CCCCCC"/>
-                      </a:solidFill>
-                      <a:prstDash val="solid"/>
-                      <a:round/>
-                      <a:headEnd type="none" w="med" len="med"/>
-                      <a:tailEnd type="none" w="med" len="med"/>
-                    </a:lnB>
-                  </a:tcPr>
-                </a:tc>
-                <a:tc>
-                  <a:txBody>
-                    <a:bodyPr/>
-                    <a:lstStyle/>
-                    <a:p>
-                      <a:pPr rtl="0" fontAlgn="b"/>
-                      <a:r>
-                        <a:rPr lang="en-US" sz="1050" dirty="0">
-                          <a:solidFill>
-                            <a:srgbClr val="000000"/>
-                          </a:solidFill>
-                          <a:effectLst/>
-                          <a:latin typeface="Calibri" panose="020F0502020204030204" pitchFamily="34" charset="0"/>
-                        </a:rPr>
-                        <a:t>TEXT</a:t>
-                      </a:r>
-                    </a:p>
-                  </a:txBody>
-                  <a:tcPr marL="8098" marR="8098" marT="0" marB="0" anchor="b">
-                    <a:lnL w="9525" cap="flat" cmpd="sng" algn="ctr">
-                      <a:solidFill>
-                        <a:srgbClr val="CCCCCC"/>
-                      </a:solidFill>
-                      <a:prstDash val="solid"/>
-                      <a:round/>
-                      <a:headEnd type="none" w="med" len="med"/>
-                      <a:tailEnd type="none" w="med" len="med"/>
-                    </a:lnL>
-                    <a:lnR w="9525" cap="flat" cmpd="sng" algn="ctr">
-                      <a:solidFill>
-                        <a:srgbClr val="CCCCCC"/>
-                      </a:solidFill>
-                      <a:prstDash val="solid"/>
-                      <a:round/>
-                      <a:headEnd type="none" w="med" len="med"/>
-                      <a:tailEnd type="none" w="med" len="med"/>
-                    </a:lnR>
-                    <a:lnT w="9525" cap="flat" cmpd="sng" algn="ctr">
-                      <a:solidFill>
-                        <a:srgbClr val="CCCCCC"/>
-                      </a:solidFill>
-                      <a:prstDash val="solid"/>
-                      <a:round/>
-                      <a:headEnd type="none" w="med" len="med"/>
-                      <a:tailEnd type="none" w="med" len="med"/>
-                    </a:lnT>
-                    <a:lnB w="9525" cap="flat" cmpd="sng" algn="ctr">
-                      <a:solidFill>
-                        <a:srgbClr val="CCCCCC"/>
-                      </a:solidFill>
-                      <a:prstDash val="solid"/>
-                      <a:round/>
-                      <a:headEnd type="none" w="med" len="med"/>
-                      <a:tailEnd type="none" w="med" len="med"/>
-                    </a:lnB>
-                  </a:tcPr>
-                </a:tc>
-                <a:tc>
-                  <a:txBody>
-                    <a:bodyPr/>
-                    <a:lstStyle/>
-                    <a:p>
-                      <a:pPr rtl="0" fontAlgn="b"/>
-                      <a:endParaRPr lang="en-US" sz="1050" dirty="0">
-                        <a:effectLst/>
-                      </a:endParaRPr>
-                    </a:p>
-                  </a:txBody>
-                  <a:tcPr marL="8098" marR="8098" marT="5399" marB="5399" anchor="b">
-                    <a:lnL w="9525" cap="flat" cmpd="sng" algn="ctr">
-                      <a:solidFill>
-                        <a:srgbClr val="CCCCCC"/>
-                      </a:solidFill>
-                      <a:prstDash val="solid"/>
-                      <a:round/>
-                      <a:headEnd type="none" w="med" len="med"/>
-                      <a:tailEnd type="none" w="med" len="med"/>
-                    </a:lnL>
-                    <a:lnR w="9525" cap="flat" cmpd="sng" algn="ctr">
-                      <a:solidFill>
-                        <a:srgbClr val="CCCCCC"/>
-                      </a:solidFill>
-                      <a:prstDash val="solid"/>
-                      <a:round/>
-                      <a:headEnd type="none" w="med" len="med"/>
-                      <a:tailEnd type="none" w="med" len="med"/>
-                    </a:lnR>
-                    <a:lnT w="9525" cap="flat" cmpd="sng" algn="ctr">
-                      <a:solidFill>
-                        <a:srgbClr val="CCCCCC"/>
-                      </a:solidFill>
-                      <a:prstDash val="solid"/>
-                      <a:round/>
-                      <a:headEnd type="none" w="med" len="med"/>
-                      <a:tailEnd type="none" w="med" len="med"/>
-                    </a:lnT>
-                    <a:lnB w="9525" cap="flat" cmpd="sng" algn="ctr">
-                      <a:solidFill>
-                        <a:srgbClr val="CCCCCC"/>
-                      </a:solidFill>
-                      <a:prstDash val="solid"/>
-                      <a:round/>
-                      <a:headEnd type="none" w="med" len="med"/>
-                      <a:tailEnd type="none" w="med" len="med"/>
-                    </a:lnB>
-                  </a:tcPr>
-                </a:tc>
-                <a:extLst>
-                  <a:ext uri="{0D108BD9-81ED-4DB2-BD59-A6C34878D82A}">
-                    <a16:rowId xmlns:a16="http://schemas.microsoft.com/office/drawing/2014/main" val="2694979696"/>
+                    <a16:rowId xmlns:a16="http://schemas.microsoft.com/office/drawing/2014/main" val="3899836006"/>
                   </a:ext>
                 </a:extLst>
               </a:tr>
@@ -8464,6 +6766,439 @@
       </p:grpSpPr>
       <p:sp>
         <p:nvSpPr>
+          <p:cNvPr id="2" name="Title 1"/>
+          <p:cNvSpPr>
+            <a:spLocks noGrp="1"/>
+          </p:cNvSpPr>
+          <p:nvPr>
+            <p:ph type="title"/>
+          </p:nvPr>
+        </p:nvSpPr>
+        <p:spPr/>
+        <p:txBody>
+          <a:bodyPr/>
+          <a:lstStyle/>
+          <a:p>
+            <a:r>
+              <a:rPr lang="en-US" dirty="0" smtClean="0"/>
+              <a:t>Topic Category Word Clouds</a:t>
+            </a:r>
+            <a:endParaRPr lang="en-US" dirty="0"/>
+          </a:p>
+        </p:txBody>
+      </p:sp>
+      <p:pic>
+        <p:nvPicPr>
+          <p:cNvPr id="6" name="Picture 5"/>
+          <p:cNvPicPr>
+            <a:picLocks noChangeAspect="1"/>
+          </p:cNvPicPr>
+          <p:nvPr/>
+        </p:nvPicPr>
+        <p:blipFill>
+          <a:blip r:embed="rId2"/>
+          <a:stretch>
+            <a:fillRect/>
+          </a:stretch>
+        </p:blipFill>
+        <p:spPr>
+          <a:xfrm>
+            <a:off x="1036754" y="4673533"/>
+            <a:ext cx="2435429" cy="1826572"/>
+          </a:xfrm>
+          <a:prstGeom prst="rect">
+            <a:avLst/>
+          </a:prstGeom>
+        </p:spPr>
+      </p:pic>
+      <p:pic>
+        <p:nvPicPr>
+          <p:cNvPr id="7" name="Picture 6"/>
+          <p:cNvPicPr>
+            <a:picLocks noChangeAspect="1"/>
+          </p:cNvPicPr>
+          <p:nvPr/>
+        </p:nvPicPr>
+        <p:blipFill>
+          <a:blip r:embed="rId3"/>
+          <a:stretch>
+            <a:fillRect/>
+          </a:stretch>
+        </p:blipFill>
+        <p:spPr>
+          <a:xfrm>
+            <a:off x="4083951" y="4751996"/>
+            <a:ext cx="2487473" cy="1748109"/>
+          </a:xfrm>
+          <a:prstGeom prst="rect">
+            <a:avLst/>
+          </a:prstGeom>
+        </p:spPr>
+      </p:pic>
+      <p:pic>
+        <p:nvPicPr>
+          <p:cNvPr id="8" name="Picture 7"/>
+          <p:cNvPicPr>
+            <a:picLocks noChangeAspect="1"/>
+          </p:cNvPicPr>
+          <p:nvPr/>
+        </p:nvPicPr>
+        <p:blipFill>
+          <a:blip r:embed="rId4"/>
+          <a:stretch>
+            <a:fillRect/>
+          </a:stretch>
+        </p:blipFill>
+        <p:spPr>
+          <a:xfrm>
+            <a:off x="7483870" y="4751996"/>
+            <a:ext cx="2175860" cy="1721621"/>
+          </a:xfrm>
+          <a:prstGeom prst="rect">
+            <a:avLst/>
+          </a:prstGeom>
+        </p:spPr>
+      </p:pic>
+      <p:pic>
+        <p:nvPicPr>
+          <p:cNvPr id="9" name="Picture 8"/>
+          <p:cNvPicPr>
+            <a:picLocks noChangeAspect="1"/>
+          </p:cNvPicPr>
+          <p:nvPr/>
+        </p:nvPicPr>
+        <p:blipFill>
+          <a:blip r:embed="rId5"/>
+          <a:stretch>
+            <a:fillRect/>
+          </a:stretch>
+        </p:blipFill>
+        <p:spPr>
+          <a:xfrm>
+            <a:off x="4249141" y="2226293"/>
+            <a:ext cx="2165512" cy="1844937"/>
+          </a:xfrm>
+          <a:prstGeom prst="rect">
+            <a:avLst/>
+          </a:prstGeom>
+        </p:spPr>
+      </p:pic>
+      <p:pic>
+        <p:nvPicPr>
+          <p:cNvPr id="10" name="Picture 9"/>
+          <p:cNvPicPr>
+            <a:picLocks noChangeAspect="1"/>
+          </p:cNvPicPr>
+          <p:nvPr/>
+        </p:nvPicPr>
+        <p:blipFill>
+          <a:blip r:embed="rId6"/>
+          <a:stretch>
+            <a:fillRect/>
+          </a:stretch>
+        </p:blipFill>
+        <p:spPr>
+          <a:xfrm>
+            <a:off x="1324876" y="2137469"/>
+            <a:ext cx="1961625" cy="1933761"/>
+          </a:xfrm>
+          <a:prstGeom prst="rect">
+            <a:avLst/>
+          </a:prstGeom>
+        </p:spPr>
+      </p:pic>
+      <p:pic>
+        <p:nvPicPr>
+          <p:cNvPr id="22" name="Picture 21"/>
+          <p:cNvPicPr>
+            <a:picLocks noChangeAspect="1"/>
+          </p:cNvPicPr>
+          <p:nvPr/>
+        </p:nvPicPr>
+        <p:blipFill>
+          <a:blip r:embed="rId7"/>
+          <a:stretch>
+            <a:fillRect/>
+          </a:stretch>
+        </p:blipFill>
+        <p:spPr>
+          <a:xfrm>
+            <a:off x="7483870" y="2089402"/>
+            <a:ext cx="2318891" cy="2140515"/>
+          </a:xfrm>
+          <a:prstGeom prst="rect">
+            <a:avLst/>
+          </a:prstGeom>
+        </p:spPr>
+      </p:pic>
+      <p:sp>
+        <p:nvSpPr>
+          <p:cNvPr id="24" name="TextBox 23"/>
+          <p:cNvSpPr txBox="1"/>
+          <p:nvPr/>
+        </p:nvSpPr>
+        <p:spPr>
+          <a:xfrm rot="19343354">
+            <a:off x="644274" y="2138077"/>
+            <a:ext cx="1164293" cy="338554"/>
+          </a:xfrm>
+          <a:prstGeom prst="rect">
+            <a:avLst/>
+          </a:prstGeom>
+          <a:noFill/>
+        </p:spPr>
+        <p:txBody>
+          <a:bodyPr wrap="none" rtlCol="0">
+            <a:spAutoFit/>
+          </a:bodyPr>
+          <a:lstStyle/>
+          <a:p>
+            <a:r>
+              <a:rPr lang="en-CA" sz="1600" b="1" u="sng" dirty="0" smtClean="0">
+                <a:solidFill>
+                  <a:srgbClr val="FF0000"/>
+                </a:solidFill>
+                <a:latin typeface="Calibri" panose="020F0502020204030204" pitchFamily="34" charset="0"/>
+              </a:rPr>
+              <a:t>Stat Theory</a:t>
+            </a:r>
+            <a:endParaRPr lang="en-US" sz="1600" b="1" u="sng" dirty="0">
+              <a:solidFill>
+                <a:srgbClr val="FF0000"/>
+              </a:solidFill>
+            </a:endParaRPr>
+          </a:p>
+        </p:txBody>
+      </p:sp>
+      <p:sp>
+        <p:nvSpPr>
+          <p:cNvPr id="26" name="TextBox 25"/>
+          <p:cNvSpPr txBox="1"/>
+          <p:nvPr/>
+        </p:nvSpPr>
+        <p:spPr>
+          <a:xfrm rot="19343354">
+            <a:off x="3564001" y="2106760"/>
+            <a:ext cx="1716624" cy="338554"/>
+          </a:xfrm>
+          <a:prstGeom prst="rect">
+            <a:avLst/>
+          </a:prstGeom>
+          <a:noFill/>
+        </p:spPr>
+        <p:txBody>
+          <a:bodyPr wrap="none" rtlCol="0">
+            <a:spAutoFit/>
+          </a:bodyPr>
+          <a:lstStyle/>
+          <a:p>
+            <a:r>
+              <a:rPr lang="en-CA" sz="1600" b="1" u="sng" dirty="0" smtClean="0">
+                <a:solidFill>
+                  <a:srgbClr val="FF0000"/>
+                </a:solidFill>
+                <a:latin typeface="Calibri" panose="020F0502020204030204" pitchFamily="34" charset="0"/>
+              </a:rPr>
+              <a:t>Stat Methodology</a:t>
+            </a:r>
+            <a:endParaRPr lang="en-US" sz="1600" b="1" u="sng" dirty="0">
+              <a:solidFill>
+                <a:srgbClr val="FF0000"/>
+              </a:solidFill>
+            </a:endParaRPr>
+          </a:p>
+        </p:txBody>
+      </p:sp>
+      <p:sp>
+        <p:nvSpPr>
+          <p:cNvPr id="27" name="TextBox 26"/>
+          <p:cNvSpPr txBox="1"/>
+          <p:nvPr/>
+        </p:nvSpPr>
+        <p:spPr>
+          <a:xfrm rot="19343354">
+            <a:off x="6852907" y="2007020"/>
+            <a:ext cx="1242263" cy="338554"/>
+          </a:xfrm>
+          <a:prstGeom prst="rect">
+            <a:avLst/>
+          </a:prstGeom>
+          <a:noFill/>
+        </p:spPr>
+        <p:txBody>
+          <a:bodyPr wrap="none" rtlCol="0">
+            <a:spAutoFit/>
+          </a:bodyPr>
+          <a:lstStyle/>
+          <a:p>
+            <a:r>
+              <a:rPr lang="en-CA" sz="1600" b="1" u="sng" dirty="0" smtClean="0">
+                <a:solidFill>
+                  <a:srgbClr val="FF0000"/>
+                </a:solidFill>
+                <a:latin typeface="Calibri" panose="020F0502020204030204" pitchFamily="34" charset="0"/>
+              </a:rPr>
+              <a:t>Stat Practice</a:t>
+            </a:r>
+          </a:p>
+        </p:txBody>
+      </p:sp>
+      <p:sp>
+        <p:nvSpPr>
+          <p:cNvPr id="28" name="TextBox 27"/>
+          <p:cNvSpPr txBox="1"/>
+          <p:nvPr/>
+        </p:nvSpPr>
+        <p:spPr>
+          <a:xfrm rot="19343354">
+            <a:off x="651261" y="4709218"/>
+            <a:ext cx="1120820" cy="338554"/>
+          </a:xfrm>
+          <a:prstGeom prst="rect">
+            <a:avLst/>
+          </a:prstGeom>
+          <a:noFill/>
+        </p:spPr>
+        <p:txBody>
+          <a:bodyPr wrap="none" rtlCol="0">
+            <a:spAutoFit/>
+          </a:bodyPr>
+          <a:lstStyle/>
+          <a:p>
+            <a:r>
+              <a:rPr lang="en-CA" sz="1600" b="1" u="sng" dirty="0" smtClean="0">
+                <a:solidFill>
+                  <a:srgbClr val="FF0000"/>
+                </a:solidFill>
+                <a:latin typeface="Calibri" panose="020F0502020204030204" pitchFamily="34" charset="0"/>
+              </a:rPr>
+              <a:t>Computing</a:t>
+            </a:r>
+            <a:endParaRPr lang="en-US" sz="1600" b="1" u="sng" dirty="0">
+              <a:solidFill>
+                <a:srgbClr val="FF0000"/>
+              </a:solidFill>
+            </a:endParaRPr>
+          </a:p>
+        </p:txBody>
+      </p:sp>
+      <p:sp>
+        <p:nvSpPr>
+          <p:cNvPr id="29" name="TextBox 28"/>
+          <p:cNvSpPr txBox="1"/>
+          <p:nvPr/>
+        </p:nvSpPr>
+        <p:spPr>
+          <a:xfrm rot="19343354">
+            <a:off x="3663097" y="4704300"/>
+            <a:ext cx="1301318" cy="338554"/>
+          </a:xfrm>
+          <a:prstGeom prst="rect">
+            <a:avLst/>
+          </a:prstGeom>
+          <a:noFill/>
+        </p:spPr>
+        <p:txBody>
+          <a:bodyPr wrap="none" rtlCol="0">
+            <a:spAutoFit/>
+          </a:bodyPr>
+          <a:lstStyle/>
+          <a:p>
+            <a:r>
+              <a:rPr lang="en-CA" sz="1600" b="1" u="sng" dirty="0" smtClean="0">
+                <a:solidFill>
+                  <a:srgbClr val="FF0000"/>
+                </a:solidFill>
+                <a:latin typeface="Calibri" panose="020F0502020204030204" pitchFamily="34" charset="0"/>
+              </a:rPr>
+              <a:t>Mathematics</a:t>
+            </a:r>
+            <a:endParaRPr lang="en-US" sz="1600" b="1" u="sng" dirty="0">
+              <a:solidFill>
+                <a:srgbClr val="FF0000"/>
+              </a:solidFill>
+            </a:endParaRPr>
+          </a:p>
+        </p:txBody>
+      </p:sp>
+      <p:sp>
+        <p:nvSpPr>
+          <p:cNvPr id="30" name="TextBox 29"/>
+          <p:cNvSpPr txBox="1"/>
+          <p:nvPr/>
+        </p:nvSpPr>
+        <p:spPr>
+          <a:xfrm rot="19343354">
+            <a:off x="6877948" y="4699385"/>
+            <a:ext cx="1115113" cy="338554"/>
+          </a:xfrm>
+          <a:prstGeom prst="rect">
+            <a:avLst/>
+          </a:prstGeom>
+          <a:noFill/>
+        </p:spPr>
+        <p:txBody>
+          <a:bodyPr wrap="none" rtlCol="0">
+            <a:spAutoFit/>
+          </a:bodyPr>
+          <a:lstStyle/>
+          <a:p>
+            <a:r>
+              <a:rPr lang="en-CA" sz="1600" b="1" u="sng" dirty="0" smtClean="0">
+                <a:solidFill>
+                  <a:srgbClr val="FF0000"/>
+                </a:solidFill>
+                <a:latin typeface="Calibri" panose="020F0502020204030204" pitchFamily="34" charset="0"/>
+              </a:rPr>
+              <a:t>Probability</a:t>
+            </a:r>
+            <a:endParaRPr lang="en-US" sz="1600" b="1" u="sng" dirty="0">
+              <a:solidFill>
+                <a:srgbClr val="FF0000"/>
+              </a:solidFill>
+            </a:endParaRPr>
+          </a:p>
+        </p:txBody>
+      </p:sp>
+    </p:spTree>
+    <p:extLst>
+      <p:ext uri="{BB962C8B-B14F-4D97-AF65-F5344CB8AC3E}">
+        <p14:creationId xmlns:p14="http://schemas.microsoft.com/office/powerpoint/2010/main" val="323940319"/>
+      </p:ext>
+    </p:extLst>
+  </p:cSld>
+  <p:clrMapOvr>
+    <a:masterClrMapping/>
+  </p:clrMapOvr>
+  <p:timing>
+    <p:tnLst>
+      <p:par>
+        <p:cTn id="1" dur="indefinite" restart="never" nodeType="tmRoot"/>
+      </p:par>
+    </p:tnLst>
+  </p:timing>
+</p:sld>
+</file>
+
+<file path=ppt/slides/slide9.xml><?xml version="1.0" encoding="utf-8"?>
+<p:sld xmlns:a="http://schemas.openxmlformats.org/drawingml/2006/main" xmlns:r="http://schemas.openxmlformats.org/officeDocument/2006/relationships" xmlns:p="http://schemas.openxmlformats.org/presentationml/2006/main">
+  <p:cSld>
+    <p:spTree>
+      <p:nvGrpSpPr>
+        <p:cNvPr id="1" name=""/>
+        <p:cNvGrpSpPr/>
+        <p:nvPr/>
+      </p:nvGrpSpPr>
+      <p:grpSpPr>
+        <a:xfrm>
+          <a:off x="0" y="0"/>
+          <a:ext cx="0" cy="0"/>
+          <a:chOff x="0" y="0"/>
+          <a:chExt cx="0" cy="0"/>
+        </a:xfrm>
+      </p:grpSpPr>
+      <p:sp>
+        <p:nvSpPr>
           <p:cNvPr id="5" name="Title 4"/>
           <p:cNvSpPr>
             <a:spLocks noGrp="1"/>
@@ -8602,410 +7337,6 @@
         <p:cTn id="1" dur="indefinite" restart="never" nodeType="tmRoot"/>
       </p:par>
     </p:tnLst>
-  </p:timing>
-</p:sld>
-</file>
-
-<file path=ppt/slides/slide9.xml><?xml version="1.0" encoding="utf-8"?>
-<p:sld xmlns:a="http://schemas.openxmlformats.org/drawingml/2006/main" xmlns:r="http://schemas.openxmlformats.org/officeDocument/2006/relationships" xmlns:p="http://schemas.openxmlformats.org/presentationml/2006/main">
-  <p:cSld>
-    <p:spTree>
-      <p:nvGrpSpPr>
-        <p:cNvPr id="1" name=""/>
-        <p:cNvGrpSpPr/>
-        <p:nvPr/>
-      </p:nvGrpSpPr>
-      <p:grpSpPr>
-        <a:xfrm>
-          <a:off x="0" y="0"/>
-          <a:ext cx="0" cy="0"/>
-          <a:chOff x="0" y="0"/>
-          <a:chExt cx="0" cy="0"/>
-        </a:xfrm>
-      </p:grpSpPr>
-      <p:pic>
-        <p:nvPicPr>
-          <p:cNvPr id="13" name="Content Placeholder 12"/>
-          <p:cNvPicPr>
-            <a:picLocks noGrp="1" noChangeAspect="1"/>
-          </p:cNvPicPr>
-          <p:nvPr>
-            <p:ph sz="half" idx="2"/>
-          </p:nvPr>
-        </p:nvPicPr>
-        <p:blipFill>
-          <a:blip r:embed="rId2"/>
-          <a:stretch>
-            <a:fillRect/>
-          </a:stretch>
-        </p:blipFill>
-        <p:spPr>
-          <a:xfrm>
-            <a:off x="6172200" y="2179421"/>
-            <a:ext cx="5181600" cy="3643745"/>
-          </a:xfrm>
-          <a:prstGeom prst="rect">
-            <a:avLst/>
-          </a:prstGeom>
-        </p:spPr>
-      </p:pic>
-      <p:sp>
-        <p:nvSpPr>
-          <p:cNvPr id="2" name="Title 1"/>
-          <p:cNvSpPr>
-            <a:spLocks noGrp="1"/>
-          </p:cNvSpPr>
-          <p:nvPr>
-            <p:ph type="title"/>
-          </p:nvPr>
-        </p:nvSpPr>
-        <p:spPr/>
-        <p:txBody>
-          <a:bodyPr/>
-          <a:lstStyle/>
-          <a:p>
-            <a:r>
-              <a:rPr lang="en-US" dirty="0" smtClean="0"/>
-              <a:t>Breakdown of Courses per Discipline</a:t>
-            </a:r>
-            <a:endParaRPr lang="en-US" dirty="0"/>
-          </a:p>
-        </p:txBody>
-      </p:sp>
-      <p:sp>
-        <p:nvSpPr>
-          <p:cNvPr id="14" name="TextBox 13"/>
-          <p:cNvSpPr txBox="1"/>
-          <p:nvPr/>
-        </p:nvSpPr>
-        <p:spPr>
-          <a:xfrm>
-            <a:off x="7136780" y="1434990"/>
-            <a:ext cx="2317814" cy="646331"/>
-          </a:xfrm>
-          <a:prstGeom prst="rect">
-            <a:avLst/>
-          </a:prstGeom>
-          <a:solidFill>
-            <a:srgbClr val="FFFF00"/>
-          </a:solidFill>
-        </p:spPr>
-        <p:txBody>
-          <a:bodyPr wrap="none" rtlCol="0">
-            <a:spAutoFit/>
-          </a:bodyPr>
-          <a:lstStyle/>
-          <a:p>
-            <a:pPr algn="ctr"/>
-            <a:r>
-              <a:rPr lang="en-US" b="1" dirty="0" smtClean="0">
-                <a:solidFill>
-                  <a:srgbClr val="FF0000"/>
-                </a:solidFill>
-              </a:rPr>
-              <a:t>few STAT </a:t>
-            </a:r>
-            <a:r>
-              <a:rPr lang="en-US" b="1" dirty="0" smtClean="0">
-                <a:solidFill>
-                  <a:srgbClr val="FF0000"/>
-                </a:solidFill>
-              </a:rPr>
-              <a:t>courses </a:t>
-            </a:r>
-            <a:r>
-              <a:rPr lang="en-US" b="1" dirty="0" smtClean="0">
-                <a:solidFill>
-                  <a:srgbClr val="FF0000"/>
-                </a:solidFill>
-              </a:rPr>
-              <a:t>in </a:t>
-            </a:r>
-          </a:p>
-          <a:p>
-            <a:r>
-              <a:rPr lang="en-US" b="1" dirty="0" smtClean="0">
-                <a:solidFill>
-                  <a:srgbClr val="FF0000"/>
-                </a:solidFill>
-              </a:rPr>
-              <a:t>1</a:t>
-            </a:r>
-            <a:r>
-              <a:rPr lang="en-US" b="1" baseline="30000" dirty="0" smtClean="0">
-                <a:solidFill>
-                  <a:srgbClr val="FF0000"/>
-                </a:solidFill>
-              </a:rPr>
-              <a:t>st</a:t>
-            </a:r>
-            <a:r>
-              <a:rPr lang="en-US" b="1" dirty="0" smtClean="0">
-                <a:solidFill>
-                  <a:srgbClr val="FF0000"/>
-                </a:solidFill>
-              </a:rPr>
-              <a:t> </a:t>
-            </a:r>
-            <a:r>
-              <a:rPr lang="en-US" b="1" dirty="0" smtClean="0">
-                <a:solidFill>
-                  <a:srgbClr val="FF0000"/>
-                </a:solidFill>
-              </a:rPr>
-              <a:t>y</a:t>
-            </a:r>
-            <a:r>
-              <a:rPr lang="en-US" b="1" dirty="0" smtClean="0">
-                <a:solidFill>
-                  <a:srgbClr val="FF0000"/>
-                </a:solidFill>
-              </a:rPr>
-              <a:t>ear </a:t>
-            </a:r>
-            <a:r>
-              <a:rPr lang="en-US" b="1" dirty="0">
-                <a:solidFill>
-                  <a:srgbClr val="FF0000"/>
-                </a:solidFill>
-              </a:rPr>
-              <a:t>(mostly none) </a:t>
-            </a:r>
-            <a:endParaRPr lang="en-US" b="1" dirty="0" smtClean="0">
-              <a:solidFill>
-                <a:srgbClr val="FF0000"/>
-              </a:solidFill>
-            </a:endParaRPr>
-          </a:p>
-        </p:txBody>
-      </p:sp>
-      <p:pic>
-        <p:nvPicPr>
-          <p:cNvPr id="9" name="Content Placeholder 8"/>
-          <p:cNvPicPr>
-            <a:picLocks noGrp="1" noChangeAspect="1"/>
-          </p:cNvPicPr>
-          <p:nvPr>
-            <p:ph sz="half" idx="1"/>
-          </p:nvPr>
-        </p:nvPicPr>
-        <p:blipFill>
-          <a:blip r:embed="rId3"/>
-          <a:stretch>
-            <a:fillRect/>
-          </a:stretch>
-        </p:blipFill>
-        <p:spPr>
-          <a:xfrm>
-            <a:off x="838200" y="2179421"/>
-            <a:ext cx="5181600" cy="3643745"/>
-          </a:xfrm>
-          <a:prstGeom prst="rect">
-            <a:avLst/>
-          </a:prstGeom>
-        </p:spPr>
-      </p:pic>
-      <p:sp>
-        <p:nvSpPr>
-          <p:cNvPr id="19" name="TextBox 18"/>
-          <p:cNvSpPr txBox="1"/>
-          <p:nvPr/>
-        </p:nvSpPr>
-        <p:spPr>
-          <a:xfrm>
-            <a:off x="1556813" y="1434990"/>
-            <a:ext cx="2947410" cy="646331"/>
-          </a:xfrm>
-          <a:prstGeom prst="rect">
-            <a:avLst/>
-          </a:prstGeom>
-          <a:solidFill>
-            <a:srgbClr val="FFFF00"/>
-          </a:solidFill>
-        </p:spPr>
-        <p:txBody>
-          <a:bodyPr wrap="none" rtlCol="0">
-            <a:spAutoFit/>
-          </a:bodyPr>
-          <a:lstStyle/>
-          <a:p>
-            <a:pPr algn="ctr"/>
-            <a:r>
-              <a:rPr lang="en-US" b="1" dirty="0" smtClean="0">
-                <a:solidFill>
-                  <a:srgbClr val="FF0000"/>
-                </a:solidFill>
-              </a:rPr>
-              <a:t>52% STAT </a:t>
-            </a:r>
-            <a:r>
-              <a:rPr lang="en-US" b="1" dirty="0">
-                <a:solidFill>
-                  <a:srgbClr val="FF0000"/>
-                </a:solidFill>
-              </a:rPr>
-              <a:t>courses on </a:t>
-            </a:r>
-            <a:r>
-              <a:rPr lang="en-US" b="1" dirty="0" smtClean="0">
-                <a:solidFill>
-                  <a:srgbClr val="FF0000"/>
-                </a:solidFill>
-              </a:rPr>
-              <a:t>average</a:t>
-            </a:r>
-          </a:p>
-          <a:p>
-            <a:pPr algn="ctr"/>
-            <a:r>
-              <a:rPr lang="en-US" b="1" dirty="0" smtClean="0">
-                <a:solidFill>
-                  <a:srgbClr val="FF0000"/>
-                </a:solidFill>
-              </a:rPr>
-              <a:t>(and 38% MATH courses)</a:t>
-            </a:r>
-            <a:endParaRPr lang="en-US" b="1" dirty="0" smtClean="0">
-              <a:solidFill>
-                <a:srgbClr val="FF0000"/>
-              </a:solidFill>
-            </a:endParaRPr>
-          </a:p>
-        </p:txBody>
-      </p:sp>
-    </p:spTree>
-    <p:extLst>
-      <p:ext uri="{BB962C8B-B14F-4D97-AF65-F5344CB8AC3E}">
-        <p14:creationId xmlns:p14="http://schemas.microsoft.com/office/powerpoint/2010/main" val="2040311413"/>
-      </p:ext>
-    </p:extLst>
-  </p:cSld>
-  <p:clrMapOvr>
-    <a:masterClrMapping/>
-  </p:clrMapOvr>
-  <p:timing>
-    <p:tnLst>
-      <p:par>
-        <p:cTn id="1" dur="indefinite" restart="never" nodeType="tmRoot">
-          <p:childTnLst>
-            <p:seq concurrent="1" nextAc="seek">
-              <p:cTn id="2" dur="indefinite" nodeType="mainSeq">
-                <p:childTnLst>
-                  <p:par>
-                    <p:cTn id="3" fill="hold">
-                      <p:stCondLst>
-                        <p:cond delay="indefinite"/>
-                      </p:stCondLst>
-                      <p:childTnLst>
-                        <p:par>
-                          <p:cTn id="4" fill="hold">
-                            <p:stCondLst>
-                              <p:cond delay="0"/>
-                            </p:stCondLst>
-                            <p:childTnLst>
-                              <p:par>
-                                <p:cTn id="5" presetID="1" presetClass="entr" presetSubtype="0" fill="hold" grpId="0" nodeType="clickEffect">
-                                  <p:stCondLst>
-                                    <p:cond delay="0"/>
-                                  </p:stCondLst>
-                                  <p:childTnLst>
-                                    <p:set>
-                                      <p:cBhvr>
-                                        <p:cTn id="6" dur="1" fill="hold">
-                                          <p:stCondLst>
-                                            <p:cond delay="0"/>
-                                          </p:stCondLst>
-                                        </p:cTn>
-                                        <p:tgtEl>
-                                          <p:spTgt spid="14"/>
-                                        </p:tgtEl>
-                                        <p:attrNameLst>
-                                          <p:attrName>style.visibility</p:attrName>
-                                        </p:attrNameLst>
-                                      </p:cBhvr>
-                                      <p:to>
-                                        <p:strVal val="visible"/>
-                                      </p:to>
-                                    </p:set>
-                                  </p:childTnLst>
-                                </p:cTn>
-                              </p:par>
-                            </p:childTnLst>
-                          </p:cTn>
-                        </p:par>
-                      </p:childTnLst>
-                    </p:cTn>
-                  </p:par>
-                  <p:par>
-                    <p:cTn id="7" fill="hold">
-                      <p:stCondLst>
-                        <p:cond delay="indefinite"/>
-                      </p:stCondLst>
-                      <p:childTnLst>
-                        <p:par>
-                          <p:cTn id="8" fill="hold">
-                            <p:stCondLst>
-                              <p:cond delay="0"/>
-                            </p:stCondLst>
-                            <p:childTnLst>
-                              <p:par>
-                                <p:cTn id="9" presetID="1" presetClass="entr" presetSubtype="0" fill="hold" grpId="0" nodeType="clickEffect">
-                                  <p:stCondLst>
-                                    <p:cond delay="0"/>
-                                  </p:stCondLst>
-                                  <p:childTnLst>
-                                    <p:set>
-                                      <p:cBhvr>
-                                        <p:cTn id="10" dur="1" fill="hold">
-                                          <p:stCondLst>
-                                            <p:cond delay="0"/>
-                                          </p:stCondLst>
-                                        </p:cTn>
-                                        <p:tgtEl>
-                                          <p:spTgt spid="19"/>
-                                        </p:tgtEl>
-                                        <p:attrNameLst>
-                                          <p:attrName>style.visibility</p:attrName>
-                                        </p:attrNameLst>
-                                      </p:cBhvr>
-                                      <p:to>
-                                        <p:strVal val="visible"/>
-                                      </p:to>
-                                    </p:set>
-                                  </p:childTnLst>
-                                </p:cTn>
-                              </p:par>
-                            </p:childTnLst>
-                          </p:cTn>
-                        </p:par>
-                      </p:childTnLst>
-                    </p:cTn>
-                  </p:par>
-                </p:childTnLst>
-              </p:cTn>
-              <p:prevCondLst>
-                <p:cond evt="onPrev" delay="0">
-                  <p:tgtEl>
-                    <p:sldTgt/>
-                  </p:tgtEl>
-                </p:cond>
-              </p:prevCondLst>
-              <p:nextCondLst>
-                <p:cond evt="onNext" delay="0">
-                  <p:tgtEl>
-                    <p:sldTgt/>
-                  </p:tgtEl>
-                </p:cond>
-              </p:nextCondLst>
-            </p:seq>
-          </p:childTnLst>
-        </p:cTn>
-      </p:par>
-    </p:tnLst>
-    <p:bldLst>
-      <p:bldP spid="14" grpId="0" animBg="1"/>
-      <p:bldP spid="19" grpId="0" animBg="1"/>
-    </p:bldLst>
   </p:timing>
 </p:sld>
 </file>

--- a/Status fo Statistics Curricula.pptx
+++ b/Status fo Statistics Curricula.pptx
@@ -17,12 +17,12 @@
     <p:sldId id="267" r:id="rId8"/>
     <p:sldId id="271" r:id="rId9"/>
     <p:sldId id="262" r:id="rId10"/>
-    <p:sldId id="263" r:id="rId11"/>
+    <p:sldId id="272" r:id="rId11"/>
     <p:sldId id="264" r:id="rId12"/>
     <p:sldId id="269" r:id="rId13"/>
   </p:sldIdLst>
   <p:sldSz cx="12192000" cy="6858000"/>
-  <p:notesSz cx="7023100" cy="9309100"/>
+  <p:notesSz cx="7315200" cy="9601200"/>
   <p:defaultTextStyle>
     <a:defPPr>
       <a:defRPr lang="en-US"/>
@@ -120,7 +120,7 @@
   </p:defaultTextStyle>
   <p:extLst>
     <p:ext uri="{EFAFB233-063F-42B5-8137-9DF3F51BA10A}">
-      <p15:sldGuideLst xmlns:p15="http://schemas.microsoft.com/office/powerpoint/2012/main">
+      <p15:sldGuideLst xmlns:p15="http://schemas.microsoft.com/office/powerpoint/2012/main" xmlns="">
         <p15:guide id="1" orient="horz" pos="2160">
           <p15:clr>
             <a:srgbClr val="A4A3A4"/>
@@ -172,14 +172,14 @@
         <p:spPr>
           <a:xfrm>
             <a:off x="0" y="0"/>
-            <a:ext cx="3043343" cy="467072"/>
+            <a:ext cx="3169920" cy="481728"/>
           </a:xfrm>
           <a:prstGeom prst="rect">
             <a:avLst/>
           </a:prstGeom>
         </p:spPr>
         <p:txBody>
-          <a:bodyPr vert="horz" lIns="93324" tIns="46662" rIns="93324" bIns="46662" rtlCol="0"/>
+          <a:bodyPr vert="horz" lIns="96656" tIns="48328" rIns="96656" bIns="48328" rtlCol="0"/>
           <a:lstStyle>
             <a:lvl1pPr algn="l">
               <a:defRPr sz="1200"/>
@@ -202,15 +202,15 @@
         </p:nvSpPr>
         <p:spPr>
           <a:xfrm>
-            <a:off x="3978132" y="0"/>
-            <a:ext cx="3043343" cy="467072"/>
+            <a:off x="4143588" y="0"/>
+            <a:ext cx="3169920" cy="481728"/>
           </a:xfrm>
           <a:prstGeom prst="rect">
             <a:avLst/>
           </a:prstGeom>
         </p:spPr>
         <p:txBody>
-          <a:bodyPr vert="horz" lIns="93324" tIns="46662" rIns="93324" bIns="46662" rtlCol="0"/>
+          <a:bodyPr vert="horz" lIns="96656" tIns="48328" rIns="96656" bIns="48328" rtlCol="0"/>
           <a:lstStyle>
             <a:lvl1pPr algn="r">
               <a:defRPr sz="1200"/>
@@ -220,7 +220,7 @@
             <a:fld id="{88759146-D9B4-4E36-9A74-666275327657}" type="datetimeFigureOut">
               <a:rPr lang="en-US" smtClean="0"/>
               <a:pPr/>
-              <a:t>6/8/2017</a:t>
+              <a:t>6/12/2017</a:t>
             </a:fld>
             <a:endParaRPr lang="en-US"/>
           </a:p>
@@ -238,8 +238,8 @@
         </p:nvSpPr>
         <p:spPr>
           <a:xfrm>
-            <a:off x="719138" y="1163638"/>
-            <a:ext cx="5584825" cy="3141662"/>
+            <a:off x="777875" y="1200150"/>
+            <a:ext cx="5759450" cy="3240088"/>
           </a:xfrm>
           <a:prstGeom prst="rect">
             <a:avLst/>
@@ -252,7 +252,7 @@
           </a:ln>
         </p:spPr>
         <p:txBody>
-          <a:bodyPr vert="horz" lIns="93324" tIns="46662" rIns="93324" bIns="46662" rtlCol="0" anchor="ctr"/>
+          <a:bodyPr vert="horz" lIns="96656" tIns="48328" rIns="96656" bIns="48328" rtlCol="0" anchor="ctr"/>
           <a:lstStyle/>
           <a:p>
             <a:endParaRPr lang="en-US"/>
@@ -271,15 +271,15 @@
         </p:nvSpPr>
         <p:spPr>
           <a:xfrm>
-            <a:off x="702310" y="4480004"/>
-            <a:ext cx="5618480" cy="3665458"/>
+            <a:off x="731520" y="4620577"/>
+            <a:ext cx="5852160" cy="3780472"/>
           </a:xfrm>
           <a:prstGeom prst="rect">
             <a:avLst/>
           </a:prstGeom>
         </p:spPr>
         <p:txBody>
-          <a:bodyPr vert="horz" lIns="93324" tIns="46662" rIns="93324" bIns="46662" rtlCol="0"/>
+          <a:bodyPr vert="horz" lIns="96656" tIns="48328" rIns="96656" bIns="48328" rtlCol="0"/>
           <a:lstStyle/>
           <a:p>
             <a:pPr lvl="0"/>
@@ -331,15 +331,15 @@
         </p:nvSpPr>
         <p:spPr>
           <a:xfrm>
-            <a:off x="0" y="8842030"/>
-            <a:ext cx="3043343" cy="467071"/>
+            <a:off x="0" y="9119475"/>
+            <a:ext cx="3169920" cy="481727"/>
           </a:xfrm>
           <a:prstGeom prst="rect">
             <a:avLst/>
           </a:prstGeom>
         </p:spPr>
         <p:txBody>
-          <a:bodyPr vert="horz" lIns="93324" tIns="46662" rIns="93324" bIns="46662" rtlCol="0" anchor="b"/>
+          <a:bodyPr vert="horz" lIns="96656" tIns="48328" rIns="96656" bIns="48328" rtlCol="0" anchor="b"/>
           <a:lstStyle>
             <a:lvl1pPr algn="l">
               <a:defRPr sz="1200"/>
@@ -362,15 +362,15 @@
         </p:nvSpPr>
         <p:spPr>
           <a:xfrm>
-            <a:off x="3978132" y="8842030"/>
-            <a:ext cx="3043343" cy="467071"/>
+            <a:off x="4143588" y="9119475"/>
+            <a:ext cx="3169920" cy="481727"/>
           </a:xfrm>
           <a:prstGeom prst="rect">
             <a:avLst/>
           </a:prstGeom>
         </p:spPr>
         <p:txBody>
-          <a:bodyPr vert="horz" lIns="93324" tIns="46662" rIns="93324" bIns="46662" rtlCol="0" anchor="b"/>
+          <a:bodyPr vert="horz" lIns="96656" tIns="48328" rIns="96656" bIns="48328" rtlCol="0" anchor="b"/>
           <a:lstStyle>
             <a:lvl1pPr algn="r">
               <a:defRPr sz="1200"/>
@@ -389,7 +389,7 @@
     </p:spTree>
     <p:extLst>
       <p:ext uri="{BB962C8B-B14F-4D97-AF65-F5344CB8AC3E}">
-        <p14:creationId xmlns:p14="http://schemas.microsoft.com/office/powerpoint/2010/main" val="2305668930"/>
+        <p14:creationId xmlns:p14="http://schemas.microsoft.com/office/powerpoint/2010/main" xmlns="" val="2305668930"/>
       </p:ext>
     </p:extLst>
   </p:cSld>
@@ -553,7 +553,7 @@
             </a:r>
           </a:p>
           <a:p>
-            <a:pPr marL="174982" indent="-174982">
+            <a:pPr marL="181229" indent="-181229">
               <a:buFont typeface="Arial" panose="020B0604020202020204" pitchFamily="34" charset="0"/>
               <a:buChar char="•"/>
             </a:pPr>
@@ -571,7 +571,7 @@
             </a:r>
           </a:p>
           <a:p>
-            <a:pPr marL="174982" indent="-174982">
+            <a:pPr marL="181229" indent="-181229">
               <a:buFont typeface="Arial" panose="020B0604020202020204" pitchFamily="34" charset="0"/>
               <a:buChar char="•"/>
             </a:pPr>
@@ -616,7 +616,7 @@
     </p:spTree>
     <p:extLst>
       <p:ext uri="{BB962C8B-B14F-4D97-AF65-F5344CB8AC3E}">
-        <p14:creationId xmlns:p14="http://schemas.microsoft.com/office/powerpoint/2010/main" val="980804576"/>
+        <p14:creationId xmlns:p14="http://schemas.microsoft.com/office/powerpoint/2010/main" xmlns="" val="980804576"/>
       </p:ext>
     </p:extLst>
   </p:cSld>
@@ -758,7 +758,7 @@
             <a:fld id="{6F49C482-87CA-4B33-8605-43E5589E6771}" type="datetimeFigureOut">
               <a:rPr lang="en-US" smtClean="0"/>
               <a:pPr/>
-              <a:t>6/8/2017</a:t>
+              <a:t>6/12/2017</a:t>
             </a:fld>
             <a:endParaRPr lang="en-US"/>
           </a:p>
@@ -810,7 +810,7 @@
     </p:spTree>
     <p:extLst>
       <p:ext uri="{BB962C8B-B14F-4D97-AF65-F5344CB8AC3E}">
-        <p14:creationId xmlns:p14="http://schemas.microsoft.com/office/powerpoint/2010/main" val="3506553982"/>
+        <p14:creationId xmlns:p14="http://schemas.microsoft.com/office/powerpoint/2010/main" xmlns="" val="3506553982"/>
       </p:ext>
     </p:extLst>
   </p:cSld>
@@ -930,7 +930,7 @@
             <a:fld id="{6F49C482-87CA-4B33-8605-43E5589E6771}" type="datetimeFigureOut">
               <a:rPr lang="en-US" smtClean="0"/>
               <a:pPr/>
-              <a:t>6/8/2017</a:t>
+              <a:t>6/12/2017</a:t>
             </a:fld>
             <a:endParaRPr lang="en-US"/>
           </a:p>
@@ -982,7 +982,7 @@
     </p:spTree>
     <p:extLst>
       <p:ext uri="{BB962C8B-B14F-4D97-AF65-F5344CB8AC3E}">
-        <p14:creationId xmlns:p14="http://schemas.microsoft.com/office/powerpoint/2010/main" val="1101089403"/>
+        <p14:creationId xmlns:p14="http://schemas.microsoft.com/office/powerpoint/2010/main" xmlns="" val="1101089403"/>
       </p:ext>
     </p:extLst>
   </p:cSld>
@@ -1112,7 +1112,7 @@
             <a:fld id="{6F49C482-87CA-4B33-8605-43E5589E6771}" type="datetimeFigureOut">
               <a:rPr lang="en-US" smtClean="0"/>
               <a:pPr/>
-              <a:t>6/8/2017</a:t>
+              <a:t>6/12/2017</a:t>
             </a:fld>
             <a:endParaRPr lang="en-US"/>
           </a:p>
@@ -1164,7 +1164,7 @@
     </p:spTree>
     <p:extLst>
       <p:ext uri="{BB962C8B-B14F-4D97-AF65-F5344CB8AC3E}">
-        <p14:creationId xmlns:p14="http://schemas.microsoft.com/office/powerpoint/2010/main" val="2001993173"/>
+        <p14:creationId xmlns:p14="http://schemas.microsoft.com/office/powerpoint/2010/main" xmlns="" val="2001993173"/>
       </p:ext>
     </p:extLst>
   </p:cSld>
@@ -1284,7 +1284,7 @@
             <a:fld id="{6F49C482-87CA-4B33-8605-43E5589E6771}" type="datetimeFigureOut">
               <a:rPr lang="en-US" smtClean="0"/>
               <a:pPr/>
-              <a:t>6/8/2017</a:t>
+              <a:t>6/12/2017</a:t>
             </a:fld>
             <a:endParaRPr lang="en-US"/>
           </a:p>
@@ -1336,7 +1336,7 @@
     </p:spTree>
     <p:extLst>
       <p:ext uri="{BB962C8B-B14F-4D97-AF65-F5344CB8AC3E}">
-        <p14:creationId xmlns:p14="http://schemas.microsoft.com/office/powerpoint/2010/main" val="410919990"/>
+        <p14:creationId xmlns:p14="http://schemas.microsoft.com/office/powerpoint/2010/main" xmlns="" val="410919990"/>
       </p:ext>
     </p:extLst>
   </p:cSld>
@@ -1532,7 +1532,7 @@
             <a:fld id="{6F49C482-87CA-4B33-8605-43E5589E6771}" type="datetimeFigureOut">
               <a:rPr lang="en-US" smtClean="0"/>
               <a:pPr/>
-              <a:t>6/8/2017</a:t>
+              <a:t>6/12/2017</a:t>
             </a:fld>
             <a:endParaRPr lang="en-US"/>
           </a:p>
@@ -1584,7 +1584,7 @@
     </p:spTree>
     <p:extLst>
       <p:ext uri="{BB962C8B-B14F-4D97-AF65-F5344CB8AC3E}">
-        <p14:creationId xmlns:p14="http://schemas.microsoft.com/office/powerpoint/2010/main" val="3965314995"/>
+        <p14:creationId xmlns:p14="http://schemas.microsoft.com/office/powerpoint/2010/main" xmlns="" val="3965314995"/>
       </p:ext>
     </p:extLst>
   </p:cSld>
@@ -1766,7 +1766,7 @@
             <a:fld id="{6F49C482-87CA-4B33-8605-43E5589E6771}" type="datetimeFigureOut">
               <a:rPr lang="en-US" smtClean="0"/>
               <a:pPr/>
-              <a:t>6/8/2017</a:t>
+              <a:t>6/12/2017</a:t>
             </a:fld>
             <a:endParaRPr lang="en-US"/>
           </a:p>
@@ -1818,7 +1818,7 @@
     </p:spTree>
     <p:extLst>
       <p:ext uri="{BB962C8B-B14F-4D97-AF65-F5344CB8AC3E}">
-        <p14:creationId xmlns:p14="http://schemas.microsoft.com/office/powerpoint/2010/main" val="2793446600"/>
+        <p14:creationId xmlns:p14="http://schemas.microsoft.com/office/powerpoint/2010/main" xmlns="" val="2793446600"/>
       </p:ext>
     </p:extLst>
   </p:cSld>
@@ -2135,7 +2135,7 @@
             <a:fld id="{6F49C482-87CA-4B33-8605-43E5589E6771}" type="datetimeFigureOut">
               <a:rPr lang="en-US" smtClean="0"/>
               <a:pPr/>
-              <a:t>6/8/2017</a:t>
+              <a:t>6/12/2017</a:t>
             </a:fld>
             <a:endParaRPr lang="en-US"/>
           </a:p>
@@ -2187,7 +2187,7 @@
     </p:spTree>
     <p:extLst>
       <p:ext uri="{BB962C8B-B14F-4D97-AF65-F5344CB8AC3E}">
-        <p14:creationId xmlns:p14="http://schemas.microsoft.com/office/powerpoint/2010/main" val="4044548070"/>
+        <p14:creationId xmlns:p14="http://schemas.microsoft.com/office/powerpoint/2010/main" xmlns="" val="4044548070"/>
       </p:ext>
     </p:extLst>
   </p:cSld>
@@ -2255,7 +2255,7 @@
             <a:fld id="{6F49C482-87CA-4B33-8605-43E5589E6771}" type="datetimeFigureOut">
               <a:rPr lang="en-US" smtClean="0"/>
               <a:pPr/>
-              <a:t>6/8/2017</a:t>
+              <a:t>6/12/2017</a:t>
             </a:fld>
             <a:endParaRPr lang="en-US"/>
           </a:p>
@@ -2307,7 +2307,7 @@
     </p:spTree>
     <p:extLst>
       <p:ext uri="{BB962C8B-B14F-4D97-AF65-F5344CB8AC3E}">
-        <p14:creationId xmlns:p14="http://schemas.microsoft.com/office/powerpoint/2010/main" val="1523835739"/>
+        <p14:creationId xmlns:p14="http://schemas.microsoft.com/office/powerpoint/2010/main" xmlns="" val="1523835739"/>
       </p:ext>
     </p:extLst>
   </p:cSld>
@@ -2352,7 +2352,7 @@
             <a:fld id="{6F49C482-87CA-4B33-8605-43E5589E6771}" type="datetimeFigureOut">
               <a:rPr lang="en-US" smtClean="0"/>
               <a:pPr/>
-              <a:t>6/8/2017</a:t>
+              <a:t>6/12/2017</a:t>
             </a:fld>
             <a:endParaRPr lang="en-US"/>
           </a:p>
@@ -2404,7 +2404,7 @@
     </p:spTree>
     <p:extLst>
       <p:ext uri="{BB962C8B-B14F-4D97-AF65-F5344CB8AC3E}">
-        <p14:creationId xmlns:p14="http://schemas.microsoft.com/office/powerpoint/2010/main" val="1874289421"/>
+        <p14:creationId xmlns:p14="http://schemas.microsoft.com/office/powerpoint/2010/main" xmlns="" val="1874289421"/>
       </p:ext>
     </p:extLst>
   </p:cSld>
@@ -2631,7 +2631,7 @@
             <a:fld id="{6F49C482-87CA-4B33-8605-43E5589E6771}" type="datetimeFigureOut">
               <a:rPr lang="en-US" smtClean="0"/>
               <a:pPr/>
-              <a:t>6/8/2017</a:t>
+              <a:t>6/12/2017</a:t>
             </a:fld>
             <a:endParaRPr lang="en-US"/>
           </a:p>
@@ -2683,7 +2683,7 @@
     </p:spTree>
     <p:extLst>
       <p:ext uri="{BB962C8B-B14F-4D97-AF65-F5344CB8AC3E}">
-        <p14:creationId xmlns:p14="http://schemas.microsoft.com/office/powerpoint/2010/main" val="3891137599"/>
+        <p14:creationId xmlns:p14="http://schemas.microsoft.com/office/powerpoint/2010/main" xmlns="" val="3891137599"/>
       </p:ext>
     </p:extLst>
   </p:cSld>
@@ -2886,7 +2886,7 @@
             <a:fld id="{6F49C482-87CA-4B33-8605-43E5589E6771}" type="datetimeFigureOut">
               <a:rPr lang="en-US" smtClean="0"/>
               <a:pPr/>
-              <a:t>6/8/2017</a:t>
+              <a:t>6/12/2017</a:t>
             </a:fld>
             <a:endParaRPr lang="en-US"/>
           </a:p>
@@ -2938,7 +2938,7 @@
     </p:spTree>
     <p:extLst>
       <p:ext uri="{BB962C8B-B14F-4D97-AF65-F5344CB8AC3E}">
-        <p14:creationId xmlns:p14="http://schemas.microsoft.com/office/powerpoint/2010/main" val="459217906"/>
+        <p14:creationId xmlns:p14="http://schemas.microsoft.com/office/powerpoint/2010/main" xmlns="" val="459217906"/>
       </p:ext>
     </p:extLst>
   </p:cSld>
@@ -3101,7 +3101,7 @@
             <a:fld id="{6F49C482-87CA-4B33-8605-43E5589E6771}" type="datetimeFigureOut">
               <a:rPr lang="en-US" smtClean="0"/>
               <a:pPr/>
-              <a:t>6/8/2017</a:t>
+              <a:t>6/12/2017</a:t>
             </a:fld>
             <a:endParaRPr lang="en-US"/>
           </a:p>
@@ -3189,7 +3189,7 @@
     </p:spTree>
     <p:extLst>
       <p:ext uri="{BB962C8B-B14F-4D97-AF65-F5344CB8AC3E}">
-        <p14:creationId xmlns:p14="http://schemas.microsoft.com/office/powerpoint/2010/main" val="3664280150"/>
+        <p14:creationId xmlns:p14="http://schemas.microsoft.com/office/powerpoint/2010/main" xmlns="" val="3664280150"/>
       </p:ext>
     </p:extLst>
   </p:cSld>
@@ -3543,14 +3543,12 @@
         <p:spPr/>
         <p:txBody>
           <a:bodyPr>
-            <a:normAutofit fontScale="92500" lnSpcReduction="10000"/>
+            <a:normAutofit lnSpcReduction="10000"/>
           </a:bodyPr>
           <a:lstStyle/>
           <a:p>
-            <a:r>
-              <a:rPr lang="en-US" dirty="0" smtClean="0"/>
-              <a:t>(a graphical study)</a:t>
-            </a:r>
+            <a:pPr algn="l"/>
+            <a:endParaRPr lang="en-US" dirty="0" smtClean="0"/>
           </a:p>
           <a:p>
             <a:pPr algn="l"/>
@@ -3596,7 +3594,7 @@
     </p:spTree>
     <p:extLst>
       <p:ext uri="{BB962C8B-B14F-4D97-AF65-F5344CB8AC3E}">
-        <p14:creationId xmlns:p14="http://schemas.microsoft.com/office/powerpoint/2010/main" val="2903718237"/>
+        <p14:creationId xmlns:p14="http://schemas.microsoft.com/office/powerpoint/2010/main" xmlns="" val="2903718237"/>
       </p:ext>
     </p:extLst>
   </p:cSld>
@@ -3630,32 +3628,6 @@
           <a:chExt cx="0" cy="0"/>
         </a:xfrm>
       </p:grpSpPr>
-      <p:pic>
-        <p:nvPicPr>
-          <p:cNvPr id="13" name="Content Placeholder 12"/>
-          <p:cNvPicPr>
-            <a:picLocks noGrp="1" noChangeAspect="1"/>
-          </p:cNvPicPr>
-          <p:nvPr>
-            <p:ph sz="half" idx="2"/>
-          </p:nvPr>
-        </p:nvPicPr>
-        <p:blipFill>
-          <a:blip r:embed="rId2"/>
-          <a:stretch>
-            <a:fillRect/>
-          </a:stretch>
-        </p:blipFill>
-        <p:spPr>
-          <a:xfrm>
-            <a:off x="6172200" y="2179421"/>
-            <a:ext cx="5181600" cy="3643745"/>
-          </a:xfrm>
-          <a:prstGeom prst="rect">
-            <a:avLst/>
-          </a:prstGeom>
-        </p:spPr>
-      </p:pic>
       <p:sp>
         <p:nvSpPr>
           <p:cNvPr id="2" name="Title 1"/>
@@ -3673,7 +3645,19 @@
           <a:p>
             <a:r>
               <a:rPr lang="en-US" dirty="0" smtClean="0"/>
-              <a:t>Breakdown of Courses per Discipline</a:t>
+              <a:t>Breakdown of Courses </a:t>
+            </a:r>
+            <a:r>
+              <a:rPr lang="en-US" dirty="0" smtClean="0"/>
+              <a:t>by</a:t>
+            </a:r>
+            <a:r>
+              <a:rPr lang="en-US" dirty="0" smtClean="0"/>
+              <a:t> </a:t>
+            </a:r>
+            <a:r>
+              <a:rPr lang="en-US" dirty="0" smtClean="0"/>
+              <a:t>Discipline</a:t>
             </a:r>
             <a:endParaRPr lang="en-US" dirty="0"/>
           </a:p>
@@ -3765,7 +3749,7 @@
           </p:nvPr>
         </p:nvPicPr>
         <p:blipFill>
-          <a:blip r:embed="rId3"/>
+          <a:blip r:embed="rId2" cstate="print"/>
           <a:stretch>
             <a:fillRect/>
           </a:stretch>
@@ -3843,10 +3827,44 @@
           </a:p>
         </p:txBody>
       </p:sp>
+      <p:pic>
+        <p:nvPicPr>
+          <p:cNvPr id="4098" name="Picture 2"/>
+          <p:cNvPicPr>
+            <a:picLocks noGrp="1" noChangeAspect="1" noChangeArrowheads="1"/>
+          </p:cNvPicPr>
+          <p:nvPr>
+            <p:ph sz="half" idx="2"/>
+          </p:nvPr>
+        </p:nvPicPr>
+        <p:blipFill>
+          <a:blip r:embed="rId3" cstate="print"/>
+          <a:srcRect/>
+          <a:stretch>
+            <a:fillRect/>
+          </a:stretch>
+        </p:blipFill>
+        <p:spPr bwMode="auto">
+          <a:xfrm>
+            <a:off x="6172200" y="2215793"/>
+            <a:ext cx="5076371" cy="3646592"/>
+          </a:xfrm>
+          <a:prstGeom prst="rect">
+            <a:avLst/>
+          </a:prstGeom>
+          <a:noFill/>
+          <a:ln w="9525">
+            <a:noFill/>
+            <a:miter lim="800000"/>
+            <a:headEnd/>
+            <a:tailEnd/>
+          </a:ln>
+        </p:spPr>
+      </p:pic>
     </p:spTree>
     <p:extLst>
       <p:ext uri="{BB962C8B-B14F-4D97-AF65-F5344CB8AC3E}">
-        <p14:creationId xmlns:p14="http://schemas.microsoft.com/office/powerpoint/2010/main" val="2040311413"/>
+        <p14:creationId xmlns:p14="http://schemas.microsoft.com/office/powerpoint/2010/main" xmlns="" val="2040311413"/>
       </p:ext>
     </p:extLst>
   </p:cSld>
@@ -3900,33 +3918,15 @@
                                   </p:childTnLst>
                                 </p:cTn>
                               </p:par>
-                            </p:childTnLst>
-                          </p:cTn>
-                        </p:par>
-                      </p:childTnLst>
-                    </p:cTn>
-                  </p:par>
-                  <p:par>
-                    <p:cTn id="7" fill="hold">
-                      <p:stCondLst>
-                        <p:cond delay="indefinite"/>
-                      </p:stCondLst>
-                      <p:childTnLst>
-                        <p:par>
-                          <p:cTn id="8" fill="hold">
-                            <p:stCondLst>
-                              <p:cond delay="0"/>
-                            </p:stCondLst>
-                            <p:childTnLst>
                               <p:par>
-                                <p:cTn id="9" presetID="1" presetClass="entr" presetSubtype="0" fill="hold" grpId="0" nodeType="clickEffect">
+                                <p:cTn id="7" presetID="1" presetClass="entr" presetSubtype="0" fill="hold" grpId="0" nodeType="withEffect">
                                   <p:stCondLst>
                                     <p:cond delay="0"/>
                                   </p:stCondLst>
                                   <p:childTnLst>
                                     <p:set>
                                       <p:cBhvr>
-                                        <p:cTn id="10" dur="1" fill="hold">
+                                        <p:cTn id="8" dur="1" fill="hold">
                                           <p:stCondLst>
                                             <p:cond delay="0"/>
                                           </p:stCondLst>
@@ -3997,32 +3997,6 @@
           <a:chExt cx="0" cy="0"/>
         </a:xfrm>
       </p:grpSpPr>
-      <p:pic>
-        <p:nvPicPr>
-          <p:cNvPr id="22" name="Content Placeholder 21"/>
-          <p:cNvPicPr>
-            <a:picLocks noGrp="1" noChangeAspect="1"/>
-          </p:cNvPicPr>
-          <p:nvPr>
-            <p:ph sz="half" idx="2"/>
-          </p:nvPr>
-        </p:nvPicPr>
-        <p:blipFill>
-          <a:blip r:embed="rId2"/>
-          <a:stretch>
-            <a:fillRect/>
-          </a:stretch>
-        </p:blipFill>
-        <p:spPr>
-          <a:xfrm>
-            <a:off x="6172200" y="2179421"/>
-            <a:ext cx="5181600" cy="3643745"/>
-          </a:xfrm>
-          <a:prstGeom prst="rect">
-            <a:avLst/>
-          </a:prstGeom>
-        </p:spPr>
-      </p:pic>
       <p:sp>
         <p:nvSpPr>
           <p:cNvPr id="2" name="Title 1"/>
@@ -4040,7 +4014,15 @@
           <a:p>
             <a:r>
               <a:rPr lang="en-US" dirty="0"/>
-              <a:t>Breakdown of Courses per </a:t>
+              <a:t>Breakdown of Courses </a:t>
+            </a:r>
+            <a:r>
+              <a:rPr lang="en-US" dirty="0" smtClean="0"/>
+              <a:t>by</a:t>
+            </a:r>
+            <a:r>
+              <a:rPr lang="en-US" dirty="0" smtClean="0"/>
+              <a:t> </a:t>
             </a:r>
             <a:r>
               <a:rPr lang="en-US" dirty="0" smtClean="0"/>
@@ -4050,32 +4032,6 @@
           </a:p>
         </p:txBody>
       </p:sp>
-      <p:pic>
-        <p:nvPicPr>
-          <p:cNvPr id="12" name="Content Placeholder 11"/>
-          <p:cNvPicPr>
-            <a:picLocks noGrp="1" noChangeAspect="1"/>
-          </p:cNvPicPr>
-          <p:nvPr>
-            <p:ph sz="half" idx="1"/>
-          </p:nvPr>
-        </p:nvPicPr>
-        <p:blipFill>
-          <a:blip r:embed="rId3"/>
-          <a:stretch>
-            <a:fillRect/>
-          </a:stretch>
-        </p:blipFill>
-        <p:spPr>
-          <a:xfrm>
-            <a:off x="838200" y="2179421"/>
-            <a:ext cx="5181600" cy="3643745"/>
-          </a:xfrm>
-          <a:prstGeom prst="rect">
-            <a:avLst/>
-          </a:prstGeom>
-        </p:spPr>
-      </p:pic>
       <p:sp>
         <p:nvSpPr>
           <p:cNvPr id="18" name="TextBox 17"/>
@@ -4084,8 +4040,8 @@
         </p:nvSpPr>
         <p:spPr>
           <a:xfrm>
-            <a:off x="1986484" y="1434991"/>
-            <a:ext cx="2239459" cy="646331"/>
+            <a:off x="1814387" y="1434991"/>
+            <a:ext cx="2583656" cy="646331"/>
           </a:xfrm>
           <a:prstGeom prst="rect">
             <a:avLst/>
@@ -4134,8 +4090,21 @@
                   <a:srgbClr val="FF0000"/>
                 </a:solidFill>
               </a:rPr>
-              <a:t>developed Stats topic</a:t>
-            </a:r>
+              <a:t>developed Stats </a:t>
+            </a:r>
+            <a:r>
+              <a:rPr lang="en-US" b="1" dirty="0" smtClean="0">
+                <a:solidFill>
+                  <a:srgbClr val="FF0000"/>
+                </a:solidFill>
+              </a:rPr>
+              <a:t>category</a:t>
+            </a:r>
+            <a:endParaRPr lang="en-US" b="1" dirty="0">
+              <a:solidFill>
+                <a:srgbClr val="FF0000"/>
+              </a:solidFill>
+            </a:endParaRPr>
           </a:p>
         </p:txBody>
       </p:sp>
@@ -4196,10 +4165,78 @@
           </a:p>
         </p:txBody>
       </p:sp>
+      <p:pic>
+        <p:nvPicPr>
+          <p:cNvPr id="5123" name="Picture 3"/>
+          <p:cNvPicPr>
+            <a:picLocks noGrp="1" noChangeAspect="1" noChangeArrowheads="1"/>
+          </p:cNvPicPr>
+          <p:nvPr>
+            <p:ph sz="half" idx="1"/>
+          </p:nvPr>
+        </p:nvPicPr>
+        <p:blipFill>
+          <a:blip r:embed="rId2" cstate="print"/>
+          <a:srcRect/>
+          <a:stretch>
+            <a:fillRect/>
+          </a:stretch>
+        </p:blipFill>
+        <p:spPr bwMode="auto">
+          <a:xfrm>
+            <a:off x="838200" y="2130743"/>
+            <a:ext cx="5181600" cy="3741101"/>
+          </a:xfrm>
+          <a:prstGeom prst="rect">
+            <a:avLst/>
+          </a:prstGeom>
+          <a:noFill/>
+          <a:ln w="9525">
+            <a:noFill/>
+            <a:miter lim="800000"/>
+            <a:headEnd/>
+            <a:tailEnd/>
+          </a:ln>
+        </p:spPr>
+      </p:pic>
+      <p:pic>
+        <p:nvPicPr>
+          <p:cNvPr id="5124" name="Picture 4"/>
+          <p:cNvPicPr>
+            <a:picLocks noGrp="1" noChangeAspect="1" noChangeArrowheads="1"/>
+          </p:cNvPicPr>
+          <p:nvPr>
+            <p:ph sz="half" idx="2"/>
+          </p:nvPr>
+        </p:nvPicPr>
+        <p:blipFill>
+          <a:blip r:embed="rId3" cstate="print"/>
+          <a:srcRect/>
+          <a:stretch>
+            <a:fillRect/>
+          </a:stretch>
+        </p:blipFill>
+        <p:spPr bwMode="auto">
+          <a:xfrm>
+            <a:off x="6172200" y="2130743"/>
+            <a:ext cx="5181600" cy="3741101"/>
+          </a:xfrm>
+          <a:prstGeom prst="rect">
+            <a:avLst/>
+          </a:prstGeom>
+          <a:noFill/>
+          <a:ln w="9525">
+            <a:noFill/>
+            <a:miter lim="800000"/>
+            <a:headEnd/>
+            <a:tailEnd/>
+          </a:ln>
+        </p:spPr>
+      </p:pic>
     </p:spTree>
     <p:extLst>
       <p:ext uri="{BB962C8B-B14F-4D97-AF65-F5344CB8AC3E}">
-        <p14:creationId xmlns:p14="http://schemas.microsoft.com/office/powerpoint/2010/main" val="3457145499"/>
+        <p14:creationId xmlns:p14="http://schemas.microsoft.com/office/powerpoint/2010/main" xmlns="" val="3457145499"/>
       </p:ext>
     </p:extLst>
   </p:cSld>
@@ -4253,33 +4290,15 @@
                                   </p:childTnLst>
                                 </p:cTn>
                               </p:par>
-                            </p:childTnLst>
-                          </p:cTn>
-                        </p:par>
-                      </p:childTnLst>
-                    </p:cTn>
-                  </p:par>
-                  <p:par>
-                    <p:cTn id="7" fill="hold">
-                      <p:stCondLst>
-                        <p:cond delay="indefinite"/>
-                      </p:stCondLst>
-                      <p:childTnLst>
-                        <p:par>
-                          <p:cTn id="8" fill="hold">
-                            <p:stCondLst>
-                              <p:cond delay="0"/>
-                            </p:stCondLst>
-                            <p:childTnLst>
                               <p:par>
-                                <p:cTn id="9" presetID="1" presetClass="entr" presetSubtype="0" fill="hold" grpId="0" nodeType="clickEffect">
+                                <p:cTn id="7" presetID="1" presetClass="entr" presetSubtype="0" fill="hold" grpId="0" nodeType="withEffect">
                                   <p:stCondLst>
                                     <p:cond delay="0"/>
                                   </p:stCondLst>
                                   <p:childTnLst>
                                     <p:set>
                                       <p:cBhvr>
-                                        <p:cTn id="10" dur="1" fill="hold">
+                                        <p:cTn id="8" dur="1" fill="hold">
                                           <p:stCondLst>
                                             <p:cond delay="0"/>
                                           </p:stCondLst>
@@ -4372,7 +4391,7 @@
           <a:p>
             <a:r>
               <a:rPr lang="en-US" dirty="0" smtClean="0"/>
-              <a:t>Conclusion</a:t>
+              <a:t>Conclusions/Recommendations</a:t>
             </a:r>
             <a:endParaRPr lang="en-US" dirty="0"/>
           </a:p>
@@ -4395,11 +4414,11 @@
           <a:p>
             <a:r>
               <a:rPr lang="en-US" dirty="0" smtClean="0"/>
-              <a:t>Train Stats Hons/Spec BSc’s primarily for the workplace (rather than </a:t>
-            </a:r>
-            <a:r>
-              <a:rPr lang="en-US" dirty="0" smtClean="0"/>
-              <a:t>graduate </a:t>
+              <a:t>Train </a:t>
+            </a:r>
+            <a:r>
+              <a:rPr lang="en-US" dirty="0" smtClean="0"/>
+              <a:t>Stats Hons/Spec BSc’s primarily for the workplace (rather than graduate </a:t>
             </a:r>
             <a:r>
               <a:rPr lang="en-US" dirty="0" smtClean="0"/>
@@ -4411,71 +4430,31 @@
             <a:endParaRPr lang="en-US" dirty="0" smtClean="0"/>
           </a:p>
           <a:p>
-            <a:pPr marL="514350" indent="-514350">
-              <a:buFont typeface="+mj-lt"/>
-              <a:buAutoNum type="arabicPeriod"/>
-            </a:pPr>
-            <a:r>
-              <a:rPr lang="en-US" dirty="0" smtClean="0"/>
-              <a:t>Offer more Stats-specific courses (at expense of Math courses)</a:t>
-            </a:r>
-          </a:p>
-          <a:p>
-            <a:pPr marL="1371600" lvl="2" indent="-457200">
-              <a:buFont typeface="+mj-lt"/>
-              <a:buAutoNum type="arabicPeriod"/>
-            </a:pPr>
+            <a:r>
+              <a:rPr lang="en-US" dirty="0" smtClean="0"/>
+              <a:t>Offer more </a:t>
+            </a:r>
+            <a:r>
+              <a:rPr lang="en-US" dirty="0" smtClean="0"/>
+              <a:t>Stats-specific courses (at expense of Math </a:t>
+            </a:r>
+            <a:r>
+              <a:rPr lang="en-US" dirty="0" smtClean="0"/>
+              <a:t>courses)</a:t>
+            </a:r>
+          </a:p>
+          <a:p>
+            <a:pPr lvl="2"/>
             <a:endParaRPr lang="en-US" dirty="0" smtClean="0"/>
           </a:p>
           <a:p>
-            <a:pPr marL="514350" indent="-514350">
-              <a:buFont typeface="+mj-lt"/>
-              <a:buAutoNum type="arabicPeriod"/>
-            </a:pPr>
-            <a:r>
-              <a:rPr lang="en-US" dirty="0" smtClean="0"/>
-              <a:t>Focus </a:t>
-            </a:r>
-            <a:r>
-              <a:rPr lang="en-US" dirty="0"/>
-              <a:t>courses (</a:t>
-            </a:r>
-            <a:r>
-              <a:rPr lang="en-US" dirty="0" smtClean="0"/>
-              <a:t>new </a:t>
-            </a:r>
-            <a:r>
-              <a:rPr lang="en-US" dirty="0"/>
-              <a:t>or </a:t>
-            </a:r>
-            <a:r>
-              <a:rPr lang="en-US" dirty="0" smtClean="0"/>
-              <a:t>existing) on Statistical Practice</a:t>
-            </a:r>
-          </a:p>
-          <a:p>
-            <a:pPr marL="971550" lvl="1" indent="-514350">
-              <a:buFont typeface="+mj-lt"/>
-              <a:buAutoNum type="arabicPeriod"/>
-            </a:pPr>
-            <a:endParaRPr lang="en-US" dirty="0"/>
-          </a:p>
-          <a:p>
-            <a:pPr marL="514350" indent="-514350">
-              <a:buFont typeface="+mj-lt"/>
-              <a:buAutoNum type="arabicPeriod"/>
-            </a:pPr>
-            <a:r>
-              <a:rPr lang="en-US" dirty="0" smtClean="0"/>
-              <a:t>Start with Stats </a:t>
-            </a:r>
-            <a:r>
-              <a:rPr lang="en-US" dirty="0"/>
-              <a:t>courses early on </a:t>
-            </a:r>
-            <a:r>
-              <a:rPr lang="en-US" dirty="0" smtClean="0"/>
-              <a:t>(1</a:t>
+            <a:r>
+              <a:rPr lang="en-US" dirty="0" smtClean="0"/>
+              <a:t>Offer Stats </a:t>
+            </a:r>
+            <a:r>
+              <a:rPr lang="en-US" dirty="0" smtClean="0"/>
+              <a:t>courses early on (1</a:t>
             </a:r>
             <a:r>
               <a:rPr lang="en-US" baseline="30000" dirty="0" smtClean="0"/>
@@ -4483,12 +4462,30 @@
             </a:r>
             <a:r>
               <a:rPr lang="en-US" dirty="0" smtClean="0"/>
-              <a:t> </a:t>
-            </a:r>
-            <a:r>
-              <a:rPr lang="en-US" dirty="0"/>
-              <a:t>year)</a:t>
-            </a:r>
+              <a:t> year)</a:t>
+            </a:r>
+          </a:p>
+          <a:p>
+            <a:pPr lvl="2"/>
+            <a:endParaRPr lang="en-US" dirty="0" smtClean="0"/>
+          </a:p>
+          <a:p>
+            <a:r>
+              <a:rPr lang="en-US" dirty="0" smtClean="0"/>
+              <a:t>Place more focus on </a:t>
+            </a:r>
+            <a:r>
+              <a:rPr lang="en-US" dirty="0" smtClean="0"/>
+              <a:t>Statistical </a:t>
+            </a:r>
+            <a:r>
+              <a:rPr lang="en-US" dirty="0" smtClean="0"/>
+              <a:t>Practice </a:t>
+            </a:r>
+          </a:p>
+          <a:p>
+            <a:pPr lvl="2"/>
+            <a:endParaRPr lang="en-US" dirty="0" smtClean="0"/>
           </a:p>
           <a:p>
             <a:pPr marL="514350" indent="-514350">
@@ -4505,7 +4502,7 @@
     </p:spTree>
     <p:extLst>
       <p:ext uri="{BB962C8B-B14F-4D97-AF65-F5344CB8AC3E}">
-        <p14:creationId xmlns:p14="http://schemas.microsoft.com/office/powerpoint/2010/main" val="1706665789"/>
+        <p14:creationId xmlns:p14="http://schemas.microsoft.com/office/powerpoint/2010/main" xmlns="" val="1706665789"/>
       </p:ext>
     </p:extLst>
   </p:cSld>
@@ -4589,16 +4586,21 @@
             </a:r>
             <a:r>
               <a:rPr lang="en-US" dirty="0" smtClean="0"/>
-              <a:t>) survey, from Statistics Canada (</a:t>
-            </a:r>
-            <a:r>
-              <a:rPr lang="en-US" dirty="0" err="1" smtClean="0"/>
-              <a:t>StatCan</a:t>
-            </a:r>
-            <a:r>
-              <a:rPr lang="en-US" dirty="0" smtClean="0"/>
-              <a:t>)</a:t>
-            </a:r>
+              <a:t>) </a:t>
+            </a:r>
+            <a:r>
+              <a:rPr lang="en-US" dirty="0" smtClean="0"/>
+              <a:t>survey</a:t>
+            </a:r>
+            <a:r>
+              <a:rPr lang="en-US" dirty="0" smtClean="0"/>
+              <a:t>,</a:t>
+            </a:r>
+            <a:r>
+              <a:rPr lang="en-US" dirty="0" smtClean="0"/>
+              <a:t> from Statistics Canada</a:t>
+            </a:r>
+            <a:endParaRPr lang="en-US" dirty="0" smtClean="0"/>
           </a:p>
           <a:p>
             <a:pPr lvl="1"/>
@@ -4685,7 +4687,7 @@
     </p:spTree>
     <p:extLst>
       <p:ext uri="{BB962C8B-B14F-4D97-AF65-F5344CB8AC3E}">
-        <p14:creationId xmlns:p14="http://schemas.microsoft.com/office/powerpoint/2010/main" val="1296102110"/>
+        <p14:creationId xmlns:p14="http://schemas.microsoft.com/office/powerpoint/2010/main" xmlns="" val="1296102110"/>
       </p:ext>
     </p:extLst>
   </p:cSld>
@@ -4751,7 +4753,7 @@
         <p:spPr>
           <a:xfrm>
             <a:off x="2045110" y="1446230"/>
-            <a:ext cx="2388026" cy="646331"/>
+            <a:ext cx="2627129" cy="646331"/>
           </a:xfrm>
           <a:prstGeom prst="rect">
             <a:avLst/>
@@ -4772,8 +4774,37 @@
                   <a:srgbClr val="FF0000"/>
                 </a:solidFill>
               </a:rPr>
-              <a:t>52% increased BSc </a:t>
-            </a:r>
+              <a:t>52% </a:t>
+            </a:r>
+            <a:r>
+              <a:rPr lang="en-US" b="1" dirty="0" smtClean="0">
+                <a:solidFill>
+                  <a:srgbClr val="FF0000"/>
+                </a:solidFill>
+              </a:rPr>
+              <a:t>increase in Stats </a:t>
+            </a:r>
+            <a:r>
+              <a:rPr lang="en-US" b="1" dirty="0" err="1" smtClean="0">
+                <a:solidFill>
+                  <a:srgbClr val="FF0000"/>
+                </a:solidFill>
+              </a:rPr>
+              <a:t>BSc</a:t>
+            </a:r>
+            <a:r>
+              <a:rPr lang="en-US" b="1" dirty="0" smtClean="0">
+                <a:solidFill>
+                  <a:srgbClr val="FF0000"/>
+                </a:solidFill>
+              </a:rPr>
+              <a:t> </a:t>
+            </a:r>
+            <a:endParaRPr lang="en-US" b="1" dirty="0" smtClean="0">
+              <a:solidFill>
+                <a:srgbClr val="FF0000"/>
+              </a:solidFill>
+            </a:endParaRPr>
           </a:p>
           <a:p>
             <a:r>
@@ -4801,7 +4832,7 @@
         <p:spPr>
           <a:xfrm>
             <a:off x="6981383" y="1446229"/>
-            <a:ext cx="1880643" cy="646331"/>
+            <a:ext cx="2018373" cy="646331"/>
           </a:xfrm>
           <a:prstGeom prst="rect">
             <a:avLst/>
@@ -4822,7 +4853,31 @@
                   <a:srgbClr val="FF0000"/>
                 </a:solidFill>
               </a:rPr>
-              <a:t>Majority of BSc in</a:t>
+              <a:t>Majority of </a:t>
+            </a:r>
+            <a:r>
+              <a:rPr lang="en-US" b="1" dirty="0" err="1" smtClean="0">
+                <a:solidFill>
+                  <a:srgbClr val="FF0000"/>
+                </a:solidFill>
+              </a:rPr>
+              <a:t>BSc’s</a:t>
+            </a:r>
+            <a:r>
+              <a:rPr lang="en-US" b="1" dirty="0" smtClean="0">
+                <a:solidFill>
+                  <a:srgbClr val="FF0000"/>
+                </a:solidFill>
+              </a:rPr>
+              <a:t> </a:t>
+            </a:r>
+            <a:r>
+              <a:rPr lang="en-US" b="1" dirty="0" smtClean="0">
+                <a:solidFill>
+                  <a:srgbClr val="FF0000"/>
+                </a:solidFill>
+              </a:rPr>
+              <a:t>in</a:t>
             </a:r>
           </a:p>
           <a:p>
@@ -4844,32 +4899,6 @@
       </p:sp>
       <p:pic>
         <p:nvPicPr>
-          <p:cNvPr id="14" name="Content Placeholder 13"/>
-          <p:cNvPicPr>
-            <a:picLocks noGrp="1" noChangeAspect="1"/>
-          </p:cNvPicPr>
-          <p:nvPr>
-            <p:ph sz="half" idx="2"/>
-          </p:nvPr>
-        </p:nvPicPr>
-        <p:blipFill>
-          <a:blip r:embed="rId3"/>
-          <a:stretch>
-            <a:fillRect/>
-          </a:stretch>
-        </p:blipFill>
-        <p:spPr>
-          <a:xfrm>
-            <a:off x="6172200" y="2179421"/>
-            <a:ext cx="5181600" cy="3643745"/>
-          </a:xfrm>
-          <a:prstGeom prst="rect">
-            <a:avLst/>
-          </a:prstGeom>
-        </p:spPr>
-      </p:pic>
-      <p:pic>
-        <p:nvPicPr>
           <p:cNvPr id="16" name="Content Placeholder 15"/>
           <p:cNvPicPr>
             <a:picLocks noGrp="1" noChangeAspect="1"/>
@@ -4879,7 +4908,7 @@
           </p:nvPr>
         </p:nvPicPr>
         <p:blipFill>
-          <a:blip r:embed="rId4"/>
+          <a:blip r:embed="rId3" cstate="print"/>
           <a:stretch>
             <a:fillRect/>
           </a:stretch>
@@ -4894,10 +4923,44 @@
           </a:prstGeom>
         </p:spPr>
       </p:pic>
+      <p:pic>
+        <p:nvPicPr>
+          <p:cNvPr id="1028" name="Picture 4"/>
+          <p:cNvPicPr>
+            <a:picLocks noGrp="1" noChangeAspect="1" noChangeArrowheads="1"/>
+          </p:cNvPicPr>
+          <p:nvPr>
+            <p:ph sz="half" idx="2"/>
+          </p:nvPr>
+        </p:nvPicPr>
+        <p:blipFill>
+          <a:blip r:embed="rId4" cstate="print"/>
+          <a:srcRect/>
+          <a:stretch>
+            <a:fillRect/>
+          </a:stretch>
+        </p:blipFill>
+        <p:spPr bwMode="auto">
+          <a:xfrm>
+            <a:off x="6172200" y="2252185"/>
+            <a:ext cx="5181600" cy="3556273"/>
+          </a:xfrm>
+          <a:prstGeom prst="rect">
+            <a:avLst/>
+          </a:prstGeom>
+          <a:noFill/>
+          <a:ln w="9525">
+            <a:noFill/>
+            <a:miter lim="800000"/>
+            <a:headEnd/>
+            <a:tailEnd/>
+          </a:ln>
+        </p:spPr>
+      </p:pic>
     </p:spTree>
     <p:extLst>
       <p:ext uri="{BB962C8B-B14F-4D97-AF65-F5344CB8AC3E}">
-        <p14:creationId xmlns:p14="http://schemas.microsoft.com/office/powerpoint/2010/main" val="2048612592"/>
+        <p14:creationId xmlns:p14="http://schemas.microsoft.com/office/powerpoint/2010/main" xmlns="" val="2048612592"/>
       </p:ext>
     </p:extLst>
   </p:cSld>
@@ -4951,33 +5014,15 @@
                                   </p:childTnLst>
                                 </p:cTn>
                               </p:par>
-                            </p:childTnLst>
-                          </p:cTn>
-                        </p:par>
-                      </p:childTnLst>
-                    </p:cTn>
-                  </p:par>
-                  <p:par>
-                    <p:cTn id="7" fill="hold">
-                      <p:stCondLst>
-                        <p:cond delay="indefinite"/>
-                      </p:stCondLst>
-                      <p:childTnLst>
-                        <p:par>
-                          <p:cTn id="8" fill="hold">
-                            <p:stCondLst>
-                              <p:cond delay="0"/>
-                            </p:stCondLst>
-                            <p:childTnLst>
                               <p:par>
-                                <p:cTn id="9" presetID="1" presetClass="entr" presetSubtype="0" fill="hold" grpId="0" nodeType="clickEffect">
+                                <p:cTn id="7" presetID="1" presetClass="entr" presetSubtype="0" fill="hold" grpId="0" nodeType="withEffect">
                                   <p:stCondLst>
                                     <p:cond delay="0"/>
                                   </p:stCondLst>
                                   <p:childTnLst>
                                     <p:set>
                                       <p:cBhvr>
-                                        <p:cTn id="10" dur="1" fill="hold">
+                                        <p:cTn id="8" dur="1" fill="hold">
                                           <p:stCondLst>
                                             <p:cond delay="0"/>
                                           </p:stCondLst>
@@ -5059,7 +5104,7 @@
           </p:nvPr>
         </p:nvPicPr>
         <p:blipFill>
-          <a:blip r:embed="rId2"/>
+          <a:blip r:embed="rId2" cstate="print"/>
           <a:stretch>
             <a:fillRect/>
           </a:stretch>
@@ -5107,7 +5152,7 @@
           </p:nvPr>
         </p:nvPicPr>
         <p:blipFill>
-          <a:blip r:embed="rId3"/>
+          <a:blip r:embed="rId3" cstate="print"/>
           <a:stretch>
             <a:fillRect/>
           </a:stretch>
@@ -5373,7 +5418,7 @@
     </p:spTree>
     <p:extLst>
       <p:ext uri="{BB962C8B-B14F-4D97-AF65-F5344CB8AC3E}">
-        <p14:creationId xmlns:p14="http://schemas.microsoft.com/office/powerpoint/2010/main" val="2541900192"/>
+        <p14:creationId xmlns:p14="http://schemas.microsoft.com/office/powerpoint/2010/main" xmlns="" val="2541900192"/>
       </p:ext>
     </p:extLst>
   </p:cSld>
@@ -5427,33 +5472,15 @@
                                   </p:childTnLst>
                                 </p:cTn>
                               </p:par>
-                            </p:childTnLst>
-                          </p:cTn>
-                        </p:par>
-                      </p:childTnLst>
-                    </p:cTn>
-                  </p:par>
-                  <p:par>
-                    <p:cTn id="7" fill="hold">
-                      <p:stCondLst>
-                        <p:cond delay="indefinite"/>
-                      </p:stCondLst>
-                      <p:childTnLst>
-                        <p:par>
-                          <p:cTn id="8" fill="hold">
-                            <p:stCondLst>
-                              <p:cond delay="0"/>
-                            </p:stCondLst>
-                            <p:childTnLst>
                               <p:par>
-                                <p:cTn id="9" presetID="1" presetClass="entr" presetSubtype="0" fill="hold" grpId="0" nodeType="clickEffect">
+                                <p:cTn id="7" presetID="1" presetClass="entr" presetSubtype="0" fill="hold" grpId="0" nodeType="withEffect">
                                   <p:stCondLst>
                                     <p:cond delay="0"/>
                                   </p:stCondLst>
                                   <p:childTnLst>
                                     <p:set>
                                       <p:cBhvr>
-                                        <p:cTn id="10" dur="1" fill="hold">
+                                        <p:cTn id="8" dur="1" fill="hold">
                                           <p:stCondLst>
                                             <p:cond delay="0"/>
                                           </p:stCondLst>
@@ -5653,7 +5680,7 @@
           </p:nvPr>
         </p:nvPicPr>
         <p:blipFill>
-          <a:blip r:embed="rId2"/>
+          <a:blip r:embed="rId2" cstate="print"/>
           <a:stretch>
             <a:fillRect/>
           </a:stretch>
@@ -5679,7 +5706,7 @@
           </p:nvPr>
         </p:nvPicPr>
         <p:blipFill>
-          <a:blip r:embed="rId3"/>
+          <a:blip r:embed="rId3" cstate="print"/>
           <a:stretch>
             <a:fillRect/>
           </a:stretch>
@@ -5773,7 +5800,7 @@
     </p:spTree>
     <p:extLst>
       <p:ext uri="{BB962C8B-B14F-4D97-AF65-F5344CB8AC3E}">
-        <p14:creationId xmlns:p14="http://schemas.microsoft.com/office/powerpoint/2010/main" val="3025915657"/>
+        <p14:creationId xmlns:p14="http://schemas.microsoft.com/office/powerpoint/2010/main" xmlns="" val="3025915657"/>
       </p:ext>
     </p:extLst>
   </p:cSld>
@@ -5827,33 +5854,15 @@
                                   </p:childTnLst>
                                 </p:cTn>
                               </p:par>
-                            </p:childTnLst>
-                          </p:cTn>
-                        </p:par>
-                      </p:childTnLst>
-                    </p:cTn>
-                  </p:par>
-                  <p:par>
-                    <p:cTn id="7" fill="hold">
-                      <p:stCondLst>
-                        <p:cond delay="indefinite"/>
-                      </p:stCondLst>
-                      <p:childTnLst>
-                        <p:par>
-                          <p:cTn id="8" fill="hold">
-                            <p:stCondLst>
-                              <p:cond delay="0"/>
-                            </p:stCondLst>
-                            <p:childTnLst>
                               <p:par>
-                                <p:cTn id="9" presetID="1" presetClass="entr" presetSubtype="0" fill="hold" grpId="0" nodeType="clickEffect">
+                                <p:cTn id="7" presetID="1" presetClass="entr" presetSubtype="0" fill="hold" grpId="0" nodeType="withEffect">
                                   <p:stCondLst>
                                     <p:cond delay="0"/>
                                   </p:stCondLst>
                                   <p:childTnLst>
                                     <p:set>
                                       <p:cBhvr>
-                                        <p:cTn id="10" dur="1" fill="hold">
+                                        <p:cTn id="8" dur="1" fill="hold">
                                           <p:stCondLst>
                                             <p:cond delay="0"/>
                                           </p:stCondLst>
@@ -5970,11 +5979,7 @@
             </a:r>
             <a:r>
               <a:rPr lang="en-US" i="1" dirty="0" smtClean="0"/>
-              <a:t> </a:t>
-            </a:r>
-            <a:r>
-              <a:rPr lang="en-US" i="1" dirty="0" smtClean="0"/>
-              <a:t>Statistics </a:t>
+              <a:t> Statistics </a:t>
             </a:r>
             <a:r>
               <a:rPr lang="en-US" i="1" dirty="0" err="1" smtClean="0"/>
@@ -5984,7 +5989,6 @@
               <a:rPr lang="en-US" i="1" dirty="0" smtClean="0"/>
               <a:t>/Specialist programs </a:t>
             </a:r>
-            <a:endParaRPr lang="en-US" i="1" dirty="0" smtClean="0"/>
           </a:p>
           <a:p>
             <a:pPr lvl="1"/>
@@ -6002,37 +6006,8 @@
             <a:pPr lvl="1"/>
             <a:r>
               <a:rPr lang="en-US" dirty="0" smtClean="0"/>
-              <a:t>Excludes programs </a:t>
-            </a:r>
-            <a:r>
-              <a:rPr lang="en-US" dirty="0" smtClean="0"/>
-              <a:t>not </a:t>
-            </a:r>
-            <a:r>
-              <a:rPr lang="en-US" dirty="0" smtClean="0"/>
-              <a:t>focused </a:t>
-            </a:r>
-            <a:r>
-              <a:rPr lang="en-US" dirty="0" smtClean="0"/>
-              <a:t>purely on </a:t>
-            </a:r>
-            <a:r>
-              <a:rPr lang="en-US" dirty="0" smtClean="0"/>
-              <a:t>Statistics (e.g. Probability &amp; </a:t>
-            </a:r>
-            <a:r>
-              <a:rPr lang="en-US" dirty="0" smtClean="0"/>
-              <a:t>Statistics, or  </a:t>
-            </a:r>
-            <a:r>
-              <a:rPr lang="en-US" dirty="0" smtClean="0"/>
-              <a:t>Mathematical </a:t>
-            </a:r>
-            <a:r>
-              <a:rPr lang="en-US" dirty="0" smtClean="0"/>
-              <a:t>Statistics)</a:t>
-            </a:r>
-            <a:endParaRPr lang="en-US" dirty="0" smtClean="0"/>
+              <a:t>Excludes programs not focused purely on Statistics (e.g. Probability &amp; Statistics, or  Mathematical Statistics)</a:t>
+            </a:r>
           </a:p>
           <a:p>
             <a:r>
@@ -6053,34 +6028,42 @@
       </p:sp>
       <p:pic>
         <p:nvPicPr>
-          <p:cNvPr id="5" name="Content Placeholder 4"/>
+          <p:cNvPr id="8" name="Picture 4"/>
           <p:cNvPicPr>
-            <a:picLocks noGrp="1" noChangeAspect="1"/>
+            <a:picLocks noGrp="1" noChangeAspect="1" noChangeArrowheads="1"/>
           </p:cNvPicPr>
           <p:nvPr>
             <p:ph sz="half" idx="2"/>
           </p:nvPr>
         </p:nvPicPr>
         <p:blipFill>
-          <a:blip r:embed="rId2"/>
+          <a:blip r:embed="rId2" cstate="print"/>
+          <a:srcRect/>
           <a:stretch>
             <a:fillRect/>
           </a:stretch>
         </p:blipFill>
-        <p:spPr>
+        <p:spPr bwMode="auto">
           <a:xfrm>
-            <a:off x="6172200" y="2179421"/>
-            <a:ext cx="5181600" cy="3643745"/>
+            <a:off x="6172200" y="2215924"/>
+            <a:ext cx="5181600" cy="3570740"/>
           </a:xfrm>
           <a:prstGeom prst="rect">
             <a:avLst/>
           </a:prstGeom>
+          <a:noFill/>
+          <a:ln w="9525">
+            <a:noFill/>
+            <a:miter lim="800000"/>
+            <a:headEnd/>
+            <a:tailEnd/>
+          </a:ln>
         </p:spPr>
       </p:pic>
     </p:spTree>
     <p:extLst>
       <p:ext uri="{BB962C8B-B14F-4D97-AF65-F5344CB8AC3E}">
-        <p14:creationId xmlns:p14="http://schemas.microsoft.com/office/powerpoint/2010/main" val="2162657546"/>
+        <p14:creationId xmlns:p14="http://schemas.microsoft.com/office/powerpoint/2010/main" xmlns="" val="2162657546"/>
       </p:ext>
     </p:extLst>
   </p:cSld>
@@ -6131,11 +6114,19 @@
           <a:p>
             <a:r>
               <a:rPr lang="en-US" dirty="0" smtClean="0"/>
-              <a:t>Curriculum </a:t>
-            </a:r>
-            <a:r>
-              <a:rPr lang="en-US" dirty="0" smtClean="0"/>
-              <a:t>Data Description</a:t>
+              <a:t>Stats </a:t>
+            </a:r>
+            <a:r>
+              <a:rPr lang="en-US" dirty="0" smtClean="0"/>
+              <a:t>Curricula - </a:t>
+            </a:r>
+            <a:r>
+              <a:rPr lang="en-US" dirty="0" smtClean="0"/>
+              <a:t>Variable </a:t>
+            </a:r>
+            <a:r>
+              <a:rPr lang="en-US" dirty="0" smtClean="0"/>
+              <a:t>Description</a:t>
             </a:r>
             <a:endParaRPr lang="en-US" dirty="0"/>
           </a:p>
@@ -6235,7 +6226,15 @@
             </a:r>
             <a:r>
               <a:rPr lang="en-US" dirty="0" smtClean="0"/>
-              <a:t>, STAT, or </a:t>
+              <a:t>, </a:t>
+            </a:r>
+            <a:r>
+              <a:rPr lang="en-US" i="1" dirty="0" smtClean="0"/>
+              <a:t>STAT</a:t>
+            </a:r>
+            <a:r>
+              <a:rPr lang="en-US" dirty="0" smtClean="0"/>
+              <a:t>, or </a:t>
             </a:r>
             <a:r>
               <a:rPr lang="en-US" i="1" dirty="0" smtClean="0"/>
@@ -6250,8 +6249,21 @@
             </a:r>
             <a:r>
               <a:rPr lang="en-US" dirty="0" smtClean="0"/>
-              <a:t>: “year” in which course is offered (max value=4)</a:t>
-            </a:r>
+              <a:t>: “year” in which course is offered </a:t>
+            </a:r>
+            <a:r>
+              <a:rPr lang="en-US" dirty="0" smtClean="0"/>
+              <a:t>(</a:t>
+            </a:r>
+            <a:r>
+              <a:rPr lang="en-US" dirty="0" smtClean="0"/>
+              <a:t>capped at 4</a:t>
+            </a:r>
+            <a:r>
+              <a:rPr lang="en-US" dirty="0" smtClean="0"/>
+              <a:t>)</a:t>
+            </a:r>
+            <a:endParaRPr lang="en-US" dirty="0" smtClean="0"/>
           </a:p>
           <a:p>
             <a:pPr lvl="1"/>
@@ -6322,7 +6334,7 @@
           <p:nvPr>
             <p:extLst>
               <p:ext uri="{D42A27DB-BD31-4B8C-83A1-F6EECF244321}">
-                <p14:modId xmlns:p14="http://schemas.microsoft.com/office/powerpoint/2010/main" val="2204232174"/>
+                <p14:modId xmlns:p14="http://schemas.microsoft.com/office/powerpoint/2010/main" xmlns="" val="2204232174"/>
               </p:ext>
             </p:extLst>
           </p:nvPr>
@@ -6341,42 +6353,42 @@
                 <a:gridCol w="2032000">
                   <a:extLst>
                     <a:ext uri="{9D8B030D-6E8A-4147-A177-3AD203B41FA5}">
-                      <a16:colId xmlns:a16="http://schemas.microsoft.com/office/drawing/2014/main" val="3530674048"/>
+                      <a16:colId xmlns:a16="http://schemas.microsoft.com/office/drawing/2014/main" xmlns="" val="3530674048"/>
                     </a:ext>
                   </a:extLst>
                 </a:gridCol>
                 <a:gridCol w="300397">
                   <a:extLst>
                     <a:ext uri="{9D8B030D-6E8A-4147-A177-3AD203B41FA5}">
-                      <a16:colId xmlns:a16="http://schemas.microsoft.com/office/drawing/2014/main" val="1877920155"/>
+                      <a16:colId xmlns:a16="http://schemas.microsoft.com/office/drawing/2014/main" xmlns="" val="1877920155"/>
                     </a:ext>
                   </a:extLst>
                 </a:gridCol>
                 <a:gridCol w="1505461">
                   <a:extLst>
                     <a:ext uri="{9D8B030D-6E8A-4147-A177-3AD203B41FA5}">
-                      <a16:colId xmlns:a16="http://schemas.microsoft.com/office/drawing/2014/main" val="1056110217"/>
+                      <a16:colId xmlns:a16="http://schemas.microsoft.com/office/drawing/2014/main" xmlns="" val="1056110217"/>
                     </a:ext>
                   </a:extLst>
                 </a:gridCol>
                 <a:gridCol w="1413888">
                   <a:extLst>
                     <a:ext uri="{9D8B030D-6E8A-4147-A177-3AD203B41FA5}">
-                      <a16:colId xmlns:a16="http://schemas.microsoft.com/office/drawing/2014/main" val="2851809115"/>
+                      <a16:colId xmlns:a16="http://schemas.microsoft.com/office/drawing/2014/main" xmlns="" val="2851809115"/>
                     </a:ext>
                   </a:extLst>
                 </a:gridCol>
                 <a:gridCol w="677333">
                   <a:extLst>
                     <a:ext uri="{9D8B030D-6E8A-4147-A177-3AD203B41FA5}">
-                      <a16:colId xmlns:a16="http://schemas.microsoft.com/office/drawing/2014/main" val="3183329816"/>
+                      <a16:colId xmlns:a16="http://schemas.microsoft.com/office/drawing/2014/main" xmlns="" val="3183329816"/>
                     </a:ext>
                   </a:extLst>
                 </a:gridCol>
                 <a:gridCol w="1665500">
                   <a:extLst>
                     <a:ext uri="{9D8B030D-6E8A-4147-A177-3AD203B41FA5}">
-                      <a16:colId xmlns:a16="http://schemas.microsoft.com/office/drawing/2014/main" val="417630375"/>
+                      <a16:colId xmlns:a16="http://schemas.microsoft.com/office/drawing/2014/main" xmlns="" val="417630375"/>
                     </a:ext>
                   </a:extLst>
                 </a:gridCol>
@@ -6538,7 +6550,7 @@
                 </a:tc>
                 <a:extLst>
                   <a:ext uri="{0D108BD9-81ED-4DB2-BD59-A6C34878D82A}">
-                    <a16:rowId xmlns:a16="http://schemas.microsoft.com/office/drawing/2014/main" val="3659934499"/>
+                    <a16:rowId xmlns:a16="http://schemas.microsoft.com/office/drawing/2014/main" xmlns="" val="3659934499"/>
                   </a:ext>
                 </a:extLst>
               </a:tr>
@@ -6719,7 +6731,7 @@
                 </a:tc>
                 <a:extLst>
                   <a:ext uri="{0D108BD9-81ED-4DB2-BD59-A6C34878D82A}">
-                    <a16:rowId xmlns:a16="http://schemas.microsoft.com/office/drawing/2014/main" val="3899836006"/>
+                    <a16:rowId xmlns:a16="http://schemas.microsoft.com/office/drawing/2014/main" xmlns="" val="3899836006"/>
                   </a:ext>
                 </a:extLst>
               </a:tr>
@@ -6730,7 +6742,7 @@
     </p:spTree>
     <p:extLst>
       <p:ext uri="{BB962C8B-B14F-4D97-AF65-F5344CB8AC3E}">
-        <p14:creationId xmlns:p14="http://schemas.microsoft.com/office/powerpoint/2010/main" val="1197843771"/>
+        <p14:creationId xmlns:p14="http://schemas.microsoft.com/office/powerpoint/2010/main" xmlns="" val="1197843771"/>
       </p:ext>
     </p:extLst>
   </p:cSld>
@@ -6796,7 +6808,7 @@
           <p:nvPr/>
         </p:nvPicPr>
         <p:blipFill>
-          <a:blip r:embed="rId2"/>
+          <a:blip r:embed="rId2" cstate="print"/>
           <a:stretch>
             <a:fillRect/>
           </a:stretch>
@@ -6820,7 +6832,7 @@
           <p:nvPr/>
         </p:nvPicPr>
         <p:blipFill>
-          <a:blip r:embed="rId3"/>
+          <a:blip r:embed="rId3" cstate="print"/>
           <a:stretch>
             <a:fillRect/>
           </a:stretch>
@@ -6844,7 +6856,7 @@
           <p:nvPr/>
         </p:nvPicPr>
         <p:blipFill>
-          <a:blip r:embed="rId4"/>
+          <a:blip r:embed="rId4" cstate="print"/>
           <a:stretch>
             <a:fillRect/>
           </a:stretch>
@@ -6868,7 +6880,7 @@
           <p:nvPr/>
         </p:nvPicPr>
         <p:blipFill>
-          <a:blip r:embed="rId5"/>
+          <a:blip r:embed="rId5" cstate="print"/>
           <a:stretch>
             <a:fillRect/>
           </a:stretch>
@@ -6892,7 +6904,7 @@
           <p:nvPr/>
         </p:nvPicPr>
         <p:blipFill>
-          <a:blip r:embed="rId6"/>
+          <a:blip r:embed="rId6" cstate="print"/>
           <a:stretch>
             <a:fillRect/>
           </a:stretch>
@@ -6916,7 +6928,7 @@
           <p:nvPr/>
         </p:nvPicPr>
         <p:blipFill>
-          <a:blip r:embed="rId7"/>
+          <a:blip r:embed="rId7" cstate="print"/>
           <a:stretch>
             <a:fillRect/>
           </a:stretch>
@@ -6939,8 +6951,8 @@
         </p:nvSpPr>
         <p:spPr>
           <a:xfrm rot="19343354">
-            <a:off x="644274" y="2138077"/>
-            <a:ext cx="1164293" cy="338554"/>
+            <a:off x="521998" y="2107299"/>
+            <a:ext cx="1408847" cy="400110"/>
           </a:xfrm>
           <a:prstGeom prst="rect">
             <a:avLst/>
@@ -6954,7 +6966,7 @@
           <a:lstStyle/>
           <a:p>
             <a:r>
-              <a:rPr lang="en-CA" sz="1600" b="1" u="sng" dirty="0" smtClean="0">
+              <a:rPr lang="en-CA" sz="2000" b="1" u="sng" dirty="0" smtClean="0">
                 <a:solidFill>
                   <a:srgbClr val="FF0000"/>
                 </a:solidFill>
@@ -6962,7 +6974,7 @@
               </a:rPr>
               <a:t>Stat Theory</a:t>
             </a:r>
-            <a:endParaRPr lang="en-US" sz="1600" b="1" u="sng" dirty="0">
+            <a:endParaRPr lang="en-US" sz="2000" b="1" u="sng" dirty="0">
               <a:solidFill>
                 <a:srgbClr val="FF0000"/>
               </a:solidFill>
@@ -6978,8 +6990,8 @@
         </p:nvSpPr>
         <p:spPr>
           <a:xfrm rot="19343354">
-            <a:off x="3564001" y="2106760"/>
-            <a:ext cx="1716624" cy="338554"/>
+            <a:off x="3373083" y="2075982"/>
+            <a:ext cx="2098460" cy="400110"/>
           </a:xfrm>
           <a:prstGeom prst="rect">
             <a:avLst/>
@@ -6993,7 +7005,7 @@
           <a:lstStyle/>
           <a:p>
             <a:r>
-              <a:rPr lang="en-CA" sz="1600" b="1" u="sng" dirty="0" smtClean="0">
+              <a:rPr lang="en-CA" sz="2000" b="1" u="sng" dirty="0" smtClean="0">
                 <a:solidFill>
                   <a:srgbClr val="FF0000"/>
                 </a:solidFill>
@@ -7001,7 +7013,7 @@
               </a:rPr>
               <a:t>Stat Methodology</a:t>
             </a:r>
-            <a:endParaRPr lang="en-US" sz="1600" b="1" u="sng" dirty="0">
+            <a:endParaRPr lang="en-US" sz="2000" b="1" u="sng" dirty="0">
               <a:solidFill>
                 <a:srgbClr val="FF0000"/>
               </a:solidFill>
@@ -7017,8 +7029,8 @@
         </p:nvSpPr>
         <p:spPr>
           <a:xfrm rot="19343354">
-            <a:off x="6852907" y="2007020"/>
-            <a:ext cx="1242263" cy="338554"/>
+            <a:off x="6720916" y="1976242"/>
+            <a:ext cx="1506246" cy="400110"/>
           </a:xfrm>
           <a:prstGeom prst="rect">
             <a:avLst/>
@@ -7032,7 +7044,7 @@
           <a:lstStyle/>
           <a:p>
             <a:r>
-              <a:rPr lang="en-CA" sz="1600" b="1" u="sng" dirty="0" smtClean="0">
+              <a:rPr lang="en-CA" sz="2000" b="1" u="sng" dirty="0" smtClean="0">
                 <a:solidFill>
                   <a:srgbClr val="FF0000"/>
                 </a:solidFill>
@@ -7051,8 +7063,8 @@
         </p:nvSpPr>
         <p:spPr>
           <a:xfrm rot="19343354">
-            <a:off x="651261" y="4709218"/>
-            <a:ext cx="1120820" cy="338554"/>
+            <a:off x="535043" y="4678440"/>
+            <a:ext cx="1353256" cy="400110"/>
           </a:xfrm>
           <a:prstGeom prst="rect">
             <a:avLst/>
@@ -7066,7 +7078,7 @@
           <a:lstStyle/>
           <a:p>
             <a:r>
-              <a:rPr lang="en-CA" sz="1600" b="1" u="sng" dirty="0" smtClean="0">
+              <a:rPr lang="en-CA" sz="2000" b="1" u="sng" dirty="0" smtClean="0">
                 <a:solidFill>
                   <a:srgbClr val="FF0000"/>
                 </a:solidFill>
@@ -7074,7 +7086,7 @@
               </a:rPr>
               <a:t>Computing</a:t>
             </a:r>
-            <a:endParaRPr lang="en-US" sz="1600" b="1" u="sng" dirty="0">
+            <a:endParaRPr lang="en-US" sz="2000" b="1" u="sng" dirty="0">
               <a:solidFill>
                 <a:srgbClr val="FF0000"/>
               </a:solidFill>
@@ -7090,8 +7102,8 @@
         </p:nvSpPr>
         <p:spPr>
           <a:xfrm rot="19343354">
-            <a:off x="3663097" y="4704300"/>
-            <a:ext cx="1301318" cy="338554"/>
+            <a:off x="3522482" y="4673522"/>
+            <a:ext cx="1582549" cy="400110"/>
           </a:xfrm>
           <a:prstGeom prst="rect">
             <a:avLst/>
@@ -7105,7 +7117,7 @@
           <a:lstStyle/>
           <a:p>
             <a:r>
-              <a:rPr lang="en-CA" sz="1600" b="1" u="sng" dirty="0" smtClean="0">
+              <a:rPr lang="en-CA" sz="2000" b="1" u="sng" dirty="0" smtClean="0">
                 <a:solidFill>
                   <a:srgbClr val="FF0000"/>
                 </a:solidFill>
@@ -7113,7 +7125,7 @@
               </a:rPr>
               <a:t>Mathematics</a:t>
             </a:r>
-            <a:endParaRPr lang="en-US" sz="1600" b="1" u="sng" dirty="0">
+            <a:endParaRPr lang="en-US" sz="2000" b="1" u="sng" dirty="0">
               <a:solidFill>
                 <a:srgbClr val="FF0000"/>
               </a:solidFill>
@@ -7129,8 +7141,8 @@
         </p:nvSpPr>
         <p:spPr>
           <a:xfrm rot="19343354">
-            <a:off x="6877948" y="4699385"/>
-            <a:ext cx="1115113" cy="338554"/>
+            <a:off x="6762052" y="4668607"/>
+            <a:ext cx="1346907" cy="400110"/>
           </a:xfrm>
           <a:prstGeom prst="rect">
             <a:avLst/>
@@ -7144,7 +7156,7 @@
           <a:lstStyle/>
           <a:p>
             <a:r>
-              <a:rPr lang="en-CA" sz="1600" b="1" u="sng" dirty="0" smtClean="0">
+              <a:rPr lang="en-CA" sz="2000" b="1" u="sng" dirty="0" smtClean="0">
                 <a:solidFill>
                   <a:srgbClr val="FF0000"/>
                 </a:solidFill>
@@ -7152,7 +7164,7 @@
               </a:rPr>
               <a:t>Probability</a:t>
             </a:r>
-            <a:endParaRPr lang="en-US" sz="1600" b="1" u="sng" dirty="0">
+            <a:endParaRPr lang="en-US" sz="2000" b="1" u="sng" dirty="0">
               <a:solidFill>
                 <a:srgbClr val="FF0000"/>
               </a:solidFill>
@@ -7163,7 +7175,7 @@
     </p:spTree>
     <p:extLst>
       <p:ext uri="{BB962C8B-B14F-4D97-AF65-F5344CB8AC3E}">
-        <p14:creationId xmlns:p14="http://schemas.microsoft.com/office/powerpoint/2010/main" val="323940319"/>
+        <p14:creationId xmlns:p14="http://schemas.microsoft.com/office/powerpoint/2010/main" xmlns="" val="323940319"/>
       </p:ext>
     </p:extLst>
   </p:cSld>
@@ -7232,7 +7244,9 @@
         </p:nvSpPr>
         <p:spPr/>
         <p:txBody>
-          <a:bodyPr/>
+          <a:bodyPr>
+            <a:normAutofit/>
+          </a:bodyPr>
           <a:lstStyle/>
           <a:p>
             <a:endParaRPr lang="en-US" b="1" dirty="0" smtClean="0"/>
@@ -7244,7 +7258,18 @@
             </a:r>
             <a:r>
               <a:rPr lang="en-US" dirty="0" smtClean="0"/>
-              <a:t>required on average; with most programs between 24-26 (i.e.                     12 </a:t>
+              <a:t>required on average; with most programs between </a:t>
+            </a:r>
+            <a:r>
+              <a:rPr lang="en-US" dirty="0" smtClean="0"/>
+              <a:t>24-26</a:t>
+            </a:r>
+          </a:p>
+          <a:p>
+            <a:pPr lvl="1"/>
+            <a:r>
+              <a:rPr lang="en-US" dirty="0" smtClean="0"/>
+              <a:t>i.e. 12 </a:t>
             </a:r>
             <a:r>
               <a:rPr lang="en-US" dirty="0"/>
@@ -7252,7 +7277,15 @@
             </a:r>
             <a:r>
               <a:rPr lang="en-US" dirty="0" smtClean="0"/>
-              <a:t> 13 full-year equivalents, or 72 - 78 </a:t>
+              <a:t> 13 full-year equivalents, </a:t>
+            </a:r>
+            <a:r>
+              <a:rPr lang="en-US" dirty="0" smtClean="0"/>
+              <a:t>  or </a:t>
+            </a:r>
+            <a:r>
+              <a:rPr lang="en-US" dirty="0" smtClean="0"/>
+              <a:t>72 - 78 </a:t>
             </a:r>
             <a:r>
               <a:rPr lang="en-US" dirty="0"/>
@@ -7260,8 +7293,13 @@
             </a:r>
             <a:r>
               <a:rPr lang="en-US" dirty="0" smtClean="0"/>
-              <a:t>redit hours)</a:t>
-            </a:r>
+              <a:t>redit </a:t>
+            </a:r>
+            <a:r>
+              <a:rPr lang="en-US" dirty="0" smtClean="0"/>
+              <a:t>hours</a:t>
+            </a:r>
+            <a:endParaRPr lang="en-US" dirty="0" smtClean="0"/>
           </a:p>
           <a:p>
             <a:pPr lvl="1"/>
@@ -7289,7 +7327,11 @@
             <a:pPr lvl="1"/>
             <a:r>
               <a:rPr lang="en-US" dirty="0" smtClean="0"/>
-              <a:t>Most ranging between  60% - 80%</a:t>
+              <a:t>Most programs </a:t>
+            </a:r>
+            <a:r>
+              <a:rPr lang="en-US" dirty="0" smtClean="0"/>
+              <a:t>ranging between  60% - 80%</a:t>
             </a:r>
             <a:endParaRPr lang="en-US" dirty="0"/>
           </a:p>
@@ -7306,7 +7348,7 @@
           </p:nvPr>
         </p:nvPicPr>
         <p:blipFill>
-          <a:blip r:embed="rId2"/>
+          <a:blip r:embed="rId2" cstate="print"/>
           <a:stretch>
             <a:fillRect/>
           </a:stretch>
@@ -7324,7 +7366,7 @@
     </p:spTree>
     <p:extLst>
       <p:ext uri="{BB962C8B-B14F-4D97-AF65-F5344CB8AC3E}">
-        <p14:creationId xmlns:p14="http://schemas.microsoft.com/office/powerpoint/2010/main" val="755700261"/>
+        <p14:creationId xmlns:p14="http://schemas.microsoft.com/office/powerpoint/2010/main" xmlns="" val="755700261"/>
       </p:ext>
     </p:extLst>
   </p:cSld>
@@ -7596,7 +7638,7 @@
   <a:extraClrSchemeLst/>
   <a:extLst>
     <a:ext uri="{05A4C25C-085E-4340-85A3-A5531E510DB2}">
-      <thm15:themeFamily xmlns:thm15="http://schemas.microsoft.com/office/thememl/2012/main" name="Office Theme" id="{62F939B6-93AF-4DB8-9C6B-D6C7DFDC589F}" vid="{4A3C46E8-61CC-4603-A589-7422A47A8E4A}"/>
+      <thm15:themeFamily xmlns:thm15="http://schemas.microsoft.com/office/thememl/2012/main" xmlns="" name="Office Theme" id="{62F939B6-93AF-4DB8-9C6B-D6C7DFDC589F}" vid="{4A3C46E8-61CC-4603-A589-7422A47A8E4A}"/>
     </a:ext>
   </a:extLst>
 </a:theme>
@@ -7857,7 +7899,7 @@
   <a:extraClrSchemeLst/>
   <a:extLst>
     <a:ext uri="{05A4C25C-085E-4340-85A3-A5531E510DB2}">
-      <thm15:themeFamily xmlns:thm15="http://schemas.microsoft.com/office/thememl/2012/main" name="Office Theme" id="{62F939B6-93AF-4DB8-9C6B-D6C7DFDC589F}" vid="{4A3C46E8-61CC-4603-A589-7422A47A8E4A}"/>
+      <thm15:themeFamily xmlns:thm15="http://schemas.microsoft.com/office/thememl/2012/main" xmlns="" name="Office Theme" id="{62F939B6-93AF-4DB8-9C6B-D6C7DFDC589F}" vid="{4A3C46E8-61CC-4603-A589-7422A47A8E4A}"/>
     </a:ext>
   </a:extLst>
 </a:theme>

--- a/Status fo Statistics Curricula.pptx
+++ b/Status fo Statistics Curricula.pptx
@@ -120,7 +120,7 @@
   </p:defaultTextStyle>
   <p:extLst>
     <p:ext uri="{EFAFB233-063F-42B5-8137-9DF3F51BA10A}">
-      <p15:sldGuideLst xmlns:p15="http://schemas.microsoft.com/office/powerpoint/2012/main" xmlns="">
+      <p15:sldGuideLst xmlns="" xmlns:p15="http://schemas.microsoft.com/office/powerpoint/2012/main">
         <p15:guide id="1" orient="horz" pos="2160">
           <p15:clr>
             <a:srgbClr val="A4A3A4"/>
@@ -220,7 +220,7 @@
             <a:fld id="{88759146-D9B4-4E36-9A74-666275327657}" type="datetimeFigureOut">
               <a:rPr lang="en-US" smtClean="0"/>
               <a:pPr/>
-              <a:t>6/12/2017</a:t>
+              <a:t>6/13/2017</a:t>
             </a:fld>
             <a:endParaRPr lang="en-US"/>
           </a:p>
@@ -389,7 +389,7 @@
     </p:spTree>
     <p:extLst>
       <p:ext uri="{BB962C8B-B14F-4D97-AF65-F5344CB8AC3E}">
-        <p14:creationId xmlns:p14="http://schemas.microsoft.com/office/powerpoint/2010/main" xmlns="" val="2305668930"/>
+        <p14:creationId xmlns="" xmlns:p14="http://schemas.microsoft.com/office/powerpoint/2010/main" val="2305668930"/>
       </p:ext>
     </p:extLst>
   </p:cSld>
@@ -616,7 +616,7 @@
     </p:spTree>
     <p:extLst>
       <p:ext uri="{BB962C8B-B14F-4D97-AF65-F5344CB8AC3E}">
-        <p14:creationId xmlns:p14="http://schemas.microsoft.com/office/powerpoint/2010/main" xmlns="" val="980804576"/>
+        <p14:creationId xmlns="" xmlns:p14="http://schemas.microsoft.com/office/powerpoint/2010/main" val="980804576"/>
       </p:ext>
     </p:extLst>
   </p:cSld>
@@ -755,10 +755,9 @@
           <a:bodyPr/>
           <a:lstStyle/>
           <a:p>
-            <a:fld id="{6F49C482-87CA-4B33-8605-43E5589E6771}" type="datetimeFigureOut">
-              <a:rPr lang="en-US" smtClean="0"/>
-              <a:pPr/>
-              <a:t>6/12/2017</a:t>
+            <a:fld id="{0DEAF167-AA14-42BD-97B6-48737F77869A}" type="datetime1">
+              <a:rPr lang="en-US" smtClean="0"/>
+              <a:t>6/13/2017</a:t>
             </a:fld>
             <a:endParaRPr lang="en-US"/>
           </a:p>
@@ -810,7 +809,7 @@
     </p:spTree>
     <p:extLst>
       <p:ext uri="{BB962C8B-B14F-4D97-AF65-F5344CB8AC3E}">
-        <p14:creationId xmlns:p14="http://schemas.microsoft.com/office/powerpoint/2010/main" xmlns="" val="3506553982"/>
+        <p14:creationId xmlns="" xmlns:p14="http://schemas.microsoft.com/office/powerpoint/2010/main" val="3506553982"/>
       </p:ext>
     </p:extLst>
   </p:cSld>
@@ -927,10 +926,9 @@
           <a:bodyPr/>
           <a:lstStyle/>
           <a:p>
-            <a:fld id="{6F49C482-87CA-4B33-8605-43E5589E6771}" type="datetimeFigureOut">
-              <a:rPr lang="en-US" smtClean="0"/>
-              <a:pPr/>
-              <a:t>6/12/2017</a:t>
+            <a:fld id="{0F5A63DE-1E25-43EB-AB18-67187868D4E5}" type="datetime1">
+              <a:rPr lang="en-US" smtClean="0"/>
+              <a:t>6/13/2017</a:t>
             </a:fld>
             <a:endParaRPr lang="en-US"/>
           </a:p>
@@ -982,7 +980,7 @@
     </p:spTree>
     <p:extLst>
       <p:ext uri="{BB962C8B-B14F-4D97-AF65-F5344CB8AC3E}">
-        <p14:creationId xmlns:p14="http://schemas.microsoft.com/office/powerpoint/2010/main" xmlns="" val="1101089403"/>
+        <p14:creationId xmlns="" xmlns:p14="http://schemas.microsoft.com/office/powerpoint/2010/main" val="1101089403"/>
       </p:ext>
     </p:extLst>
   </p:cSld>
@@ -1109,10 +1107,9 @@
           <a:bodyPr/>
           <a:lstStyle/>
           <a:p>
-            <a:fld id="{6F49C482-87CA-4B33-8605-43E5589E6771}" type="datetimeFigureOut">
-              <a:rPr lang="en-US" smtClean="0"/>
-              <a:pPr/>
-              <a:t>6/12/2017</a:t>
+            <a:fld id="{0DC5DD82-0A07-41A1-95FC-2204DF8C0350}" type="datetime1">
+              <a:rPr lang="en-US" smtClean="0"/>
+              <a:t>6/13/2017</a:t>
             </a:fld>
             <a:endParaRPr lang="en-US"/>
           </a:p>
@@ -1164,7 +1161,7 @@
     </p:spTree>
     <p:extLst>
       <p:ext uri="{BB962C8B-B14F-4D97-AF65-F5344CB8AC3E}">
-        <p14:creationId xmlns:p14="http://schemas.microsoft.com/office/powerpoint/2010/main" xmlns="" val="2001993173"/>
+        <p14:creationId xmlns="" xmlns:p14="http://schemas.microsoft.com/office/powerpoint/2010/main" val="2001993173"/>
       </p:ext>
     </p:extLst>
   </p:cSld>
@@ -1281,10 +1278,9 @@
           <a:bodyPr/>
           <a:lstStyle/>
           <a:p>
-            <a:fld id="{6F49C482-87CA-4B33-8605-43E5589E6771}" type="datetimeFigureOut">
-              <a:rPr lang="en-US" smtClean="0"/>
-              <a:pPr/>
-              <a:t>6/12/2017</a:t>
+            <a:fld id="{6BD9E903-E127-4445-B2F7-E90299287E90}" type="datetime1">
+              <a:rPr lang="en-US" smtClean="0"/>
+              <a:t>6/13/2017</a:t>
             </a:fld>
             <a:endParaRPr lang="en-US"/>
           </a:p>
@@ -1336,7 +1332,7 @@
     </p:spTree>
     <p:extLst>
       <p:ext uri="{BB962C8B-B14F-4D97-AF65-F5344CB8AC3E}">
-        <p14:creationId xmlns:p14="http://schemas.microsoft.com/office/powerpoint/2010/main" xmlns="" val="410919990"/>
+        <p14:creationId xmlns="" xmlns:p14="http://schemas.microsoft.com/office/powerpoint/2010/main" val="410919990"/>
       </p:ext>
     </p:extLst>
   </p:cSld>
@@ -1529,10 +1525,9 @@
           <a:bodyPr/>
           <a:lstStyle/>
           <a:p>
-            <a:fld id="{6F49C482-87CA-4B33-8605-43E5589E6771}" type="datetimeFigureOut">
-              <a:rPr lang="en-US" smtClean="0"/>
-              <a:pPr/>
-              <a:t>6/12/2017</a:t>
+            <a:fld id="{C71C622F-15D0-4F87-B2C6-32C4325BFD91}" type="datetime1">
+              <a:rPr lang="en-US" smtClean="0"/>
+              <a:t>6/13/2017</a:t>
             </a:fld>
             <a:endParaRPr lang="en-US"/>
           </a:p>
@@ -1584,7 +1579,7 @@
     </p:spTree>
     <p:extLst>
       <p:ext uri="{BB962C8B-B14F-4D97-AF65-F5344CB8AC3E}">
-        <p14:creationId xmlns:p14="http://schemas.microsoft.com/office/powerpoint/2010/main" xmlns="" val="3965314995"/>
+        <p14:creationId xmlns="" xmlns:p14="http://schemas.microsoft.com/office/powerpoint/2010/main" val="3965314995"/>
       </p:ext>
     </p:extLst>
   </p:cSld>
@@ -1763,10 +1758,9 @@
           <a:bodyPr/>
           <a:lstStyle/>
           <a:p>
-            <a:fld id="{6F49C482-87CA-4B33-8605-43E5589E6771}" type="datetimeFigureOut">
-              <a:rPr lang="en-US" smtClean="0"/>
-              <a:pPr/>
-              <a:t>6/12/2017</a:t>
+            <a:fld id="{5EE25068-99D9-4BD6-888E-A0335279950A}" type="datetime1">
+              <a:rPr lang="en-US" smtClean="0"/>
+              <a:t>6/13/2017</a:t>
             </a:fld>
             <a:endParaRPr lang="en-US"/>
           </a:p>
@@ -1818,7 +1812,7 @@
     </p:spTree>
     <p:extLst>
       <p:ext uri="{BB962C8B-B14F-4D97-AF65-F5344CB8AC3E}">
-        <p14:creationId xmlns:p14="http://schemas.microsoft.com/office/powerpoint/2010/main" xmlns="" val="2793446600"/>
+        <p14:creationId xmlns="" xmlns:p14="http://schemas.microsoft.com/office/powerpoint/2010/main" val="2793446600"/>
       </p:ext>
     </p:extLst>
   </p:cSld>
@@ -2132,10 +2126,9 @@
           <a:bodyPr/>
           <a:lstStyle/>
           <a:p>
-            <a:fld id="{6F49C482-87CA-4B33-8605-43E5589E6771}" type="datetimeFigureOut">
-              <a:rPr lang="en-US" smtClean="0"/>
-              <a:pPr/>
-              <a:t>6/12/2017</a:t>
+            <a:fld id="{A466C1E8-43CF-47A1-9B26-DDAB53F593D0}" type="datetime1">
+              <a:rPr lang="en-US" smtClean="0"/>
+              <a:t>6/13/2017</a:t>
             </a:fld>
             <a:endParaRPr lang="en-US"/>
           </a:p>
@@ -2187,7 +2180,7 @@
     </p:spTree>
     <p:extLst>
       <p:ext uri="{BB962C8B-B14F-4D97-AF65-F5344CB8AC3E}">
-        <p14:creationId xmlns:p14="http://schemas.microsoft.com/office/powerpoint/2010/main" xmlns="" val="4044548070"/>
+        <p14:creationId xmlns="" xmlns:p14="http://schemas.microsoft.com/office/powerpoint/2010/main" val="4044548070"/>
       </p:ext>
     </p:extLst>
   </p:cSld>
@@ -2252,10 +2245,9 @@
           <a:bodyPr/>
           <a:lstStyle/>
           <a:p>
-            <a:fld id="{6F49C482-87CA-4B33-8605-43E5589E6771}" type="datetimeFigureOut">
-              <a:rPr lang="en-US" smtClean="0"/>
-              <a:pPr/>
-              <a:t>6/12/2017</a:t>
+            <a:fld id="{38611430-78BF-4A14-BF27-8E779E35BC73}" type="datetime1">
+              <a:rPr lang="en-US" smtClean="0"/>
+              <a:t>6/13/2017</a:t>
             </a:fld>
             <a:endParaRPr lang="en-US"/>
           </a:p>
@@ -2307,7 +2299,7 @@
     </p:spTree>
     <p:extLst>
       <p:ext uri="{BB962C8B-B14F-4D97-AF65-F5344CB8AC3E}">
-        <p14:creationId xmlns:p14="http://schemas.microsoft.com/office/powerpoint/2010/main" xmlns="" val="1523835739"/>
+        <p14:creationId xmlns="" xmlns:p14="http://schemas.microsoft.com/office/powerpoint/2010/main" val="1523835739"/>
       </p:ext>
     </p:extLst>
   </p:cSld>
@@ -2349,10 +2341,9 @@
           <a:bodyPr/>
           <a:lstStyle/>
           <a:p>
-            <a:fld id="{6F49C482-87CA-4B33-8605-43E5589E6771}" type="datetimeFigureOut">
-              <a:rPr lang="en-US" smtClean="0"/>
-              <a:pPr/>
-              <a:t>6/12/2017</a:t>
+            <a:fld id="{B2E7D12A-E759-4A41-A12A-BC2B7ABD9E59}" type="datetime1">
+              <a:rPr lang="en-US" smtClean="0"/>
+              <a:t>6/13/2017</a:t>
             </a:fld>
             <a:endParaRPr lang="en-US"/>
           </a:p>
@@ -2404,7 +2395,7 @@
     </p:spTree>
     <p:extLst>
       <p:ext uri="{BB962C8B-B14F-4D97-AF65-F5344CB8AC3E}">
-        <p14:creationId xmlns:p14="http://schemas.microsoft.com/office/powerpoint/2010/main" xmlns="" val="1874289421"/>
+        <p14:creationId xmlns="" xmlns:p14="http://schemas.microsoft.com/office/powerpoint/2010/main" val="1874289421"/>
       </p:ext>
     </p:extLst>
   </p:cSld>
@@ -2628,10 +2619,9 @@
           <a:bodyPr/>
           <a:lstStyle/>
           <a:p>
-            <a:fld id="{6F49C482-87CA-4B33-8605-43E5589E6771}" type="datetimeFigureOut">
-              <a:rPr lang="en-US" smtClean="0"/>
-              <a:pPr/>
-              <a:t>6/12/2017</a:t>
+            <a:fld id="{1AF26B1D-F6BC-4870-B0A8-C2B035722B76}" type="datetime1">
+              <a:rPr lang="en-US" smtClean="0"/>
+              <a:t>6/13/2017</a:t>
             </a:fld>
             <a:endParaRPr lang="en-US"/>
           </a:p>
@@ -2683,7 +2673,7 @@
     </p:spTree>
     <p:extLst>
       <p:ext uri="{BB962C8B-B14F-4D97-AF65-F5344CB8AC3E}">
-        <p14:creationId xmlns:p14="http://schemas.microsoft.com/office/powerpoint/2010/main" xmlns="" val="3891137599"/>
+        <p14:creationId xmlns="" xmlns:p14="http://schemas.microsoft.com/office/powerpoint/2010/main" val="3891137599"/>
       </p:ext>
     </p:extLst>
   </p:cSld>
@@ -2883,10 +2873,9 @@
           <a:bodyPr/>
           <a:lstStyle/>
           <a:p>
-            <a:fld id="{6F49C482-87CA-4B33-8605-43E5589E6771}" type="datetimeFigureOut">
-              <a:rPr lang="en-US" smtClean="0"/>
-              <a:pPr/>
-              <a:t>6/12/2017</a:t>
+            <a:fld id="{7E4E547A-3483-448E-B92C-382394A3BF8D}" type="datetime1">
+              <a:rPr lang="en-US" smtClean="0"/>
+              <a:t>6/13/2017</a:t>
             </a:fld>
             <a:endParaRPr lang="en-US"/>
           </a:p>
@@ -2938,7 +2927,7 @@
     </p:spTree>
     <p:extLst>
       <p:ext uri="{BB962C8B-B14F-4D97-AF65-F5344CB8AC3E}">
-        <p14:creationId xmlns:p14="http://schemas.microsoft.com/office/powerpoint/2010/main" xmlns="" val="459217906"/>
+        <p14:creationId xmlns="" xmlns:p14="http://schemas.microsoft.com/office/powerpoint/2010/main" val="459217906"/>
       </p:ext>
     </p:extLst>
   </p:cSld>
@@ -3098,10 +3087,9 @@
             </a:lvl1pPr>
           </a:lstStyle>
           <a:p>
-            <a:fld id="{6F49C482-87CA-4B33-8605-43E5589E6771}" type="datetimeFigureOut">
-              <a:rPr lang="en-US" smtClean="0"/>
-              <a:pPr/>
-              <a:t>6/12/2017</a:t>
+            <a:fld id="{DB1DF2F2-CA3C-4266-9E00-247AEB2F05E3}" type="datetime1">
+              <a:rPr lang="en-US" smtClean="0"/>
+              <a:t>6/13/2017</a:t>
             </a:fld>
             <a:endParaRPr lang="en-US"/>
           </a:p>
@@ -3189,7 +3177,7 @@
     </p:spTree>
     <p:extLst>
       <p:ext uri="{BB962C8B-B14F-4D97-AF65-F5344CB8AC3E}">
-        <p14:creationId xmlns:p14="http://schemas.microsoft.com/office/powerpoint/2010/main" xmlns="" val="3664280150"/>
+        <p14:creationId xmlns="" xmlns:p14="http://schemas.microsoft.com/office/powerpoint/2010/main" val="3664280150"/>
       </p:ext>
     </p:extLst>
   </p:cSld>
@@ -3207,6 +3195,7 @@
     <p:sldLayoutId id="2147483658" r:id="rId10"/>
     <p:sldLayoutId id="2147483659" r:id="rId11"/>
   </p:sldLayoutIdLst>
+  <p:hf hdr="0" ftr="0" dt="0"/>
   <p:txStyles>
     <p:titleStyle>
       <a:lvl1pPr algn="l" defTabSz="914400" rtl="0" eaLnBrk="1" latinLnBrk="0" hangingPunct="1">
@@ -3524,7 +3513,11 @@
           <a:p>
             <a:r>
               <a:rPr lang="en-US" dirty="0" smtClean="0"/>
-              <a:t>Status of Statistics Curricula in Canada</a:t>
+              <a:t>Status of Statistics </a:t>
+            </a:r>
+            <a:r>
+              <a:rPr lang="en-US" dirty="0" smtClean="0"/>
+              <a:t>Curricula in Canada</a:t>
             </a:r>
             <a:endParaRPr lang="en-US" dirty="0"/>
           </a:p>
@@ -3543,58 +3536,102 @@
         <p:spPr/>
         <p:txBody>
           <a:bodyPr>
-            <a:normAutofit lnSpcReduction="10000"/>
+            <a:noAutofit/>
           </a:bodyPr>
           <a:lstStyle/>
           <a:p>
             <a:pPr algn="l"/>
-            <a:endParaRPr lang="en-US" dirty="0" smtClean="0"/>
+            <a:endParaRPr lang="en-US" sz="2800" dirty="0" smtClean="0"/>
           </a:p>
           <a:p>
             <a:pPr algn="l"/>
-            <a:endParaRPr lang="en-US" dirty="0" smtClean="0"/>
+            <a:endParaRPr lang="en-US" sz="2800" dirty="0" smtClean="0"/>
           </a:p>
           <a:p>
             <a:pPr algn="l"/>
             <a:r>
-              <a:rPr lang="en-US" dirty="0" err="1" smtClean="0"/>
+              <a:rPr lang="en-US" sz="2800" dirty="0" err="1" smtClean="0"/>
               <a:t>Sotirios</a:t>
             </a:r>
             <a:r>
-              <a:rPr lang="en-US" dirty="0" smtClean="0"/>
+              <a:rPr lang="en-US" sz="2800" dirty="0" smtClean="0"/>
               <a:t> </a:t>
             </a:r>
             <a:r>
-              <a:rPr lang="en-US" dirty="0" err="1" smtClean="0"/>
+              <a:rPr lang="en-US" sz="2800" dirty="0" err="1" smtClean="0"/>
               <a:t>Damouras</a:t>
             </a:r>
             <a:r>
-              <a:rPr lang="en-US" dirty="0" smtClean="0"/>
+              <a:rPr lang="en-US" sz="2800" dirty="0" smtClean="0"/>
               <a:t> &amp; </a:t>
             </a:r>
             <a:r>
-              <a:rPr lang="en-US" dirty="0" err="1" smtClean="0"/>
+              <a:rPr lang="en-US" sz="2800" dirty="0" err="1" smtClean="0"/>
               <a:t>Sohee</a:t>
             </a:r>
             <a:r>
-              <a:rPr lang="en-US" dirty="0" smtClean="0"/>
-              <a:t> Kang</a:t>
-            </a:r>
-          </a:p>
-          <a:p>
-            <a:pPr algn="l"/>
-            <a:r>
-              <a:rPr lang="en-US" dirty="0" smtClean="0"/>
-              <a:t>U of T Scarborough</a:t>
-            </a:r>
-            <a:endParaRPr lang="en-US" dirty="0"/>
+              <a:rPr lang="en-US" sz="2800" dirty="0" smtClean="0"/>
+              <a:t> </a:t>
+            </a:r>
+            <a:r>
+              <a:rPr lang="en-US" sz="2800" dirty="0" smtClean="0"/>
+              <a:t>Kang</a:t>
+            </a:r>
+          </a:p>
+        </p:txBody>
+      </p:sp>
+      <p:pic>
+        <p:nvPicPr>
+          <p:cNvPr id="4" name="Picture 3" descr="utscblue.png"/>
+          <p:cNvPicPr>
+            <a:picLocks noChangeAspect="1"/>
+          </p:cNvPicPr>
+          <p:nvPr/>
+        </p:nvPicPr>
+        <p:blipFill>
+          <a:blip r:embed="rId2" cstate="print"/>
+          <a:stretch>
+            <a:fillRect/>
+          </a:stretch>
+        </p:blipFill>
+        <p:spPr>
+          <a:xfrm>
+            <a:off x="8575010" y="4913376"/>
+            <a:ext cx="3125194" cy="1373002"/>
+          </a:xfrm>
+          <a:prstGeom prst="rect">
+            <a:avLst/>
+          </a:prstGeom>
+        </p:spPr>
+      </p:pic>
+      <p:sp>
+        <p:nvSpPr>
+          <p:cNvPr id="5" name="Slide Number Placeholder 4"/>
+          <p:cNvSpPr>
+            <a:spLocks noGrp="1"/>
+          </p:cNvSpPr>
+          <p:nvPr>
+            <p:ph type="sldNum" sz="quarter" idx="12"/>
+          </p:nvPr>
+        </p:nvSpPr>
+        <p:spPr/>
+        <p:txBody>
+          <a:bodyPr/>
+          <a:lstStyle/>
+          <a:p>
+            <a:fld id="{7B7F2E7A-5F9E-45A2-8FDC-6B4C63A1A328}" type="slidenum">
+              <a:rPr lang="en-US" smtClean="0"/>
+              <a:pPr/>
+              <a:t>1</a:t>
+            </a:fld>
+            <a:endParaRPr lang="en-US"/>
           </a:p>
         </p:txBody>
       </p:sp>
     </p:spTree>
     <p:extLst>
       <p:ext uri="{BB962C8B-B14F-4D97-AF65-F5344CB8AC3E}">
-        <p14:creationId xmlns:p14="http://schemas.microsoft.com/office/powerpoint/2010/main" xmlns="" val="2903718237"/>
+        <p14:creationId xmlns="" xmlns:p14="http://schemas.microsoft.com/office/powerpoint/2010/main" val="2903718237"/>
       </p:ext>
     </p:extLst>
   </p:cSld>
@@ -3645,19 +3682,7 @@
           <a:p>
             <a:r>
               <a:rPr lang="en-US" dirty="0" smtClean="0"/>
-              <a:t>Breakdown of Courses </a:t>
-            </a:r>
-            <a:r>
-              <a:rPr lang="en-US" dirty="0" smtClean="0"/>
-              <a:t>by</a:t>
-            </a:r>
-            <a:r>
-              <a:rPr lang="en-US" dirty="0" smtClean="0"/>
-              <a:t> </a:t>
-            </a:r>
-            <a:r>
-              <a:rPr lang="en-US" dirty="0" smtClean="0"/>
-              <a:t>Discipline</a:t>
+              <a:t>Breakdown of Courses by Discipline</a:t>
             </a:r>
             <a:endParaRPr lang="en-US" dirty="0"/>
           </a:p>
@@ -3861,10 +3886,34 @@
           </a:ln>
         </p:spPr>
       </p:pic>
+      <p:sp>
+        <p:nvSpPr>
+          <p:cNvPr id="7" name="Slide Number Placeholder 6"/>
+          <p:cNvSpPr>
+            <a:spLocks noGrp="1"/>
+          </p:cNvSpPr>
+          <p:nvPr>
+            <p:ph type="sldNum" sz="quarter" idx="12"/>
+          </p:nvPr>
+        </p:nvSpPr>
+        <p:spPr/>
+        <p:txBody>
+          <a:bodyPr/>
+          <a:lstStyle/>
+          <a:p>
+            <a:fld id="{7B7F2E7A-5F9E-45A2-8FDC-6B4C63A1A328}" type="slidenum">
+              <a:rPr lang="en-US" smtClean="0"/>
+              <a:pPr/>
+              <a:t>10</a:t>
+            </a:fld>
+            <a:endParaRPr lang="en-US"/>
+          </a:p>
+        </p:txBody>
+      </p:sp>
     </p:spTree>
     <p:extLst>
       <p:ext uri="{BB962C8B-B14F-4D97-AF65-F5344CB8AC3E}">
-        <p14:creationId xmlns:p14="http://schemas.microsoft.com/office/powerpoint/2010/main" xmlns="" val="2040311413"/>
+        <p14:creationId xmlns="" xmlns:p14="http://schemas.microsoft.com/office/powerpoint/2010/main" val="2040311413"/>
       </p:ext>
     </p:extLst>
   </p:cSld>
@@ -4018,15 +4067,7 @@
             </a:r>
             <a:r>
               <a:rPr lang="en-US" dirty="0" smtClean="0"/>
-              <a:t>by</a:t>
-            </a:r>
-            <a:r>
-              <a:rPr lang="en-US" dirty="0" smtClean="0"/>
-              <a:t> </a:t>
-            </a:r>
-            <a:r>
-              <a:rPr lang="en-US" dirty="0" smtClean="0"/>
-              <a:t>Topic Category</a:t>
+              <a:t>by Topic Category</a:t>
             </a:r>
             <a:endParaRPr lang="en-US" dirty="0"/>
           </a:p>
@@ -4233,10 +4274,34 @@
           </a:ln>
         </p:spPr>
       </p:pic>
+      <p:sp>
+        <p:nvSpPr>
+          <p:cNvPr id="7" name="Slide Number Placeholder 6"/>
+          <p:cNvSpPr>
+            <a:spLocks noGrp="1"/>
+          </p:cNvSpPr>
+          <p:nvPr>
+            <p:ph type="sldNum" sz="quarter" idx="12"/>
+          </p:nvPr>
+        </p:nvSpPr>
+        <p:spPr/>
+        <p:txBody>
+          <a:bodyPr/>
+          <a:lstStyle/>
+          <a:p>
+            <a:fld id="{7B7F2E7A-5F9E-45A2-8FDC-6B4C63A1A328}" type="slidenum">
+              <a:rPr lang="en-US" smtClean="0"/>
+              <a:pPr/>
+              <a:t>11</a:t>
+            </a:fld>
+            <a:endParaRPr lang="en-US"/>
+          </a:p>
+        </p:txBody>
+      </p:sp>
     </p:spTree>
     <p:extLst>
       <p:ext uri="{BB962C8B-B14F-4D97-AF65-F5344CB8AC3E}">
-        <p14:creationId xmlns:p14="http://schemas.microsoft.com/office/powerpoint/2010/main" xmlns="" val="3457145499"/>
+        <p14:creationId xmlns="" xmlns:p14="http://schemas.microsoft.com/office/powerpoint/2010/main" val="3457145499"/>
       </p:ext>
     </p:extLst>
   </p:cSld>
@@ -4414,16 +4479,29 @@
           <a:p>
             <a:r>
               <a:rPr lang="en-US" dirty="0" smtClean="0"/>
-              <a:t>Train </a:t>
+              <a:t>Train Stats </a:t>
+            </a:r>
+            <a:r>
+              <a:rPr lang="en-US" dirty="0" err="1" smtClean="0"/>
+              <a:t>BSc’s</a:t>
             </a:r>
             <a:r>
               <a:rPr lang="en-US" dirty="0" smtClean="0"/>
-              <a:t>Stats Hons/Spec BSc’s primarily for the workplace (rather than graduate </a:t>
+              <a:t> </a:t>
             </a:r>
             <a:r>
               <a:rPr lang="en-US" dirty="0" smtClean="0"/>
-              <a:t>study)</a:t>
-            </a:r>
+              <a:t>primarily for the workplace (rather than graduate </a:t>
+            </a:r>
+            <a:r>
+              <a:rPr lang="en-US" dirty="0" smtClean="0"/>
+              <a:t>school</a:t>
+            </a:r>
+            <a:r>
+              <a:rPr lang="en-US" dirty="0" smtClean="0"/>
+              <a:t>)</a:t>
+            </a:r>
+            <a:endParaRPr lang="en-US" dirty="0" smtClean="0"/>
           </a:p>
           <a:p>
             <a:pPr lvl="2"/>
@@ -4432,15 +4510,7 @@
           <a:p>
             <a:r>
               <a:rPr lang="en-US" dirty="0" smtClean="0"/>
-              <a:t>Offer more </a:t>
-            </a:r>
-            <a:r>
-              <a:rPr lang="en-US" dirty="0" smtClean="0"/>
-              <a:t>Stats-specific courses (at expense of Math </a:t>
-            </a:r>
-            <a:r>
-              <a:rPr lang="en-US" dirty="0" smtClean="0"/>
-              <a:t>courses)</a:t>
+              <a:t>Offer more Stats-specific courses (at expense of Math courses)</a:t>
             </a:r>
           </a:p>
           <a:p>
@@ -4450,7 +4520,11 @@
           <a:p>
             <a:r>
               <a:rPr lang="en-US" dirty="0" smtClean="0"/>
-              <a:t>Offer Stats </a:t>
+              <a:t>Offer </a:t>
+            </a:r>
+            <a:r>
+              <a:rPr lang="en-US" dirty="0" smtClean="0"/>
+              <a:t>more Stats </a:t>
             </a:r>
             <a:r>
               <a:rPr lang="en-US" dirty="0" smtClean="0"/>
@@ -4472,37 +4546,54 @@
           <a:p>
             <a:r>
               <a:rPr lang="en-US" dirty="0" smtClean="0"/>
-              <a:t>Place more focus on </a:t>
+              <a:t>Place more focus on Statistical Practice </a:t>
             </a:r>
             <a:r>
               <a:rPr lang="en-US" dirty="0" smtClean="0"/>
-              <a:t>Statistical </a:t>
-            </a:r>
-            <a:r>
-              <a:rPr lang="en-US" dirty="0" smtClean="0"/>
-              <a:t>Practice </a:t>
-            </a:r>
+              <a:t>/ Computing</a:t>
+            </a:r>
+            <a:endParaRPr lang="en-US" dirty="0" smtClean="0"/>
           </a:p>
           <a:p>
             <a:pPr lvl="2"/>
             <a:endParaRPr lang="en-US" dirty="0" smtClean="0"/>
           </a:p>
           <a:p>
-            <a:pPr marL="514350" indent="-514350">
-              <a:buFont typeface="+mj-lt"/>
-              <a:buAutoNum type="arabicPeriod"/>
+            <a:pPr>
+              <a:buNone/>
             </a:pPr>
             <a:endParaRPr lang="en-US" dirty="0" smtClean="0"/>
           </a:p>
-          <a:p>
-            <a:endParaRPr lang="en-US" dirty="0" smtClean="0"/>
+        </p:txBody>
+      </p:sp>
+      <p:sp>
+        <p:nvSpPr>
+          <p:cNvPr id="4" name="Slide Number Placeholder 3"/>
+          <p:cNvSpPr>
+            <a:spLocks noGrp="1"/>
+          </p:cNvSpPr>
+          <p:nvPr>
+            <p:ph type="sldNum" sz="quarter" idx="12"/>
+          </p:nvPr>
+        </p:nvSpPr>
+        <p:spPr/>
+        <p:txBody>
+          <a:bodyPr/>
+          <a:lstStyle/>
+          <a:p>
+            <a:fld id="{7B7F2E7A-5F9E-45A2-8FDC-6B4C63A1A328}" type="slidenum">
+              <a:rPr lang="en-US" smtClean="0"/>
+              <a:pPr/>
+              <a:t>12</a:t>
+            </a:fld>
+            <a:endParaRPr lang="en-US"/>
           </a:p>
         </p:txBody>
       </p:sp>
     </p:spTree>
     <p:extLst>
       <p:ext uri="{BB962C8B-B14F-4D97-AF65-F5344CB8AC3E}">
-        <p14:creationId xmlns:p14="http://schemas.microsoft.com/office/powerpoint/2010/main" xmlns="" val="1706665789"/>
+        <p14:creationId xmlns="" xmlns:p14="http://schemas.microsoft.com/office/powerpoint/2010/main" val="1706665789"/>
       </p:ext>
     </p:extLst>
   </p:cSld>
@@ -4586,21 +4677,8 @@
             </a:r>
             <a:r>
               <a:rPr lang="en-US" dirty="0" smtClean="0"/>
-              <a:t>) </a:t>
-            </a:r>
-            <a:r>
-              <a:rPr lang="en-US" dirty="0" smtClean="0"/>
-              <a:t>survey</a:t>
-            </a:r>
-            <a:r>
-              <a:rPr lang="en-US" dirty="0" smtClean="0"/>
-              <a:t>,</a:t>
-            </a:r>
-            <a:r>
-              <a:rPr lang="en-US" dirty="0" smtClean="0"/>
-              <a:t> from Statistics Canada</a:t>
-            </a:r>
-            <a:endParaRPr lang="en-US" dirty="0" smtClean="0"/>
+              <a:t>) survey, from Statistics Canada</a:t>
+            </a:r>
           </a:p>
           <a:p>
             <a:pPr lvl="1"/>
@@ -4674,20 +4752,38 @@
               <a:rPr lang="en-US" dirty="0" smtClean="0"/>
               <a:t> </a:t>
             </a:r>
-          </a:p>
-          <a:p>
-            <a:pPr lvl="1"/>
-            <a:endParaRPr lang="en-US" dirty="0" smtClean="0"/>
-          </a:p>
-          <a:p>
             <a:endParaRPr lang="en-US" dirty="0"/>
+          </a:p>
+        </p:txBody>
+      </p:sp>
+      <p:sp>
+        <p:nvSpPr>
+          <p:cNvPr id="4" name="Slide Number Placeholder 3"/>
+          <p:cNvSpPr>
+            <a:spLocks noGrp="1"/>
+          </p:cNvSpPr>
+          <p:nvPr>
+            <p:ph type="sldNum" sz="quarter" idx="12"/>
+          </p:nvPr>
+        </p:nvSpPr>
+        <p:spPr/>
+        <p:txBody>
+          <a:bodyPr/>
+          <a:lstStyle/>
+          <a:p>
+            <a:fld id="{7B7F2E7A-5F9E-45A2-8FDC-6B4C63A1A328}" type="slidenum">
+              <a:rPr lang="en-US" smtClean="0"/>
+              <a:pPr/>
+              <a:t>2</a:t>
+            </a:fld>
+            <a:endParaRPr lang="en-US"/>
           </a:p>
         </p:txBody>
       </p:sp>
     </p:spTree>
     <p:extLst>
       <p:ext uri="{BB962C8B-B14F-4D97-AF65-F5344CB8AC3E}">
-        <p14:creationId xmlns:p14="http://schemas.microsoft.com/office/powerpoint/2010/main" xmlns="" val="1296102110"/>
+        <p14:creationId xmlns="" xmlns:p14="http://schemas.microsoft.com/office/powerpoint/2010/main" val="1296102110"/>
       </p:ext>
     </p:extLst>
   </p:cSld>
@@ -4774,15 +4870,7 @@
                   <a:srgbClr val="FF0000"/>
                 </a:solidFill>
               </a:rPr>
-              <a:t>52% </a:t>
-            </a:r>
-            <a:r>
-              <a:rPr lang="en-US" b="1" dirty="0" smtClean="0">
-                <a:solidFill>
-                  <a:srgbClr val="FF0000"/>
-                </a:solidFill>
-              </a:rPr>
-              <a:t>increase in Stats </a:t>
+              <a:t>52% increase in Stats </a:t>
             </a:r>
             <a:r>
               <a:rPr lang="en-US" b="1" dirty="0" err="1" smtClean="0">
@@ -4800,11 +4888,6 @@
               </a:rPr>
               <a:t> </a:t>
             </a:r>
-            <a:endParaRPr lang="en-US" b="1" dirty="0" smtClean="0">
-              <a:solidFill>
-                <a:srgbClr val="FF0000"/>
-              </a:solidFill>
-            </a:endParaRPr>
           </a:p>
           <a:p>
             <a:r>
@@ -4869,15 +4952,7 @@
                   <a:srgbClr val="FF0000"/>
                 </a:solidFill>
               </a:rPr>
-              <a:t> </a:t>
-            </a:r>
-            <a:r>
-              <a:rPr lang="en-US" b="1" dirty="0" smtClean="0">
-                <a:solidFill>
-                  <a:srgbClr val="FF0000"/>
-                </a:solidFill>
-              </a:rPr>
-              <a:t>in</a:t>
+              <a:t> in</a:t>
             </a:r>
           </a:p>
           <a:p>
@@ -4957,10 +5032,34 @@
           </a:ln>
         </p:spPr>
       </p:pic>
+      <p:sp>
+        <p:nvSpPr>
+          <p:cNvPr id="7" name="Slide Number Placeholder 6"/>
+          <p:cNvSpPr>
+            <a:spLocks noGrp="1"/>
+          </p:cNvSpPr>
+          <p:nvPr>
+            <p:ph type="sldNum" sz="quarter" idx="12"/>
+          </p:nvPr>
+        </p:nvSpPr>
+        <p:spPr/>
+        <p:txBody>
+          <a:bodyPr/>
+          <a:lstStyle/>
+          <a:p>
+            <a:fld id="{7B7F2E7A-5F9E-45A2-8FDC-6B4C63A1A328}" type="slidenum">
+              <a:rPr lang="en-US" smtClean="0"/>
+              <a:pPr/>
+              <a:t>3</a:t>
+            </a:fld>
+            <a:endParaRPr lang="en-US"/>
+          </a:p>
+        </p:txBody>
+      </p:sp>
     </p:spTree>
     <p:extLst>
       <p:ext uri="{BB962C8B-B14F-4D97-AF65-F5344CB8AC3E}">
-        <p14:creationId xmlns:p14="http://schemas.microsoft.com/office/powerpoint/2010/main" xmlns="" val="2048612592"/>
+        <p14:creationId xmlns="" xmlns:p14="http://schemas.microsoft.com/office/powerpoint/2010/main" val="2048612592"/>
       </p:ext>
     </p:extLst>
   </p:cSld>
@@ -5237,7 +5336,7 @@
         <p:spPr>
           <a:xfrm>
             <a:off x="7726142" y="1186148"/>
-            <a:ext cx="1950214" cy="646331"/>
+            <a:ext cx="1982915" cy="646331"/>
           </a:xfrm>
           <a:prstGeom prst="rect">
             <a:avLst/>
@@ -5258,18 +5357,52 @@
                   <a:srgbClr val="FF0000"/>
                 </a:solidFill>
               </a:rPr>
-              <a:t>Different from US </a:t>
-            </a:r>
-          </a:p>
-          <a:p>
+              <a:t>Different from </a:t>
+            </a:r>
             <a:r>
               <a:rPr lang="en-US" b="1" dirty="0" smtClean="0">
                 <a:solidFill>
                   <a:srgbClr val="FF0000"/>
                 </a:solidFill>
               </a:rPr>
-              <a:t>(where MSc &gt; BSc)</a:t>
-            </a:r>
+              <a:t>US, </a:t>
+            </a:r>
+            <a:endParaRPr lang="en-US" b="1" dirty="0" smtClean="0">
+              <a:solidFill>
+                <a:srgbClr val="FF0000"/>
+              </a:solidFill>
+            </a:endParaRPr>
+          </a:p>
+          <a:p>
+            <a:r>
+              <a:rPr lang="en-US" b="1" dirty="0" smtClean="0">
+                <a:solidFill>
+                  <a:srgbClr val="FF0000"/>
+                </a:solidFill>
+              </a:rPr>
+              <a:t>where </a:t>
+            </a:r>
+            <a:r>
+              <a:rPr lang="en-US" b="1" dirty="0" smtClean="0">
+                <a:solidFill>
+                  <a:srgbClr val="FF0000"/>
+                </a:solidFill>
+              </a:rPr>
+              <a:t>MSc &gt; </a:t>
+            </a:r>
+            <a:r>
+              <a:rPr lang="en-US" b="1" dirty="0" err="1" smtClean="0">
+                <a:solidFill>
+                  <a:srgbClr val="FF0000"/>
+                </a:solidFill>
+              </a:rPr>
+              <a:t>BSc</a:t>
+            </a:r>
+            <a:endParaRPr lang="en-US" b="1" dirty="0" smtClean="0">
+              <a:solidFill>
+                <a:srgbClr val="FF0000"/>
+              </a:solidFill>
+            </a:endParaRPr>
           </a:p>
         </p:txBody>
       </p:sp>
@@ -5321,11 +5454,27 @@
             <a:pPr algn="ctr"/>
             <a:r>
               <a:rPr lang="en-CA" sz="1200" i="1" dirty="0" smtClean="0"/>
-              <a:t>for undergraduate </a:t>
+              <a:t>for </a:t>
+            </a:r>
+            <a:r>
+              <a:rPr lang="en-CA" sz="1200" i="1" dirty="0" smtClean="0"/>
+              <a:t>Undergraduate </a:t>
+            </a:r>
+            <a:r>
+              <a:rPr lang="en-CA" sz="1200" i="1" dirty="0" smtClean="0"/>
+              <a:t>P</a:t>
+            </a:r>
+            <a:r>
+              <a:rPr lang="en-CA" sz="1200" i="1" dirty="0" smtClean="0"/>
+              <a:t>rograms </a:t>
             </a:r>
             <a:r>
               <a:rPr lang="en-CA" sz="1200" i="1" dirty="0"/>
-              <a:t>programs in statistical </a:t>
+              <a:t>in </a:t>
+            </a:r>
+            <a:r>
+              <a:rPr lang="en-CA" sz="1200" i="1" dirty="0" smtClean="0"/>
+              <a:t>Statistical </a:t>
             </a:r>
             <a:r>
               <a:rPr lang="en-CA" sz="1200" i="1" dirty="0" smtClean="0"/>
@@ -5415,10 +5564,34 @@
           </a:p>
         </p:txBody>
       </p:sp>
+      <p:sp>
+        <p:nvSpPr>
+          <p:cNvPr id="10" name="Slide Number Placeholder 9"/>
+          <p:cNvSpPr>
+            <a:spLocks noGrp="1"/>
+          </p:cNvSpPr>
+          <p:nvPr>
+            <p:ph type="sldNum" sz="quarter" idx="12"/>
+          </p:nvPr>
+        </p:nvSpPr>
+        <p:spPr/>
+        <p:txBody>
+          <a:bodyPr/>
+          <a:lstStyle/>
+          <a:p>
+            <a:fld id="{7B7F2E7A-5F9E-45A2-8FDC-6B4C63A1A328}" type="slidenum">
+              <a:rPr lang="en-US" smtClean="0"/>
+              <a:pPr/>
+              <a:t>4</a:t>
+            </a:fld>
+            <a:endParaRPr lang="en-US"/>
+          </a:p>
+        </p:txBody>
+      </p:sp>
     </p:spTree>
     <p:extLst>
       <p:ext uri="{BB962C8B-B14F-4D97-AF65-F5344CB8AC3E}">
-        <p14:creationId xmlns:p14="http://schemas.microsoft.com/office/powerpoint/2010/main" xmlns="" val="2541900192"/>
+        <p14:creationId xmlns="" xmlns:p14="http://schemas.microsoft.com/office/powerpoint/2010/main" val="2541900192"/>
       </p:ext>
     </p:extLst>
   </p:cSld>
@@ -5604,8 +5777,21 @@
                   <a:srgbClr val="FF0000"/>
                 </a:solidFill>
               </a:rPr>
-              <a:t>Gender Parity!!</a:t>
-            </a:r>
+              <a:t>Gender Parity</a:t>
+            </a:r>
+            <a:r>
+              <a:rPr lang="en-US" b="1" dirty="0" smtClean="0">
+                <a:solidFill>
+                  <a:srgbClr val="FF0000"/>
+                </a:solidFill>
+              </a:rPr>
+              <a:t>!</a:t>
+            </a:r>
+            <a:endParaRPr lang="en-US" b="1" dirty="0" smtClean="0">
+              <a:solidFill>
+                <a:srgbClr val="FF0000"/>
+              </a:solidFill>
+            </a:endParaRPr>
           </a:p>
           <a:p>
             <a:r>
@@ -5797,10 +5983,34 @@
           </a:p>
         </p:txBody>
       </p:sp>
+      <p:sp>
+        <p:nvSpPr>
+          <p:cNvPr id="9" name="Slide Number Placeholder 8"/>
+          <p:cNvSpPr>
+            <a:spLocks noGrp="1"/>
+          </p:cNvSpPr>
+          <p:nvPr>
+            <p:ph type="sldNum" sz="quarter" idx="12"/>
+          </p:nvPr>
+        </p:nvSpPr>
+        <p:spPr/>
+        <p:txBody>
+          <a:bodyPr/>
+          <a:lstStyle/>
+          <a:p>
+            <a:fld id="{7B7F2E7A-5F9E-45A2-8FDC-6B4C63A1A328}" type="slidenum">
+              <a:rPr lang="en-US" smtClean="0"/>
+              <a:pPr/>
+              <a:t>5</a:t>
+            </a:fld>
+            <a:endParaRPr lang="en-US"/>
+          </a:p>
+        </p:txBody>
+      </p:sp>
     </p:spTree>
     <p:extLst>
       <p:ext uri="{BB962C8B-B14F-4D97-AF65-F5344CB8AC3E}">
-        <p14:creationId xmlns:p14="http://schemas.microsoft.com/office/powerpoint/2010/main" xmlns="" val="3025915657"/>
+        <p14:creationId xmlns="" xmlns:p14="http://schemas.microsoft.com/office/powerpoint/2010/main" val="3025915657"/>
       </p:ext>
     </p:extLst>
   </p:cSld>
@@ -5987,20 +6197,31 @@
             </a:r>
             <a:r>
               <a:rPr lang="en-US" i="1" dirty="0" smtClean="0"/>
-              <a:t>/Specialist programs </a:t>
+              <a:t>/Specialist </a:t>
+            </a:r>
+            <a:r>
+              <a:rPr lang="en-US" i="1" dirty="0" smtClean="0"/>
+              <a:t>programs </a:t>
             </a:r>
           </a:p>
           <a:p>
             <a:pPr lvl="1"/>
             <a:r>
               <a:rPr lang="en-US" dirty="0" smtClean="0"/>
-              <a:t>Excludes Minor, Major, 3-yr BA/BSc, </a:t>
+              <a:t>Excludes </a:t>
+            </a:r>
+            <a:r>
+              <a:rPr lang="en-US" dirty="0" smtClean="0"/>
+              <a:t>Minors, 3-yr </a:t>
             </a:r>
             <a:r>
               <a:rPr lang="en-US" dirty="0" err="1" smtClean="0"/>
-              <a:t>etc</a:t>
-            </a:r>
-            <a:endParaRPr lang="en-US" dirty="0" smtClean="0"/>
+              <a:t>BSc</a:t>
+            </a:r>
+            <a:r>
+              <a:rPr lang="en-US" dirty="0" smtClean="0"/>
+              <a:t>, etc</a:t>
+            </a:r>
           </a:p>
           <a:p>
             <a:pPr lvl="1"/>
@@ -6060,10 +6281,34 @@
           </a:ln>
         </p:spPr>
       </p:pic>
+      <p:sp>
+        <p:nvSpPr>
+          <p:cNvPr id="5" name="Slide Number Placeholder 4"/>
+          <p:cNvSpPr>
+            <a:spLocks noGrp="1"/>
+          </p:cNvSpPr>
+          <p:nvPr>
+            <p:ph type="sldNum" sz="quarter" idx="12"/>
+          </p:nvPr>
+        </p:nvSpPr>
+        <p:spPr/>
+        <p:txBody>
+          <a:bodyPr/>
+          <a:lstStyle/>
+          <a:p>
+            <a:fld id="{7B7F2E7A-5F9E-45A2-8FDC-6B4C63A1A328}" type="slidenum">
+              <a:rPr lang="en-US" smtClean="0"/>
+              <a:pPr/>
+              <a:t>6</a:t>
+            </a:fld>
+            <a:endParaRPr lang="en-US"/>
+          </a:p>
+        </p:txBody>
+      </p:sp>
     </p:spTree>
     <p:extLst>
       <p:ext uri="{BB962C8B-B14F-4D97-AF65-F5344CB8AC3E}">
-        <p14:creationId xmlns:p14="http://schemas.microsoft.com/office/powerpoint/2010/main" xmlns="" val="2162657546"/>
+        <p14:creationId xmlns="" xmlns:p14="http://schemas.microsoft.com/office/powerpoint/2010/main" val="2162657546"/>
       </p:ext>
     </p:extLst>
   </p:cSld>
@@ -6114,19 +6359,7 @@
           <a:p>
             <a:r>
               <a:rPr lang="en-US" dirty="0" smtClean="0"/>
-              <a:t>Stats </a:t>
-            </a:r>
-            <a:r>
-              <a:rPr lang="en-US" dirty="0" smtClean="0"/>
-              <a:t>Curricula - </a:t>
-            </a:r>
-            <a:r>
-              <a:rPr lang="en-US" dirty="0" smtClean="0"/>
-              <a:t>Variable </a:t>
-            </a:r>
-            <a:r>
-              <a:rPr lang="en-US" dirty="0" smtClean="0"/>
-              <a:t>Description</a:t>
+              <a:t>Stats Curricula - Variable Description</a:t>
             </a:r>
             <a:endParaRPr lang="en-US" dirty="0"/>
           </a:p>
@@ -6144,7 +6377,7 @@
         </p:nvSpPr>
         <p:spPr>
           <a:xfrm>
-            <a:off x="838200" y="1825625"/>
+            <a:off x="838200" y="1789049"/>
             <a:ext cx="10515600" cy="4351338"/>
           </a:xfrm>
         </p:spPr>
@@ -6154,7 +6387,15 @@
           <a:p>
             <a:r>
               <a:rPr lang="en-US" dirty="0" smtClean="0"/>
-              <a:t>For each course requirement, create the variables:</a:t>
+              <a:t>For each course requirement, create </a:t>
+            </a:r>
+            <a:r>
+              <a:rPr lang="en-US" dirty="0" smtClean="0"/>
+              <a:t>variables</a:t>
+            </a:r>
+            <a:r>
+              <a:rPr lang="en-US" dirty="0" smtClean="0"/>
+              <a:t>:</a:t>
             </a:r>
           </a:p>
           <a:p>
@@ -6192,8 +6433,21 @@
             </a:r>
             <a:r>
               <a:rPr lang="en-US" dirty="0" smtClean="0"/>
-              <a:t> in full-course equivalents; i.e. 1-semester course = 0.5 credits</a:t>
-            </a:r>
+              <a:t> </a:t>
+            </a:r>
+            <a:r>
+              <a:rPr lang="en-US" dirty="0" smtClean="0"/>
+              <a:t>0.5 credits </a:t>
+            </a:r>
+            <a:r>
+              <a:rPr lang="en-US" dirty="0" smtClean="0"/>
+              <a:t>= one-semester </a:t>
+            </a:r>
+            <a:r>
+              <a:rPr lang="en-US" dirty="0" smtClean="0"/>
+              <a:t>course </a:t>
+            </a:r>
+            <a:endParaRPr lang="en-US" dirty="0" smtClean="0"/>
           </a:p>
           <a:p>
             <a:pPr lvl="1"/>
@@ -6249,21 +6503,8 @@
             </a:r>
             <a:r>
               <a:rPr lang="en-US" dirty="0" smtClean="0"/>
-              <a:t>: “year” in which course is offered </a:t>
-            </a:r>
-            <a:r>
-              <a:rPr lang="en-US" dirty="0" smtClean="0"/>
-              <a:t>(</a:t>
-            </a:r>
-            <a:r>
-              <a:rPr lang="en-US" dirty="0" smtClean="0"/>
-              <a:t>capped at 4</a:t>
-            </a:r>
-            <a:r>
-              <a:rPr lang="en-US" dirty="0" smtClean="0"/>
-              <a:t>)</a:t>
-            </a:r>
-            <a:endParaRPr lang="en-US" dirty="0" smtClean="0"/>
+              <a:t>: “year” in which course is offered (capped at 4)</a:t>
+            </a:r>
           </a:p>
           <a:p>
             <a:pPr lvl="1"/>
@@ -6300,11 +6541,23 @@
             </a:r>
             <a:r>
               <a:rPr lang="en-US" dirty="0" smtClean="0"/>
-              <a:t>: Multi-valued variable; </a:t>
-            </a:r>
-            <a:r>
-              <a:rPr lang="en-US" dirty="0"/>
-              <a:t>(subjective) </a:t>
+              <a:t>: </a:t>
+            </a:r>
+            <a:r>
+              <a:rPr lang="en-US" dirty="0" smtClean="0"/>
+              <a:t>multi-valued </a:t>
+            </a:r>
+            <a:r>
+              <a:rPr lang="en-US" dirty="0" smtClean="0"/>
+              <a:t>variable; </a:t>
+            </a:r>
+            <a:r>
+              <a:rPr lang="en-US" i="1" dirty="0" smtClean="0"/>
+              <a:t>subjective</a:t>
+            </a:r>
+            <a:r>
+              <a:rPr lang="en-US" dirty="0" smtClean="0"/>
+              <a:t> </a:t>
             </a:r>
             <a:r>
               <a:rPr lang="en-US" dirty="0" smtClean="0"/>
@@ -6334,7 +6587,7 @@
           <p:nvPr>
             <p:extLst>
               <p:ext uri="{D42A27DB-BD31-4B8C-83A1-F6EECF244321}">
-                <p14:modId xmlns:p14="http://schemas.microsoft.com/office/powerpoint/2010/main" xmlns="" val="2204232174"/>
+                <p14:modId xmlns="" xmlns:p14="http://schemas.microsoft.com/office/powerpoint/2010/main" val="2204232174"/>
               </p:ext>
             </p:extLst>
           </p:nvPr>
@@ -6353,42 +6606,42 @@
                 <a:gridCol w="2032000">
                   <a:extLst>
                     <a:ext uri="{9D8B030D-6E8A-4147-A177-3AD203B41FA5}">
-                      <a16:colId xmlns:a16="http://schemas.microsoft.com/office/drawing/2014/main" xmlns="" val="3530674048"/>
+                      <a16:colId xmlns="" xmlns:a16="http://schemas.microsoft.com/office/drawing/2014/main" val="3530674048"/>
                     </a:ext>
                   </a:extLst>
                 </a:gridCol>
                 <a:gridCol w="300397">
                   <a:extLst>
                     <a:ext uri="{9D8B030D-6E8A-4147-A177-3AD203B41FA5}">
-                      <a16:colId xmlns:a16="http://schemas.microsoft.com/office/drawing/2014/main" xmlns="" val="1877920155"/>
+                      <a16:colId xmlns="" xmlns:a16="http://schemas.microsoft.com/office/drawing/2014/main" val="1877920155"/>
                     </a:ext>
                   </a:extLst>
                 </a:gridCol>
                 <a:gridCol w="1505461">
                   <a:extLst>
                     <a:ext uri="{9D8B030D-6E8A-4147-A177-3AD203B41FA5}">
-                      <a16:colId xmlns:a16="http://schemas.microsoft.com/office/drawing/2014/main" xmlns="" val="1056110217"/>
+                      <a16:colId xmlns="" xmlns:a16="http://schemas.microsoft.com/office/drawing/2014/main" val="1056110217"/>
                     </a:ext>
                   </a:extLst>
                 </a:gridCol>
                 <a:gridCol w="1413888">
                   <a:extLst>
                     <a:ext uri="{9D8B030D-6E8A-4147-A177-3AD203B41FA5}">
-                      <a16:colId xmlns:a16="http://schemas.microsoft.com/office/drawing/2014/main" xmlns="" val="2851809115"/>
+                      <a16:colId xmlns="" xmlns:a16="http://schemas.microsoft.com/office/drawing/2014/main" val="2851809115"/>
                     </a:ext>
                   </a:extLst>
                 </a:gridCol>
                 <a:gridCol w="677333">
                   <a:extLst>
                     <a:ext uri="{9D8B030D-6E8A-4147-A177-3AD203B41FA5}">
-                      <a16:colId xmlns:a16="http://schemas.microsoft.com/office/drawing/2014/main" xmlns="" val="3183329816"/>
+                      <a16:colId xmlns="" xmlns:a16="http://schemas.microsoft.com/office/drawing/2014/main" val="3183329816"/>
                     </a:ext>
                   </a:extLst>
                 </a:gridCol>
                 <a:gridCol w="1665500">
                   <a:extLst>
                     <a:ext uri="{9D8B030D-6E8A-4147-A177-3AD203B41FA5}">
-                      <a16:colId xmlns:a16="http://schemas.microsoft.com/office/drawing/2014/main" xmlns="" val="417630375"/>
+                      <a16:colId xmlns="" xmlns:a16="http://schemas.microsoft.com/office/drawing/2014/main" val="417630375"/>
                     </a:ext>
                   </a:extLst>
                 </a:gridCol>
@@ -6550,7 +6803,7 @@
                 </a:tc>
                 <a:extLst>
                   <a:ext uri="{0D108BD9-81ED-4DB2-BD59-A6C34878D82A}">
-                    <a16:rowId xmlns:a16="http://schemas.microsoft.com/office/drawing/2014/main" xmlns="" val="3659934499"/>
+                    <a16:rowId xmlns="" xmlns:a16="http://schemas.microsoft.com/office/drawing/2014/main" val="3659934499"/>
                   </a:ext>
                 </a:extLst>
               </a:tr>
@@ -6731,7 +6984,7 @@
                 </a:tc>
                 <a:extLst>
                   <a:ext uri="{0D108BD9-81ED-4DB2-BD59-A6C34878D82A}">
-                    <a16:rowId xmlns:a16="http://schemas.microsoft.com/office/drawing/2014/main" xmlns="" val="3899836006"/>
+                    <a16:rowId xmlns="" xmlns:a16="http://schemas.microsoft.com/office/drawing/2014/main" val="3899836006"/>
                   </a:ext>
                 </a:extLst>
               </a:tr>
@@ -6739,10 +6992,34 @@
           </a:graphicData>
         </a:graphic>
       </p:graphicFrame>
+      <p:sp>
+        <p:nvSpPr>
+          <p:cNvPr id="7" name="Slide Number Placeholder 6"/>
+          <p:cNvSpPr>
+            <a:spLocks noGrp="1"/>
+          </p:cNvSpPr>
+          <p:nvPr>
+            <p:ph type="sldNum" sz="quarter" idx="12"/>
+          </p:nvPr>
+        </p:nvSpPr>
+        <p:spPr/>
+        <p:txBody>
+          <a:bodyPr/>
+          <a:lstStyle/>
+          <a:p>
+            <a:fld id="{7B7F2E7A-5F9E-45A2-8FDC-6B4C63A1A328}" type="slidenum">
+              <a:rPr lang="en-US" smtClean="0"/>
+              <a:pPr/>
+              <a:t>7</a:t>
+            </a:fld>
+            <a:endParaRPr lang="en-US"/>
+          </a:p>
+        </p:txBody>
+      </p:sp>
     </p:spTree>
     <p:extLst>
       <p:ext uri="{BB962C8B-B14F-4D97-AF65-F5344CB8AC3E}">
-        <p14:creationId xmlns:p14="http://schemas.microsoft.com/office/powerpoint/2010/main" xmlns="" val="1197843771"/>
+        <p14:creationId xmlns="" xmlns:p14="http://schemas.microsoft.com/office/powerpoint/2010/main" val="1197843771"/>
       </p:ext>
     </p:extLst>
   </p:cSld>
@@ -7172,10 +7449,34 @@
           </a:p>
         </p:txBody>
       </p:sp>
+      <p:sp>
+        <p:nvSpPr>
+          <p:cNvPr id="15" name="Slide Number Placeholder 14"/>
+          <p:cNvSpPr>
+            <a:spLocks noGrp="1"/>
+          </p:cNvSpPr>
+          <p:nvPr>
+            <p:ph type="sldNum" sz="quarter" idx="12"/>
+          </p:nvPr>
+        </p:nvSpPr>
+        <p:spPr/>
+        <p:txBody>
+          <a:bodyPr/>
+          <a:lstStyle/>
+          <a:p>
+            <a:fld id="{7B7F2E7A-5F9E-45A2-8FDC-6B4C63A1A328}" type="slidenum">
+              <a:rPr lang="en-US" smtClean="0"/>
+              <a:pPr/>
+              <a:t>8</a:t>
+            </a:fld>
+            <a:endParaRPr lang="en-US"/>
+          </a:p>
+        </p:txBody>
+      </p:sp>
     </p:spTree>
     <p:extLst>
       <p:ext uri="{BB962C8B-B14F-4D97-AF65-F5344CB8AC3E}">
-        <p14:creationId xmlns:p14="http://schemas.microsoft.com/office/powerpoint/2010/main" xmlns="" val="323940319"/>
+        <p14:creationId xmlns="" xmlns:p14="http://schemas.microsoft.com/office/powerpoint/2010/main" val="323940319"/>
       </p:ext>
     </p:extLst>
   </p:cSld>
@@ -7249,43 +7550,36 @@
           </a:bodyPr>
           <a:lstStyle/>
           <a:p>
-            <a:endParaRPr lang="en-US" b="1" dirty="0" smtClean="0"/>
-          </a:p>
-          <a:p>
             <a:r>
               <a:rPr lang="en-US" b="1" dirty="0" smtClean="0"/>
-              <a:t>25 semester courses </a:t>
+              <a:t>25 </a:t>
+            </a:r>
+            <a:r>
+              <a:rPr lang="en-US" b="1" dirty="0" smtClean="0"/>
+              <a:t>semester courses </a:t>
             </a:r>
             <a:r>
               <a:rPr lang="en-US" dirty="0" smtClean="0"/>
-              <a:t>required on average; with most programs between </a:t>
-            </a:r>
+              <a:t>required on average; with most programs between 24-26</a:t>
+            </a:r>
+          </a:p>
+          <a:p>
+            <a:pPr lvl="1"/>
             <a:r>
               <a:rPr lang="en-US" dirty="0" smtClean="0"/>
-              <a:t>24-26</a:t>
-            </a:r>
-          </a:p>
-          <a:p>
-            <a:pPr lvl="1"/>
+              <a:t>i.e. </a:t>
+            </a:r>
             <a:r>
               <a:rPr lang="en-US" dirty="0" smtClean="0"/>
-              <a:t>i.e. 12 </a:t>
-            </a:r>
-            <a:r>
-              <a:rPr lang="en-US" dirty="0"/>
-              <a:t>-</a:t>
+              <a:t>12-13 year-course equivalents</a:t>
             </a:r>
             <a:r>
               <a:rPr lang="en-US" dirty="0" smtClean="0"/>
-              <a:t> 13 full-year equivalents, </a:t>
+              <a:t>,   or </a:t>
             </a:r>
             <a:r>
               <a:rPr lang="en-US" dirty="0" smtClean="0"/>
-              <a:t>  or </a:t>
-            </a:r>
-            <a:r>
-              <a:rPr lang="en-US" dirty="0" smtClean="0"/>
-              <a:t>72 - 78 </a:t>
+              <a:t>72-78 </a:t>
             </a:r>
             <a:r>
               <a:rPr lang="en-US" dirty="0"/>
@@ -7293,13 +7587,8 @@
             </a:r>
             <a:r>
               <a:rPr lang="en-US" dirty="0" smtClean="0"/>
-              <a:t>redit </a:t>
-            </a:r>
-            <a:r>
-              <a:rPr lang="en-US" dirty="0" smtClean="0"/>
-              <a:t>hours</a:t>
-            </a:r>
-            <a:endParaRPr lang="en-US" dirty="0" smtClean="0"/>
+              <a:t>redit hours</a:t>
+            </a:r>
           </a:p>
           <a:p>
             <a:pPr lvl="1"/>
@@ -7327,11 +7616,7 @@
             <a:pPr lvl="1"/>
             <a:r>
               <a:rPr lang="en-US" dirty="0" smtClean="0"/>
-              <a:t>Most programs </a:t>
-            </a:r>
-            <a:r>
-              <a:rPr lang="en-US" dirty="0" smtClean="0"/>
-              <a:t>ranging between  60% - 80%</a:t>
+              <a:t>Most programs ranging between  60% - 80%</a:t>
             </a:r>
             <a:endParaRPr lang="en-US" dirty="0"/>
           </a:p>
@@ -7363,10 +7648,34 @@
           </a:prstGeom>
         </p:spPr>
       </p:pic>
+      <p:sp>
+        <p:nvSpPr>
+          <p:cNvPr id="6" name="Slide Number Placeholder 5"/>
+          <p:cNvSpPr>
+            <a:spLocks noGrp="1"/>
+          </p:cNvSpPr>
+          <p:nvPr>
+            <p:ph type="sldNum" sz="quarter" idx="12"/>
+          </p:nvPr>
+        </p:nvSpPr>
+        <p:spPr/>
+        <p:txBody>
+          <a:bodyPr/>
+          <a:lstStyle/>
+          <a:p>
+            <a:fld id="{7B7F2E7A-5F9E-45A2-8FDC-6B4C63A1A328}" type="slidenum">
+              <a:rPr lang="en-US" smtClean="0"/>
+              <a:pPr/>
+              <a:t>9</a:t>
+            </a:fld>
+            <a:endParaRPr lang="en-US"/>
+          </a:p>
+        </p:txBody>
+      </p:sp>
     </p:spTree>
     <p:extLst>
       <p:ext uri="{BB962C8B-B14F-4D97-AF65-F5344CB8AC3E}">
-        <p14:creationId xmlns:p14="http://schemas.microsoft.com/office/powerpoint/2010/main" xmlns="" val="755700261"/>
+        <p14:creationId xmlns="" xmlns:p14="http://schemas.microsoft.com/office/powerpoint/2010/main" val="755700261"/>
       </p:ext>
     </p:extLst>
   </p:cSld>
@@ -7638,7 +7947,7 @@
   <a:extraClrSchemeLst/>
   <a:extLst>
     <a:ext uri="{05A4C25C-085E-4340-85A3-A5531E510DB2}">
-      <thm15:themeFamily xmlns:thm15="http://schemas.microsoft.com/office/thememl/2012/main" xmlns="" name="Office Theme" id="{62F939B6-93AF-4DB8-9C6B-D6C7DFDC589F}" vid="{4A3C46E8-61CC-4603-A589-7422A47A8E4A}"/>
+      <thm15:themeFamily xmlns="" xmlns:thm15="http://schemas.microsoft.com/office/thememl/2012/main" name="Office Theme" id="{62F939B6-93AF-4DB8-9C6B-D6C7DFDC589F}" vid="{4A3C46E8-61CC-4603-A589-7422A47A8E4A}"/>
     </a:ext>
   </a:extLst>
 </a:theme>
@@ -7899,7 +8208,7 @@
   <a:extraClrSchemeLst/>
   <a:extLst>
     <a:ext uri="{05A4C25C-085E-4340-85A3-A5531E510DB2}">
-      <thm15:themeFamily xmlns:thm15="http://schemas.microsoft.com/office/thememl/2012/main" xmlns="" name="Office Theme" id="{62F939B6-93AF-4DB8-9C6B-D6C7DFDC589F}" vid="{4A3C46E8-61CC-4603-A589-7422A47A8E4A}"/>
+      <thm15:themeFamily xmlns="" xmlns:thm15="http://schemas.microsoft.com/office/thememl/2012/main" name="Office Theme" id="{62F939B6-93AF-4DB8-9C6B-D6C7DFDC589F}" vid="{4A3C46E8-61CC-4603-A589-7422A47A8E4A}"/>
     </a:ext>
   </a:extLst>
 </a:theme>

--- a/Status fo Statistics Curricula.pptx
+++ b/Status fo Statistics Curricula.pptx
@@ -120,7 +120,7 @@
   </p:defaultTextStyle>
   <p:extLst>
     <p:ext uri="{EFAFB233-063F-42B5-8137-9DF3F51BA10A}">
-      <p15:sldGuideLst xmlns="" xmlns:p15="http://schemas.microsoft.com/office/powerpoint/2012/main">
+      <p15:sldGuideLst xmlns:p15="http://schemas.microsoft.com/office/powerpoint/2012/main" xmlns="">
         <p15:guide id="1" orient="horz" pos="2160">
           <p15:clr>
             <a:srgbClr val="A4A3A4"/>
@@ -220,7 +220,7 @@
             <a:fld id="{88759146-D9B4-4E36-9A74-666275327657}" type="datetimeFigureOut">
               <a:rPr lang="en-US" smtClean="0"/>
               <a:pPr/>
-              <a:t>6/13/2017</a:t>
+              <a:t>6/14/2017</a:t>
             </a:fld>
             <a:endParaRPr lang="en-US"/>
           </a:p>
@@ -389,7 +389,7 @@
     </p:spTree>
     <p:extLst>
       <p:ext uri="{BB962C8B-B14F-4D97-AF65-F5344CB8AC3E}">
-        <p14:creationId xmlns="" xmlns:p14="http://schemas.microsoft.com/office/powerpoint/2010/main" val="2305668930"/>
+        <p14:creationId xmlns:p14="http://schemas.microsoft.com/office/powerpoint/2010/main" xmlns="" val="2305668930"/>
       </p:ext>
     </p:extLst>
   </p:cSld>
@@ -616,7 +616,7 @@
     </p:spTree>
     <p:extLst>
       <p:ext uri="{BB962C8B-B14F-4D97-AF65-F5344CB8AC3E}">
-        <p14:creationId xmlns="" xmlns:p14="http://schemas.microsoft.com/office/powerpoint/2010/main" val="980804576"/>
+        <p14:creationId xmlns:p14="http://schemas.microsoft.com/office/powerpoint/2010/main" xmlns="" val="980804576"/>
       </p:ext>
     </p:extLst>
   </p:cSld>
@@ -757,7 +757,8 @@
           <a:p>
             <a:fld id="{0DEAF167-AA14-42BD-97B6-48737F77869A}" type="datetime1">
               <a:rPr lang="en-US" smtClean="0"/>
-              <a:t>6/13/2017</a:t>
+              <a:pPr/>
+              <a:t>6/14/2017</a:t>
             </a:fld>
             <a:endParaRPr lang="en-US"/>
           </a:p>
@@ -809,7 +810,7 @@
     </p:spTree>
     <p:extLst>
       <p:ext uri="{BB962C8B-B14F-4D97-AF65-F5344CB8AC3E}">
-        <p14:creationId xmlns="" xmlns:p14="http://schemas.microsoft.com/office/powerpoint/2010/main" val="3506553982"/>
+        <p14:creationId xmlns:p14="http://schemas.microsoft.com/office/powerpoint/2010/main" xmlns="" val="3506553982"/>
       </p:ext>
     </p:extLst>
   </p:cSld>
@@ -928,7 +929,8 @@
           <a:p>
             <a:fld id="{0F5A63DE-1E25-43EB-AB18-67187868D4E5}" type="datetime1">
               <a:rPr lang="en-US" smtClean="0"/>
-              <a:t>6/13/2017</a:t>
+              <a:pPr/>
+              <a:t>6/14/2017</a:t>
             </a:fld>
             <a:endParaRPr lang="en-US"/>
           </a:p>
@@ -980,7 +982,7 @@
     </p:spTree>
     <p:extLst>
       <p:ext uri="{BB962C8B-B14F-4D97-AF65-F5344CB8AC3E}">
-        <p14:creationId xmlns="" xmlns:p14="http://schemas.microsoft.com/office/powerpoint/2010/main" val="1101089403"/>
+        <p14:creationId xmlns:p14="http://schemas.microsoft.com/office/powerpoint/2010/main" xmlns="" val="1101089403"/>
       </p:ext>
     </p:extLst>
   </p:cSld>
@@ -1109,7 +1111,8 @@
           <a:p>
             <a:fld id="{0DC5DD82-0A07-41A1-95FC-2204DF8C0350}" type="datetime1">
               <a:rPr lang="en-US" smtClean="0"/>
-              <a:t>6/13/2017</a:t>
+              <a:pPr/>
+              <a:t>6/14/2017</a:t>
             </a:fld>
             <a:endParaRPr lang="en-US"/>
           </a:p>
@@ -1161,7 +1164,7 @@
     </p:spTree>
     <p:extLst>
       <p:ext uri="{BB962C8B-B14F-4D97-AF65-F5344CB8AC3E}">
-        <p14:creationId xmlns="" xmlns:p14="http://schemas.microsoft.com/office/powerpoint/2010/main" val="2001993173"/>
+        <p14:creationId xmlns:p14="http://schemas.microsoft.com/office/powerpoint/2010/main" xmlns="" val="2001993173"/>
       </p:ext>
     </p:extLst>
   </p:cSld>
@@ -1280,7 +1283,8 @@
           <a:p>
             <a:fld id="{6BD9E903-E127-4445-B2F7-E90299287E90}" type="datetime1">
               <a:rPr lang="en-US" smtClean="0"/>
-              <a:t>6/13/2017</a:t>
+              <a:pPr/>
+              <a:t>6/14/2017</a:t>
             </a:fld>
             <a:endParaRPr lang="en-US"/>
           </a:p>
@@ -1332,7 +1336,7 @@
     </p:spTree>
     <p:extLst>
       <p:ext uri="{BB962C8B-B14F-4D97-AF65-F5344CB8AC3E}">
-        <p14:creationId xmlns="" xmlns:p14="http://schemas.microsoft.com/office/powerpoint/2010/main" val="410919990"/>
+        <p14:creationId xmlns:p14="http://schemas.microsoft.com/office/powerpoint/2010/main" xmlns="" val="410919990"/>
       </p:ext>
     </p:extLst>
   </p:cSld>
@@ -1527,7 +1531,8 @@
           <a:p>
             <a:fld id="{C71C622F-15D0-4F87-B2C6-32C4325BFD91}" type="datetime1">
               <a:rPr lang="en-US" smtClean="0"/>
-              <a:t>6/13/2017</a:t>
+              <a:pPr/>
+              <a:t>6/14/2017</a:t>
             </a:fld>
             <a:endParaRPr lang="en-US"/>
           </a:p>
@@ -1579,7 +1584,7 @@
     </p:spTree>
     <p:extLst>
       <p:ext uri="{BB962C8B-B14F-4D97-AF65-F5344CB8AC3E}">
-        <p14:creationId xmlns="" xmlns:p14="http://schemas.microsoft.com/office/powerpoint/2010/main" val="3965314995"/>
+        <p14:creationId xmlns:p14="http://schemas.microsoft.com/office/powerpoint/2010/main" xmlns="" val="3965314995"/>
       </p:ext>
     </p:extLst>
   </p:cSld>
@@ -1760,7 +1765,8 @@
           <a:p>
             <a:fld id="{5EE25068-99D9-4BD6-888E-A0335279950A}" type="datetime1">
               <a:rPr lang="en-US" smtClean="0"/>
-              <a:t>6/13/2017</a:t>
+              <a:pPr/>
+              <a:t>6/14/2017</a:t>
             </a:fld>
             <a:endParaRPr lang="en-US"/>
           </a:p>
@@ -1812,7 +1818,7 @@
     </p:spTree>
     <p:extLst>
       <p:ext uri="{BB962C8B-B14F-4D97-AF65-F5344CB8AC3E}">
-        <p14:creationId xmlns="" xmlns:p14="http://schemas.microsoft.com/office/powerpoint/2010/main" val="2793446600"/>
+        <p14:creationId xmlns:p14="http://schemas.microsoft.com/office/powerpoint/2010/main" xmlns="" val="2793446600"/>
       </p:ext>
     </p:extLst>
   </p:cSld>
@@ -2128,7 +2134,8 @@
           <a:p>
             <a:fld id="{A466C1E8-43CF-47A1-9B26-DDAB53F593D0}" type="datetime1">
               <a:rPr lang="en-US" smtClean="0"/>
-              <a:t>6/13/2017</a:t>
+              <a:pPr/>
+              <a:t>6/14/2017</a:t>
             </a:fld>
             <a:endParaRPr lang="en-US"/>
           </a:p>
@@ -2180,7 +2187,7 @@
     </p:spTree>
     <p:extLst>
       <p:ext uri="{BB962C8B-B14F-4D97-AF65-F5344CB8AC3E}">
-        <p14:creationId xmlns="" xmlns:p14="http://schemas.microsoft.com/office/powerpoint/2010/main" val="4044548070"/>
+        <p14:creationId xmlns:p14="http://schemas.microsoft.com/office/powerpoint/2010/main" xmlns="" val="4044548070"/>
       </p:ext>
     </p:extLst>
   </p:cSld>
@@ -2247,7 +2254,8 @@
           <a:p>
             <a:fld id="{38611430-78BF-4A14-BF27-8E779E35BC73}" type="datetime1">
               <a:rPr lang="en-US" smtClean="0"/>
-              <a:t>6/13/2017</a:t>
+              <a:pPr/>
+              <a:t>6/14/2017</a:t>
             </a:fld>
             <a:endParaRPr lang="en-US"/>
           </a:p>
@@ -2299,7 +2307,7 @@
     </p:spTree>
     <p:extLst>
       <p:ext uri="{BB962C8B-B14F-4D97-AF65-F5344CB8AC3E}">
-        <p14:creationId xmlns="" xmlns:p14="http://schemas.microsoft.com/office/powerpoint/2010/main" val="1523835739"/>
+        <p14:creationId xmlns:p14="http://schemas.microsoft.com/office/powerpoint/2010/main" xmlns="" val="1523835739"/>
       </p:ext>
     </p:extLst>
   </p:cSld>
@@ -2343,7 +2351,8 @@
           <a:p>
             <a:fld id="{B2E7D12A-E759-4A41-A12A-BC2B7ABD9E59}" type="datetime1">
               <a:rPr lang="en-US" smtClean="0"/>
-              <a:t>6/13/2017</a:t>
+              <a:pPr/>
+              <a:t>6/14/2017</a:t>
             </a:fld>
             <a:endParaRPr lang="en-US"/>
           </a:p>
@@ -2395,7 +2404,7 @@
     </p:spTree>
     <p:extLst>
       <p:ext uri="{BB962C8B-B14F-4D97-AF65-F5344CB8AC3E}">
-        <p14:creationId xmlns="" xmlns:p14="http://schemas.microsoft.com/office/powerpoint/2010/main" val="1874289421"/>
+        <p14:creationId xmlns:p14="http://schemas.microsoft.com/office/powerpoint/2010/main" xmlns="" val="1874289421"/>
       </p:ext>
     </p:extLst>
   </p:cSld>
@@ -2621,7 +2630,8 @@
           <a:p>
             <a:fld id="{1AF26B1D-F6BC-4870-B0A8-C2B035722B76}" type="datetime1">
               <a:rPr lang="en-US" smtClean="0"/>
-              <a:t>6/13/2017</a:t>
+              <a:pPr/>
+              <a:t>6/14/2017</a:t>
             </a:fld>
             <a:endParaRPr lang="en-US"/>
           </a:p>
@@ -2673,7 +2683,7 @@
     </p:spTree>
     <p:extLst>
       <p:ext uri="{BB962C8B-B14F-4D97-AF65-F5344CB8AC3E}">
-        <p14:creationId xmlns="" xmlns:p14="http://schemas.microsoft.com/office/powerpoint/2010/main" val="3891137599"/>
+        <p14:creationId xmlns:p14="http://schemas.microsoft.com/office/powerpoint/2010/main" xmlns="" val="3891137599"/>
       </p:ext>
     </p:extLst>
   </p:cSld>
@@ -2875,7 +2885,8 @@
           <a:p>
             <a:fld id="{7E4E547A-3483-448E-B92C-382394A3BF8D}" type="datetime1">
               <a:rPr lang="en-US" smtClean="0"/>
-              <a:t>6/13/2017</a:t>
+              <a:pPr/>
+              <a:t>6/14/2017</a:t>
             </a:fld>
             <a:endParaRPr lang="en-US"/>
           </a:p>
@@ -2927,7 +2938,7 @@
     </p:spTree>
     <p:extLst>
       <p:ext uri="{BB962C8B-B14F-4D97-AF65-F5344CB8AC3E}">
-        <p14:creationId xmlns="" xmlns:p14="http://schemas.microsoft.com/office/powerpoint/2010/main" val="459217906"/>
+        <p14:creationId xmlns:p14="http://schemas.microsoft.com/office/powerpoint/2010/main" xmlns="" val="459217906"/>
       </p:ext>
     </p:extLst>
   </p:cSld>
@@ -3089,7 +3100,8 @@
           <a:p>
             <a:fld id="{DB1DF2F2-CA3C-4266-9E00-247AEB2F05E3}" type="datetime1">
               <a:rPr lang="en-US" smtClean="0"/>
-              <a:t>6/13/2017</a:t>
+              <a:pPr/>
+              <a:t>6/14/2017</a:t>
             </a:fld>
             <a:endParaRPr lang="en-US"/>
           </a:p>
@@ -3177,7 +3189,7 @@
     </p:spTree>
     <p:extLst>
       <p:ext uri="{BB962C8B-B14F-4D97-AF65-F5344CB8AC3E}">
-        <p14:creationId xmlns="" xmlns:p14="http://schemas.microsoft.com/office/powerpoint/2010/main" val="3664280150"/>
+        <p14:creationId xmlns:p14="http://schemas.microsoft.com/office/powerpoint/2010/main" xmlns="" val="3664280150"/>
       </p:ext>
     </p:extLst>
   </p:cSld>
@@ -3513,11 +3525,7 @@
           <a:p>
             <a:r>
               <a:rPr lang="en-US" dirty="0" smtClean="0"/>
-              <a:t>Status of Statistics </a:t>
-            </a:r>
-            <a:r>
-              <a:rPr lang="en-US" dirty="0" smtClean="0"/>
-              <a:t>Curricula in Canada</a:t>
+              <a:t>Status of Statistics Curricula in Canada</a:t>
             </a:r>
             <a:endParaRPr lang="en-US" dirty="0"/>
           </a:p>
@@ -3571,11 +3579,7 @@
             </a:r>
             <a:r>
               <a:rPr lang="en-US" sz="2800" dirty="0" smtClean="0"/>
-              <a:t> </a:t>
-            </a:r>
-            <a:r>
-              <a:rPr lang="en-US" sz="2800" dirty="0" smtClean="0"/>
-              <a:t>Kang</a:t>
+              <a:t> Kang</a:t>
             </a:r>
           </a:p>
         </p:txBody>
@@ -3631,7 +3635,7 @@
     </p:spTree>
     <p:extLst>
       <p:ext uri="{BB962C8B-B14F-4D97-AF65-F5344CB8AC3E}">
-        <p14:creationId xmlns="" xmlns:p14="http://schemas.microsoft.com/office/powerpoint/2010/main" val="2903718237"/>
+        <p14:creationId xmlns:p14="http://schemas.microsoft.com/office/powerpoint/2010/main" xmlns="" val="2903718237"/>
       </p:ext>
     </p:extLst>
   </p:cSld>
@@ -3847,8 +3851,29 @@
                   <a:srgbClr val="FF0000"/>
                 </a:solidFill>
               </a:rPr>
-              <a:t>(and 38% MATH courses)</a:t>
-            </a:r>
+              <a:t>and </a:t>
+            </a:r>
+            <a:r>
+              <a:rPr lang="en-US" b="1" dirty="0" smtClean="0">
+                <a:solidFill>
+                  <a:srgbClr val="FF0000"/>
+                </a:solidFill>
+              </a:rPr>
+              <a:t>38% MATH </a:t>
+            </a:r>
+            <a:r>
+              <a:rPr lang="en-US" b="1" dirty="0" smtClean="0">
+                <a:solidFill>
+                  <a:srgbClr val="FF0000"/>
+                </a:solidFill>
+              </a:rPr>
+              <a:t>courses</a:t>
+            </a:r>
+            <a:endParaRPr lang="en-US" b="1" dirty="0" smtClean="0">
+              <a:solidFill>
+                <a:srgbClr val="FF0000"/>
+              </a:solidFill>
+            </a:endParaRPr>
           </a:p>
         </p:txBody>
       </p:sp>
@@ -3913,7 +3938,7 @@
     </p:spTree>
     <p:extLst>
       <p:ext uri="{BB962C8B-B14F-4D97-AF65-F5344CB8AC3E}">
-        <p14:creationId xmlns="" xmlns:p14="http://schemas.microsoft.com/office/powerpoint/2010/main" val="2040311413"/>
+        <p14:creationId xmlns:p14="http://schemas.microsoft.com/office/powerpoint/2010/main" xmlns="" val="2040311413"/>
       </p:ext>
     </p:extLst>
   </p:cSld>
@@ -4206,9 +4231,33 @@
           </a:p>
         </p:txBody>
       </p:sp>
+      <p:sp>
+        <p:nvSpPr>
+          <p:cNvPr id="7" name="Slide Number Placeholder 6"/>
+          <p:cNvSpPr>
+            <a:spLocks noGrp="1"/>
+          </p:cNvSpPr>
+          <p:nvPr>
+            <p:ph type="sldNum" sz="quarter" idx="12"/>
+          </p:nvPr>
+        </p:nvSpPr>
+        <p:spPr/>
+        <p:txBody>
+          <a:bodyPr/>
+          <a:lstStyle/>
+          <a:p>
+            <a:fld id="{7B7F2E7A-5F9E-45A2-8FDC-6B4C63A1A328}" type="slidenum">
+              <a:rPr lang="en-US" smtClean="0"/>
+              <a:pPr/>
+              <a:t>11</a:t>
+            </a:fld>
+            <a:endParaRPr lang="en-US"/>
+          </a:p>
+        </p:txBody>
+      </p:sp>
       <p:pic>
         <p:nvPicPr>
-          <p:cNvPr id="5123" name="Picture 3"/>
+          <p:cNvPr id="1026" name="Picture 2"/>
           <p:cNvPicPr>
             <a:picLocks noGrp="1" noChangeAspect="1" noChangeArrowheads="1"/>
           </p:cNvPicPr>
@@ -4225,8 +4274,8 @@
         </p:blipFill>
         <p:spPr bwMode="auto">
           <a:xfrm>
-            <a:off x="838200" y="2130743"/>
-            <a:ext cx="5181600" cy="3741101"/>
+            <a:off x="838200" y="2131755"/>
+            <a:ext cx="5181600" cy="3739077"/>
           </a:xfrm>
           <a:prstGeom prst="rect">
             <a:avLst/>
@@ -4242,7 +4291,7 @@
       </p:pic>
       <p:pic>
         <p:nvPicPr>
-          <p:cNvPr id="5124" name="Picture 4"/>
+          <p:cNvPr id="1027" name="Picture 3"/>
           <p:cNvPicPr>
             <a:picLocks noGrp="1" noChangeAspect="1" noChangeArrowheads="1"/>
           </p:cNvPicPr>
@@ -4259,8 +4308,8 @@
         </p:blipFill>
         <p:spPr bwMode="auto">
           <a:xfrm>
-            <a:off x="6172200" y="2130743"/>
-            <a:ext cx="5181600" cy="3741101"/>
+            <a:off x="6172200" y="2129162"/>
+            <a:ext cx="5181600" cy="3744263"/>
           </a:xfrm>
           <a:prstGeom prst="rect">
             <a:avLst/>
@@ -4274,34 +4323,10 @@
           </a:ln>
         </p:spPr>
       </p:pic>
-      <p:sp>
-        <p:nvSpPr>
-          <p:cNvPr id="7" name="Slide Number Placeholder 6"/>
-          <p:cNvSpPr>
-            <a:spLocks noGrp="1"/>
-          </p:cNvSpPr>
-          <p:nvPr>
-            <p:ph type="sldNum" sz="quarter" idx="12"/>
-          </p:nvPr>
-        </p:nvSpPr>
-        <p:spPr/>
-        <p:txBody>
-          <a:bodyPr/>
-          <a:lstStyle/>
-          <a:p>
-            <a:fld id="{7B7F2E7A-5F9E-45A2-8FDC-6B4C63A1A328}" type="slidenum">
-              <a:rPr lang="en-US" smtClean="0"/>
-              <a:pPr/>
-              <a:t>11</a:t>
-            </a:fld>
-            <a:endParaRPr lang="en-US"/>
-          </a:p>
-        </p:txBody>
-      </p:sp>
     </p:spTree>
     <p:extLst>
       <p:ext uri="{BB962C8B-B14F-4D97-AF65-F5344CB8AC3E}">
-        <p14:creationId xmlns="" xmlns:p14="http://schemas.microsoft.com/office/powerpoint/2010/main" val="3457145499"/>
+        <p14:creationId xmlns:p14="http://schemas.microsoft.com/office/powerpoint/2010/main" xmlns="" val="3457145499"/>
       </p:ext>
     </p:extLst>
   </p:cSld>
@@ -4477,9 +4502,16 @@
           <a:bodyPr/>
           <a:lstStyle/>
           <a:p>
+            <a:endParaRPr lang="en-US" smtClean="0"/>
+          </a:p>
+          <a:p>
             <a:r>
               <a:rPr lang="en-US" dirty="0" smtClean="0"/>
-              <a:t>Train Stats </a:t>
+              <a:t>Train </a:t>
+            </a:r>
+            <a:r>
+              <a:rPr lang="en-US" dirty="0" smtClean="0"/>
+              <a:t>Stats </a:t>
             </a:r>
             <a:r>
               <a:rPr lang="en-US" dirty="0" err="1" smtClean="0"/>
@@ -4487,24 +4519,19 @@
             </a:r>
             <a:r>
               <a:rPr lang="en-US" dirty="0" smtClean="0"/>
-              <a:t> </a:t>
+              <a:t> primarily for the workplace (rather than </a:t>
             </a:r>
             <a:r>
               <a:rPr lang="en-US" dirty="0" smtClean="0"/>
-              <a:t>primarily for the workplace (rather than graduate </a:t>
+              <a:t>grad </a:t>
             </a:r>
             <a:r>
               <a:rPr lang="en-US" dirty="0" smtClean="0"/>
-              <a:t>school</a:t>
-            </a:r>
-            <a:r>
-              <a:rPr lang="en-US" dirty="0" smtClean="0"/>
-              <a:t>)</a:t>
-            </a:r>
-            <a:endParaRPr lang="en-US" dirty="0" smtClean="0"/>
-          </a:p>
-          <a:p>
-            <a:pPr lvl="2"/>
+              <a:t>school)</a:t>
+            </a:r>
+          </a:p>
+          <a:p>
+            <a:pPr lvl="1"/>
             <a:endParaRPr lang="en-US" dirty="0" smtClean="0"/>
           </a:p>
           <a:p>
@@ -4514,21 +4541,13 @@
             </a:r>
           </a:p>
           <a:p>
-            <a:pPr lvl="2"/>
+            <a:pPr lvl="1"/>
             <a:endParaRPr lang="en-US" dirty="0" smtClean="0"/>
           </a:p>
           <a:p>
             <a:r>
               <a:rPr lang="en-US" dirty="0" smtClean="0"/>
-              <a:t>Offer </a:t>
-            </a:r>
-            <a:r>
-              <a:rPr lang="en-US" dirty="0" smtClean="0"/>
-              <a:t>more Stats </a:t>
-            </a:r>
-            <a:r>
-              <a:rPr lang="en-US" dirty="0" smtClean="0"/>
-              <a:t>courses early on (1</a:t>
+              <a:t>Offer more Stats courses early on (1</a:t>
             </a:r>
             <a:r>
               <a:rPr lang="en-US" baseline="30000" dirty="0" smtClean="0"/>
@@ -4540,23 +4559,14 @@
             </a:r>
           </a:p>
           <a:p>
-            <a:pPr lvl="2"/>
+            <a:pPr lvl="1"/>
             <a:endParaRPr lang="en-US" dirty="0" smtClean="0"/>
           </a:p>
           <a:p>
             <a:r>
               <a:rPr lang="en-US" dirty="0" smtClean="0"/>
-              <a:t>Place more focus on Statistical Practice </a:t>
-            </a:r>
-            <a:r>
-              <a:rPr lang="en-US" dirty="0" smtClean="0"/>
-              <a:t>/ Computing</a:t>
-            </a:r>
-            <a:endParaRPr lang="en-US" dirty="0" smtClean="0"/>
-          </a:p>
-          <a:p>
-            <a:pPr lvl="2"/>
-            <a:endParaRPr lang="en-US" dirty="0" smtClean="0"/>
+              <a:t>Place more focus on Statistical Practice / Computing</a:t>
+            </a:r>
           </a:p>
           <a:p>
             <a:pPr>
@@ -4593,7 +4603,7 @@
     </p:spTree>
     <p:extLst>
       <p:ext uri="{BB962C8B-B14F-4D97-AF65-F5344CB8AC3E}">
-        <p14:creationId xmlns="" xmlns:p14="http://schemas.microsoft.com/office/powerpoint/2010/main" val="1706665789"/>
+        <p14:creationId xmlns:p14="http://schemas.microsoft.com/office/powerpoint/2010/main" xmlns="" val="1706665789"/>
       </p:ext>
     </p:extLst>
   </p:cSld>
@@ -4666,8 +4676,12 @@
           <a:lstStyle/>
           <a:p>
             <a:r>
+              <a:rPr lang="en-US" b="1" dirty="0" smtClean="0"/>
+              <a:t>Stats program enrolments/graduates</a:t>
+            </a:r>
+            <a:r>
               <a:rPr lang="en-US" dirty="0" smtClean="0"/>
-              <a:t>Stats program enrolments/graduates: Postsecondary Student Information System (</a:t>
+              <a:t>: Postsecondary Student Information System (</a:t>
             </a:r>
             <a:r>
               <a:rPr lang="en-US" dirty="0" smtClean="0">
@@ -4711,8 +4725,12 @@
           </a:p>
           <a:p>
             <a:r>
+              <a:rPr lang="en-US" b="1" dirty="0" smtClean="0"/>
+              <a:t>Stats program curricula</a:t>
+            </a:r>
+            <a:r>
               <a:rPr lang="en-US" dirty="0" smtClean="0"/>
-              <a:t>Stats program curricula: collected from universities’ calendars</a:t>
+              <a:t>: collected from universities’ calendars</a:t>
             </a:r>
           </a:p>
           <a:p>
@@ -4727,7 +4745,15 @@
             </a:r>
             <a:r>
               <a:rPr lang="en-US" dirty="0" smtClean="0"/>
-              <a:t> BSc) for her help</a:t>
+              <a:t> </a:t>
+            </a:r>
+            <a:r>
+              <a:rPr lang="en-US" dirty="0" err="1" smtClean="0"/>
+              <a:t>BSc</a:t>
+            </a:r>
+            <a:r>
+              <a:rPr lang="en-US" dirty="0" smtClean="0"/>
+              <a:t>)</a:t>
             </a:r>
           </a:p>
           <a:p>
@@ -4737,7 +4763,11 @@
           <a:p>
             <a:r>
               <a:rPr lang="en-US" dirty="0" smtClean="0"/>
-              <a:t>All data &amp; code available through GitHub</a:t>
+              <a:t>All </a:t>
+            </a:r>
+            <a:r>
+              <a:rPr lang="en-US" dirty="0" smtClean="0"/>
+              <a:t>data &amp; code available through GitHub</a:t>
             </a:r>
           </a:p>
           <a:p>
@@ -4783,7 +4813,7 @@
     </p:spTree>
     <p:extLst>
       <p:ext uri="{BB962C8B-B14F-4D97-AF65-F5344CB8AC3E}">
-        <p14:creationId xmlns="" xmlns:p14="http://schemas.microsoft.com/office/powerpoint/2010/main" val="1296102110"/>
+        <p14:creationId xmlns:p14="http://schemas.microsoft.com/office/powerpoint/2010/main" xmlns="" val="1296102110"/>
       </p:ext>
     </p:extLst>
   </p:cSld>
@@ -5059,7 +5089,7 @@
     </p:spTree>
     <p:extLst>
       <p:ext uri="{BB962C8B-B14F-4D97-AF65-F5344CB8AC3E}">
-        <p14:creationId xmlns="" xmlns:p14="http://schemas.microsoft.com/office/powerpoint/2010/main" val="2048612592"/>
+        <p14:creationId xmlns:p14="http://schemas.microsoft.com/office/powerpoint/2010/main" xmlns="" val="2048612592"/>
       </p:ext>
     </p:extLst>
   </p:cSld>
@@ -5357,38 +5387,17 @@
                   <a:srgbClr val="FF0000"/>
                 </a:solidFill>
               </a:rPr>
-              <a:t>Different from </a:t>
-            </a:r>
+              <a:t>Different from US, </a:t>
+            </a:r>
+          </a:p>
+          <a:p>
             <a:r>
               <a:rPr lang="en-US" b="1" dirty="0" smtClean="0">
                 <a:solidFill>
                   <a:srgbClr val="FF0000"/>
                 </a:solidFill>
               </a:rPr>
-              <a:t>US, </a:t>
-            </a:r>
-            <a:endParaRPr lang="en-US" b="1" dirty="0" smtClean="0">
-              <a:solidFill>
-                <a:srgbClr val="FF0000"/>
-              </a:solidFill>
-            </a:endParaRPr>
-          </a:p>
-          <a:p>
-            <a:r>
-              <a:rPr lang="en-US" b="1" dirty="0" smtClean="0">
-                <a:solidFill>
-                  <a:srgbClr val="FF0000"/>
-                </a:solidFill>
-              </a:rPr>
-              <a:t>where </a:t>
-            </a:r>
-            <a:r>
-              <a:rPr lang="en-US" b="1" dirty="0" smtClean="0">
-                <a:solidFill>
-                  <a:srgbClr val="FF0000"/>
-                </a:solidFill>
-              </a:rPr>
-              <a:t>MSc &gt; </a:t>
+              <a:t>where MSc &gt; </a:t>
             </a:r>
             <a:r>
               <a:rPr lang="en-US" b="1" dirty="0" err="1" smtClean="0">
@@ -5454,19 +5463,7 @@
             <a:pPr algn="ctr"/>
             <a:r>
               <a:rPr lang="en-CA" sz="1200" i="1" dirty="0" smtClean="0"/>
-              <a:t>for </a:t>
-            </a:r>
-            <a:r>
-              <a:rPr lang="en-CA" sz="1200" i="1" dirty="0" smtClean="0"/>
-              <a:t>Undergraduate </a:t>
-            </a:r>
-            <a:r>
-              <a:rPr lang="en-CA" sz="1200" i="1" dirty="0" smtClean="0"/>
-              <a:t>P</a:t>
-            </a:r>
-            <a:r>
-              <a:rPr lang="en-CA" sz="1200" i="1" dirty="0" smtClean="0"/>
-              <a:t>rograms </a:t>
+              <a:t>for Undergraduate Programs </a:t>
             </a:r>
             <a:r>
               <a:rPr lang="en-CA" sz="1200" i="1" dirty="0"/>
@@ -5474,11 +5471,7 @@
             </a:r>
             <a:r>
               <a:rPr lang="en-CA" sz="1200" i="1" dirty="0" smtClean="0"/>
-              <a:t>Statistical </a:t>
-            </a:r>
-            <a:r>
-              <a:rPr lang="en-CA" sz="1200" i="1" dirty="0" smtClean="0"/>
-              <a:t>Science</a:t>
+              <a:t>Statistical Science</a:t>
             </a:r>
             <a:r>
               <a:rPr lang="en-US" sz="1200" dirty="0" smtClean="0"/>
@@ -5591,7 +5584,7 @@
     </p:spTree>
     <p:extLst>
       <p:ext uri="{BB962C8B-B14F-4D97-AF65-F5344CB8AC3E}">
-        <p14:creationId xmlns="" xmlns:p14="http://schemas.microsoft.com/office/powerpoint/2010/main" val="2541900192"/>
+        <p14:creationId xmlns:p14="http://schemas.microsoft.com/office/powerpoint/2010/main" xmlns="" val="2541900192"/>
       </p:ext>
     </p:extLst>
   </p:cSld>
@@ -5777,21 +5770,8 @@
                   <a:srgbClr val="FF0000"/>
                 </a:solidFill>
               </a:rPr>
-              <a:t>Gender Parity</a:t>
-            </a:r>
-            <a:r>
-              <a:rPr lang="en-US" b="1" dirty="0" smtClean="0">
-                <a:solidFill>
-                  <a:srgbClr val="FF0000"/>
-                </a:solidFill>
-              </a:rPr>
-              <a:t>!</a:t>
-            </a:r>
-            <a:endParaRPr lang="en-US" b="1" dirty="0" smtClean="0">
-              <a:solidFill>
-                <a:srgbClr val="FF0000"/>
-              </a:solidFill>
-            </a:endParaRPr>
+              <a:t>Gender Parity!</a:t>
+            </a:r>
           </a:p>
           <a:p>
             <a:r>
@@ -6010,7 +5990,7 @@
     </p:spTree>
     <p:extLst>
       <p:ext uri="{BB962C8B-B14F-4D97-AF65-F5344CB8AC3E}">
-        <p14:creationId xmlns="" xmlns:p14="http://schemas.microsoft.com/office/powerpoint/2010/main" val="3025915657"/>
+        <p14:creationId xmlns:p14="http://schemas.microsoft.com/office/powerpoint/2010/main" xmlns="" val="3025915657"/>
       </p:ext>
     </p:extLst>
   </p:cSld>
@@ -6185,11 +6165,15 @@
           <a:p>
             <a:r>
               <a:rPr lang="en-US" dirty="0" smtClean="0"/>
-              <a:t>Consider only (pure)</a:t>
+              <a:t>Consider only </a:t>
             </a:r>
             <a:r>
               <a:rPr lang="en-US" i="1" dirty="0" smtClean="0"/>
-              <a:t> Statistics </a:t>
+              <a:t>pure </a:t>
+            </a:r>
+            <a:r>
+              <a:rPr lang="en-US" i="1" dirty="0" smtClean="0"/>
+              <a:t>Statistics </a:t>
             </a:r>
             <a:r>
               <a:rPr lang="en-US" i="1" dirty="0" err="1" smtClean="0"/>
@@ -6197,22 +6181,14 @@
             </a:r>
             <a:r>
               <a:rPr lang="en-US" i="1" dirty="0" smtClean="0"/>
-              <a:t>/Specialist </a:t>
-            </a:r>
-            <a:r>
-              <a:rPr lang="en-US" i="1" dirty="0" smtClean="0"/>
-              <a:t>programs </a:t>
+              <a:t>/Specialist programs </a:t>
             </a:r>
           </a:p>
           <a:p>
             <a:pPr lvl="1"/>
             <a:r>
               <a:rPr lang="en-US" dirty="0" smtClean="0"/>
-              <a:t>Excludes </a:t>
-            </a:r>
-            <a:r>
-              <a:rPr lang="en-US" dirty="0" smtClean="0"/>
-              <a:t>Minors, 3-yr </a:t>
+              <a:t>Excludes Minors, 3-yr </a:t>
             </a:r>
             <a:r>
               <a:rPr lang="en-US" dirty="0" err="1" smtClean="0"/>
@@ -6227,8 +6203,29 @@
             <a:pPr lvl="1"/>
             <a:r>
               <a:rPr lang="en-US" dirty="0" smtClean="0"/>
-              <a:t>Excludes programs not focused purely on Statistics (e.g. Probability &amp; Statistics, or  Mathematical Statistics)</a:t>
-            </a:r>
+              <a:t>Excludes programs not focused </a:t>
+            </a:r>
+            <a:r>
+              <a:rPr lang="en-US" dirty="0" smtClean="0"/>
+              <a:t>on </a:t>
+            </a:r>
+            <a:r>
+              <a:rPr lang="en-US" dirty="0" smtClean="0"/>
+              <a:t>Statistics (e.g. </a:t>
+            </a:r>
+            <a:r>
+              <a:rPr lang="en-US" dirty="0" smtClean="0"/>
+              <a:t>no Mathematics/ Probability, Data Science, or </a:t>
+            </a:r>
+            <a:r>
+              <a:rPr lang="en-US" dirty="0" smtClean="0"/>
+              <a:t>“Applied” </a:t>
+            </a:r>
+            <a:r>
+              <a:rPr lang="en-US" dirty="0" smtClean="0"/>
+              <a:t>Statistics programs)</a:t>
+            </a:r>
+            <a:endParaRPr lang="en-US" dirty="0" smtClean="0"/>
           </a:p>
           <a:p>
             <a:r>
@@ -6308,7 +6305,7 @@
     </p:spTree>
     <p:extLst>
       <p:ext uri="{BB962C8B-B14F-4D97-AF65-F5344CB8AC3E}">
-        <p14:creationId xmlns="" xmlns:p14="http://schemas.microsoft.com/office/powerpoint/2010/main" val="2162657546"/>
+        <p14:creationId xmlns:p14="http://schemas.microsoft.com/office/powerpoint/2010/main" xmlns="" val="2162657546"/>
       </p:ext>
     </p:extLst>
   </p:cSld>
@@ -6387,15 +6384,7 @@
           <a:p>
             <a:r>
               <a:rPr lang="en-US" dirty="0" smtClean="0"/>
-              <a:t>For each course requirement, create </a:t>
-            </a:r>
-            <a:r>
-              <a:rPr lang="en-US" dirty="0" smtClean="0"/>
-              <a:t>variables</a:t>
-            </a:r>
-            <a:r>
-              <a:rPr lang="en-US" dirty="0" smtClean="0"/>
-              <a:t>:</a:t>
+              <a:t>For each course requirement, create variables:</a:t>
             </a:r>
           </a:p>
           <a:p>
@@ -6433,21 +6422,8 @@
             </a:r>
             <a:r>
               <a:rPr lang="en-US" dirty="0" smtClean="0"/>
-              <a:t> </a:t>
-            </a:r>
-            <a:r>
-              <a:rPr lang="en-US" dirty="0" smtClean="0"/>
-              <a:t>0.5 credits </a:t>
-            </a:r>
-            <a:r>
-              <a:rPr lang="en-US" dirty="0" smtClean="0"/>
-              <a:t>= one-semester </a:t>
-            </a:r>
-            <a:r>
-              <a:rPr lang="en-US" dirty="0" smtClean="0"/>
-              <a:t>course </a:t>
-            </a:r>
-            <a:endParaRPr lang="en-US" dirty="0" smtClean="0"/>
+              <a:t> 0.5 credits = one-semester course </a:t>
+            </a:r>
           </a:p>
           <a:p>
             <a:pPr lvl="1"/>
@@ -6541,15 +6517,7 @@
             </a:r>
             <a:r>
               <a:rPr lang="en-US" dirty="0" smtClean="0"/>
-              <a:t>: </a:t>
-            </a:r>
-            <a:r>
-              <a:rPr lang="en-US" dirty="0" smtClean="0"/>
-              <a:t>multi-valued </a:t>
-            </a:r>
-            <a:r>
-              <a:rPr lang="en-US" dirty="0" smtClean="0"/>
-              <a:t>variable; </a:t>
+              <a:t>: multi-valued variable; </a:t>
             </a:r>
             <a:r>
               <a:rPr lang="en-US" i="1" dirty="0" smtClean="0"/>
@@ -6557,11 +6525,7 @@
             </a:r>
             <a:r>
               <a:rPr lang="en-US" dirty="0" smtClean="0"/>
-              <a:t> </a:t>
-            </a:r>
-            <a:r>
-              <a:rPr lang="en-US" dirty="0" smtClean="0"/>
-              <a:t>grouping of covered topics</a:t>
+              <a:t> grouping of covered topics</a:t>
             </a:r>
           </a:p>
           <a:p>
@@ -6587,14 +6551,14 @@
           <p:nvPr>
             <p:extLst>
               <p:ext uri="{D42A27DB-BD31-4B8C-83A1-F6EECF244321}">
-                <p14:modId xmlns="" xmlns:p14="http://schemas.microsoft.com/office/powerpoint/2010/main" val="2204232174"/>
+                <p14:modId xmlns:p14="http://schemas.microsoft.com/office/powerpoint/2010/main" xmlns="" val="2204232174"/>
               </p:ext>
             </p:extLst>
           </p:nvPr>
         </p:nvGraphicFramePr>
         <p:xfrm>
-          <a:off x="2032000" y="5383407"/>
-          <a:ext cx="7594579" cy="741680"/>
+          <a:off x="1389888" y="5383407"/>
+          <a:ext cx="9473183" cy="792480"/>
         </p:xfrm>
         <a:graphic>
           <a:graphicData uri="http://schemas.openxmlformats.org/drawingml/2006/table">
@@ -6603,45 +6567,45 @@
                 <a:tableStyleId>{5940675A-B579-460E-94D1-54222C63F5DA}</a:tableStyleId>
               </a:tblPr>
               <a:tblGrid>
-                <a:gridCol w="2032000">
+                <a:gridCol w="2534638">
                   <a:extLst>
                     <a:ext uri="{9D8B030D-6E8A-4147-A177-3AD203B41FA5}">
-                      <a16:colId xmlns="" xmlns:a16="http://schemas.microsoft.com/office/drawing/2014/main" val="3530674048"/>
+                      <a16:colId xmlns:a16="http://schemas.microsoft.com/office/drawing/2014/main" xmlns="" val="3530674048"/>
                     </a:ext>
                   </a:extLst>
                 </a:gridCol>
-                <a:gridCol w="300397">
+                <a:gridCol w="374703">
                   <a:extLst>
                     <a:ext uri="{9D8B030D-6E8A-4147-A177-3AD203B41FA5}">
-                      <a16:colId xmlns="" xmlns:a16="http://schemas.microsoft.com/office/drawing/2014/main" val="1877920155"/>
+                      <a16:colId xmlns:a16="http://schemas.microsoft.com/office/drawing/2014/main" xmlns="" val="1877920155"/>
                     </a:ext>
                   </a:extLst>
                 </a:gridCol>
-                <a:gridCol w="1505461">
+                <a:gridCol w="1877854">
                   <a:extLst>
                     <a:ext uri="{9D8B030D-6E8A-4147-A177-3AD203B41FA5}">
-                      <a16:colId xmlns="" xmlns:a16="http://schemas.microsoft.com/office/drawing/2014/main" val="1056110217"/>
+                      <a16:colId xmlns:a16="http://schemas.microsoft.com/office/drawing/2014/main" xmlns="" val="1056110217"/>
                     </a:ext>
                   </a:extLst>
                 </a:gridCol>
-                <a:gridCol w="1413888">
+                <a:gridCol w="1763629">
                   <a:extLst>
                     <a:ext uri="{9D8B030D-6E8A-4147-A177-3AD203B41FA5}">
-                      <a16:colId xmlns="" xmlns:a16="http://schemas.microsoft.com/office/drawing/2014/main" val="2851809115"/>
+                      <a16:colId xmlns:a16="http://schemas.microsoft.com/office/drawing/2014/main" xmlns="" val="2851809115"/>
                     </a:ext>
                   </a:extLst>
                 </a:gridCol>
-                <a:gridCol w="677333">
+                <a:gridCol w="844879">
                   <a:extLst>
                     <a:ext uri="{9D8B030D-6E8A-4147-A177-3AD203B41FA5}">
-                      <a16:colId xmlns="" xmlns:a16="http://schemas.microsoft.com/office/drawing/2014/main" val="3183329816"/>
+                      <a16:colId xmlns:a16="http://schemas.microsoft.com/office/drawing/2014/main" xmlns="" val="3183329816"/>
                     </a:ext>
                   </a:extLst>
                 </a:gridCol>
-                <a:gridCol w="1665500">
+                <a:gridCol w="2077480">
                   <a:extLst>
                     <a:ext uri="{9D8B030D-6E8A-4147-A177-3AD203B41FA5}">
-                      <a16:colId xmlns="" xmlns:a16="http://schemas.microsoft.com/office/drawing/2014/main" val="417630375"/>
+                      <a16:colId xmlns:a16="http://schemas.microsoft.com/office/drawing/2014/main" xmlns="" val="417630375"/>
                     </a:ext>
                   </a:extLst>
                 </a:gridCol>
@@ -6653,7 +6617,7 @@
                     <a:lstStyle/>
                     <a:p>
                       <a:r>
-                        <a:rPr lang="en-CA" sz="1800" i="1" dirty="0" smtClean="0">
+                        <a:rPr lang="en-CA" sz="2000" b="0" i="1" dirty="0" smtClean="0">
                           <a:solidFill>
                             <a:srgbClr val="000000"/>
                           </a:solidFill>
@@ -6663,7 +6627,7 @@
                         <a:t>Statistical Theory</a:t>
                       </a:r>
                       <a:r>
-                        <a:rPr lang="en-CA" sz="1800" dirty="0" smtClean="0">
+                        <a:rPr lang="en-CA" sz="2000" b="0" dirty="0" smtClean="0">
                           <a:solidFill>
                             <a:srgbClr val="000000"/>
                           </a:solidFill>
@@ -6672,7 +6636,7 @@
                         </a:rPr>
                         <a:t> (ST)</a:t>
                       </a:r>
-                      <a:endParaRPr lang="en-US" dirty="0"/>
+                      <a:endParaRPr lang="en-US" sz="2000" b="0" dirty="0"/>
                     </a:p>
                   </a:txBody>
                   <a:tcPr/>
@@ -6710,7 +6674,7 @@
                         <a:defRPr/>
                       </a:pPr>
                       <a:r>
-                        <a:rPr lang="en-CA" sz="1800" i="1" dirty="0" smtClean="0">
+                        <a:rPr lang="en-CA" sz="2000" b="0" i="1" dirty="0" smtClean="0">
                           <a:solidFill>
                             <a:srgbClr val="000000"/>
                           </a:solidFill>
@@ -6720,7 +6684,7 @@
                         <a:t>Statistical Methodology</a:t>
                       </a:r>
                       <a:r>
-                        <a:rPr lang="en-CA" sz="1800" dirty="0" smtClean="0">
+                        <a:rPr lang="en-CA" sz="2000" b="0" dirty="0" smtClean="0">
                           <a:solidFill>
                             <a:srgbClr val="000000"/>
                           </a:solidFill>
@@ -6729,7 +6693,7 @@
                         </a:rPr>
                         <a:t> (SM)</a:t>
                       </a:r>
-                      <a:endParaRPr lang="en-US" dirty="0"/>
+                      <a:endParaRPr lang="en-US" sz="2000" b="0" dirty="0"/>
                     </a:p>
                   </a:txBody>
                   <a:tcPr/>
@@ -6767,7 +6731,7 @@
                         <a:defRPr/>
                       </a:pPr>
                       <a:r>
-                        <a:rPr lang="en-CA" sz="1800" i="1" dirty="0" smtClean="0">
+                        <a:rPr lang="en-CA" sz="2000" b="0" i="1" dirty="0" smtClean="0">
                           <a:solidFill>
                             <a:srgbClr val="000000"/>
                           </a:solidFill>
@@ -6777,7 +6741,7 @@
                         <a:t>Statistical Practice</a:t>
                       </a:r>
                       <a:r>
-                        <a:rPr lang="en-CA" sz="1800" dirty="0" smtClean="0">
+                        <a:rPr lang="en-CA" sz="2000" b="0" dirty="0" smtClean="0">
                           <a:solidFill>
                             <a:srgbClr val="000000"/>
                           </a:solidFill>
@@ -6786,7 +6750,7 @@
                         </a:rPr>
                         <a:t> (SP)</a:t>
                       </a:r>
-                      <a:endParaRPr lang="en-US" dirty="0"/>
+                      <a:endParaRPr lang="en-US" sz="2000" b="0" dirty="0"/>
                     </a:p>
                   </a:txBody>
                   <a:tcPr/>
@@ -6803,7 +6767,7 @@
                 </a:tc>
                 <a:extLst>
                   <a:ext uri="{0D108BD9-81ED-4DB2-BD59-A6C34878D82A}">
-                    <a16:rowId xmlns="" xmlns:a16="http://schemas.microsoft.com/office/drawing/2014/main" val="3659934499"/>
+                    <a16:rowId xmlns:a16="http://schemas.microsoft.com/office/drawing/2014/main" xmlns="" val="3659934499"/>
                   </a:ext>
                 </a:extLst>
               </a:tr>
@@ -6831,7 +6795,7 @@
                         <a:defRPr/>
                       </a:pPr>
                       <a:r>
-                        <a:rPr lang="en-CA" sz="1800" i="1" dirty="0" smtClean="0">
+                        <a:rPr lang="en-CA" sz="2000" b="0" i="1" dirty="0" smtClean="0">
                           <a:solidFill>
                             <a:srgbClr val="000000"/>
                           </a:solidFill>
@@ -6841,7 +6805,7 @@
                         <a:t>Mathematics</a:t>
                       </a:r>
                       <a:r>
-                        <a:rPr lang="en-CA" sz="1800" dirty="0" smtClean="0">
+                        <a:rPr lang="en-CA" sz="2000" b="0" dirty="0" smtClean="0">
                           <a:solidFill>
                             <a:srgbClr val="000000"/>
                           </a:solidFill>
@@ -6850,7 +6814,7 @@
                         </a:rPr>
                         <a:t> (MT)</a:t>
                       </a:r>
-                      <a:endParaRPr lang="en-US" dirty="0"/>
+                      <a:endParaRPr lang="en-US" sz="2000" b="0" dirty="0"/>
                     </a:p>
                   </a:txBody>
                   <a:tcPr/>
@@ -6861,7 +6825,7 @@
                     <a:lstStyle/>
                     <a:p>
                       <a:r>
-                        <a:rPr lang="en-CA" sz="1800" i="1" dirty="0" smtClean="0">
+                        <a:rPr lang="en-CA" sz="2000" b="0" i="1" dirty="0" smtClean="0">
                           <a:solidFill>
                             <a:srgbClr val="000000"/>
                           </a:solidFill>
@@ -6871,7 +6835,7 @@
                         <a:t>Probability</a:t>
                       </a:r>
                       <a:r>
-                        <a:rPr lang="en-CA" sz="1800" dirty="0" smtClean="0">
+                        <a:rPr lang="en-CA" sz="2000" b="0" dirty="0" smtClean="0">
                           <a:solidFill>
                             <a:srgbClr val="000000"/>
                           </a:solidFill>
@@ -6880,7 +6844,7 @@
                         </a:rPr>
                         <a:t> (PT)</a:t>
                       </a:r>
-                      <a:endParaRPr lang="en-US" dirty="0"/>
+                      <a:endParaRPr lang="en-US" sz="2000" b="0" dirty="0"/>
                     </a:p>
                   </a:txBody>
                   <a:tcPr/>
@@ -6901,7 +6865,7 @@
                     <a:lstStyle/>
                     <a:p>
                       <a:r>
-                        <a:rPr lang="en-CA" sz="1800" i="1" dirty="0" smtClean="0">
+                        <a:rPr lang="en-CA" sz="2000" b="0" i="1" dirty="0" smtClean="0">
                           <a:solidFill>
                             <a:srgbClr val="000000"/>
                           </a:solidFill>
@@ -6911,7 +6875,7 @@
                         <a:t>Computing</a:t>
                       </a:r>
                       <a:r>
-                        <a:rPr lang="en-CA" sz="1800" dirty="0" smtClean="0">
+                        <a:rPr lang="en-CA" sz="2000" b="0" dirty="0" smtClean="0">
                           <a:solidFill>
                             <a:srgbClr val="000000"/>
                           </a:solidFill>
@@ -6920,7 +6884,7 @@
                         </a:rPr>
                         <a:t> (CS)</a:t>
                       </a:r>
-                      <a:endParaRPr lang="en-US" dirty="0"/>
+                      <a:endParaRPr lang="en-US" sz="2000" b="0" dirty="0"/>
                     </a:p>
                   </a:txBody>
                   <a:tcPr/>
@@ -6958,7 +6922,7 @@
                         <a:defRPr/>
                       </a:pPr>
                       <a:r>
-                        <a:rPr lang="en-CA" sz="1800" i="1" dirty="0" smtClean="0">
+                        <a:rPr lang="en-CA" sz="2000" b="0" i="1" dirty="0" smtClean="0">
                           <a:solidFill>
                             <a:srgbClr val="000000"/>
                           </a:solidFill>
@@ -6968,7 +6932,7 @@
                         <a:t>Other</a:t>
                       </a:r>
                       <a:r>
-                        <a:rPr lang="en-CA" sz="1800" dirty="0" smtClean="0">
+                        <a:rPr lang="en-CA" sz="2000" b="0" dirty="0" smtClean="0">
                           <a:solidFill>
                             <a:srgbClr val="000000"/>
                           </a:solidFill>
@@ -6977,14 +6941,14 @@
                         </a:rPr>
                         <a:t> (OT)</a:t>
                       </a:r>
-                      <a:endParaRPr lang="en-US" dirty="0"/>
+                      <a:endParaRPr lang="en-US" sz="2000" b="0" dirty="0"/>
                     </a:p>
                   </a:txBody>
                   <a:tcPr/>
                 </a:tc>
                 <a:extLst>
                   <a:ext uri="{0D108BD9-81ED-4DB2-BD59-A6C34878D82A}">
-                    <a16:rowId xmlns="" xmlns:a16="http://schemas.microsoft.com/office/drawing/2014/main" val="3899836006"/>
+                    <a16:rowId xmlns:a16="http://schemas.microsoft.com/office/drawing/2014/main" xmlns="" val="3899836006"/>
                   </a:ext>
                 </a:extLst>
               </a:tr>
@@ -7019,7 +6983,7 @@
     </p:spTree>
     <p:extLst>
       <p:ext uri="{BB962C8B-B14F-4D97-AF65-F5344CB8AC3E}">
-        <p14:creationId xmlns="" xmlns:p14="http://schemas.microsoft.com/office/powerpoint/2010/main" val="1197843771"/>
+        <p14:creationId xmlns:p14="http://schemas.microsoft.com/office/powerpoint/2010/main" xmlns="" val="1197843771"/>
       </p:ext>
     </p:extLst>
   </p:cSld>
@@ -7476,7 +7440,7 @@
     </p:spTree>
     <p:extLst>
       <p:ext uri="{BB962C8B-B14F-4D97-AF65-F5344CB8AC3E}">
-        <p14:creationId xmlns="" xmlns:p14="http://schemas.microsoft.com/office/powerpoint/2010/main" val="323940319"/>
+        <p14:creationId xmlns:p14="http://schemas.microsoft.com/office/powerpoint/2010/main" xmlns="" val="323940319"/>
       </p:ext>
     </p:extLst>
   </p:cSld>
@@ -7552,11 +7516,7 @@
           <a:p>
             <a:r>
               <a:rPr lang="en-US" b="1" dirty="0" smtClean="0"/>
-              <a:t>25 </a:t>
-            </a:r>
-            <a:r>
-              <a:rPr lang="en-US" b="1" dirty="0" smtClean="0"/>
-              <a:t>semester courses </a:t>
+              <a:t>25 semester courses </a:t>
             </a:r>
             <a:r>
               <a:rPr lang="en-US" dirty="0" smtClean="0"/>
@@ -7567,19 +7527,7 @@
             <a:pPr lvl="1"/>
             <a:r>
               <a:rPr lang="en-US" dirty="0" smtClean="0"/>
-              <a:t>i.e. </a:t>
-            </a:r>
-            <a:r>
-              <a:rPr lang="en-US" dirty="0" smtClean="0"/>
-              <a:t>12-13 year-course equivalents</a:t>
-            </a:r>
-            <a:r>
-              <a:rPr lang="en-US" dirty="0" smtClean="0"/>
-              <a:t>,   or </a:t>
-            </a:r>
-            <a:r>
-              <a:rPr lang="en-US" dirty="0" smtClean="0"/>
-              <a:t>72-78 </a:t>
+              <a:t>i.e. 12-13 year-course equivalents,   or 72-78 </a:t>
             </a:r>
             <a:r>
               <a:rPr lang="en-US" dirty="0"/>
@@ -7675,7 +7623,7 @@
     </p:spTree>
     <p:extLst>
       <p:ext uri="{BB962C8B-B14F-4D97-AF65-F5344CB8AC3E}">
-        <p14:creationId xmlns="" xmlns:p14="http://schemas.microsoft.com/office/powerpoint/2010/main" val="755700261"/>
+        <p14:creationId xmlns:p14="http://schemas.microsoft.com/office/powerpoint/2010/main" xmlns="" val="755700261"/>
       </p:ext>
     </p:extLst>
   </p:cSld>
@@ -7947,7 +7895,7 @@
   <a:extraClrSchemeLst/>
   <a:extLst>
     <a:ext uri="{05A4C25C-085E-4340-85A3-A5531E510DB2}">
-      <thm15:themeFamily xmlns="" xmlns:thm15="http://schemas.microsoft.com/office/thememl/2012/main" name="Office Theme" id="{62F939B6-93AF-4DB8-9C6B-D6C7DFDC589F}" vid="{4A3C46E8-61CC-4603-A589-7422A47A8E4A}"/>
+      <thm15:themeFamily xmlns:thm15="http://schemas.microsoft.com/office/thememl/2012/main" xmlns="" name="Office Theme" id="{62F939B6-93AF-4DB8-9C6B-D6C7DFDC589F}" vid="{4A3C46E8-61CC-4603-A589-7422A47A8E4A}"/>
     </a:ext>
   </a:extLst>
 </a:theme>
@@ -8208,7 +8156,7 @@
   <a:extraClrSchemeLst/>
   <a:extLst>
     <a:ext uri="{05A4C25C-085E-4340-85A3-A5531E510DB2}">
-      <thm15:themeFamily xmlns="" xmlns:thm15="http://schemas.microsoft.com/office/thememl/2012/main" name="Office Theme" id="{62F939B6-93AF-4DB8-9C6B-D6C7DFDC589F}" vid="{4A3C46E8-61CC-4603-A589-7422A47A8E4A}"/>
+      <thm15:themeFamily xmlns:thm15="http://schemas.microsoft.com/office/thememl/2012/main" xmlns="" name="Office Theme" id="{62F939B6-93AF-4DB8-9C6B-D6C7DFDC589F}" vid="{4A3C46E8-61CC-4603-A589-7422A47A8E4A}"/>
     </a:ext>
   </a:extLst>
 </a:theme>
